--- a/Poster424.pptx
+++ b/Poster424.pptx
@@ -2247,7 +2247,7 @@
           </a:ln>
           <a:extLst>
             <a:ext uri="{C572A759-6A51-4108-AA02-DFA0A04FC94B}">
-              <ma14:wrappingTextBoxFlag xmlns:ma14="http://schemas.microsoft.com/office/mac/drawingml/2011/main" val="1"/>
+              <ma14:wrappingTextBoxFlag xmlns:ma14="http://schemas.microsoft.com/office/mac/drawingml/2011/main" xmlns="" val="1"/>
             </a:ext>
           </a:extLst>
         </p:spPr>
@@ -2286,7 +2286,7 @@
           </a:ln>
           <a:extLst>
             <a:ext uri="{C572A759-6A51-4108-AA02-DFA0A04FC94B}">
-              <ma14:wrappingTextBoxFlag xmlns:ma14="http://schemas.microsoft.com/office/mac/drawingml/2011/main" val="1"/>
+              <ma14:wrappingTextBoxFlag xmlns:ma14="http://schemas.microsoft.com/office/mac/drawingml/2011/main" xmlns="" val="1"/>
             </a:ext>
           </a:extLst>
         </p:spPr>
@@ -3246,7 +3246,9 @@
             <a:avLst/>
           </a:prstGeom>
           <a:solidFill>
-            <a:srgbClr val="FFFFFF"/>
+            <a:schemeClr val="bg2">
+              <a:lumMod val="75000"/>
+            </a:schemeClr>
           </a:solidFill>
           <a:ln>
             <a:solidFill>
@@ -3272,7 +3274,11 @@
                 </a:solidFill>
               </a:defRPr>
             </a:pPr>
-            <a:endParaRPr/>
+            <a:endParaRPr>
+              <a:solidFill>
+                <a:schemeClr val="tx1"/>
+              </a:solidFill>
+            </a:endParaRPr>
           </a:p>
         </p:txBody>
       </p:sp>
@@ -3365,7 +3371,7 @@
           </a:ln>
           <a:extLst>
             <a:ext uri="{C572A759-6A51-4108-AA02-DFA0A04FC94B}">
-              <ma14:wrappingTextBoxFlag xmlns:ma14="http://schemas.microsoft.com/office/mac/drawingml/2011/main" val="1"/>
+              <ma14:wrappingTextBoxFlag xmlns:ma14="http://schemas.microsoft.com/office/mac/drawingml/2011/main" xmlns="" val="1"/>
             </a:ext>
           </a:extLst>
         </p:spPr>
@@ -3438,8 +3444,8 @@
         </p:nvSpPr>
         <p:spPr>
           <a:xfrm>
-            <a:off x="17373598" y="7468851"/>
-            <a:ext cx="21782090" cy="8763001"/>
+            <a:off x="17504226" y="7403538"/>
+            <a:ext cx="21782090" cy="8252732"/>
           </a:xfrm>
           <a:prstGeom prst="rect">
             <a:avLst/>
@@ -3470,7 +3476,7 @@
         </p:nvSpPr>
         <p:spPr>
           <a:xfrm>
-            <a:off x="1196997" y="12828106"/>
+            <a:off x="1196997" y="13122019"/>
             <a:ext cx="15262202" cy="22501709"/>
           </a:xfrm>
           <a:prstGeom prst="rect">
@@ -3513,7 +3519,7 @@
           </a:ln>
           <a:extLst>
             <a:ext uri="{C572A759-6A51-4108-AA02-DFA0A04FC94B}">
-              <ma14:wrappingTextBoxFlag xmlns:ma14="http://schemas.microsoft.com/office/mac/drawingml/2011/main" val="1"/>
+              <ma14:wrappingTextBoxFlag xmlns:ma14="http://schemas.microsoft.com/office/mac/drawingml/2011/main" xmlns="" val="1"/>
             </a:ext>
           </a:extLst>
         </p:spPr>
@@ -3538,10 +3544,90 @@
               </a:defRPr>
             </a:pPr>
             <a:r>
-              <a:rPr lang="en-US" dirty="0" smtClean="0"/>
-              <a:t>Spices Inform a Recipe’s Culture of Origin</a:t>
+              <a:rPr lang="en-US" sz="8000" dirty="0" smtClean="0">
+                <a:ln w="15875">
+                  <a:solidFill>
+                    <a:schemeClr val="bg1">
+                      <a:alpha val="45000"/>
+                    </a:schemeClr>
+                  </a:solidFill>
+                </a:ln>
+                <a:solidFill>
+                  <a:schemeClr val="bg1"/>
+                </a:solidFill>
+                <a:effectLst>
+                  <a:glow rad="228600">
+                    <a:schemeClr val="tx1">
+                      <a:alpha val="40000"/>
+                    </a:schemeClr>
+                  </a:glow>
+                </a:effectLst>
+              </a:rPr>
+              <a:t>Ingredients Inform </a:t>
             </a:r>
-            <a:endParaRPr sz="2400" dirty="0" smtClean="0"/>
+            <a:r>
+              <a:rPr lang="en-US" sz="8000" dirty="0" smtClean="0">
+                <a:ln w="15875">
+                  <a:solidFill>
+                    <a:schemeClr val="bg1">
+                      <a:alpha val="45000"/>
+                    </a:schemeClr>
+                  </a:solidFill>
+                </a:ln>
+                <a:solidFill>
+                  <a:schemeClr val="bg1"/>
+                </a:solidFill>
+                <a:effectLst>
+                  <a:glow rad="228600">
+                    <a:schemeClr val="tx1">
+                      <a:alpha val="40000"/>
+                    </a:schemeClr>
+                  </a:glow>
+                </a:effectLst>
+              </a:rPr>
+              <a:t>a Recipe’s Culture of </a:t>
+            </a:r>
+            <a:r>
+              <a:rPr lang="en-US" sz="8000" dirty="0" smtClean="0">
+                <a:ln w="15875">
+                  <a:solidFill>
+                    <a:schemeClr val="bg1">
+                      <a:alpha val="45000"/>
+                    </a:schemeClr>
+                  </a:solidFill>
+                </a:ln>
+                <a:solidFill>
+                  <a:schemeClr val="bg1"/>
+                </a:solidFill>
+                <a:effectLst>
+                  <a:glow rad="228600">
+                    <a:schemeClr val="tx1">
+                      <a:alpha val="40000"/>
+                    </a:schemeClr>
+                  </a:glow>
+                </a:effectLst>
+              </a:rPr>
+              <a:t>Origin (or other title)</a:t>
+            </a:r>
+            <a:endParaRPr sz="8000" dirty="0" smtClean="0">
+              <a:ln w="15875">
+                <a:solidFill>
+                  <a:schemeClr val="bg1">
+                    <a:alpha val="45000"/>
+                  </a:schemeClr>
+                </a:solidFill>
+              </a:ln>
+              <a:solidFill>
+                <a:schemeClr val="bg1"/>
+              </a:solidFill>
+              <a:effectLst>
+                <a:glow rad="228600">
+                  <a:schemeClr val="tx1">
+                    <a:alpha val="40000"/>
+                  </a:schemeClr>
+                </a:glow>
+              </a:effectLst>
+            </a:endParaRPr>
           </a:p>
           <a:p>
             <a:pPr algn="ctr" defTabSz="838200">
@@ -3559,117 +3645,639 @@
               </a:defRPr>
             </a:pPr>
             <a:r>
-              <a:rPr lang="en-US" dirty="0"/>
+              <a:rPr lang="en-US" sz="5000" dirty="0">
+                <a:ln w="15875">
+                  <a:solidFill>
+                    <a:schemeClr val="bg1">
+                      <a:alpha val="45000"/>
+                    </a:schemeClr>
+                  </a:solidFill>
+                </a:ln>
+                <a:solidFill>
+                  <a:schemeClr val="bg1"/>
+                </a:solidFill>
+                <a:effectLst>
+                  <a:glow rad="228600">
+                    <a:schemeClr val="tx1">
+                      <a:alpha val="40000"/>
+                    </a:schemeClr>
+                  </a:glow>
+                </a:effectLst>
+              </a:rPr>
               <a:t>Collins </a:t>
             </a:r>
             <a:r>
-              <a:rPr lang="en-US" dirty="0" smtClean="0"/>
+              <a:rPr lang="en-US" sz="5000" dirty="0" smtClean="0">
+                <a:ln w="15875">
+                  <a:solidFill>
+                    <a:schemeClr val="bg1">
+                      <a:alpha val="45000"/>
+                    </a:schemeClr>
+                  </a:solidFill>
+                </a:ln>
+                <a:solidFill>
+                  <a:schemeClr val="bg1"/>
+                </a:solidFill>
+                <a:effectLst>
+                  <a:glow rad="228600">
+                    <a:schemeClr val="tx1">
+                      <a:alpha val="40000"/>
+                    </a:schemeClr>
+                  </a:glow>
+                </a:effectLst>
+              </a:rPr>
               <a:t>Metto</a:t>
             </a:r>
             <a:r>
-              <a:rPr lang="en-US" baseline="30000" dirty="0" smtClean="0"/>
+              <a:rPr lang="en-US" sz="5000" baseline="30000" dirty="0" smtClean="0">
+                <a:ln w="15875">
+                  <a:solidFill>
+                    <a:schemeClr val="bg1">
+                      <a:alpha val="45000"/>
+                    </a:schemeClr>
+                  </a:solidFill>
+                </a:ln>
+                <a:solidFill>
+                  <a:schemeClr val="bg1"/>
+                </a:solidFill>
+                <a:effectLst>
+                  <a:glow rad="228600">
+                    <a:schemeClr val="tx1">
+                      <a:alpha val="40000"/>
+                    </a:schemeClr>
+                  </a:glow>
+                </a:effectLst>
+              </a:rPr>
               <a:t>1</a:t>
             </a:r>
             <a:r>
-              <a:rPr lang="en-US" dirty="0" smtClean="0"/>
+              <a:rPr lang="en-US" sz="5000" dirty="0" smtClean="0">
+                <a:ln w="15875">
+                  <a:solidFill>
+                    <a:schemeClr val="bg1">
+                      <a:alpha val="45000"/>
+                    </a:schemeClr>
+                  </a:solidFill>
+                </a:ln>
+                <a:solidFill>
+                  <a:schemeClr val="bg1"/>
+                </a:solidFill>
+                <a:effectLst>
+                  <a:glow rad="228600">
+                    <a:schemeClr val="tx1">
+                      <a:alpha val="40000"/>
+                    </a:schemeClr>
+                  </a:glow>
+                </a:effectLst>
+              </a:rPr>
               <a:t>, Christopher Criscitiello</a:t>
             </a:r>
             <a:r>
-              <a:rPr lang="en-US" baseline="30000" dirty="0" smtClean="0"/>
+              <a:rPr lang="en-US" sz="5000" baseline="30000" dirty="0" smtClean="0">
+                <a:ln w="15875">
+                  <a:solidFill>
+                    <a:schemeClr val="bg1">
+                      <a:alpha val="45000"/>
+                    </a:schemeClr>
+                  </a:solidFill>
+                </a:ln>
+                <a:solidFill>
+                  <a:schemeClr val="bg1"/>
+                </a:solidFill>
+                <a:effectLst>
+                  <a:glow rad="228600">
+                    <a:schemeClr val="tx1">
+                      <a:alpha val="40000"/>
+                    </a:schemeClr>
+                  </a:glow>
+                </a:effectLst>
+              </a:rPr>
               <a:t>2</a:t>
             </a:r>
             <a:r>
-              <a:rPr lang="en-US" dirty="0"/>
+              <a:rPr lang="en-US" sz="5000" dirty="0">
+                <a:ln w="15875">
+                  <a:solidFill>
+                    <a:schemeClr val="bg1">
+                      <a:alpha val="45000"/>
+                    </a:schemeClr>
+                  </a:solidFill>
+                </a:ln>
+                <a:solidFill>
+                  <a:schemeClr val="bg1"/>
+                </a:solidFill>
+                <a:effectLst>
+                  <a:glow rad="228600">
+                    <a:schemeClr val="tx1">
+                      <a:alpha val="40000"/>
+                    </a:schemeClr>
+                  </a:glow>
+                </a:effectLst>
+              </a:rPr>
               <a:t>, </a:t>
             </a:r>
             <a:r>
-              <a:rPr lang="en-US" dirty="0" err="1" smtClean="0"/>
+              <a:rPr lang="en-US" sz="5000" dirty="0" err="1" smtClean="0">
+                <a:ln w="15875">
+                  <a:solidFill>
+                    <a:schemeClr val="bg1">
+                      <a:alpha val="45000"/>
+                    </a:schemeClr>
+                  </a:solidFill>
+                </a:ln>
+                <a:solidFill>
+                  <a:schemeClr val="bg1"/>
+                </a:solidFill>
+                <a:effectLst>
+                  <a:glow rad="228600">
+                    <a:schemeClr val="tx1">
+                      <a:alpha val="40000"/>
+                    </a:schemeClr>
+                  </a:glow>
+                </a:effectLst>
+              </a:rPr>
               <a:t>Lili</a:t>
             </a:r>
             <a:r>
-              <a:rPr lang="en-US" dirty="0" smtClean="0"/>
+              <a:rPr lang="en-US" sz="5000" dirty="0" smtClean="0">
+                <a:ln w="15875">
+                  <a:solidFill>
+                    <a:schemeClr val="bg1">
+                      <a:alpha val="45000"/>
+                    </a:schemeClr>
+                  </a:solidFill>
+                </a:ln>
+                <a:solidFill>
+                  <a:schemeClr val="bg1"/>
+                </a:solidFill>
+                <a:effectLst>
+                  <a:glow rad="228600">
+                    <a:schemeClr val="tx1">
+                      <a:alpha val="40000"/>
+                    </a:schemeClr>
+                  </a:glow>
+                </a:effectLst>
+              </a:rPr>
               <a:t> Cai</a:t>
             </a:r>
             <a:r>
-              <a:rPr lang="en-US" baseline="30000" dirty="0" smtClean="0"/>
+              <a:rPr lang="en-US" sz="5000" baseline="30000" dirty="0" smtClean="0">
+                <a:ln w="15875">
+                  <a:solidFill>
+                    <a:schemeClr val="bg1">
+                      <a:alpha val="45000"/>
+                    </a:schemeClr>
+                  </a:solidFill>
+                </a:ln>
+                <a:solidFill>
+                  <a:schemeClr val="bg1"/>
+                </a:solidFill>
+                <a:effectLst>
+                  <a:glow rad="228600">
+                    <a:schemeClr val="tx1">
+                      <a:alpha val="40000"/>
+                    </a:schemeClr>
+                  </a:glow>
+                </a:effectLst>
+              </a:rPr>
               <a:t>3</a:t>
             </a:r>
             <a:r>
-              <a:rPr dirty="0" smtClean="0"/>
+              <a:rPr sz="5000" dirty="0" smtClean="0">
+                <a:ln w="15875">
+                  <a:solidFill>
+                    <a:schemeClr val="bg1">
+                      <a:alpha val="45000"/>
+                    </a:schemeClr>
+                  </a:solidFill>
+                </a:ln>
+                <a:solidFill>
+                  <a:schemeClr val="bg1"/>
+                </a:solidFill>
+                <a:effectLst>
+                  <a:glow rad="228600">
+                    <a:schemeClr val="tx1">
+                      <a:alpha val="40000"/>
+                    </a:schemeClr>
+                  </a:glow>
+                </a:effectLst>
+              </a:rPr>
               <a:t>, </a:t>
             </a:r>
             <a:r>
-              <a:rPr lang="en-US" dirty="0" err="1"/>
+              <a:rPr lang="en-US" sz="5000" dirty="0" err="1">
+                <a:ln w="15875">
+                  <a:solidFill>
+                    <a:schemeClr val="bg1">
+                      <a:alpha val="45000"/>
+                    </a:schemeClr>
+                  </a:solidFill>
+                </a:ln>
+                <a:solidFill>
+                  <a:schemeClr val="bg1"/>
+                </a:solidFill>
+                <a:effectLst>
+                  <a:glow rad="228600">
+                    <a:schemeClr val="tx1">
+                      <a:alpha val="40000"/>
+                    </a:schemeClr>
+                  </a:glow>
+                </a:effectLst>
+              </a:rPr>
               <a:t>Mingyu</a:t>
             </a:r>
             <a:r>
-              <a:rPr lang="en-US" dirty="0"/>
+              <a:rPr lang="en-US" sz="5000" dirty="0">
+                <a:ln w="15875">
+                  <a:solidFill>
+                    <a:schemeClr val="bg1">
+                      <a:alpha val="45000"/>
+                    </a:schemeClr>
+                  </a:solidFill>
+                </a:ln>
+                <a:solidFill>
+                  <a:schemeClr val="bg1"/>
+                </a:solidFill>
+                <a:effectLst>
+                  <a:glow rad="228600">
+                    <a:schemeClr val="tx1">
+                      <a:alpha val="40000"/>
+                    </a:schemeClr>
+                  </a:glow>
+                </a:effectLst>
+              </a:rPr>
               <a:t> </a:t>
             </a:r>
             <a:r>
-              <a:rPr lang="en-US" dirty="0" smtClean="0"/>
+              <a:rPr lang="en-US" sz="5000" dirty="0" smtClean="0">
+                <a:ln w="15875">
+                  <a:solidFill>
+                    <a:schemeClr val="bg1">
+                      <a:alpha val="45000"/>
+                    </a:schemeClr>
+                  </a:solidFill>
+                </a:ln>
+                <a:solidFill>
+                  <a:schemeClr val="bg1"/>
+                </a:solidFill>
+                <a:effectLst>
+                  <a:glow rad="228600">
+                    <a:schemeClr val="tx1">
+                      <a:alpha val="40000"/>
+                    </a:schemeClr>
+                  </a:glow>
+                </a:effectLst>
+              </a:rPr>
               <a:t>Song</a:t>
             </a:r>
             <a:r>
-              <a:rPr lang="en-US" baseline="30000" dirty="0" smtClean="0"/>
+              <a:rPr lang="en-US" sz="5000" baseline="30000" dirty="0" smtClean="0">
+                <a:ln w="15875">
+                  <a:solidFill>
+                    <a:schemeClr val="bg1">
+                      <a:alpha val="45000"/>
+                    </a:schemeClr>
+                  </a:solidFill>
+                </a:ln>
+                <a:solidFill>
+                  <a:schemeClr val="bg1"/>
+                </a:solidFill>
+                <a:effectLst>
+                  <a:glow rad="228600">
+                    <a:schemeClr val="tx1">
+                      <a:alpha val="40000"/>
+                    </a:schemeClr>
+                  </a:glow>
+                </a:effectLst>
+              </a:rPr>
               <a:t>3</a:t>
             </a:r>
             <a:r>
-              <a:rPr lang="en-US" dirty="0" smtClean="0"/>
+              <a:rPr lang="en-US" sz="5000" dirty="0" smtClean="0">
+                <a:ln w="15875">
+                  <a:solidFill>
+                    <a:schemeClr val="bg1">
+                      <a:alpha val="45000"/>
+                    </a:schemeClr>
+                  </a:solidFill>
+                </a:ln>
+                <a:solidFill>
+                  <a:schemeClr val="bg1"/>
+                </a:solidFill>
+                <a:effectLst>
+                  <a:glow rad="228600">
+                    <a:schemeClr val="tx1">
+                      <a:alpha val="40000"/>
+                    </a:schemeClr>
+                  </a:glow>
+                </a:effectLst>
+              </a:rPr>
               <a:t> </a:t>
             </a:r>
             <a:r>
-              <a:rPr baseline="30000" dirty="0" smtClean="0"/>
+              <a:rPr sz="5000" baseline="30000" dirty="0" smtClean="0">
+                <a:ln w="15875">
+                  <a:solidFill>
+                    <a:schemeClr val="bg1">
+                      <a:alpha val="45000"/>
+                    </a:schemeClr>
+                  </a:solidFill>
+                </a:ln>
+                <a:solidFill>
+                  <a:schemeClr val="bg1"/>
+                </a:solidFill>
+                <a:effectLst>
+                  <a:glow rad="228600">
+                    <a:schemeClr val="tx1">
+                      <a:alpha val="40000"/>
+                    </a:schemeClr>
+                  </a:glow>
+                </a:effectLst>
+              </a:rPr>
               <a:t/>
             </a:r>
             <a:br>
-              <a:rPr baseline="30000" dirty="0" smtClean="0"/>
+              <a:rPr sz="5000" baseline="30000" dirty="0" smtClean="0">
+                <a:ln w="15875">
+                  <a:solidFill>
+                    <a:schemeClr val="bg1">
+                      <a:alpha val="45000"/>
+                    </a:schemeClr>
+                  </a:solidFill>
+                </a:ln>
+                <a:solidFill>
+                  <a:schemeClr val="bg1"/>
+                </a:solidFill>
+                <a:effectLst>
+                  <a:glow rad="228600">
+                    <a:schemeClr val="tx1">
+                      <a:alpha val="40000"/>
+                    </a:schemeClr>
+                  </a:glow>
+                </a:effectLst>
+              </a:rPr>
             </a:br>
             <a:r>
-              <a:rPr sz="4000" dirty="0" smtClean="0"/>
+              <a:rPr sz="5000" dirty="0" smtClean="0">
+                <a:ln w="15875">
+                  <a:solidFill>
+                    <a:schemeClr val="bg1">
+                      <a:alpha val="45000"/>
+                    </a:schemeClr>
+                  </a:solidFill>
+                </a:ln>
+                <a:solidFill>
+                  <a:schemeClr val="bg1"/>
+                </a:solidFill>
+                <a:effectLst>
+                  <a:glow rad="228600">
+                    <a:schemeClr val="tx1">
+                      <a:alpha val="40000"/>
+                    </a:schemeClr>
+                  </a:glow>
+                </a:effectLst>
+              </a:rPr>
               <a:t>Princeton University, Department of </a:t>
             </a:r>
             <a:r>
-              <a:rPr lang="is-IS" sz="4000" baseline="30000" dirty="0"/>
+              <a:rPr lang="is-IS" sz="5000" baseline="30000" dirty="0">
+                <a:ln w="15875">
+                  <a:solidFill>
+                    <a:schemeClr val="bg1">
+                      <a:alpha val="45000"/>
+                    </a:schemeClr>
+                  </a:solidFill>
+                </a:ln>
+                <a:solidFill>
+                  <a:schemeClr val="bg1"/>
+                </a:solidFill>
+                <a:effectLst>
+                  <a:glow rad="228600">
+                    <a:schemeClr val="tx1">
+                      <a:alpha val="40000"/>
+                    </a:schemeClr>
+                  </a:glow>
+                </a:effectLst>
+              </a:rPr>
               <a:t>1 </a:t>
             </a:r>
             <a:r>
-              <a:rPr lang="en-US" sz="4000" dirty="0" smtClean="0"/>
-              <a:t>Computer Science</a:t>
+              <a:rPr lang="en-US" sz="5000" dirty="0" smtClean="0">
+                <a:ln w="15875">
+                  <a:solidFill>
+                    <a:schemeClr val="bg1">
+                      <a:alpha val="45000"/>
+                    </a:schemeClr>
+                  </a:solidFill>
+                </a:ln>
+                <a:solidFill>
+                  <a:schemeClr val="bg1"/>
+                </a:solidFill>
+                <a:effectLst>
+                  <a:glow rad="228600">
+                    <a:schemeClr val="tx1">
+                      <a:alpha val="40000"/>
+                    </a:schemeClr>
+                  </a:glow>
+                </a:effectLst>
+              </a:rPr>
+              <a:t>Computer </a:t>
             </a:r>
             <a:r>
-              <a:rPr sz="4000" dirty="0" smtClean="0"/>
-              <a:t>; </a:t>
+              <a:rPr lang="en-US" sz="5000" dirty="0" smtClean="0">
+                <a:ln w="15875">
+                  <a:solidFill>
+                    <a:schemeClr val="bg1">
+                      <a:alpha val="45000"/>
+                    </a:schemeClr>
+                  </a:solidFill>
+                </a:ln>
+                <a:solidFill>
+                  <a:schemeClr val="bg1"/>
+                </a:solidFill>
+                <a:effectLst>
+                  <a:glow rad="228600">
+                    <a:schemeClr val="tx1">
+                      <a:alpha val="40000"/>
+                    </a:schemeClr>
+                  </a:glow>
+                </a:effectLst>
+              </a:rPr>
+              <a:t>Science,</a:t>
             </a:r>
             <a:r>
-              <a:rPr sz="4000" baseline="30000" dirty="0" smtClean="0"/>
+              <a:rPr sz="5000" dirty="0" smtClean="0">
+                <a:ln w="15875">
+                  <a:solidFill>
+                    <a:schemeClr val="bg1">
+                      <a:alpha val="45000"/>
+                    </a:schemeClr>
+                  </a:solidFill>
+                </a:ln>
+                <a:solidFill>
+                  <a:schemeClr val="bg1"/>
+                </a:solidFill>
+                <a:effectLst>
+                  <a:glow rad="228600">
+                    <a:schemeClr val="tx1">
+                      <a:alpha val="40000"/>
+                    </a:schemeClr>
+                  </a:glow>
+                </a:effectLst>
+              </a:rPr>
+              <a:t> </a:t>
+            </a:r>
+            <a:r>
+              <a:rPr sz="5000" baseline="30000" dirty="0" smtClean="0">
+                <a:ln w="15875">
+                  <a:solidFill>
+                    <a:schemeClr val="bg1">
+                      <a:alpha val="45000"/>
+                    </a:schemeClr>
+                  </a:solidFill>
+                </a:ln>
+                <a:solidFill>
+                  <a:schemeClr val="bg1"/>
+                </a:solidFill>
+                <a:effectLst>
+                  <a:glow rad="228600">
+                    <a:schemeClr val="tx1">
+                      <a:alpha val="40000"/>
+                    </a:schemeClr>
+                  </a:glow>
+                </a:effectLst>
+              </a:rPr>
               <a:t>2</a:t>
             </a:r>
             <a:r>
-              <a:rPr sz="4000" dirty="0" smtClean="0"/>
+              <a:rPr sz="5000" dirty="0" smtClean="0">
+                <a:ln w="15875">
+                  <a:solidFill>
+                    <a:schemeClr val="bg1">
+                      <a:alpha val="45000"/>
+                    </a:schemeClr>
+                  </a:solidFill>
+                </a:ln>
+                <a:solidFill>
+                  <a:schemeClr val="bg1"/>
+                </a:solidFill>
+                <a:effectLst>
+                  <a:glow rad="228600">
+                    <a:schemeClr val="tx1">
+                      <a:alpha val="40000"/>
+                    </a:schemeClr>
+                  </a:glow>
+                </a:effectLst>
+              </a:rPr>
               <a:t> </a:t>
             </a:r>
             <a:r>
-              <a:rPr lang="en-US" sz="4000" dirty="0" smtClean="0"/>
+              <a:rPr lang="en-US" sz="5000" dirty="0" smtClean="0">
+                <a:ln w="15875">
+                  <a:solidFill>
+                    <a:schemeClr val="bg1">
+                      <a:alpha val="45000"/>
+                    </a:schemeClr>
+                  </a:solidFill>
+                </a:ln>
+                <a:solidFill>
+                  <a:schemeClr val="bg1"/>
+                </a:solidFill>
+                <a:effectLst>
+                  <a:glow rad="228600">
+                    <a:schemeClr val="tx1">
+                      <a:alpha val="40000"/>
+                    </a:schemeClr>
+                  </a:glow>
+                </a:effectLst>
+              </a:rPr>
               <a:t>Mathematics</a:t>
             </a:r>
             <a:r>
-              <a:rPr sz="4000" dirty="0" smtClean="0"/>
+              <a:rPr sz="5000" dirty="0" smtClean="0">
+                <a:ln w="15875">
+                  <a:solidFill>
+                    <a:schemeClr val="bg1">
+                      <a:alpha val="45000"/>
+                    </a:schemeClr>
+                  </a:solidFill>
+                </a:ln>
+                <a:solidFill>
+                  <a:schemeClr val="bg1"/>
+                </a:solidFill>
+                <a:effectLst>
+                  <a:glow rad="228600">
+                    <a:schemeClr val="tx1">
+                      <a:alpha val="40000"/>
+                    </a:schemeClr>
+                  </a:glow>
+                </a:effectLst>
+              </a:rPr>
               <a:t>, </a:t>
             </a:r>
             <a:r>
-              <a:rPr lang="is-IS" sz="4000" baseline="30000" dirty="0" smtClean="0"/>
-              <a:t>3</a:t>
+              <a:rPr lang="is-IS" sz="5000" baseline="30000" dirty="0" smtClean="0">
+                <a:ln w="15875">
+                  <a:solidFill>
+                    <a:schemeClr val="bg1">
+                      <a:alpha val="45000"/>
+                    </a:schemeClr>
+                  </a:solidFill>
+                </a:ln>
+                <a:solidFill>
+                  <a:schemeClr val="bg1"/>
+                </a:solidFill>
+                <a:effectLst>
+                  <a:glow rad="228600">
+                    <a:schemeClr val="tx1">
+                      <a:alpha val="40000"/>
+                    </a:schemeClr>
+                  </a:glow>
+                </a:effectLst>
+              </a:rPr>
+              <a:t>3 </a:t>
             </a:r>
             <a:r>
-              <a:rPr lang="is-IS" sz="4000" baseline="30000" dirty="0" smtClean="0"/>
-              <a:t> </a:t>
-            </a:r>
-            <a:r>
-              <a:rPr lang="en-US" sz="4000" dirty="0" smtClean="0"/>
+              <a:rPr lang="en-US" sz="5000" dirty="0" smtClean="0">
+                <a:ln w="15875">
+                  <a:solidFill>
+                    <a:schemeClr val="bg1">
+                      <a:alpha val="45000"/>
+                    </a:schemeClr>
+                  </a:solidFill>
+                </a:ln>
+                <a:solidFill>
+                  <a:schemeClr val="bg1"/>
+                </a:solidFill>
+                <a:effectLst>
+                  <a:glow rad="228600">
+                    <a:schemeClr val="tx1">
+                      <a:alpha val="40000"/>
+                    </a:schemeClr>
+                  </a:glow>
+                </a:effectLst>
+              </a:rPr>
               <a:t>Neuroscience</a:t>
             </a:r>
-            <a:endParaRPr sz="4000" dirty="0"/>
+            <a:endParaRPr sz="5000" dirty="0">
+              <a:ln w="15875">
+                <a:solidFill>
+                  <a:schemeClr val="bg1">
+                    <a:alpha val="45000"/>
+                  </a:schemeClr>
+                </a:solidFill>
+              </a:ln>
+              <a:solidFill>
+                <a:schemeClr val="bg1"/>
+              </a:solidFill>
+              <a:effectLst>
+                <a:glow rad="228600">
+                  <a:schemeClr val="tx1">
+                    <a:alpha val="40000"/>
+                  </a:schemeClr>
+                </a:glow>
+              </a:effectLst>
+            </a:endParaRPr>
           </a:p>
         </p:txBody>
       </p:sp>
@@ -3692,7 +4300,7 @@
           </a:ln>
           <a:extLst>
             <a:ext uri="{C572A759-6A51-4108-AA02-DFA0A04FC94B}">
-              <ma14:wrappingTextBoxFlag xmlns:ma14="http://schemas.microsoft.com/office/mac/drawingml/2011/main" val="1"/>
+              <ma14:wrappingTextBoxFlag xmlns:ma14="http://schemas.microsoft.com/office/mac/drawingml/2011/main" xmlns="" val="1"/>
             </a:ext>
           </a:extLst>
         </p:spPr>
@@ -3786,7 +4394,7 @@
           </a:ln>
           <a:extLst>
             <a:ext uri="{C572A759-6A51-4108-AA02-DFA0A04FC94B}">
-              <ma14:wrappingTextBoxFlag xmlns:ma14="http://schemas.microsoft.com/office/mac/drawingml/2011/main" val="1"/>
+              <ma14:wrappingTextBoxFlag xmlns:ma14="http://schemas.microsoft.com/office/mac/drawingml/2011/main" xmlns="" val="1"/>
             </a:ext>
           </a:extLst>
         </p:spPr>
@@ -3844,7 +4452,7 @@
           </a:ln>
           <a:extLst>
             <a:ext uri="{C572A759-6A51-4108-AA02-DFA0A04FC94B}">
-              <ma14:wrappingTextBoxFlag xmlns:ma14="http://schemas.microsoft.com/office/mac/drawingml/2011/main" val="1"/>
+              <ma14:wrappingTextBoxFlag xmlns:ma14="http://schemas.microsoft.com/office/mac/drawingml/2011/main" xmlns="" val="1"/>
             </a:ext>
           </a:extLst>
         </p:spPr>
@@ -3942,7 +4550,7 @@
           </a:ln>
           <a:extLst>
             <a:ext uri="{C572A759-6A51-4108-AA02-DFA0A04FC94B}">
-              <ma14:wrappingTextBoxFlag xmlns:ma14="http://schemas.microsoft.com/office/mac/drawingml/2011/main" val="1"/>
+              <ma14:wrappingTextBoxFlag xmlns:ma14="http://schemas.microsoft.com/office/mac/drawingml/2011/main" xmlns="" val="1"/>
             </a:ext>
           </a:extLst>
         </p:spPr>
@@ -3984,7 +4592,7 @@
         </p:nvSpPr>
         <p:spPr>
           <a:xfrm>
-            <a:off x="1176999" y="7370763"/>
+            <a:off x="1176999" y="7272792"/>
             <a:ext cx="15282200" cy="4811714"/>
           </a:xfrm>
           <a:prstGeom prst="rect">
@@ -4016,7 +4624,7 @@
         </p:nvSpPr>
         <p:spPr>
           <a:xfrm>
-            <a:off x="1177000" y="6553200"/>
+            <a:off x="1177000" y="6455229"/>
             <a:ext cx="15282199" cy="820034"/>
           </a:xfrm>
           <a:prstGeom prst="rect">
@@ -4033,7 +4641,7 @@
           </a:ln>
           <a:extLst>
             <a:ext uri="{C572A759-6A51-4108-AA02-DFA0A04FC94B}">
-              <ma14:wrappingTextBoxFlag xmlns:ma14="http://schemas.microsoft.com/office/mac/drawingml/2011/main" val="1"/>
+              <ma14:wrappingTextBoxFlag xmlns:ma14="http://schemas.microsoft.com/office/mac/drawingml/2011/main" xmlns="" val="1"/>
             </a:ext>
           </a:extLst>
         </p:spPr>
@@ -4086,7 +4694,7 @@
           </a:ln>
           <a:extLst>
             <a:ext uri="{C572A759-6A51-4108-AA02-DFA0A04FC94B}">
-              <ma14:wrappingTextBoxFlag xmlns:ma14="http://schemas.microsoft.com/office/mac/drawingml/2011/main" val="1"/>
+              <ma14:wrappingTextBoxFlag xmlns:ma14="http://schemas.microsoft.com/office/mac/drawingml/2011/main" xmlns="" val="1"/>
             </a:ext>
           </a:extLst>
         </p:spPr>
@@ -4109,7 +4717,11 @@
             </a:pPr>
             <a:r>
               <a:rPr lang="en-US" dirty="0" smtClean="0"/>
-              <a:t>Food is delicious! We want to know the similarities and differences in recipe ingredients across cultures worldwide</a:t>
+              <a:t>Food is delicious! We want </a:t>
+            </a:r>
+            <a:r>
+              <a:rPr lang="en-US" dirty="0" smtClean="0"/>
+              <a:t>to if recipe ingredients can inform their culture of origin, and if so, which ingredients are most predictive. (??)</a:t>
             </a:r>
             <a:endParaRPr dirty="0"/>
           </a:p>
@@ -4222,7 +4834,11 @@
             </a:pPr>
             <a:r>
               <a:rPr lang="en-US" dirty="0" smtClean="0"/>
-              <a:t>We also will use unsupervised learning to see if natural clusters emerge based on recipe ingredients.  (AND add result) </a:t>
+              <a:t>We extend the challenge by using unsupervised </a:t>
+            </a:r>
+            <a:r>
+              <a:rPr lang="en-US" dirty="0" smtClean="0"/>
+              <a:t>learning to see if natural clusters emerge based on recipe ingredients.  (AND add result) </a:t>
             </a:r>
             <a:endParaRPr dirty="0"/>
           </a:p>
@@ -4236,7 +4852,7 @@
         </p:nvSpPr>
         <p:spPr>
           <a:xfrm>
-            <a:off x="1210597" y="11959453"/>
+            <a:off x="1182437" y="12414913"/>
             <a:ext cx="15282199" cy="826385"/>
           </a:xfrm>
           <a:prstGeom prst="rect">
@@ -4253,7 +4869,7 @@
           </a:ln>
           <a:extLst>
             <a:ext uri="{C572A759-6A51-4108-AA02-DFA0A04FC94B}">
-              <ma14:wrappingTextBoxFlag xmlns:ma14="http://schemas.microsoft.com/office/mac/drawingml/2011/main" val="1"/>
+              <ma14:wrappingTextBoxFlag xmlns:ma14="http://schemas.microsoft.com/office/mac/drawingml/2011/main" xmlns="" val="1"/>
             </a:ext>
           </a:extLst>
         </p:spPr>
@@ -4313,7 +4929,7 @@
           </a:ln>
           <a:extLst>
             <a:ext uri="{C572A759-6A51-4108-AA02-DFA0A04FC94B}">
-              <ma14:wrappingTextBoxFlag xmlns:ma14="http://schemas.microsoft.com/office/mac/drawingml/2011/main" val="1"/>
+              <ma14:wrappingTextBoxFlag xmlns:ma14="http://schemas.microsoft.com/office/mac/drawingml/2011/main" xmlns="" val="1"/>
             </a:ext>
           </a:extLst>
         </p:spPr>
@@ -4364,7 +4980,7 @@
         </p:nvSpPr>
         <p:spPr>
           <a:xfrm>
-            <a:off x="17373598" y="24213391"/>
+            <a:off x="17373598" y="24507304"/>
             <a:ext cx="21779923" cy="820035"/>
           </a:xfrm>
           <a:prstGeom prst="rect">
@@ -4381,7 +4997,7 @@
           </a:ln>
           <a:extLst>
             <a:ext uri="{C572A759-6A51-4108-AA02-DFA0A04FC94B}">
-              <ma14:wrappingTextBoxFlag xmlns:ma14="http://schemas.microsoft.com/office/mac/drawingml/2011/main" val="1"/>
+              <ma14:wrappingTextBoxFlag xmlns:ma14="http://schemas.microsoft.com/office/mac/drawingml/2011/main" xmlns="" val="1"/>
             </a:ext>
           </a:extLst>
         </p:spPr>
@@ -4441,7 +5057,7 @@
           </a:ln>
           <a:extLst>
             <a:ext uri="{C572A759-6A51-4108-AA02-DFA0A04FC94B}">
-              <ma14:wrappingTextBoxFlag xmlns:ma14="http://schemas.microsoft.com/office/mac/drawingml/2011/main" val="1"/>
+              <ma14:wrappingTextBoxFlag xmlns:ma14="http://schemas.microsoft.com/office/mac/drawingml/2011/main" xmlns="" val="1"/>
             </a:ext>
           </a:extLst>
         </p:spPr>
@@ -4483,7 +5099,7 @@
         <p:spPr>
           <a:xfrm>
             <a:off x="443773" y="35713348"/>
-            <a:ext cx="5486401" cy="574041"/>
+            <a:ext cx="5486401" cy="584775"/>
           </a:xfrm>
           <a:prstGeom prst="rect">
             <a:avLst/>
@@ -4493,7 +5109,7 @@
           </a:ln>
           <a:extLst>
             <a:ext uri="{C572A759-6A51-4108-AA02-DFA0A04FC94B}">
-              <ma14:wrappingTextBoxFlag xmlns:ma14="http://schemas.microsoft.com/office/mac/drawingml/2011/main" val="1"/>
+              <ma14:wrappingTextBoxFlag xmlns:ma14="http://schemas.microsoft.com/office/mac/drawingml/2011/main" xmlns="" val="1"/>
             </a:ext>
           </a:extLst>
         </p:spPr>
@@ -4515,9 +5131,7 @@
             </a:lvl1pPr>
           </a:lstStyle>
           <a:p>
-            <a:r>
-              <a:t>daguiar@cs.princeton.edu</a:t>
-            </a:r>
+            <a:endParaRPr dirty="0"/>
           </a:p>
         </p:txBody>
       </p:sp>
@@ -4652,7 +5266,7 @@
           </a:ln>
           <a:extLst>
             <a:ext uri="{C572A759-6A51-4108-AA02-DFA0A04FC94B}">
-              <ma14:wrappingTextBoxFlag xmlns:ma14="http://schemas.microsoft.com/office/mac/drawingml/2011/main" val="1"/>
+              <ma14:wrappingTextBoxFlag xmlns:ma14="http://schemas.microsoft.com/office/mac/drawingml/2011/main" xmlns="" val="1"/>
             </a:ext>
           </a:extLst>
         </p:spPr>
@@ -4706,7 +5320,7 @@
           </a:ln>
           <a:extLst>
             <a:ext uri="{C572A759-6A51-4108-AA02-DFA0A04FC94B}">
-              <ma14:wrappingTextBoxFlag xmlns:ma14="http://schemas.microsoft.com/office/mac/drawingml/2011/main" val="1"/>
+              <ma14:wrappingTextBoxFlag xmlns:ma14="http://schemas.microsoft.com/office/mac/drawingml/2011/main" xmlns="" val="1"/>
             </a:ext>
           </a:extLst>
         </p:spPr>
@@ -4767,7 +5381,7 @@
           </a:ln>
           <a:extLst>
             <a:ext uri="{C572A759-6A51-4108-AA02-DFA0A04FC94B}">
-              <ma14:wrappingTextBoxFlag xmlns:ma14="http://schemas.microsoft.com/office/mac/drawingml/2011/main" val="1"/>
+              <ma14:wrappingTextBoxFlag xmlns:ma14="http://schemas.microsoft.com/office/mac/drawingml/2011/main" xmlns="" val="1"/>
             </a:ext>
           </a:extLst>
         </p:spPr>
@@ -4813,7 +5427,7 @@
           </a:ln>
           <a:extLst>
             <a:ext uri="{C572A759-6A51-4108-AA02-DFA0A04FC94B}">
-              <ma14:wrappingTextBoxFlag xmlns:ma14="http://schemas.microsoft.com/office/mac/drawingml/2011/main" val="1"/>
+              <ma14:wrappingTextBoxFlag xmlns:ma14="http://schemas.microsoft.com/office/mac/drawingml/2011/main" xmlns="" val="1"/>
             </a:ext>
           </a:extLst>
         </p:spPr>
@@ -4871,7 +5485,7 @@
             </a:ln>
             <a:extLst>
               <a:ext uri="{C572A759-6A51-4108-AA02-DFA0A04FC94B}">
-                <ma14:wrappingTextBoxFlag xmlns:ma14="http://schemas.microsoft.com/office/mac/drawingml/2011/main" val="1"/>
+                <ma14:wrappingTextBoxFlag xmlns:ma14="http://schemas.microsoft.com/office/mac/drawingml/2011/main" xmlns="" val="1"/>
               </a:ext>
             </a:extLst>
           </p:spPr>
@@ -4955,7 +5569,7 @@
             </a:ln>
             <a:extLst>
               <a:ext uri="{C572A759-6A51-4108-AA02-DFA0A04FC94B}">
-                <ma14:wrappingTextBoxFlag xmlns:ma14="http://schemas.microsoft.com/office/mac/drawingml/2011/main" val="1"/>
+                <ma14:wrappingTextBoxFlag xmlns:ma14="http://schemas.microsoft.com/office/mac/drawingml/2011/main" xmlns="" val="1"/>
               </a:ext>
             </a:extLst>
           </p:spPr>
@@ -5040,7 +5654,7 @@
             </a:ln>
             <a:extLst>
               <a:ext uri="{C572A759-6A51-4108-AA02-DFA0A04FC94B}">
-                <ma14:wrappingTextBoxFlag xmlns:ma14="http://schemas.microsoft.com/office/mac/drawingml/2011/main" val="1"/>
+                <ma14:wrappingTextBoxFlag xmlns:ma14="http://schemas.microsoft.com/office/mac/drawingml/2011/main" xmlns="" val="1"/>
               </a:ext>
             </a:extLst>
           </p:spPr>
@@ -5178,7 +5792,7 @@
             </a:ln>
             <a:extLst>
               <a:ext uri="{C572A759-6A51-4108-AA02-DFA0A04FC94B}">
-                <ma14:wrappingTextBoxFlag xmlns:ma14="http://schemas.microsoft.com/office/mac/drawingml/2011/main" val="1"/>
+                <ma14:wrappingTextBoxFlag xmlns:ma14="http://schemas.microsoft.com/office/mac/drawingml/2011/main" xmlns="" val="1"/>
               </a:ext>
             </a:extLst>
           </p:spPr>
@@ -5336,7 +5950,7 @@
             </a:ln>
             <a:extLst>
               <a:ext uri="{C572A759-6A51-4108-AA02-DFA0A04FC94B}">
-                <ma14:wrappingTextBoxFlag xmlns:ma14="http://schemas.microsoft.com/office/mac/drawingml/2011/main" val="1"/>
+                <ma14:wrappingTextBoxFlag xmlns:ma14="http://schemas.microsoft.com/office/mac/drawingml/2011/main" xmlns="" val="1"/>
               </a:ext>
             </a:extLst>
           </p:spPr>
@@ -5384,7 +5998,7 @@
           </a:ln>
           <a:extLst>
             <a:ext uri="{C572A759-6A51-4108-AA02-DFA0A04FC94B}">
-              <ma14:wrappingTextBoxFlag xmlns:ma14="http://schemas.microsoft.com/office/mac/drawingml/2011/main" val="1"/>
+              <ma14:wrappingTextBoxFlag xmlns:ma14="http://schemas.microsoft.com/office/mac/drawingml/2011/main" xmlns="" val="1"/>
             </a:ext>
           </a:extLst>
         </p:spPr>
@@ -5497,7 +6111,7 @@
             </a:ln>
             <a:extLst>
               <a:ext uri="{C572A759-6A51-4108-AA02-DFA0A04FC94B}">
-                <ma14:wrappingTextBoxFlag xmlns:ma14="http://schemas.microsoft.com/office/mac/drawingml/2011/main" val="1"/>
+                <ma14:wrappingTextBoxFlag xmlns:ma14="http://schemas.microsoft.com/office/mac/drawingml/2011/main" xmlns="" val="1"/>
               </a:ext>
             </a:extLst>
           </p:spPr>
@@ -5592,7 +6206,7 @@
             </a:ln>
             <a:extLst>
               <a:ext uri="{C572A759-6A51-4108-AA02-DFA0A04FC94B}">
-                <ma14:wrappingTextBoxFlag xmlns:ma14="http://schemas.microsoft.com/office/mac/drawingml/2011/main" val="1"/>
+                <ma14:wrappingTextBoxFlag xmlns:ma14="http://schemas.microsoft.com/office/mac/drawingml/2011/main" xmlns="" val="1"/>
               </a:ext>
             </a:extLst>
           </p:spPr>
@@ -5650,7 +6264,7 @@
             </a:ln>
             <a:extLst>
               <a:ext uri="{C572A759-6A51-4108-AA02-DFA0A04FC94B}">
-                <ma14:wrappingTextBoxFlag xmlns:ma14="http://schemas.microsoft.com/office/mac/drawingml/2011/main" val="1"/>
+                <ma14:wrappingTextBoxFlag xmlns:ma14="http://schemas.microsoft.com/office/mac/drawingml/2011/main" xmlns="" val="1"/>
               </a:ext>
             </a:extLst>
           </p:spPr>
@@ -6558,7 +7172,7 @@
             </a:ln>
             <a:extLst>
               <a:ext uri="{C572A759-6A51-4108-AA02-DFA0A04FC94B}">
-                <ma14:wrappingTextBoxFlag xmlns:ma14="http://schemas.microsoft.com/office/mac/drawingml/2011/main" val="1"/>
+                <ma14:wrappingTextBoxFlag xmlns:ma14="http://schemas.microsoft.com/office/mac/drawingml/2011/main" xmlns="" val="1"/>
               </a:ext>
             </a:extLst>
           </p:spPr>
@@ -6607,7 +7221,7 @@
             </a:ln>
             <a:extLst>
               <a:ext uri="{C572A759-6A51-4108-AA02-DFA0A04FC94B}">
-                <ma14:wrappingTextBoxFlag xmlns:ma14="http://schemas.microsoft.com/office/mac/drawingml/2011/main" val="1"/>
+                <ma14:wrappingTextBoxFlag xmlns:ma14="http://schemas.microsoft.com/office/mac/drawingml/2011/main" xmlns="" val="1"/>
               </a:ext>
             </a:extLst>
           </p:spPr>
@@ -11638,7 +12252,7 @@
             </a:ln>
             <a:extLst>
               <a:ext uri="{C572A759-6A51-4108-AA02-DFA0A04FC94B}">
-                <ma14:wrappingTextBoxFlag xmlns:ma14="http://schemas.microsoft.com/office/mac/drawingml/2011/main" val="1"/>
+                <ma14:wrappingTextBoxFlag xmlns:ma14="http://schemas.microsoft.com/office/mac/drawingml/2011/main" xmlns="" val="1"/>
               </a:ext>
             </a:extLst>
           </p:spPr>
@@ -11713,7 +12327,7 @@
             </a:ln>
             <a:extLst>
               <a:ext uri="{C572A759-6A51-4108-AA02-DFA0A04FC94B}">
-                <ma14:wrappingTextBoxFlag xmlns:ma14="http://schemas.microsoft.com/office/mac/drawingml/2011/main" val="1"/>
+                <ma14:wrappingTextBoxFlag xmlns:ma14="http://schemas.microsoft.com/office/mac/drawingml/2011/main" xmlns="" val="1"/>
               </a:ext>
             </a:extLst>
           </p:spPr>
@@ -11772,7 +12386,7 @@
             </a:ln>
             <a:extLst>
               <a:ext uri="{C572A759-6A51-4108-AA02-DFA0A04FC94B}">
-                <ma14:wrappingTextBoxFlag xmlns:ma14="http://schemas.microsoft.com/office/mac/drawingml/2011/main" val="1"/>
+                <ma14:wrappingTextBoxFlag xmlns:ma14="http://schemas.microsoft.com/office/mac/drawingml/2011/main" xmlns="" val="1"/>
               </a:ext>
             </a:extLst>
           </p:spPr>
@@ -11831,7 +12445,7 @@
             </a:ln>
             <a:extLst>
               <a:ext uri="{C572A759-6A51-4108-AA02-DFA0A04FC94B}">
-                <ma14:wrappingTextBoxFlag xmlns:ma14="http://schemas.microsoft.com/office/mac/drawingml/2011/main" val="1"/>
+                <ma14:wrappingTextBoxFlag xmlns:ma14="http://schemas.microsoft.com/office/mac/drawingml/2011/main" xmlns="" val="1"/>
               </a:ext>
             </a:extLst>
           </p:spPr>
@@ -11898,7 +12512,7 @@
             </a:ln>
             <a:extLst>
               <a:ext uri="{C572A759-6A51-4108-AA02-DFA0A04FC94B}">
-                <ma14:wrappingTextBoxFlag xmlns:ma14="http://schemas.microsoft.com/office/mac/drawingml/2011/main" val="1"/>
+                <ma14:wrappingTextBoxFlag xmlns:ma14="http://schemas.microsoft.com/office/mac/drawingml/2011/main" xmlns="" val="1"/>
               </a:ext>
             </a:extLst>
           </p:spPr>
@@ -11957,7 +12571,7 @@
             </a:ln>
             <a:extLst>
               <a:ext uri="{C572A759-6A51-4108-AA02-DFA0A04FC94B}">
-                <ma14:wrappingTextBoxFlag xmlns:ma14="http://schemas.microsoft.com/office/mac/drawingml/2011/main" val="1"/>
+                <ma14:wrappingTextBoxFlag xmlns:ma14="http://schemas.microsoft.com/office/mac/drawingml/2011/main" xmlns="" val="1"/>
               </a:ext>
             </a:extLst>
           </p:spPr>
@@ -12016,7 +12630,7 @@
             </a:ln>
             <a:extLst>
               <a:ext uri="{C572A759-6A51-4108-AA02-DFA0A04FC94B}">
-                <ma14:wrappingTextBoxFlag xmlns:ma14="http://schemas.microsoft.com/office/mac/drawingml/2011/main" val="1"/>
+                <ma14:wrappingTextBoxFlag xmlns:ma14="http://schemas.microsoft.com/office/mac/drawingml/2011/main" xmlns="" val="1"/>
               </a:ext>
             </a:extLst>
           </p:spPr>
@@ -12060,7 +12674,7 @@
             </a:ln>
             <a:extLst>
               <a:ext uri="{C572A759-6A51-4108-AA02-DFA0A04FC94B}">
-                <ma14:wrappingTextBoxFlag xmlns:ma14="http://schemas.microsoft.com/office/mac/drawingml/2011/main" val="1"/>
+                <ma14:wrappingTextBoxFlag xmlns:ma14="http://schemas.microsoft.com/office/mac/drawingml/2011/main" xmlns="" val="1"/>
               </a:ext>
             </a:extLst>
           </p:spPr>
@@ -12104,7 +12718,7 @@
             </a:ln>
             <a:extLst>
               <a:ext uri="{C572A759-6A51-4108-AA02-DFA0A04FC94B}">
-                <ma14:wrappingTextBoxFlag xmlns:ma14="http://schemas.microsoft.com/office/mac/drawingml/2011/main" val="1"/>
+                <ma14:wrappingTextBoxFlag xmlns:ma14="http://schemas.microsoft.com/office/mac/drawingml/2011/main" xmlns="" val="1"/>
               </a:ext>
             </a:extLst>
           </p:spPr>
@@ -12148,7 +12762,7 @@
             </a:ln>
             <a:extLst>
               <a:ext uri="{C572A759-6A51-4108-AA02-DFA0A04FC94B}">
-                <ma14:wrappingTextBoxFlag xmlns:ma14="http://schemas.microsoft.com/office/mac/drawingml/2011/main" val="1"/>
+                <ma14:wrappingTextBoxFlag xmlns:ma14="http://schemas.microsoft.com/office/mac/drawingml/2011/main" xmlns="" val="1"/>
               </a:ext>
             </a:extLst>
           </p:spPr>
@@ -12192,7 +12806,7 @@
             </a:ln>
             <a:extLst>
               <a:ext uri="{C572A759-6A51-4108-AA02-DFA0A04FC94B}">
-                <ma14:wrappingTextBoxFlag xmlns:ma14="http://schemas.microsoft.com/office/mac/drawingml/2011/main" val="1"/>
+                <ma14:wrappingTextBoxFlag xmlns:ma14="http://schemas.microsoft.com/office/mac/drawingml/2011/main" xmlns="" val="1"/>
               </a:ext>
             </a:extLst>
           </p:spPr>
@@ -12236,7 +12850,7 @@
             </a:ln>
             <a:extLst>
               <a:ext uri="{C572A759-6A51-4108-AA02-DFA0A04FC94B}">
-                <ma14:wrappingTextBoxFlag xmlns:ma14="http://schemas.microsoft.com/office/mac/drawingml/2011/main" val="1"/>
+                <ma14:wrappingTextBoxFlag xmlns:ma14="http://schemas.microsoft.com/office/mac/drawingml/2011/main" xmlns="" val="1"/>
               </a:ext>
             </a:extLst>
           </p:spPr>
@@ -12280,7 +12894,7 @@
             </a:ln>
             <a:extLst>
               <a:ext uri="{C572A759-6A51-4108-AA02-DFA0A04FC94B}">
-                <ma14:wrappingTextBoxFlag xmlns:ma14="http://schemas.microsoft.com/office/mac/drawingml/2011/main" val="1"/>
+                <ma14:wrappingTextBoxFlag xmlns:ma14="http://schemas.microsoft.com/office/mac/drawingml/2011/main" xmlns="" val="1"/>
               </a:ext>
             </a:extLst>
           </p:spPr>
@@ -12324,7 +12938,7 @@
             </a:ln>
             <a:extLst>
               <a:ext uri="{C572A759-6A51-4108-AA02-DFA0A04FC94B}">
-                <ma14:wrappingTextBoxFlag xmlns:ma14="http://schemas.microsoft.com/office/mac/drawingml/2011/main" val="1"/>
+                <ma14:wrappingTextBoxFlag xmlns:ma14="http://schemas.microsoft.com/office/mac/drawingml/2011/main" xmlns="" val="1"/>
               </a:ext>
             </a:extLst>
           </p:spPr>
@@ -12368,7 +12982,7 @@
             </a:ln>
             <a:extLst>
               <a:ext uri="{C572A759-6A51-4108-AA02-DFA0A04FC94B}">
-                <ma14:wrappingTextBoxFlag xmlns:ma14="http://schemas.microsoft.com/office/mac/drawingml/2011/main" val="1"/>
+                <ma14:wrappingTextBoxFlag xmlns:ma14="http://schemas.microsoft.com/office/mac/drawingml/2011/main" xmlns="" val="1"/>
               </a:ext>
             </a:extLst>
           </p:spPr>
@@ -12492,7 +13106,7 @@
             </a:ln>
             <a:extLst>
               <a:ext uri="{C572A759-6A51-4108-AA02-DFA0A04FC94B}">
-                <ma14:wrappingTextBoxFlag xmlns:ma14="http://schemas.microsoft.com/office/mac/drawingml/2011/main" val="1"/>
+                <ma14:wrappingTextBoxFlag xmlns:ma14="http://schemas.microsoft.com/office/mac/drawingml/2011/main" xmlns="" val="1"/>
               </a:ext>
             </a:extLst>
           </p:spPr>
@@ -12536,7 +13150,7 @@
             </a:ln>
             <a:extLst>
               <a:ext uri="{C572A759-6A51-4108-AA02-DFA0A04FC94B}">
-                <ma14:wrappingTextBoxFlag xmlns:ma14="http://schemas.microsoft.com/office/mac/drawingml/2011/main" val="1"/>
+                <ma14:wrappingTextBoxFlag xmlns:ma14="http://schemas.microsoft.com/office/mac/drawingml/2011/main" xmlns="" val="1"/>
               </a:ext>
             </a:extLst>
           </p:spPr>
@@ -12583,7 +13197,7 @@
             </a:ln>
             <a:extLst>
               <a:ext uri="{C572A759-6A51-4108-AA02-DFA0A04FC94B}">
-                <ma14:wrappingTextBoxFlag xmlns:ma14="http://schemas.microsoft.com/office/mac/drawingml/2011/main" val="1"/>
+                <ma14:wrappingTextBoxFlag xmlns:ma14="http://schemas.microsoft.com/office/mac/drawingml/2011/main" xmlns="" val="1"/>
               </a:ext>
             </a:extLst>
           </p:spPr>
@@ -13297,7 +13911,7 @@
             </a:ln>
             <a:extLst>
               <a:ext uri="{C572A759-6A51-4108-AA02-DFA0A04FC94B}">
-                <ma14:wrappingTextBoxFlag xmlns:ma14="http://schemas.microsoft.com/office/mac/drawingml/2011/main" val="1"/>
+                <ma14:wrappingTextBoxFlag xmlns:ma14="http://schemas.microsoft.com/office/mac/drawingml/2011/main" xmlns="" val="1"/>
               </a:ext>
             </a:extLst>
           </p:spPr>
@@ -13538,7 +14152,7 @@
             </a:ln>
             <a:extLst>
               <a:ext uri="{C572A759-6A51-4108-AA02-DFA0A04FC94B}">
-                <ma14:wrappingTextBoxFlag xmlns:ma14="http://schemas.microsoft.com/office/mac/drawingml/2011/main" val="1"/>
+                <ma14:wrappingTextBoxFlag xmlns:ma14="http://schemas.microsoft.com/office/mac/drawingml/2011/main" xmlns="" val="1"/>
               </a:ext>
             </a:extLst>
           </p:spPr>
@@ -13584,7 +14198,7 @@
             </a:ln>
             <a:extLst>
               <a:ext uri="{C572A759-6A51-4108-AA02-DFA0A04FC94B}">
-                <ma14:wrappingTextBoxFlag xmlns:ma14="http://schemas.microsoft.com/office/mac/drawingml/2011/main" val="1"/>
+                <ma14:wrappingTextBoxFlag xmlns:ma14="http://schemas.microsoft.com/office/mac/drawingml/2011/main" xmlns="" val="1"/>
               </a:ext>
             </a:extLst>
           </p:spPr>
@@ -13628,7 +14242,7 @@
             </a:ln>
             <a:extLst>
               <a:ext uri="{C572A759-6A51-4108-AA02-DFA0A04FC94B}">
-                <ma14:wrappingTextBoxFlag xmlns:ma14="http://schemas.microsoft.com/office/mac/drawingml/2011/main" val="1"/>
+                <ma14:wrappingTextBoxFlag xmlns:ma14="http://schemas.microsoft.com/office/mac/drawingml/2011/main" xmlns="" val="1"/>
               </a:ext>
             </a:extLst>
           </p:spPr>
@@ -13710,7 +14324,7 @@
             </a:ln>
             <a:extLst>
               <a:ext uri="{C572A759-6A51-4108-AA02-DFA0A04FC94B}">
-                <ma14:wrappingTextBoxFlag xmlns:ma14="http://schemas.microsoft.com/office/mac/drawingml/2011/main" val="1"/>
+                <ma14:wrappingTextBoxFlag xmlns:ma14="http://schemas.microsoft.com/office/mac/drawingml/2011/main" xmlns="" val="1"/>
               </a:ext>
             </a:extLst>
           </p:spPr>
@@ -13754,7 +14368,7 @@
             </a:ln>
             <a:extLst>
               <a:ext uri="{C572A759-6A51-4108-AA02-DFA0A04FC94B}">
-                <ma14:wrappingTextBoxFlag xmlns:ma14="http://schemas.microsoft.com/office/mac/drawingml/2011/main" val="1"/>
+                <ma14:wrappingTextBoxFlag xmlns:ma14="http://schemas.microsoft.com/office/mac/drawingml/2011/main" xmlns="" val="1"/>
               </a:ext>
             </a:extLst>
           </p:spPr>
@@ -13798,7 +14412,7 @@
             </a:ln>
             <a:extLst>
               <a:ext uri="{C572A759-6A51-4108-AA02-DFA0A04FC94B}">
-                <ma14:wrappingTextBoxFlag xmlns:ma14="http://schemas.microsoft.com/office/mac/drawingml/2011/main" val="1"/>
+                <ma14:wrappingTextBoxFlag xmlns:ma14="http://schemas.microsoft.com/office/mac/drawingml/2011/main" xmlns="" val="1"/>
               </a:ext>
             </a:extLst>
           </p:spPr>
@@ -13936,7 +14550,7 @@
           </a:ln>
           <a:extLst>
             <a:ext uri="{C572A759-6A51-4108-AA02-DFA0A04FC94B}">
-              <ma14:wrappingTextBoxFlag xmlns:ma14="http://schemas.microsoft.com/office/mac/drawingml/2011/main" val="1"/>
+              <ma14:wrappingTextBoxFlag xmlns:ma14="http://schemas.microsoft.com/office/mac/drawingml/2011/main" xmlns="" val="1"/>
             </a:ext>
           </a:extLst>
         </p:spPr>
@@ -13988,7 +14602,7 @@
           </a:ln>
           <a:extLst>
             <a:ext uri="{C572A759-6A51-4108-AA02-DFA0A04FC94B}">
-              <ma14:wrappingTextBoxFlag xmlns:ma14="http://schemas.microsoft.com/office/mac/drawingml/2011/main" val="1"/>
+              <ma14:wrappingTextBoxFlag xmlns:ma14="http://schemas.microsoft.com/office/mac/drawingml/2011/main" xmlns="" val="1"/>
             </a:ext>
           </a:extLst>
         </p:spPr>
@@ -14042,7 +14656,7 @@
           </a:ln>
           <a:extLst>
             <a:ext uri="{C572A759-6A51-4108-AA02-DFA0A04FC94B}">
-              <ma14:wrappingTextBoxFlag xmlns:ma14="http://schemas.microsoft.com/office/mac/drawingml/2011/main" val="1"/>
+              <ma14:wrappingTextBoxFlag xmlns:ma14="http://schemas.microsoft.com/office/mac/drawingml/2011/main" xmlns="" val="1"/>
             </a:ext>
           </a:extLst>
         </p:spPr>
@@ -14088,7 +14702,7 @@
           </a:ln>
           <a:extLst>
             <a:ext uri="{C572A759-6A51-4108-AA02-DFA0A04FC94B}">
-              <ma14:wrappingTextBoxFlag xmlns:ma14="http://schemas.microsoft.com/office/mac/drawingml/2011/main" val="1"/>
+              <ma14:wrappingTextBoxFlag xmlns:ma14="http://schemas.microsoft.com/office/mac/drawingml/2011/main" xmlns="" val="1"/>
             </a:ext>
           </a:extLst>
         </p:spPr>
@@ -14182,7 +14796,7 @@
           </a:ln>
           <a:extLst>
             <a:ext uri="{C572A759-6A51-4108-AA02-DFA0A04FC94B}">
-              <ma14:wrappingTextBoxFlag xmlns:ma14="http://schemas.microsoft.com/office/mac/drawingml/2011/main" val="1"/>
+              <ma14:wrappingTextBoxFlag xmlns:ma14="http://schemas.microsoft.com/office/mac/drawingml/2011/main" xmlns="" val="1"/>
             </a:ext>
           </a:extLst>
         </p:spPr>

--- a/Poster424.pptx
+++ b/Poster424.pptx
@@ -2247,7 +2247,7 @@
           </a:ln>
           <a:extLst>
             <a:ext uri="{C572A759-6A51-4108-AA02-DFA0A04FC94B}">
-              <ma14:wrappingTextBoxFlag xmlns:ma14="http://schemas.microsoft.com/office/mac/drawingml/2011/main" xmlns="" val="1"/>
+              <ma14:wrappingTextBoxFlag xmlns="" xmlns:ma14="http://schemas.microsoft.com/office/mac/drawingml/2011/main" val="1"/>
             </a:ext>
           </a:extLst>
         </p:spPr>
@@ -2286,7 +2286,7 @@
           </a:ln>
           <a:extLst>
             <a:ext uri="{C572A759-6A51-4108-AA02-DFA0A04FC94B}">
-              <ma14:wrappingTextBoxFlag xmlns:ma14="http://schemas.microsoft.com/office/mac/drawingml/2011/main" xmlns="" val="1"/>
+              <ma14:wrappingTextBoxFlag xmlns="" xmlns:ma14="http://schemas.microsoft.com/office/mac/drawingml/2011/main" val="1"/>
             </a:ext>
           </a:extLst>
         </p:spPr>
@@ -3371,7 +3371,7 @@
           </a:ln>
           <a:extLst>
             <a:ext uri="{C572A759-6A51-4108-AA02-DFA0A04FC94B}">
-              <ma14:wrappingTextBoxFlag xmlns:ma14="http://schemas.microsoft.com/office/mac/drawingml/2011/main" xmlns="" val="1"/>
+              <ma14:wrappingTextBoxFlag xmlns="" xmlns:ma14="http://schemas.microsoft.com/office/mac/drawingml/2011/main" val="1"/>
             </a:ext>
           </a:extLst>
         </p:spPr>
@@ -3519,7 +3519,7 @@
           </a:ln>
           <a:extLst>
             <a:ext uri="{C572A759-6A51-4108-AA02-DFA0A04FC94B}">
-              <ma14:wrappingTextBoxFlag xmlns:ma14="http://schemas.microsoft.com/office/mac/drawingml/2011/main" xmlns="" val="1"/>
+              <ma14:wrappingTextBoxFlag xmlns="" xmlns:ma14="http://schemas.microsoft.com/office/mac/drawingml/2011/main" val="1"/>
             </a:ext>
           </a:extLst>
         </p:spPr>
@@ -3563,51 +3563,7 @@
                   </a:glow>
                 </a:effectLst>
               </a:rPr>
-              <a:t>Ingredients Inform </a:t>
-            </a:r>
-            <a:r>
-              <a:rPr lang="en-US" sz="8000" dirty="0" smtClean="0">
-                <a:ln w="15875">
-                  <a:solidFill>
-                    <a:schemeClr val="bg1">
-                      <a:alpha val="45000"/>
-                    </a:schemeClr>
-                  </a:solidFill>
-                </a:ln>
-                <a:solidFill>
-                  <a:schemeClr val="bg1"/>
-                </a:solidFill>
-                <a:effectLst>
-                  <a:glow rad="228600">
-                    <a:schemeClr val="tx1">
-                      <a:alpha val="40000"/>
-                    </a:schemeClr>
-                  </a:glow>
-                </a:effectLst>
-              </a:rPr>
-              <a:t>a Recipe’s Culture of </a:t>
-            </a:r>
-            <a:r>
-              <a:rPr lang="en-US" sz="8000" dirty="0" smtClean="0">
-                <a:ln w="15875">
-                  <a:solidFill>
-                    <a:schemeClr val="bg1">
-                      <a:alpha val="45000"/>
-                    </a:schemeClr>
-                  </a:solidFill>
-                </a:ln>
-                <a:solidFill>
-                  <a:schemeClr val="bg1"/>
-                </a:solidFill>
-                <a:effectLst>
-                  <a:glow rad="228600">
-                    <a:schemeClr val="tx1">
-                      <a:alpha val="40000"/>
-                    </a:schemeClr>
-                  </a:glow>
-                </a:effectLst>
-              </a:rPr>
-              <a:t>Origin (or other title)</a:t>
+              <a:t>Ingredients Inform a Recipe’s Culture of Origin (or other title)</a:t>
             </a:r>
             <a:endParaRPr sz="8000" dirty="0" smtClean="0">
               <a:ln w="15875">
@@ -4081,29 +4037,7 @@
                   </a:glow>
                 </a:effectLst>
               </a:rPr>
-              <a:t>Computer </a:t>
-            </a:r>
-            <a:r>
-              <a:rPr lang="en-US" sz="5000" dirty="0" smtClean="0">
-                <a:ln w="15875">
-                  <a:solidFill>
-                    <a:schemeClr val="bg1">
-                      <a:alpha val="45000"/>
-                    </a:schemeClr>
-                  </a:solidFill>
-                </a:ln>
-                <a:solidFill>
-                  <a:schemeClr val="bg1"/>
-                </a:solidFill>
-                <a:effectLst>
-                  <a:glow rad="228600">
-                    <a:schemeClr val="tx1">
-                      <a:alpha val="40000"/>
-                    </a:schemeClr>
-                  </a:glow>
-                </a:effectLst>
-              </a:rPr>
-              <a:t>Science,</a:t>
+              <a:t>Computer Science,</a:t>
             </a:r>
             <a:r>
               <a:rPr sz="5000" dirty="0" smtClean="0">
@@ -4289,7 +4223,7 @@
         </p:nvSpPr>
         <p:spPr>
           <a:xfrm>
-            <a:off x="1194432" y="13420127"/>
+            <a:off x="1751999" y="13755439"/>
             <a:ext cx="4178175" cy="396241"/>
           </a:xfrm>
           <a:prstGeom prst="rect">
@@ -4300,7 +4234,7 @@
           </a:ln>
           <a:extLst>
             <a:ext uri="{C572A759-6A51-4108-AA02-DFA0A04FC94B}">
-              <ma14:wrappingTextBoxFlag xmlns:ma14="http://schemas.microsoft.com/office/mac/drawingml/2011/main" xmlns="" val="1"/>
+              <ma14:wrappingTextBoxFlag xmlns="" xmlns:ma14="http://schemas.microsoft.com/office/mac/drawingml/2011/main" val="1"/>
             </a:ext>
           </a:extLst>
         </p:spPr>
@@ -4321,57 +4255,13 @@
           <a:p>
             <a:r>
               <a:rPr lang="en-US" dirty="0" smtClean="0"/>
-              <a:t>Raw Dataset Values</a:t>
+              <a:t>Raw </a:t>
+            </a:r>
+            <a:r>
+              <a:rPr lang="en-US" dirty="0" smtClean="0"/>
+              <a:t>Dataset</a:t>
             </a:r>
             <a:endParaRPr dirty="0"/>
-          </a:p>
-        </p:txBody>
-      </p:sp>
-      <p:sp>
-        <p:nvSpPr>
-          <p:cNvPr id="121" name="Shape 121" descr="Right Arrow 3"/>
-          <p:cNvSpPr/>
-          <p:nvPr/>
-        </p:nvSpPr>
-        <p:spPr>
-          <a:xfrm>
-            <a:off x="5605996" y="13746236"/>
-            <a:ext cx="692568" cy="381001"/>
-          </a:xfrm>
-          <a:prstGeom prst="rightArrow">
-            <a:avLst>
-              <a:gd name="adj1" fmla="val 50000"/>
-              <a:gd name="adj2" fmla="val 50000"/>
-            </a:avLst>
-          </a:prstGeom>
-          <a:solidFill>
-            <a:srgbClr val="F58026"/>
-          </a:solidFill>
-          <a:ln>
-            <a:solidFill>
-              <a:srgbClr val="373536"/>
-            </a:solidFill>
-          </a:ln>
-          <a:effectLst>
-            <a:outerShdw blurRad="38100" dist="23000" dir="5400000" rotWithShape="0">
-              <a:srgbClr val="000000">
-                <a:alpha val="35000"/>
-              </a:srgbClr>
-            </a:outerShdw>
-          </a:effectLst>
-        </p:spPr>
-        <p:txBody>
-          <a:bodyPr lIns="45719" rIns="45719" anchor="ctr"/>
-          <a:lstStyle/>
-          <a:p>
-            <a:pPr algn="ctr">
-              <a:defRPr>
-                <a:solidFill>
-                  <a:srgbClr val="B2B2B2"/>
-                </a:solidFill>
-              </a:defRPr>
-            </a:pPr>
-            <a:endParaRPr/>
           </a:p>
         </p:txBody>
       </p:sp>
@@ -4394,7 +4284,7 @@
           </a:ln>
           <a:extLst>
             <a:ext uri="{C572A759-6A51-4108-AA02-DFA0A04FC94B}">
-              <ma14:wrappingTextBoxFlag xmlns:ma14="http://schemas.microsoft.com/office/mac/drawingml/2011/main" xmlns="" val="1"/>
+              <ma14:wrappingTextBoxFlag xmlns="" xmlns:ma14="http://schemas.microsoft.com/office/mac/drawingml/2011/main" val="1"/>
             </a:ext>
           </a:extLst>
         </p:spPr>
@@ -4452,7 +4342,7 @@
           </a:ln>
           <a:extLst>
             <a:ext uri="{C572A759-6A51-4108-AA02-DFA0A04FC94B}">
-              <ma14:wrappingTextBoxFlag xmlns:ma14="http://schemas.microsoft.com/office/mac/drawingml/2011/main" xmlns="" val="1"/>
+              <ma14:wrappingTextBoxFlag xmlns="" xmlns:ma14="http://schemas.microsoft.com/office/mac/drawingml/2011/main" val="1"/>
             </a:ext>
           </a:extLst>
         </p:spPr>
@@ -4550,7 +4440,7 @@
           </a:ln>
           <a:extLst>
             <a:ext uri="{C572A759-6A51-4108-AA02-DFA0A04FC94B}">
-              <ma14:wrappingTextBoxFlag xmlns:ma14="http://schemas.microsoft.com/office/mac/drawingml/2011/main" xmlns="" val="1"/>
+              <ma14:wrappingTextBoxFlag xmlns="" xmlns:ma14="http://schemas.microsoft.com/office/mac/drawingml/2011/main" val="1"/>
             </a:ext>
           </a:extLst>
         </p:spPr>
@@ -4641,7 +4531,7 @@
           </a:ln>
           <a:extLst>
             <a:ext uri="{C572A759-6A51-4108-AA02-DFA0A04FC94B}">
-              <ma14:wrappingTextBoxFlag xmlns:ma14="http://schemas.microsoft.com/office/mac/drawingml/2011/main" xmlns="" val="1"/>
+              <ma14:wrappingTextBoxFlag xmlns="" xmlns:ma14="http://schemas.microsoft.com/office/mac/drawingml/2011/main" val="1"/>
             </a:ext>
           </a:extLst>
         </p:spPr>
@@ -4684,7 +4574,7 @@
         <p:spPr>
           <a:xfrm>
             <a:off x="1447800" y="7450752"/>
-            <a:ext cx="14355161" cy="4001095"/>
+            <a:ext cx="14355161" cy="3631763"/>
           </a:xfrm>
           <a:prstGeom prst="rect">
             <a:avLst/>
@@ -4694,7 +4584,7 @@
           </a:ln>
           <a:extLst>
             <a:ext uri="{C572A759-6A51-4108-AA02-DFA0A04FC94B}">
-              <ma14:wrappingTextBoxFlag xmlns:ma14="http://schemas.microsoft.com/office/mac/drawingml/2011/main" xmlns="" val="1"/>
+              <ma14:wrappingTextBoxFlag xmlns="" xmlns:ma14="http://schemas.microsoft.com/office/mac/drawingml/2011/main" val="1"/>
             </a:ext>
           </a:extLst>
         </p:spPr>
@@ -4717,11 +4607,23 @@
             </a:pPr>
             <a:r>
               <a:rPr lang="en-US" dirty="0" smtClean="0"/>
-              <a:t>Food is delicious! We want </a:t>
+              <a:t>Can recipe </a:t>
             </a:r>
             <a:r>
               <a:rPr lang="en-US" dirty="0" smtClean="0"/>
-              <a:t>to if recipe ingredients can inform their culture of origin, and if so, which ingredients are most predictive. (??)</a:t>
+              <a:t>ingredients </a:t>
+            </a:r>
+            <a:r>
+              <a:rPr lang="en-US" dirty="0" smtClean="0"/>
+              <a:t>inform </a:t>
+            </a:r>
+            <a:r>
+              <a:rPr lang="en-US" dirty="0" smtClean="0"/>
+              <a:t>their culture of origin, and if so, which ingredients are most </a:t>
+            </a:r>
+            <a:r>
+              <a:rPr lang="en-US" dirty="0" smtClean="0"/>
+              <a:t>predictive?</a:t>
             </a:r>
             <a:endParaRPr dirty="0"/>
           </a:p>
@@ -4796,13 +4698,31 @@
             </a:r>
             <a:r>
               <a:rPr lang="en-US" dirty="0" smtClean="0"/>
-              <a:t> 2015 challenge was to use supervised learning to classify these 20 cuisines. We aim to reproduce their leaderboard results. (</a:t>
+              <a:t> 2015 </a:t>
+            </a:r>
+            <a:r>
+              <a:rPr lang="en-US" dirty="0" smtClean="0"/>
+              <a:t>challenge: use </a:t>
+            </a:r>
+            <a:r>
+              <a:rPr lang="en-US" dirty="0" smtClean="0"/>
+              <a:t>supervised learning to classify these 20 cuisines. We aim to reproduce their leaderboard </a:t>
+            </a:r>
+            <a:r>
+              <a:rPr lang="en-US" dirty="0" smtClean="0"/>
+              <a:t>results within reason. (We achieve … </a:t>
             </a:r>
             <a:r>
               <a:rPr lang="en-US" dirty="0" smtClean="0">
                 <a:sym typeface="Wingdings"/>
               </a:rPr>
-              <a:t> AND result)</a:t>
+              <a:t> </a:t>
+            </a:r>
+            <a:r>
+              <a:rPr lang="en-US" dirty="0" smtClean="0">
+                <a:sym typeface="Wingdings"/>
+              </a:rPr>
+              <a:t>AND result)</a:t>
             </a:r>
             <a:endParaRPr lang="en-US" dirty="0" smtClean="0"/>
           </a:p>
@@ -4834,11 +4754,23 @@
             </a:pPr>
             <a:r>
               <a:rPr lang="en-US" dirty="0" smtClean="0"/>
-              <a:t>We extend the challenge by using unsupervised </a:t>
+              <a:t>We extend the challenge by using unsupervised learning to </a:t>
             </a:r>
             <a:r>
               <a:rPr lang="en-US" dirty="0" smtClean="0"/>
-              <a:t>learning to see if natural clusters emerge based on recipe ingredients.  (AND add result) </a:t>
+              <a:t>look at ingredient relationships, cuisine relationships, and if natural </a:t>
+            </a:r>
+            <a:r>
+              <a:rPr lang="en-US" dirty="0" smtClean="0"/>
+              <a:t>clusters </a:t>
+            </a:r>
+            <a:r>
+              <a:rPr lang="en-US" dirty="0" smtClean="0"/>
+              <a:t>emerge </a:t>
+            </a:r>
+            <a:r>
+              <a:rPr lang="en-US" dirty="0" smtClean="0"/>
+              <a:t>based on recipe ingredients.  (AND add result) </a:t>
             </a:r>
             <a:endParaRPr dirty="0"/>
           </a:p>
@@ -4869,7 +4801,7 @@
           </a:ln>
           <a:extLst>
             <a:ext uri="{C572A759-6A51-4108-AA02-DFA0A04FC94B}">
-              <ma14:wrappingTextBoxFlag xmlns:ma14="http://schemas.microsoft.com/office/mac/drawingml/2011/main" xmlns="" val="1"/>
+              <ma14:wrappingTextBoxFlag xmlns="" xmlns:ma14="http://schemas.microsoft.com/office/mac/drawingml/2011/main" val="1"/>
             </a:ext>
           </a:extLst>
         </p:spPr>
@@ -4929,7 +4861,7 @@
           </a:ln>
           <a:extLst>
             <a:ext uri="{C572A759-6A51-4108-AA02-DFA0A04FC94B}">
-              <ma14:wrappingTextBoxFlag xmlns:ma14="http://schemas.microsoft.com/office/mac/drawingml/2011/main" xmlns="" val="1"/>
+              <ma14:wrappingTextBoxFlag xmlns="" xmlns:ma14="http://schemas.microsoft.com/office/mac/drawingml/2011/main" val="1"/>
             </a:ext>
           </a:extLst>
         </p:spPr>
@@ -4997,7 +4929,7 @@
           </a:ln>
           <a:extLst>
             <a:ext uri="{C572A759-6A51-4108-AA02-DFA0A04FC94B}">
-              <ma14:wrappingTextBoxFlag xmlns:ma14="http://schemas.microsoft.com/office/mac/drawingml/2011/main" xmlns="" val="1"/>
+              <ma14:wrappingTextBoxFlag xmlns="" xmlns:ma14="http://schemas.microsoft.com/office/mac/drawingml/2011/main" val="1"/>
             </a:ext>
           </a:extLst>
         </p:spPr>
@@ -5057,7 +4989,7 @@
           </a:ln>
           <a:extLst>
             <a:ext uri="{C572A759-6A51-4108-AA02-DFA0A04FC94B}">
-              <ma14:wrappingTextBoxFlag xmlns:ma14="http://schemas.microsoft.com/office/mac/drawingml/2011/main" xmlns="" val="1"/>
+              <ma14:wrappingTextBoxFlag xmlns="" xmlns:ma14="http://schemas.microsoft.com/office/mac/drawingml/2011/main" val="1"/>
             </a:ext>
           </a:extLst>
         </p:spPr>
@@ -5109,7 +5041,7 @@
           </a:ln>
           <a:extLst>
             <a:ext uri="{C572A759-6A51-4108-AA02-DFA0A04FC94B}">
-              <ma14:wrappingTextBoxFlag xmlns:ma14="http://schemas.microsoft.com/office/mac/drawingml/2011/main" xmlns="" val="1"/>
+              <ma14:wrappingTextBoxFlag xmlns="" xmlns:ma14="http://schemas.microsoft.com/office/mac/drawingml/2011/main" val="1"/>
             </a:ext>
           </a:extLst>
         </p:spPr>
@@ -5266,7 +5198,7 @@
           </a:ln>
           <a:extLst>
             <a:ext uri="{C572A759-6A51-4108-AA02-DFA0A04FC94B}">
-              <ma14:wrappingTextBoxFlag xmlns:ma14="http://schemas.microsoft.com/office/mac/drawingml/2011/main" xmlns="" val="1"/>
+              <ma14:wrappingTextBoxFlag xmlns="" xmlns:ma14="http://schemas.microsoft.com/office/mac/drawingml/2011/main" val="1"/>
             </a:ext>
           </a:extLst>
         </p:spPr>
@@ -5320,7 +5252,7 @@
           </a:ln>
           <a:extLst>
             <a:ext uri="{C572A759-6A51-4108-AA02-DFA0A04FC94B}">
-              <ma14:wrappingTextBoxFlag xmlns:ma14="http://schemas.microsoft.com/office/mac/drawingml/2011/main" xmlns="" val="1"/>
+              <ma14:wrappingTextBoxFlag xmlns="" xmlns:ma14="http://schemas.microsoft.com/office/mac/drawingml/2011/main" val="1"/>
             </a:ext>
           </a:extLst>
         </p:spPr>
@@ -5381,7 +5313,7 @@
           </a:ln>
           <a:extLst>
             <a:ext uri="{C572A759-6A51-4108-AA02-DFA0A04FC94B}">
-              <ma14:wrappingTextBoxFlag xmlns:ma14="http://schemas.microsoft.com/office/mac/drawingml/2011/main" xmlns="" val="1"/>
+              <ma14:wrappingTextBoxFlag xmlns="" xmlns:ma14="http://schemas.microsoft.com/office/mac/drawingml/2011/main" val="1"/>
             </a:ext>
           </a:extLst>
         </p:spPr>
@@ -5427,7 +5359,7 @@
           </a:ln>
           <a:extLst>
             <a:ext uri="{C572A759-6A51-4108-AA02-DFA0A04FC94B}">
-              <ma14:wrappingTextBoxFlag xmlns:ma14="http://schemas.microsoft.com/office/mac/drawingml/2011/main" xmlns="" val="1"/>
+              <ma14:wrappingTextBoxFlag xmlns="" xmlns:ma14="http://schemas.microsoft.com/office/mac/drawingml/2011/main" val="1"/>
             </a:ext>
           </a:extLst>
         </p:spPr>
@@ -5485,7 +5417,7 @@
             </a:ln>
             <a:extLst>
               <a:ext uri="{C572A759-6A51-4108-AA02-DFA0A04FC94B}">
-                <ma14:wrappingTextBoxFlag xmlns:ma14="http://schemas.microsoft.com/office/mac/drawingml/2011/main" xmlns="" val="1"/>
+                <ma14:wrappingTextBoxFlag xmlns="" xmlns:ma14="http://schemas.microsoft.com/office/mac/drawingml/2011/main" val="1"/>
               </a:ext>
             </a:extLst>
           </p:spPr>
@@ -5569,7 +5501,7 @@
             </a:ln>
             <a:extLst>
               <a:ext uri="{C572A759-6A51-4108-AA02-DFA0A04FC94B}">
-                <ma14:wrappingTextBoxFlag xmlns:ma14="http://schemas.microsoft.com/office/mac/drawingml/2011/main" xmlns="" val="1"/>
+                <ma14:wrappingTextBoxFlag xmlns="" xmlns:ma14="http://schemas.microsoft.com/office/mac/drawingml/2011/main" val="1"/>
               </a:ext>
             </a:extLst>
           </p:spPr>
@@ -5654,7 +5586,7 @@
             </a:ln>
             <a:extLst>
               <a:ext uri="{C572A759-6A51-4108-AA02-DFA0A04FC94B}">
-                <ma14:wrappingTextBoxFlag xmlns:ma14="http://schemas.microsoft.com/office/mac/drawingml/2011/main" xmlns="" val="1"/>
+                <ma14:wrappingTextBoxFlag xmlns="" xmlns:ma14="http://schemas.microsoft.com/office/mac/drawingml/2011/main" val="1"/>
               </a:ext>
             </a:extLst>
           </p:spPr>
@@ -5792,7 +5724,7 @@
             </a:ln>
             <a:extLst>
               <a:ext uri="{C572A759-6A51-4108-AA02-DFA0A04FC94B}">
-                <ma14:wrappingTextBoxFlag xmlns:ma14="http://schemas.microsoft.com/office/mac/drawingml/2011/main" xmlns="" val="1"/>
+                <ma14:wrappingTextBoxFlag xmlns="" xmlns:ma14="http://schemas.microsoft.com/office/mac/drawingml/2011/main" val="1"/>
               </a:ext>
             </a:extLst>
           </p:spPr>
@@ -5950,7 +5882,7 @@
             </a:ln>
             <a:extLst>
               <a:ext uri="{C572A759-6A51-4108-AA02-DFA0A04FC94B}">
-                <ma14:wrappingTextBoxFlag xmlns:ma14="http://schemas.microsoft.com/office/mac/drawingml/2011/main" xmlns="" val="1"/>
+                <ma14:wrappingTextBoxFlag xmlns="" xmlns:ma14="http://schemas.microsoft.com/office/mac/drawingml/2011/main" val="1"/>
               </a:ext>
             </a:extLst>
           </p:spPr>
@@ -5998,7 +5930,7 @@
           </a:ln>
           <a:extLst>
             <a:ext uri="{C572A759-6A51-4108-AA02-DFA0A04FC94B}">
-              <ma14:wrappingTextBoxFlag xmlns:ma14="http://schemas.microsoft.com/office/mac/drawingml/2011/main" xmlns="" val="1"/>
+              <ma14:wrappingTextBoxFlag xmlns="" xmlns:ma14="http://schemas.microsoft.com/office/mac/drawingml/2011/main" val="1"/>
             </a:ext>
           </a:extLst>
         </p:spPr>
@@ -6111,7 +6043,7 @@
             </a:ln>
             <a:extLst>
               <a:ext uri="{C572A759-6A51-4108-AA02-DFA0A04FC94B}">
-                <ma14:wrappingTextBoxFlag xmlns:ma14="http://schemas.microsoft.com/office/mac/drawingml/2011/main" xmlns="" val="1"/>
+                <ma14:wrappingTextBoxFlag xmlns="" xmlns:ma14="http://schemas.microsoft.com/office/mac/drawingml/2011/main" val="1"/>
               </a:ext>
             </a:extLst>
           </p:spPr>
@@ -6206,7 +6138,7 @@
             </a:ln>
             <a:extLst>
               <a:ext uri="{C572A759-6A51-4108-AA02-DFA0A04FC94B}">
-                <ma14:wrappingTextBoxFlag xmlns:ma14="http://schemas.microsoft.com/office/mac/drawingml/2011/main" xmlns="" val="1"/>
+                <ma14:wrappingTextBoxFlag xmlns="" xmlns:ma14="http://schemas.microsoft.com/office/mac/drawingml/2011/main" val="1"/>
               </a:ext>
             </a:extLst>
           </p:spPr>
@@ -6264,7 +6196,7 @@
             </a:ln>
             <a:extLst>
               <a:ext uri="{C572A759-6A51-4108-AA02-DFA0A04FC94B}">
-                <ma14:wrappingTextBoxFlag xmlns:ma14="http://schemas.microsoft.com/office/mac/drawingml/2011/main" xmlns="" val="1"/>
+                <ma14:wrappingTextBoxFlag xmlns="" xmlns:ma14="http://schemas.microsoft.com/office/mac/drawingml/2011/main" val="1"/>
               </a:ext>
             </a:extLst>
           </p:spPr>
@@ -7172,7 +7104,7 @@
             </a:ln>
             <a:extLst>
               <a:ext uri="{C572A759-6A51-4108-AA02-DFA0A04FC94B}">
-                <ma14:wrappingTextBoxFlag xmlns:ma14="http://schemas.microsoft.com/office/mac/drawingml/2011/main" xmlns="" val="1"/>
+                <ma14:wrappingTextBoxFlag xmlns="" xmlns:ma14="http://schemas.microsoft.com/office/mac/drawingml/2011/main" val="1"/>
               </a:ext>
             </a:extLst>
           </p:spPr>
@@ -7221,7 +7153,7 @@
             </a:ln>
             <a:extLst>
               <a:ext uri="{C572A759-6A51-4108-AA02-DFA0A04FC94B}">
-                <ma14:wrappingTextBoxFlag xmlns:ma14="http://schemas.microsoft.com/office/mac/drawingml/2011/main" xmlns="" val="1"/>
+                <ma14:wrappingTextBoxFlag xmlns="" xmlns:ma14="http://schemas.microsoft.com/office/mac/drawingml/2011/main" val="1"/>
               </a:ext>
             </a:extLst>
           </p:spPr>
@@ -12252,7 +12184,7 @@
             </a:ln>
             <a:extLst>
               <a:ext uri="{C572A759-6A51-4108-AA02-DFA0A04FC94B}">
-                <ma14:wrappingTextBoxFlag xmlns:ma14="http://schemas.microsoft.com/office/mac/drawingml/2011/main" xmlns="" val="1"/>
+                <ma14:wrappingTextBoxFlag xmlns="" xmlns:ma14="http://schemas.microsoft.com/office/mac/drawingml/2011/main" val="1"/>
               </a:ext>
             </a:extLst>
           </p:spPr>
@@ -12327,7 +12259,7 @@
             </a:ln>
             <a:extLst>
               <a:ext uri="{C572A759-6A51-4108-AA02-DFA0A04FC94B}">
-                <ma14:wrappingTextBoxFlag xmlns:ma14="http://schemas.microsoft.com/office/mac/drawingml/2011/main" xmlns="" val="1"/>
+                <ma14:wrappingTextBoxFlag xmlns="" xmlns:ma14="http://schemas.microsoft.com/office/mac/drawingml/2011/main" val="1"/>
               </a:ext>
             </a:extLst>
           </p:spPr>
@@ -12386,7 +12318,7 @@
             </a:ln>
             <a:extLst>
               <a:ext uri="{C572A759-6A51-4108-AA02-DFA0A04FC94B}">
-                <ma14:wrappingTextBoxFlag xmlns:ma14="http://schemas.microsoft.com/office/mac/drawingml/2011/main" xmlns="" val="1"/>
+                <ma14:wrappingTextBoxFlag xmlns="" xmlns:ma14="http://schemas.microsoft.com/office/mac/drawingml/2011/main" val="1"/>
               </a:ext>
             </a:extLst>
           </p:spPr>
@@ -12445,7 +12377,7 @@
             </a:ln>
             <a:extLst>
               <a:ext uri="{C572A759-6A51-4108-AA02-DFA0A04FC94B}">
-                <ma14:wrappingTextBoxFlag xmlns:ma14="http://schemas.microsoft.com/office/mac/drawingml/2011/main" xmlns="" val="1"/>
+                <ma14:wrappingTextBoxFlag xmlns="" xmlns:ma14="http://schemas.microsoft.com/office/mac/drawingml/2011/main" val="1"/>
               </a:ext>
             </a:extLst>
           </p:spPr>
@@ -12512,7 +12444,7 @@
             </a:ln>
             <a:extLst>
               <a:ext uri="{C572A759-6A51-4108-AA02-DFA0A04FC94B}">
-                <ma14:wrappingTextBoxFlag xmlns:ma14="http://schemas.microsoft.com/office/mac/drawingml/2011/main" xmlns="" val="1"/>
+                <ma14:wrappingTextBoxFlag xmlns="" xmlns:ma14="http://schemas.microsoft.com/office/mac/drawingml/2011/main" val="1"/>
               </a:ext>
             </a:extLst>
           </p:spPr>
@@ -12571,7 +12503,7 @@
             </a:ln>
             <a:extLst>
               <a:ext uri="{C572A759-6A51-4108-AA02-DFA0A04FC94B}">
-                <ma14:wrappingTextBoxFlag xmlns:ma14="http://schemas.microsoft.com/office/mac/drawingml/2011/main" xmlns="" val="1"/>
+                <ma14:wrappingTextBoxFlag xmlns="" xmlns:ma14="http://schemas.microsoft.com/office/mac/drawingml/2011/main" val="1"/>
               </a:ext>
             </a:extLst>
           </p:spPr>
@@ -12630,7 +12562,7 @@
             </a:ln>
             <a:extLst>
               <a:ext uri="{C572A759-6A51-4108-AA02-DFA0A04FC94B}">
-                <ma14:wrappingTextBoxFlag xmlns:ma14="http://schemas.microsoft.com/office/mac/drawingml/2011/main" xmlns="" val="1"/>
+                <ma14:wrappingTextBoxFlag xmlns="" xmlns:ma14="http://schemas.microsoft.com/office/mac/drawingml/2011/main" val="1"/>
               </a:ext>
             </a:extLst>
           </p:spPr>
@@ -12674,7 +12606,7 @@
             </a:ln>
             <a:extLst>
               <a:ext uri="{C572A759-6A51-4108-AA02-DFA0A04FC94B}">
-                <ma14:wrappingTextBoxFlag xmlns:ma14="http://schemas.microsoft.com/office/mac/drawingml/2011/main" xmlns="" val="1"/>
+                <ma14:wrappingTextBoxFlag xmlns="" xmlns:ma14="http://schemas.microsoft.com/office/mac/drawingml/2011/main" val="1"/>
               </a:ext>
             </a:extLst>
           </p:spPr>
@@ -12718,7 +12650,7 @@
             </a:ln>
             <a:extLst>
               <a:ext uri="{C572A759-6A51-4108-AA02-DFA0A04FC94B}">
-                <ma14:wrappingTextBoxFlag xmlns:ma14="http://schemas.microsoft.com/office/mac/drawingml/2011/main" xmlns="" val="1"/>
+                <ma14:wrappingTextBoxFlag xmlns="" xmlns:ma14="http://schemas.microsoft.com/office/mac/drawingml/2011/main" val="1"/>
               </a:ext>
             </a:extLst>
           </p:spPr>
@@ -12762,7 +12694,7 @@
             </a:ln>
             <a:extLst>
               <a:ext uri="{C572A759-6A51-4108-AA02-DFA0A04FC94B}">
-                <ma14:wrappingTextBoxFlag xmlns:ma14="http://schemas.microsoft.com/office/mac/drawingml/2011/main" xmlns="" val="1"/>
+                <ma14:wrappingTextBoxFlag xmlns="" xmlns:ma14="http://schemas.microsoft.com/office/mac/drawingml/2011/main" val="1"/>
               </a:ext>
             </a:extLst>
           </p:spPr>
@@ -12806,7 +12738,7 @@
             </a:ln>
             <a:extLst>
               <a:ext uri="{C572A759-6A51-4108-AA02-DFA0A04FC94B}">
-                <ma14:wrappingTextBoxFlag xmlns:ma14="http://schemas.microsoft.com/office/mac/drawingml/2011/main" xmlns="" val="1"/>
+                <ma14:wrappingTextBoxFlag xmlns="" xmlns:ma14="http://schemas.microsoft.com/office/mac/drawingml/2011/main" val="1"/>
               </a:ext>
             </a:extLst>
           </p:spPr>
@@ -12850,7 +12782,7 @@
             </a:ln>
             <a:extLst>
               <a:ext uri="{C572A759-6A51-4108-AA02-DFA0A04FC94B}">
-                <ma14:wrappingTextBoxFlag xmlns:ma14="http://schemas.microsoft.com/office/mac/drawingml/2011/main" xmlns="" val="1"/>
+                <ma14:wrappingTextBoxFlag xmlns="" xmlns:ma14="http://schemas.microsoft.com/office/mac/drawingml/2011/main" val="1"/>
               </a:ext>
             </a:extLst>
           </p:spPr>
@@ -12894,7 +12826,7 @@
             </a:ln>
             <a:extLst>
               <a:ext uri="{C572A759-6A51-4108-AA02-DFA0A04FC94B}">
-                <ma14:wrappingTextBoxFlag xmlns:ma14="http://schemas.microsoft.com/office/mac/drawingml/2011/main" xmlns="" val="1"/>
+                <ma14:wrappingTextBoxFlag xmlns="" xmlns:ma14="http://schemas.microsoft.com/office/mac/drawingml/2011/main" val="1"/>
               </a:ext>
             </a:extLst>
           </p:spPr>
@@ -12938,7 +12870,7 @@
             </a:ln>
             <a:extLst>
               <a:ext uri="{C572A759-6A51-4108-AA02-DFA0A04FC94B}">
-                <ma14:wrappingTextBoxFlag xmlns:ma14="http://schemas.microsoft.com/office/mac/drawingml/2011/main" xmlns="" val="1"/>
+                <ma14:wrappingTextBoxFlag xmlns="" xmlns:ma14="http://schemas.microsoft.com/office/mac/drawingml/2011/main" val="1"/>
               </a:ext>
             </a:extLst>
           </p:spPr>
@@ -12982,7 +12914,7 @@
             </a:ln>
             <a:extLst>
               <a:ext uri="{C572A759-6A51-4108-AA02-DFA0A04FC94B}">
-                <ma14:wrappingTextBoxFlag xmlns:ma14="http://schemas.microsoft.com/office/mac/drawingml/2011/main" xmlns="" val="1"/>
+                <ma14:wrappingTextBoxFlag xmlns="" xmlns:ma14="http://schemas.microsoft.com/office/mac/drawingml/2011/main" val="1"/>
               </a:ext>
             </a:extLst>
           </p:spPr>
@@ -13106,7 +13038,7 @@
             </a:ln>
             <a:extLst>
               <a:ext uri="{C572A759-6A51-4108-AA02-DFA0A04FC94B}">
-                <ma14:wrappingTextBoxFlag xmlns:ma14="http://schemas.microsoft.com/office/mac/drawingml/2011/main" xmlns="" val="1"/>
+                <ma14:wrappingTextBoxFlag xmlns="" xmlns:ma14="http://schemas.microsoft.com/office/mac/drawingml/2011/main" val="1"/>
               </a:ext>
             </a:extLst>
           </p:spPr>
@@ -13150,7 +13082,7 @@
             </a:ln>
             <a:extLst>
               <a:ext uri="{C572A759-6A51-4108-AA02-DFA0A04FC94B}">
-                <ma14:wrappingTextBoxFlag xmlns:ma14="http://schemas.microsoft.com/office/mac/drawingml/2011/main" xmlns="" val="1"/>
+                <ma14:wrappingTextBoxFlag xmlns="" xmlns:ma14="http://schemas.microsoft.com/office/mac/drawingml/2011/main" val="1"/>
               </a:ext>
             </a:extLst>
           </p:spPr>
@@ -13197,7 +13129,7 @@
             </a:ln>
             <a:extLst>
               <a:ext uri="{C572A759-6A51-4108-AA02-DFA0A04FC94B}">
-                <ma14:wrappingTextBoxFlag xmlns:ma14="http://schemas.microsoft.com/office/mac/drawingml/2011/main" xmlns="" val="1"/>
+                <ma14:wrappingTextBoxFlag xmlns="" xmlns:ma14="http://schemas.microsoft.com/office/mac/drawingml/2011/main" val="1"/>
               </a:ext>
             </a:extLst>
           </p:spPr>
@@ -13911,7 +13843,7 @@
             </a:ln>
             <a:extLst>
               <a:ext uri="{C572A759-6A51-4108-AA02-DFA0A04FC94B}">
-                <ma14:wrappingTextBoxFlag xmlns:ma14="http://schemas.microsoft.com/office/mac/drawingml/2011/main" xmlns="" val="1"/>
+                <ma14:wrappingTextBoxFlag xmlns="" xmlns:ma14="http://schemas.microsoft.com/office/mac/drawingml/2011/main" val="1"/>
               </a:ext>
             </a:extLst>
           </p:spPr>
@@ -14152,7 +14084,7 @@
             </a:ln>
             <a:extLst>
               <a:ext uri="{C572A759-6A51-4108-AA02-DFA0A04FC94B}">
-                <ma14:wrappingTextBoxFlag xmlns:ma14="http://schemas.microsoft.com/office/mac/drawingml/2011/main" xmlns="" val="1"/>
+                <ma14:wrappingTextBoxFlag xmlns="" xmlns:ma14="http://schemas.microsoft.com/office/mac/drawingml/2011/main" val="1"/>
               </a:ext>
             </a:extLst>
           </p:spPr>
@@ -14198,7 +14130,7 @@
             </a:ln>
             <a:extLst>
               <a:ext uri="{C572A759-6A51-4108-AA02-DFA0A04FC94B}">
-                <ma14:wrappingTextBoxFlag xmlns:ma14="http://schemas.microsoft.com/office/mac/drawingml/2011/main" xmlns="" val="1"/>
+                <ma14:wrappingTextBoxFlag xmlns="" xmlns:ma14="http://schemas.microsoft.com/office/mac/drawingml/2011/main" val="1"/>
               </a:ext>
             </a:extLst>
           </p:spPr>
@@ -14242,7 +14174,7 @@
             </a:ln>
             <a:extLst>
               <a:ext uri="{C572A759-6A51-4108-AA02-DFA0A04FC94B}">
-                <ma14:wrappingTextBoxFlag xmlns:ma14="http://schemas.microsoft.com/office/mac/drawingml/2011/main" xmlns="" val="1"/>
+                <ma14:wrappingTextBoxFlag xmlns="" xmlns:ma14="http://schemas.microsoft.com/office/mac/drawingml/2011/main" val="1"/>
               </a:ext>
             </a:extLst>
           </p:spPr>
@@ -14324,7 +14256,7 @@
             </a:ln>
             <a:extLst>
               <a:ext uri="{C572A759-6A51-4108-AA02-DFA0A04FC94B}">
-                <ma14:wrappingTextBoxFlag xmlns:ma14="http://schemas.microsoft.com/office/mac/drawingml/2011/main" xmlns="" val="1"/>
+                <ma14:wrappingTextBoxFlag xmlns="" xmlns:ma14="http://schemas.microsoft.com/office/mac/drawingml/2011/main" val="1"/>
               </a:ext>
             </a:extLst>
           </p:spPr>
@@ -14368,7 +14300,7 @@
             </a:ln>
             <a:extLst>
               <a:ext uri="{C572A759-6A51-4108-AA02-DFA0A04FC94B}">
-                <ma14:wrappingTextBoxFlag xmlns:ma14="http://schemas.microsoft.com/office/mac/drawingml/2011/main" xmlns="" val="1"/>
+                <ma14:wrappingTextBoxFlag xmlns="" xmlns:ma14="http://schemas.microsoft.com/office/mac/drawingml/2011/main" val="1"/>
               </a:ext>
             </a:extLst>
           </p:spPr>
@@ -14412,7 +14344,7 @@
             </a:ln>
             <a:extLst>
               <a:ext uri="{C572A759-6A51-4108-AA02-DFA0A04FC94B}">
-                <ma14:wrappingTextBoxFlag xmlns:ma14="http://schemas.microsoft.com/office/mac/drawingml/2011/main" xmlns="" val="1"/>
+                <ma14:wrappingTextBoxFlag xmlns="" xmlns:ma14="http://schemas.microsoft.com/office/mac/drawingml/2011/main" val="1"/>
               </a:ext>
             </a:extLst>
           </p:spPr>
@@ -14533,52 +14465,6 @@
       </p:pic>
       <p:sp>
         <p:nvSpPr>
-          <p:cNvPr id="179" name="Shape 120" descr="TextBox 2"/>
-          <p:cNvSpPr/>
-          <p:nvPr/>
-        </p:nvSpPr>
-        <p:spPr>
-          <a:xfrm>
-            <a:off x="11869627" y="13539187"/>
-            <a:ext cx="4178175" cy="396241"/>
-          </a:xfrm>
-          <a:prstGeom prst="rect">
-            <a:avLst/>
-          </a:prstGeom>
-          <a:ln w="12700">
-            <a:miter lim="400000"/>
-          </a:ln>
-          <a:extLst>
-            <a:ext uri="{C572A759-6A51-4108-AA02-DFA0A04FC94B}">
-              <ma14:wrappingTextBoxFlag xmlns:ma14="http://schemas.microsoft.com/office/mac/drawingml/2011/main" xmlns="" val="1"/>
-            </a:ext>
-          </a:extLst>
-        </p:spPr>
-        <p:txBody>
-          <a:bodyPr lIns="45719" rIns="45719">
-            <a:spAutoFit/>
-          </a:bodyPr>
-          <a:lstStyle>
-            <a:lvl1pPr algn="ctr">
-              <a:defRPr>
-                <a:latin typeface="Myriad Pro"/>
-                <a:ea typeface="Myriad Pro"/>
-                <a:cs typeface="Myriad Pro"/>
-                <a:sym typeface="Myriad Pro"/>
-              </a:defRPr>
-            </a:lvl1pPr>
-          </a:lstStyle>
-          <a:p>
-            <a:r>
-              <a:rPr lang="en-US" smtClean="0"/>
-              <a:t>TF-IDF Processing</a:t>
-            </a:r>
-            <a:endParaRPr dirty="0"/>
-          </a:p>
-        </p:txBody>
-      </p:sp>
-      <p:sp>
-        <p:nvSpPr>
           <p:cNvPr id="180" name="Shape 129" descr="Text Box 116"/>
           <p:cNvSpPr/>
           <p:nvPr/>
@@ -14602,7 +14488,7 @@
           </a:ln>
           <a:extLst>
             <a:ext uri="{C572A759-6A51-4108-AA02-DFA0A04FC94B}">
-              <ma14:wrappingTextBoxFlag xmlns:ma14="http://schemas.microsoft.com/office/mac/drawingml/2011/main" xmlns="" val="1"/>
+              <ma14:wrappingTextBoxFlag xmlns="" xmlns:ma14="http://schemas.microsoft.com/office/mac/drawingml/2011/main" val="1"/>
             </a:ext>
           </a:extLst>
         </p:spPr>
@@ -14639,52 +14525,6 @@
       </p:sp>
       <p:sp>
         <p:nvSpPr>
-          <p:cNvPr id="181" name="Shape 120" descr="TextBox 2"/>
-          <p:cNvSpPr/>
-          <p:nvPr/>
-        </p:nvSpPr>
-        <p:spPr>
-          <a:xfrm>
-            <a:off x="6365656" y="13595917"/>
-            <a:ext cx="4178175" cy="396241"/>
-          </a:xfrm>
-          <a:prstGeom prst="rect">
-            <a:avLst/>
-          </a:prstGeom>
-          <a:ln w="12700">
-            <a:miter lim="400000"/>
-          </a:ln>
-          <a:extLst>
-            <a:ext uri="{C572A759-6A51-4108-AA02-DFA0A04FC94B}">
-              <ma14:wrappingTextBoxFlag xmlns:ma14="http://schemas.microsoft.com/office/mac/drawingml/2011/main" xmlns="" val="1"/>
-            </a:ext>
-          </a:extLst>
-        </p:spPr>
-        <p:txBody>
-          <a:bodyPr lIns="45719" rIns="45719">
-            <a:spAutoFit/>
-          </a:bodyPr>
-          <a:lstStyle>
-            <a:lvl1pPr algn="ctr">
-              <a:defRPr>
-                <a:latin typeface="Myriad Pro"/>
-                <a:ea typeface="Myriad Pro"/>
-                <a:cs typeface="Myriad Pro"/>
-                <a:sym typeface="Myriad Pro"/>
-              </a:defRPr>
-            </a:lvl1pPr>
-          </a:lstStyle>
-          <a:p>
-            <a:r>
-              <a:rPr lang="en-US" dirty="0" smtClean="0"/>
-              <a:t>BOW Processing</a:t>
-            </a:r>
-            <a:endParaRPr dirty="0"/>
-          </a:p>
-        </p:txBody>
-      </p:sp>
-      <p:sp>
-        <p:nvSpPr>
           <p:cNvPr id="183" name="Shape 246" descr="TextBox 376"/>
           <p:cNvSpPr/>
           <p:nvPr/>
@@ -14702,7 +14542,7 @@
           </a:ln>
           <a:extLst>
             <a:ext uri="{C572A759-6A51-4108-AA02-DFA0A04FC94B}">
-              <ma14:wrappingTextBoxFlag xmlns:ma14="http://schemas.microsoft.com/office/mac/drawingml/2011/main" xmlns="" val="1"/>
+              <ma14:wrappingTextBoxFlag xmlns="" xmlns:ma14="http://schemas.microsoft.com/office/mac/drawingml/2011/main" val="1"/>
             </a:ext>
           </a:extLst>
         </p:spPr>
@@ -14731,54 +14571,6 @@
       </p:sp>
       <p:sp>
         <p:nvSpPr>
-          <p:cNvPr id="184" name="Shape 121" descr="Right Arrow 3"/>
-          <p:cNvSpPr/>
-          <p:nvPr/>
-        </p:nvSpPr>
-        <p:spPr>
-          <a:xfrm>
-            <a:off x="10702618" y="13660698"/>
-            <a:ext cx="692568" cy="381001"/>
-          </a:xfrm>
-          <a:prstGeom prst="rightArrow">
-            <a:avLst>
-              <a:gd name="adj1" fmla="val 50000"/>
-              <a:gd name="adj2" fmla="val 50000"/>
-            </a:avLst>
-          </a:prstGeom>
-          <a:solidFill>
-            <a:srgbClr val="F58026"/>
-          </a:solidFill>
-          <a:ln>
-            <a:solidFill>
-              <a:srgbClr val="373536"/>
-            </a:solidFill>
-          </a:ln>
-          <a:effectLst>
-            <a:outerShdw blurRad="38100" dist="23000" dir="5400000" rotWithShape="0">
-              <a:srgbClr val="000000">
-                <a:alpha val="35000"/>
-              </a:srgbClr>
-            </a:outerShdw>
-          </a:effectLst>
-        </p:spPr>
-        <p:txBody>
-          <a:bodyPr lIns="45719" rIns="45719" anchor="ctr"/>
-          <a:lstStyle/>
-          <a:p>
-            <a:pPr algn="ctr">
-              <a:defRPr>
-                <a:solidFill>
-                  <a:srgbClr val="B2B2B2"/>
-                </a:solidFill>
-              </a:defRPr>
-            </a:pPr>
-            <a:endParaRPr/>
-          </a:p>
-        </p:txBody>
-      </p:sp>
-      <p:sp>
-        <p:nvSpPr>
           <p:cNvPr id="185" name="Shape 260" descr="Rectangle 49"/>
           <p:cNvSpPr/>
           <p:nvPr/>
@@ -14796,7 +14588,7 @@
           </a:ln>
           <a:extLst>
             <a:ext uri="{C572A759-6A51-4108-AA02-DFA0A04FC94B}">
-              <ma14:wrappingTextBoxFlag xmlns:ma14="http://schemas.microsoft.com/office/mac/drawingml/2011/main" xmlns="" val="1"/>
+              <ma14:wrappingTextBoxFlag xmlns="" xmlns:ma14="http://schemas.microsoft.com/office/mac/drawingml/2011/main" val="1"/>
             </a:ext>
           </a:extLst>
         </p:spPr>
@@ -14949,6 +14741,288 @@
               <a:t>T-SNE</a:t>
             </a:r>
             <a:endParaRPr b="0" dirty="0"/>
+          </a:p>
+        </p:txBody>
+      </p:sp>
+      <p:pic>
+        <p:nvPicPr>
+          <p:cNvPr id="1026" name="Picture 2"/>
+          <p:cNvPicPr>
+            <a:picLocks noChangeAspect="1" noChangeArrowheads="1"/>
+          </p:cNvPicPr>
+          <p:nvPr/>
+        </p:nvPicPr>
+        <p:blipFill>
+          <a:blip r:embed="rId12">
+            <a:extLst>
+              <a:ext uri="{28A0092B-C50C-407E-A947-70E740481C1C}">
+                <a14:useLocalDpi xmlns:a14="http://schemas.microsoft.com/office/drawing/2010/main" val="0"/>
+              </a:ext>
+            </a:extLst>
+          </a:blip>
+          <a:srcRect/>
+          <a:stretch>
+            <a:fillRect/>
+          </a:stretch>
+        </p:blipFill>
+        <p:spPr bwMode="auto">
+          <a:xfrm>
+            <a:off x="1946887" y="16175141"/>
+            <a:ext cx="4305300" cy="1647825"/>
+          </a:xfrm>
+          <a:prstGeom prst="rect">
+            <a:avLst/>
+          </a:prstGeom>
+          <a:noFill/>
+          <a:ln>
+            <a:noFill/>
+          </a:ln>
+          <a:extLst>
+            <a:ext uri="{909E8E84-426E-40DD-AFC4-6F175D3DCCD1}">
+              <a14:hiddenFill xmlns:a14="http://schemas.microsoft.com/office/drawing/2010/main">
+                <a:solidFill>
+                  <a:schemeClr val="accent1"/>
+                </a:solidFill>
+              </a14:hiddenFill>
+            </a:ext>
+            <a:ext uri="{91240B29-F687-4F45-9708-019B960494DF}">
+              <a14:hiddenLine xmlns:a14="http://schemas.microsoft.com/office/drawing/2010/main" w="9525">
+                <a:solidFill>
+                  <a:schemeClr val="tx1"/>
+                </a:solidFill>
+                <a:miter lim="800000"/>
+                <a:headEnd/>
+                <a:tailEnd/>
+              </a14:hiddenLine>
+            </a:ext>
+          </a:extLst>
+        </p:spPr>
+      </p:pic>
+      <p:pic>
+        <p:nvPicPr>
+          <p:cNvPr id="1027" name="Picture 3"/>
+          <p:cNvPicPr>
+            <a:picLocks noChangeAspect="1" noChangeArrowheads="1"/>
+          </p:cNvPicPr>
+          <p:nvPr/>
+        </p:nvPicPr>
+        <p:blipFill>
+          <a:blip r:embed="rId13">
+            <a:extLst>
+              <a:ext uri="{28A0092B-C50C-407E-A947-70E740481C1C}">
+                <a14:useLocalDpi xmlns:a14="http://schemas.microsoft.com/office/drawing/2010/main" val="0"/>
+              </a:ext>
+            </a:extLst>
+          </a:blip>
+          <a:srcRect/>
+          <a:stretch>
+            <a:fillRect/>
+          </a:stretch>
+        </p:blipFill>
+        <p:spPr bwMode="auto">
+          <a:xfrm>
+            <a:off x="6727786" y="14963536"/>
+            <a:ext cx="9421344" cy="2859430"/>
+          </a:xfrm>
+          <a:prstGeom prst="rect">
+            <a:avLst/>
+          </a:prstGeom>
+          <a:noFill/>
+          <a:ln>
+            <a:noFill/>
+          </a:ln>
+          <a:extLst>
+            <a:ext uri="{909E8E84-426E-40DD-AFC4-6F175D3DCCD1}">
+              <a14:hiddenFill xmlns:a14="http://schemas.microsoft.com/office/drawing/2010/main">
+                <a:solidFill>
+                  <a:schemeClr val="accent1"/>
+                </a:solidFill>
+              </a14:hiddenFill>
+            </a:ext>
+            <a:ext uri="{91240B29-F687-4F45-9708-019B960494DF}">
+              <a14:hiddenLine xmlns:a14="http://schemas.microsoft.com/office/drawing/2010/main" w="9525">
+                <a:solidFill>
+                  <a:schemeClr val="tx1"/>
+                </a:solidFill>
+                <a:miter lim="800000"/>
+                <a:headEnd/>
+                <a:tailEnd/>
+              </a14:hiddenLine>
+            </a:ext>
+          </a:extLst>
+        </p:spPr>
+      </p:pic>
+      <p:graphicFrame>
+        <p:nvGraphicFramePr>
+          <p:cNvPr id="8" name="Table 7"/>
+          <p:cNvGraphicFramePr>
+            <a:graphicFrameLocks noGrp="1"/>
+          </p:cNvGraphicFramePr>
+          <p:nvPr>
+            <p:extLst>
+              <p:ext uri="{D42A27DB-BD31-4B8C-83A1-F6EECF244321}">
+                <p14:modId xmlns:p14="http://schemas.microsoft.com/office/powerpoint/2010/main" val="393881303"/>
+              </p:ext>
+            </p:extLst>
+          </p:nvPr>
+        </p:nvGraphicFramePr>
+        <p:xfrm>
+          <a:off x="2655929" y="14701228"/>
+          <a:ext cx="2529932" cy="1194615"/>
+        </p:xfrm>
+        <a:graphic>
+          <a:graphicData uri="http://schemas.openxmlformats.org/drawingml/2006/table">
+            <a:tbl>
+              <a:tblPr firstRow="1" bandRow="1">
+                <a:tableStyleId>{5940675A-B579-460E-94D1-54222C63F5DA}</a:tableStyleId>
+              </a:tblPr>
+              <a:tblGrid>
+                <a:gridCol w="1437731"/>
+                <a:gridCol w="1092201"/>
+              </a:tblGrid>
+              <a:tr h="398205">
+                <a:tc>
+                  <a:txBody>
+                    <a:bodyPr/>
+                    <a:lstStyle/>
+                    <a:p>
+                      <a:pPr algn="ctr"/>
+                      <a:r>
+                        <a:rPr lang="en-US" sz="1500" dirty="0" smtClean="0"/>
+                        <a:t># Recipes</a:t>
+                      </a:r>
+                      <a:endParaRPr lang="en-US" sz="1500" dirty="0"/>
+                    </a:p>
+                  </a:txBody>
+                  <a:tcPr/>
+                </a:tc>
+                <a:tc>
+                  <a:txBody>
+                    <a:bodyPr/>
+                    <a:lstStyle/>
+                    <a:p>
+                      <a:pPr algn="r"/>
+                      <a:r>
+                        <a:rPr lang="en-US" sz="1500" dirty="0" smtClean="0"/>
+                        <a:t>39,774</a:t>
+                      </a:r>
+                      <a:endParaRPr lang="en-US" sz="1500" dirty="0"/>
+                    </a:p>
+                  </a:txBody>
+                  <a:tcPr/>
+                </a:tc>
+              </a:tr>
+              <a:tr h="398205">
+                <a:tc>
+                  <a:txBody>
+                    <a:bodyPr/>
+                    <a:lstStyle/>
+                    <a:p>
+                      <a:pPr algn="ctr"/>
+                      <a:r>
+                        <a:rPr lang="en-US" sz="1500" dirty="0" smtClean="0"/>
+                        <a:t># Cuisines</a:t>
+                      </a:r>
+                      <a:endParaRPr lang="en-US" sz="1500" dirty="0"/>
+                    </a:p>
+                  </a:txBody>
+                  <a:tcPr/>
+                </a:tc>
+                <a:tc>
+                  <a:txBody>
+                    <a:bodyPr/>
+                    <a:lstStyle/>
+                    <a:p>
+                      <a:pPr algn="r"/>
+                      <a:r>
+                        <a:rPr lang="en-US" sz="1500" dirty="0" smtClean="0"/>
+                        <a:t>20</a:t>
+                      </a:r>
+                      <a:endParaRPr lang="en-US" sz="1500" dirty="0"/>
+                    </a:p>
+                  </a:txBody>
+                  <a:tcPr/>
+                </a:tc>
+              </a:tr>
+              <a:tr h="398205">
+                <a:tc>
+                  <a:txBody>
+                    <a:bodyPr/>
+                    <a:lstStyle/>
+                    <a:p>
+                      <a:pPr algn="ctr"/>
+                      <a:r>
+                        <a:rPr lang="en-US" sz="1500" dirty="0" smtClean="0"/>
+                        <a:t># Ingredients</a:t>
+                      </a:r>
+                      <a:endParaRPr lang="en-US" sz="1500" dirty="0"/>
+                    </a:p>
+                  </a:txBody>
+                  <a:tcPr/>
+                </a:tc>
+                <a:tc>
+                  <a:txBody>
+                    <a:bodyPr/>
+                    <a:lstStyle/>
+                    <a:p>
+                      <a:pPr algn="r"/>
+                      <a:r>
+                        <a:rPr lang="en-US" sz="1500" dirty="0" smtClean="0"/>
+                        <a:t>6,714</a:t>
+                      </a:r>
+                      <a:endParaRPr lang="en-US" sz="1500" dirty="0"/>
+                    </a:p>
+                  </a:txBody>
+                  <a:tcPr/>
+                </a:tc>
+              </a:tr>
+            </a:tbl>
+          </a:graphicData>
+        </a:graphic>
+      </p:graphicFrame>
+      <p:sp>
+        <p:nvSpPr>
+          <p:cNvPr id="160" name="Shape 120" descr="TextBox 2"/>
+          <p:cNvSpPr/>
+          <p:nvPr/>
+        </p:nvSpPr>
+        <p:spPr>
+          <a:xfrm>
+            <a:off x="9349370" y="13802791"/>
+            <a:ext cx="4178175" cy="396241"/>
+          </a:xfrm>
+          <a:prstGeom prst="rect">
+            <a:avLst/>
+          </a:prstGeom>
+          <a:ln w="12700">
+            <a:miter lim="400000"/>
+          </a:ln>
+          <a:extLst>
+            <a:ext uri="{C572A759-6A51-4108-AA02-DFA0A04FC94B}">
+              <ma14:wrappingTextBoxFlag xmlns="" xmlns:ma14="http://schemas.microsoft.com/office/mac/drawingml/2011/main" val="1"/>
+            </a:ext>
+          </a:extLst>
+        </p:spPr>
+        <p:txBody>
+          <a:bodyPr lIns="45719" rIns="45719">
+            <a:spAutoFit/>
+          </a:bodyPr>
+          <a:lstStyle>
+            <a:lvl1pPr algn="ctr">
+              <a:defRPr>
+                <a:latin typeface="Myriad Pro"/>
+                <a:ea typeface="Myriad Pro"/>
+                <a:cs typeface="Myriad Pro"/>
+                <a:sym typeface="Myriad Pro"/>
+              </a:defRPr>
+            </a:lvl1pPr>
+          </a:lstStyle>
+          <a:p>
+            <a:r>
+              <a:rPr lang="en-US" dirty="0" smtClean="0"/>
+              <a:t>Preprocessed Dataset</a:t>
+            </a:r>
+            <a:endParaRPr dirty="0"/>
           </a:p>
         </p:txBody>
       </p:sp>

--- a/Poster424.pptx
+++ b/Poster424.pptx
@@ -4254,14 +4254,14 @@
           </a:lstStyle>
           <a:p>
             <a:r>
-              <a:rPr lang="en-US" dirty="0" smtClean="0"/>
+              <a:rPr lang="en-US" b="1" dirty="0" smtClean="0"/>
               <a:t>Raw </a:t>
             </a:r>
             <a:r>
-              <a:rPr lang="en-US" dirty="0" smtClean="0"/>
+              <a:rPr lang="en-US" b="1" dirty="0" smtClean="0"/>
               <a:t>Dataset</a:t>
             </a:r>
-            <a:endParaRPr dirty="0"/>
+            <a:endParaRPr b="1" dirty="0"/>
           </a:p>
         </p:txBody>
       </p:sp>
@@ -5291,52 +5291,6 @@
               <a:rPr dirty="0"/>
               <a:t>Learned from high quality reference sequence data [2]</a:t>
             </a:r>
-          </a:p>
-        </p:txBody>
-      </p:sp>
-      <p:sp>
-        <p:nvSpPr>
-          <p:cNvPr id="246" name="Shape 246" descr="TextBox 376"/>
-          <p:cNvSpPr/>
-          <p:nvPr/>
-        </p:nvSpPr>
-        <p:spPr>
-          <a:xfrm>
-            <a:off x="9325945" y="18968621"/>
-            <a:ext cx="7597093" cy="396241"/>
-          </a:xfrm>
-          <a:prstGeom prst="rect">
-            <a:avLst/>
-          </a:prstGeom>
-          <a:ln w="12700">
-            <a:miter lim="400000"/>
-          </a:ln>
-          <a:extLst>
-            <a:ext uri="{C572A759-6A51-4108-AA02-DFA0A04FC94B}">
-              <ma14:wrappingTextBoxFlag xmlns="" xmlns:ma14="http://schemas.microsoft.com/office/mac/drawingml/2011/main" val="1"/>
-            </a:ext>
-          </a:extLst>
-        </p:spPr>
-        <p:txBody>
-          <a:bodyPr lIns="45719" rIns="45719">
-            <a:spAutoFit/>
-          </a:bodyPr>
-          <a:lstStyle>
-            <a:lvl1pPr algn="ctr">
-              <a:defRPr>
-                <a:latin typeface="Myriad Pro"/>
-                <a:ea typeface="Myriad Pro"/>
-                <a:cs typeface="Myriad Pro"/>
-                <a:sym typeface="Myriad Pro"/>
-              </a:defRPr>
-            </a:lvl1pPr>
-          </a:lstStyle>
-          <a:p>
-            <a:r>
-              <a:rPr lang="en-US" dirty="0" smtClean="0"/>
-              <a:t>Correlation Across Cuisines Using TF-IDF</a:t>
-            </a:r>
-            <a:endParaRPr dirty="0"/>
           </a:p>
         </p:txBody>
       </p:sp>
@@ -14525,52 +14479,6 @@
       </p:sp>
       <p:sp>
         <p:nvSpPr>
-          <p:cNvPr id="183" name="Shape 246" descr="TextBox 376"/>
-          <p:cNvSpPr/>
-          <p:nvPr/>
-        </p:nvSpPr>
-        <p:spPr>
-          <a:xfrm>
-            <a:off x="300991" y="19119398"/>
-            <a:ext cx="7597093" cy="396241"/>
-          </a:xfrm>
-          <a:prstGeom prst="rect">
-            <a:avLst/>
-          </a:prstGeom>
-          <a:ln w="12700">
-            <a:miter lim="400000"/>
-          </a:ln>
-          <a:extLst>
-            <a:ext uri="{C572A759-6A51-4108-AA02-DFA0A04FC94B}">
-              <ma14:wrappingTextBoxFlag xmlns="" xmlns:ma14="http://schemas.microsoft.com/office/mac/drawingml/2011/main" val="1"/>
-            </a:ext>
-          </a:extLst>
-        </p:spPr>
-        <p:txBody>
-          <a:bodyPr lIns="45719" rIns="45719">
-            <a:spAutoFit/>
-          </a:bodyPr>
-          <a:lstStyle>
-            <a:lvl1pPr algn="ctr">
-              <a:defRPr>
-                <a:latin typeface="Myriad Pro"/>
-                <a:ea typeface="Myriad Pro"/>
-                <a:cs typeface="Myriad Pro"/>
-                <a:sym typeface="Myriad Pro"/>
-              </a:defRPr>
-            </a:lvl1pPr>
-          </a:lstStyle>
-          <a:p>
-            <a:r>
-              <a:rPr lang="en-US" dirty="0" smtClean="0"/>
-              <a:t>Top 10 Cuisines from TF-IDF</a:t>
-            </a:r>
-            <a:endParaRPr dirty="0"/>
-          </a:p>
-        </p:txBody>
-      </p:sp>
-      <p:sp>
-        <p:nvSpPr>
           <p:cNvPr id="185" name="Shape 260" descr="Rectangle 49"/>
           <p:cNvSpPr/>
           <p:nvPr/>
@@ -14767,8 +14675,8 @@
         </p:blipFill>
         <p:spPr bwMode="auto">
           <a:xfrm>
-            <a:off x="1946887" y="16175141"/>
-            <a:ext cx="4305300" cy="1647825"/>
+            <a:off x="2174035" y="15726778"/>
+            <a:ext cx="3687873" cy="1411509"/>
           </a:xfrm>
           <a:prstGeom prst="rect">
             <a:avLst/>
@@ -14821,7 +14729,7 @@
         </p:blipFill>
         <p:spPr bwMode="auto">
           <a:xfrm>
-            <a:off x="6727786" y="14963536"/>
+            <a:off x="6365656" y="14278857"/>
             <a:ext cx="9421344" cy="2859430"/>
           </a:xfrm>
           <a:prstGeom prst="rect">
@@ -14861,14 +14769,14 @@
           <p:nvPr>
             <p:extLst>
               <p:ext uri="{D42A27DB-BD31-4B8C-83A1-F6EECF244321}">
-                <p14:modId xmlns:p14="http://schemas.microsoft.com/office/powerpoint/2010/main" val="393881303"/>
+                <p14:modId xmlns:p14="http://schemas.microsoft.com/office/powerpoint/2010/main" val="2709368644"/>
               </p:ext>
             </p:extLst>
           </p:nvPr>
         </p:nvGraphicFramePr>
         <p:xfrm>
-          <a:off x="2655929" y="14701228"/>
-          <a:ext cx="2529932" cy="1194615"/>
+          <a:off x="2321988" y="14306626"/>
+          <a:ext cx="3191128" cy="1295324"/>
         </p:xfrm>
         <a:graphic>
           <a:graphicData uri="http://schemas.openxmlformats.org/drawingml/2006/table">
@@ -14877,10 +14785,10 @@
                 <a:tableStyleId>{5940675A-B579-460E-94D1-54222C63F5DA}</a:tableStyleId>
               </a:tblPr>
               <a:tblGrid>
-                <a:gridCol w="1437731"/>
-                <a:gridCol w="1092201"/>
+                <a:gridCol w="2034563"/>
+                <a:gridCol w="1156565"/>
               </a:tblGrid>
-              <a:tr h="398205">
+              <a:tr h="266624">
                 <a:tc>
                   <a:txBody>
                     <a:bodyPr/>
@@ -14912,7 +14820,7 @@
                   <a:tcPr/>
                 </a:tc>
               </a:tr>
-              <a:tr h="398205">
+              <a:tr h="289484">
                 <a:tc>
                   <a:txBody>
                     <a:bodyPr/>
@@ -14944,7 +14852,7 @@
                   <a:tcPr/>
                 </a:tc>
               </a:tr>
-              <a:tr h="398205">
+              <a:tr h="312344">
                 <a:tc>
                   <a:txBody>
                     <a:bodyPr/>
@@ -14970,7 +14878,37 @@
                         <a:rPr lang="en-US" sz="1500" dirty="0" smtClean="0"/>
                         <a:t>6,714</a:t>
                       </a:r>
+                    </a:p>
+                  </a:txBody>
+                  <a:tcPr/>
+                </a:tc>
+              </a:tr>
+              <a:tr h="335204">
+                <a:tc>
+                  <a:txBody>
+                    <a:bodyPr/>
+                    <a:lstStyle/>
+                    <a:p>
+                      <a:pPr algn="ctr"/>
+                      <a:r>
+                        <a:rPr lang="en-US" sz="1500" dirty="0" smtClean="0"/>
+                        <a:t># Ingredients/cuisine</a:t>
+                      </a:r>
                       <a:endParaRPr lang="en-US" sz="1500" dirty="0"/>
+                    </a:p>
+                  </a:txBody>
+                  <a:tcPr/>
+                </a:tc>
+                <a:tc>
+                  <a:txBody>
+                    <a:bodyPr/>
+                    <a:lstStyle/>
+                    <a:p>
+                      <a:pPr algn="r"/>
+                      <a:r>
+                        <a:rPr lang="en-US" sz="1500" dirty="0" smtClean="0"/>
+                        <a:t>1 to 65</a:t>
+                      </a:r>
                     </a:p>
                   </a:txBody>
                   <a:tcPr/>
@@ -14988,7 +14926,7 @@
         </p:nvSpPr>
         <p:spPr>
           <a:xfrm>
-            <a:off x="9349370" y="13802791"/>
+            <a:off x="9349370" y="13712552"/>
             <a:ext cx="4178175" cy="396241"/>
           </a:xfrm>
           <a:prstGeom prst="rect">
@@ -15019,13 +14957,2377 @@
           </a:lstStyle>
           <a:p>
             <a:r>
-              <a:rPr lang="en-US" dirty="0" smtClean="0"/>
+              <a:rPr lang="en-US" b="1" dirty="0" smtClean="0"/>
               <a:t>Preprocessed Dataset</a:t>
             </a:r>
-            <a:endParaRPr dirty="0"/>
+            <a:endParaRPr b="1" dirty="0"/>
           </a:p>
         </p:txBody>
       </p:sp>
+      <p:graphicFrame>
+        <p:nvGraphicFramePr>
+          <p:cNvPr id="169" name="Table 168"/>
+          <p:cNvGraphicFramePr>
+            <a:graphicFrameLocks noGrp="1"/>
+          </p:cNvGraphicFramePr>
+          <p:nvPr>
+            <p:extLst>
+              <p:ext uri="{D42A27DB-BD31-4B8C-83A1-F6EECF244321}">
+                <p14:modId xmlns:p14="http://schemas.microsoft.com/office/powerpoint/2010/main" val="2030048159"/>
+              </p:ext>
+            </p:extLst>
+          </p:nvPr>
+        </p:nvGraphicFramePr>
+        <p:xfrm>
+          <a:off x="2174035" y="17558407"/>
+          <a:ext cx="13519176" cy="6143719"/>
+        </p:xfrm>
+        <a:graphic>
+          <a:graphicData uri="http://schemas.openxmlformats.org/drawingml/2006/table">
+            <a:tbl>
+              <a:tblPr firstRow="1" bandRow="1">
+                <a:tableStyleId>{5940675A-B579-460E-94D1-54222C63F5DA}</a:tableStyleId>
+              </a:tblPr>
+              <a:tblGrid>
+                <a:gridCol w="1153365"/>
+                <a:gridCol w="1016000"/>
+                <a:gridCol w="10193210"/>
+                <a:gridCol w="1156601"/>
+              </a:tblGrid>
+              <a:tr h="542806">
+                <a:tc>
+                  <a:txBody>
+                    <a:bodyPr/>
+                    <a:lstStyle/>
+                    <a:p>
+                      <a:pPr algn="ctr"/>
+                      <a:r>
+                        <a:rPr lang="en-US" sz="1500" b="1" dirty="0" smtClean="0"/>
+                        <a:t>Cuisine</a:t>
+                      </a:r>
+                      <a:endParaRPr lang="en-US" sz="1500" b="1" dirty="0"/>
+                    </a:p>
+                  </a:txBody>
+                  <a:tcPr/>
+                </a:tc>
+                <a:tc>
+                  <a:txBody>
+                    <a:bodyPr/>
+                    <a:lstStyle/>
+                    <a:p>
+                      <a:pPr algn="ctr"/>
+                      <a:r>
+                        <a:rPr lang="en-US" sz="1500" b="1" dirty="0" smtClean="0"/>
+                        <a:t>#</a:t>
+                      </a:r>
+                      <a:r>
+                        <a:rPr lang="en-US" sz="1500" b="1" baseline="0" dirty="0" smtClean="0"/>
+                        <a:t> Recipes</a:t>
+                      </a:r>
+                      <a:endParaRPr lang="en-US" sz="1500" b="1" dirty="0"/>
+                    </a:p>
+                  </a:txBody>
+                  <a:tcPr/>
+                </a:tc>
+                <a:tc>
+                  <a:txBody>
+                    <a:bodyPr/>
+                    <a:lstStyle/>
+                    <a:p>
+                      <a:pPr algn="ctr"/>
+                      <a:r>
+                        <a:rPr lang="en-US" sz="1500" b="1" dirty="0" smtClean="0"/>
+                        <a:t>Top 10  Ingredients based on TF-IDF on</a:t>
+                      </a:r>
+                      <a:r>
+                        <a:rPr lang="en-US" sz="1500" b="1" baseline="0" dirty="0" smtClean="0"/>
+                        <a:t> cuisines</a:t>
+                      </a:r>
+                      <a:endParaRPr lang="en-US" sz="1500" b="1" dirty="0"/>
+                    </a:p>
+                  </a:txBody>
+                  <a:tcPr/>
+                </a:tc>
+                <a:tc>
+                  <a:txBody>
+                    <a:bodyPr/>
+                    <a:lstStyle/>
+                    <a:p>
+                      <a:pPr algn="ctr"/>
+                      <a:r>
+                        <a:rPr lang="en-US" sz="1500" b="1" dirty="0" smtClean="0"/>
+                        <a:t>Mean #</a:t>
+                      </a:r>
+                      <a:r>
+                        <a:rPr lang="en-US" sz="1500" b="1" baseline="0" dirty="0" smtClean="0"/>
+                        <a:t> </a:t>
+                      </a:r>
+                      <a:r>
+                        <a:rPr lang="en-US" sz="1500" b="1" baseline="0" dirty="0" err="1" smtClean="0"/>
+                        <a:t>Ing</a:t>
+                      </a:r>
+                      <a:r>
+                        <a:rPr lang="en-US" sz="1500" b="1" baseline="0" dirty="0" smtClean="0"/>
+                        <a:t>/</a:t>
+                      </a:r>
+                      <a:r>
+                        <a:rPr lang="en-US" sz="1500" b="1" baseline="0" dirty="0" err="1" smtClean="0"/>
+                        <a:t>Recip</a:t>
+                      </a:r>
+                      <a:endParaRPr lang="en-US" sz="1500" b="1" dirty="0"/>
+                    </a:p>
+                  </a:txBody>
+                  <a:tcPr/>
+                </a:tc>
+              </a:tr>
+              <a:tr h="271403">
+                <a:tc>
+                  <a:txBody>
+                    <a:bodyPr/>
+                    <a:lstStyle/>
+                    <a:p>
+                      <a:pPr algn="ctr"/>
+                      <a:r>
+                        <a:rPr lang="en-US" sz="1200" dirty="0" smtClean="0"/>
+                        <a:t>Italian</a:t>
+                      </a:r>
+                      <a:endParaRPr lang="en-US" sz="1200" dirty="0"/>
+                    </a:p>
+                  </a:txBody>
+                  <a:tcPr/>
+                </a:tc>
+                <a:tc>
+                  <a:txBody>
+                    <a:bodyPr/>
+                    <a:lstStyle/>
+                    <a:p>
+                      <a:pPr algn="r"/>
+                      <a:r>
+                        <a:rPr lang="en-US" sz="1200" dirty="0" smtClean="0"/>
+                        <a:t>7838</a:t>
+                      </a:r>
+                      <a:endParaRPr lang="en-US" sz="1200" dirty="0"/>
+                    </a:p>
+                  </a:txBody>
+                  <a:tcPr/>
+                </a:tc>
+                <a:tc>
+                  <a:txBody>
+                    <a:bodyPr/>
+                    <a:lstStyle/>
+                    <a:p>
+                      <a:pPr algn="r"/>
+                      <a:r>
+                        <a:rPr lang="en-US" sz="1200" dirty="0" smtClean="0"/>
+                        <a:t>lasagna noodles, ricotta cheese, </a:t>
+                      </a:r>
+                      <a:r>
+                        <a:rPr lang="en-US" sz="1200" dirty="0" err="1" smtClean="0"/>
+                        <a:t>arborio</a:t>
+                      </a:r>
+                      <a:r>
+                        <a:rPr lang="en-US" sz="1200" dirty="0" smtClean="0"/>
+                        <a:t> rice,</a:t>
+                      </a:r>
+                      <a:r>
+                        <a:rPr lang="en-US" sz="1200" baseline="0" dirty="0" smtClean="0"/>
+                        <a:t> </a:t>
+                      </a:r>
+                      <a:r>
+                        <a:rPr lang="en-US" sz="1200" dirty="0" smtClean="0"/>
+                        <a:t>prosciutto, marinara sauce, fresh parmesan</a:t>
+                      </a:r>
+                      <a:r>
+                        <a:rPr lang="en-US" sz="1200" baseline="0" dirty="0" smtClean="0"/>
+                        <a:t> </a:t>
+                      </a:r>
+                      <a:r>
+                        <a:rPr lang="en-US" sz="1200" dirty="0" smtClean="0"/>
+                        <a:t>cheese, pasta sauce, </a:t>
+                      </a:r>
+                      <a:r>
+                        <a:rPr lang="en-US" sz="1200" dirty="0" err="1" smtClean="0"/>
+                        <a:t>parmigiano</a:t>
+                      </a:r>
+                      <a:r>
+                        <a:rPr lang="en-US" sz="1200" dirty="0" smtClean="0"/>
+                        <a:t> </a:t>
+                      </a:r>
+                      <a:r>
+                        <a:rPr lang="en-US" sz="1200" dirty="0" err="1" smtClean="0"/>
+                        <a:t>reggiano</a:t>
+                      </a:r>
+                      <a:r>
+                        <a:rPr lang="en-US" sz="1200" baseline="0" dirty="0" smtClean="0"/>
+                        <a:t> </a:t>
+                      </a:r>
+                      <a:r>
+                        <a:rPr lang="en-US" sz="1200" dirty="0" smtClean="0"/>
+                        <a:t>cheese, </a:t>
+                      </a:r>
+                      <a:r>
+                        <a:rPr lang="en-US" sz="1200" dirty="0" err="1" smtClean="0"/>
+                        <a:t>italian</a:t>
+                      </a:r>
+                      <a:r>
+                        <a:rPr lang="en-US" sz="1200" dirty="0" smtClean="0"/>
+                        <a:t> sausage, spaghetti</a:t>
+                      </a:r>
+                    </a:p>
+                  </a:txBody>
+                  <a:tcPr/>
+                </a:tc>
+                <a:tc>
+                  <a:txBody>
+                    <a:bodyPr/>
+                    <a:lstStyle/>
+                    <a:p>
+                      <a:pPr algn="r"/>
+                      <a:r>
+                        <a:rPr lang="en-US" sz="1200" dirty="0" smtClean="0"/>
+                        <a:t>9.9</a:t>
+                      </a:r>
+                      <a:endParaRPr lang="en-US" sz="1200" dirty="0"/>
+                    </a:p>
+                  </a:txBody>
+                  <a:tcPr/>
+                </a:tc>
+              </a:tr>
+              <a:tr h="271403">
+                <a:tc>
+                  <a:txBody>
+                    <a:bodyPr/>
+                    <a:lstStyle/>
+                    <a:p>
+                      <a:pPr algn="ctr"/>
+                      <a:r>
+                        <a:rPr lang="en-US" sz="1200" dirty="0" smtClean="0"/>
+                        <a:t>Mexican</a:t>
+                      </a:r>
+                      <a:endParaRPr lang="en-US" sz="1200" dirty="0"/>
+                    </a:p>
+                  </a:txBody>
+                  <a:tcPr/>
+                </a:tc>
+                <a:tc>
+                  <a:txBody>
+                    <a:bodyPr/>
+                    <a:lstStyle/>
+                    <a:p>
+                      <a:pPr algn="r"/>
+                      <a:r>
+                        <a:rPr lang="en-US" sz="1200" dirty="0" smtClean="0"/>
+                        <a:t>6438</a:t>
+                      </a:r>
+                    </a:p>
+                  </a:txBody>
+                  <a:tcPr/>
+                </a:tc>
+                <a:tc>
+                  <a:txBody>
+                    <a:bodyPr/>
+                    <a:lstStyle/>
+                    <a:p>
+                      <a:pPr algn="r"/>
+                      <a:r>
+                        <a:rPr lang="en-US" sz="1200" dirty="0" smtClean="0"/>
+                        <a:t>refried beans, enchilada sauce, taco seasoning mix, taco seasoning, corn tortillas, tomatillos, salsa, tortilla chips, shredded</a:t>
+                      </a:r>
+                      <a:r>
+                        <a:rPr lang="en-US" sz="1200" baseline="0" dirty="0" smtClean="0"/>
+                        <a:t> </a:t>
+                      </a:r>
+                      <a:r>
+                        <a:rPr lang="en-US" sz="1200" dirty="0" smtClean="0"/>
+                        <a:t>Monterey Jack cheese, </a:t>
+                      </a:r>
+                      <a:r>
+                        <a:rPr lang="en-US" sz="1200" dirty="0" err="1" smtClean="0"/>
+                        <a:t>cotija</a:t>
+                      </a:r>
+                      <a:endParaRPr lang="en-US" sz="1200" dirty="0" smtClean="0"/>
+                    </a:p>
+                  </a:txBody>
+                  <a:tcPr/>
+                </a:tc>
+                <a:tc>
+                  <a:txBody>
+                    <a:bodyPr/>
+                    <a:lstStyle/>
+                    <a:p>
+                      <a:pPr algn="r"/>
+                      <a:r>
+                        <a:rPr lang="en-US" sz="1200" dirty="0" smtClean="0"/>
+                        <a:t>10.9</a:t>
+                      </a:r>
+                    </a:p>
+                  </a:txBody>
+                  <a:tcPr/>
+                </a:tc>
+              </a:tr>
+              <a:tr h="271403">
+                <a:tc>
+                  <a:txBody>
+                    <a:bodyPr/>
+                    <a:lstStyle/>
+                    <a:p>
+                      <a:pPr algn="ctr"/>
+                      <a:r>
+                        <a:rPr lang="en-US" sz="1200" dirty="0" smtClean="0"/>
+                        <a:t>Southern US</a:t>
+                      </a:r>
+                      <a:endParaRPr lang="en-US" sz="1200" dirty="0"/>
+                    </a:p>
+                  </a:txBody>
+                  <a:tcPr/>
+                </a:tc>
+                <a:tc>
+                  <a:txBody>
+                    <a:bodyPr/>
+                    <a:lstStyle/>
+                    <a:p>
+                      <a:pPr algn="r"/>
+                      <a:r>
+                        <a:rPr lang="en-US" sz="1200" dirty="0" smtClean="0"/>
+                        <a:t>4320</a:t>
+                      </a:r>
+                    </a:p>
+                  </a:txBody>
+                  <a:tcPr/>
+                </a:tc>
+                <a:tc>
+                  <a:txBody>
+                    <a:bodyPr/>
+                    <a:lstStyle/>
+                    <a:p>
+                      <a:pPr algn="r"/>
+                      <a:r>
+                        <a:rPr lang="en-US" sz="1200" dirty="0" smtClean="0"/>
+                        <a:t>grits, collard greens, buttermilk, bourbon whiskey, </a:t>
+                      </a:r>
+                      <a:r>
+                        <a:rPr lang="en-US" sz="1200" dirty="0" err="1" smtClean="0"/>
+                        <a:t>quickcooking</a:t>
+                      </a:r>
+                      <a:r>
+                        <a:rPr lang="en-US" sz="1200" dirty="0" smtClean="0"/>
+                        <a:t> grits, yellow corn meal, white cornmeal, chopped pecans, black-eyed</a:t>
+                      </a:r>
+                      <a:r>
+                        <a:rPr lang="en-US" sz="1200" baseline="0" dirty="0" smtClean="0"/>
+                        <a:t> </a:t>
+                      </a:r>
+                      <a:r>
+                        <a:rPr lang="en-US" sz="1200" dirty="0" smtClean="0"/>
+                        <a:t>peas, </a:t>
+                      </a:r>
+                      <a:r>
+                        <a:rPr lang="en-US" sz="1200" dirty="0" err="1" smtClean="0"/>
+                        <a:t>cajun</a:t>
+                      </a:r>
+                      <a:r>
+                        <a:rPr lang="en-US" sz="1200" dirty="0" smtClean="0"/>
+                        <a:t> seasoning</a:t>
+                      </a:r>
+                    </a:p>
+                  </a:txBody>
+                  <a:tcPr/>
+                </a:tc>
+                <a:tc>
+                  <a:txBody>
+                    <a:bodyPr/>
+                    <a:lstStyle/>
+                    <a:p>
+                      <a:pPr algn="r"/>
+                      <a:r>
+                        <a:rPr lang="en-US" sz="1200" dirty="0" smtClean="0"/>
+                        <a:t>9.6</a:t>
+                      </a:r>
+                    </a:p>
+                  </a:txBody>
+                  <a:tcPr/>
+                </a:tc>
+              </a:tr>
+              <a:tr h="271403">
+                <a:tc>
+                  <a:txBody>
+                    <a:bodyPr/>
+                    <a:lstStyle/>
+                    <a:p>
+                      <a:pPr algn="ctr"/>
+                      <a:r>
+                        <a:rPr lang="en-US" sz="1200" dirty="0" smtClean="0"/>
+                        <a:t>Indian</a:t>
+                      </a:r>
+                      <a:endParaRPr lang="en-US" sz="1200" dirty="0"/>
+                    </a:p>
+                  </a:txBody>
+                  <a:tcPr/>
+                </a:tc>
+                <a:tc>
+                  <a:txBody>
+                    <a:bodyPr/>
+                    <a:lstStyle/>
+                    <a:p>
+                      <a:pPr algn="r"/>
+                      <a:r>
+                        <a:rPr lang="en-US" sz="1200" dirty="0" smtClean="0"/>
+                        <a:t>3003</a:t>
+                      </a:r>
+                    </a:p>
+                  </a:txBody>
+                  <a:tcPr/>
+                </a:tc>
+                <a:tc>
+                  <a:txBody>
+                    <a:bodyPr/>
+                    <a:lstStyle/>
+                    <a:p>
+                      <a:r>
+                        <a:rPr lang="en-US" sz="1200" b="0" i="0" u="none" strike="noStrike" cap="none" spc="0" baseline="0" dirty="0" err="1" smtClean="0">
+                          <a:ln>
+                            <a:noFill/>
+                          </a:ln>
+                          <a:solidFill>
+                            <a:schemeClr val="tx1"/>
+                          </a:solidFill>
+                          <a:uFillTx/>
+                          <a:latin typeface="+mn-lt"/>
+                          <a:ea typeface="+mn-ea"/>
+                          <a:cs typeface="+mn-cs"/>
+                          <a:sym typeface="Times New Roman"/>
+                        </a:rPr>
+                        <a:t>garam</a:t>
+                      </a:r>
+                      <a:r>
+                        <a:rPr lang="en-US" sz="1200" b="0" i="0" u="none" strike="noStrike" cap="none" spc="0" baseline="0" dirty="0" smtClean="0">
+                          <a:ln>
+                            <a:noFill/>
+                          </a:ln>
+                          <a:solidFill>
+                            <a:schemeClr val="tx1"/>
+                          </a:solidFill>
+                          <a:uFillTx/>
+                          <a:latin typeface="+mn-lt"/>
+                          <a:ea typeface="+mn-ea"/>
+                          <a:cs typeface="+mn-cs"/>
+                          <a:sym typeface="Times New Roman"/>
+                        </a:rPr>
+                        <a:t> masala, curry leaves, paneer, ghee, coriander powder, cumin seed, </a:t>
+                      </a:r>
+                      <a:r>
+                        <a:rPr lang="en-US" sz="1200" b="0" i="0" u="none" strike="noStrike" cap="none" spc="0" baseline="0" dirty="0" err="1" smtClean="0">
+                          <a:ln>
+                            <a:noFill/>
+                          </a:ln>
+                          <a:solidFill>
+                            <a:schemeClr val="tx1"/>
+                          </a:solidFill>
+                          <a:uFillTx/>
+                          <a:latin typeface="+mn-lt"/>
+                          <a:ea typeface="+mn-ea"/>
+                          <a:cs typeface="+mn-cs"/>
+                          <a:sym typeface="Times New Roman"/>
+                        </a:rPr>
+                        <a:t>asafoetida</a:t>
+                      </a:r>
+                      <a:r>
+                        <a:rPr lang="en-US" sz="1200" b="0" i="0" u="none" strike="noStrike" cap="none" spc="0" baseline="0" dirty="0" smtClean="0">
+                          <a:ln>
+                            <a:noFill/>
+                          </a:ln>
+                          <a:solidFill>
+                            <a:schemeClr val="tx1"/>
+                          </a:solidFill>
+                          <a:uFillTx/>
+                          <a:latin typeface="+mn-lt"/>
+                          <a:ea typeface="+mn-ea"/>
+                          <a:cs typeface="+mn-cs"/>
+                          <a:sym typeface="Times New Roman"/>
+                        </a:rPr>
+                        <a:t>, </a:t>
+                      </a:r>
+                      <a:r>
+                        <a:rPr lang="en-US" sz="1200" b="0" i="0" u="none" strike="noStrike" cap="none" spc="0" baseline="0" dirty="0" err="1" smtClean="0">
+                          <a:ln>
+                            <a:noFill/>
+                          </a:ln>
+                          <a:solidFill>
+                            <a:schemeClr val="tx1"/>
+                          </a:solidFill>
+                          <a:uFillTx/>
+                          <a:latin typeface="+mn-lt"/>
+                          <a:ea typeface="+mn-ea"/>
+                          <a:cs typeface="+mn-cs"/>
+                          <a:sym typeface="Times New Roman"/>
+                        </a:rPr>
+                        <a:t>urad</a:t>
+                      </a:r>
+                      <a:r>
+                        <a:rPr lang="en-US" sz="1200" b="0" i="0" u="none" strike="noStrike" cap="none" spc="0" baseline="0" dirty="0" smtClean="0">
+                          <a:ln>
+                            <a:noFill/>
+                          </a:ln>
+                          <a:solidFill>
+                            <a:schemeClr val="tx1"/>
+                          </a:solidFill>
+                          <a:uFillTx/>
+                          <a:latin typeface="+mn-lt"/>
+                          <a:ea typeface="+mn-ea"/>
+                          <a:cs typeface="+mn-cs"/>
+                          <a:sym typeface="Times New Roman"/>
+                        </a:rPr>
+                        <a:t> dal, black mustard seeds, green chilies</a:t>
+                      </a:r>
+                      <a:endParaRPr lang="en-US" sz="1200" dirty="0" smtClean="0"/>
+                    </a:p>
+                  </a:txBody>
+                  <a:tcPr/>
+                </a:tc>
+                <a:tc>
+                  <a:txBody>
+                    <a:bodyPr/>
+                    <a:lstStyle/>
+                    <a:p>
+                      <a:pPr algn="r"/>
+                      <a:r>
+                        <a:rPr lang="en-US" sz="1200" dirty="0" smtClean="0"/>
+                        <a:t>12.7</a:t>
+                      </a:r>
+                    </a:p>
+                  </a:txBody>
+                  <a:tcPr/>
+                </a:tc>
+              </a:tr>
+              <a:tr h="271403">
+                <a:tc>
+                  <a:txBody>
+                    <a:bodyPr/>
+                    <a:lstStyle/>
+                    <a:p>
+                      <a:pPr algn="ctr"/>
+                      <a:r>
+                        <a:rPr lang="en-US" sz="1200" dirty="0" smtClean="0"/>
+                        <a:t>Chinese</a:t>
+                      </a:r>
+                      <a:endParaRPr lang="en-US" sz="1200" dirty="0"/>
+                    </a:p>
+                  </a:txBody>
+                  <a:tcPr/>
+                </a:tc>
+                <a:tc>
+                  <a:txBody>
+                    <a:bodyPr/>
+                    <a:lstStyle/>
+                    <a:p>
+                      <a:pPr algn="r"/>
+                      <a:r>
+                        <a:rPr lang="en-US" sz="1200" dirty="0" smtClean="0"/>
+                        <a:t>2673</a:t>
+                      </a:r>
+                    </a:p>
+                  </a:txBody>
+                  <a:tcPr/>
+                </a:tc>
+                <a:tc>
+                  <a:txBody>
+                    <a:bodyPr/>
+                    <a:lstStyle/>
+                    <a:p>
+                      <a:pPr algn="r"/>
+                      <a:r>
+                        <a:rPr lang="en-US" sz="1200" dirty="0" smtClean="0"/>
+                        <a:t>Shaoxing wine, oyster sauce, sesame oil,</a:t>
+                      </a:r>
+                      <a:r>
+                        <a:rPr lang="en-US" sz="1200" baseline="0" dirty="0" smtClean="0"/>
+                        <a:t> </a:t>
+                      </a:r>
+                      <a:r>
+                        <a:rPr lang="en-US" sz="1200" dirty="0" smtClean="0"/>
+                        <a:t>hoisin sauce, dark soy sauce, light soy</a:t>
+                      </a:r>
+                      <a:r>
+                        <a:rPr lang="en-US" sz="1200" baseline="0" dirty="0" smtClean="0"/>
+                        <a:t> </a:t>
+                      </a:r>
+                      <a:r>
+                        <a:rPr lang="en-US" sz="1200" dirty="0" smtClean="0"/>
+                        <a:t>sauce, </a:t>
+                      </a:r>
+                      <a:r>
+                        <a:rPr lang="en-US" sz="1200" dirty="0" err="1" smtClean="0"/>
+                        <a:t>chinese</a:t>
+                      </a:r>
+                      <a:r>
+                        <a:rPr lang="en-US" sz="1200" dirty="0" smtClean="0"/>
+                        <a:t> rice wine, </a:t>
+                      </a:r>
+                      <a:r>
+                        <a:rPr lang="en-US" sz="1200" dirty="0" err="1" smtClean="0"/>
+                        <a:t>chinese</a:t>
+                      </a:r>
+                      <a:r>
+                        <a:rPr lang="en-US" sz="1200" dirty="0" smtClean="0"/>
+                        <a:t> five-spice</a:t>
+                      </a:r>
+                      <a:r>
+                        <a:rPr lang="en-US" sz="1200" baseline="0" dirty="0" smtClean="0"/>
+                        <a:t> </a:t>
+                      </a:r>
+                      <a:r>
+                        <a:rPr lang="en-US" sz="1200" dirty="0" smtClean="0"/>
+                        <a:t>powder, rice</a:t>
+                      </a:r>
+                      <a:r>
+                        <a:rPr lang="en-US" sz="1200" baseline="0" dirty="0" smtClean="0"/>
+                        <a:t> </a:t>
+                      </a:r>
+                      <a:r>
+                        <a:rPr lang="en-US" sz="1200" dirty="0" smtClean="0"/>
+                        <a:t>vinegar, rice wine</a:t>
+                      </a:r>
+                    </a:p>
+                  </a:txBody>
+                  <a:tcPr/>
+                </a:tc>
+                <a:tc>
+                  <a:txBody>
+                    <a:bodyPr/>
+                    <a:lstStyle/>
+                    <a:p>
+                      <a:pPr algn="r"/>
+                      <a:r>
+                        <a:rPr lang="en-US" sz="1200" dirty="0" smtClean="0"/>
+                        <a:t>11.9</a:t>
+                      </a:r>
+                    </a:p>
+                  </a:txBody>
+                  <a:tcPr/>
+                </a:tc>
+              </a:tr>
+              <a:tr h="271403">
+                <a:tc>
+                  <a:txBody>
+                    <a:bodyPr/>
+                    <a:lstStyle/>
+                    <a:p>
+                      <a:pPr algn="ctr"/>
+                      <a:r>
+                        <a:rPr lang="en-US" sz="1200" dirty="0" smtClean="0"/>
+                        <a:t>French</a:t>
+                      </a:r>
+                      <a:endParaRPr lang="en-US" sz="1200" dirty="0"/>
+                    </a:p>
+                  </a:txBody>
+                  <a:tcPr/>
+                </a:tc>
+                <a:tc>
+                  <a:txBody>
+                    <a:bodyPr/>
+                    <a:lstStyle/>
+                    <a:p>
+                      <a:pPr algn="r"/>
+                      <a:r>
+                        <a:rPr lang="en-US" sz="1200" dirty="0" smtClean="0"/>
+                        <a:t>2646</a:t>
+                      </a:r>
+                    </a:p>
+                  </a:txBody>
+                  <a:tcPr/>
+                </a:tc>
+                <a:tc>
+                  <a:txBody>
+                    <a:bodyPr/>
+                    <a:lstStyle/>
+                    <a:p>
+                      <a:pPr algn="r"/>
+                      <a:r>
+                        <a:rPr lang="en-US" sz="1200" dirty="0" smtClean="0"/>
+                        <a:t>gruyere cheese, grated </a:t>
+                      </a:r>
+                      <a:r>
+                        <a:rPr lang="en-US" sz="1200" dirty="0" err="1" smtClean="0"/>
+                        <a:t>Gruyre</a:t>
+                      </a:r>
+                      <a:r>
+                        <a:rPr lang="en-US" sz="1200" dirty="0" smtClean="0"/>
+                        <a:t> cheese,</a:t>
+                      </a:r>
+                      <a:r>
+                        <a:rPr lang="en-US" sz="1200" baseline="0" dirty="0" smtClean="0"/>
+                        <a:t> </a:t>
+                      </a:r>
+                      <a:r>
+                        <a:rPr lang="en-US" sz="1200" dirty="0" smtClean="0"/>
+                        <a:t>chopped fresh thyme, fresh tarragon, </a:t>
+                      </a:r>
+                      <a:r>
+                        <a:rPr lang="en-US" sz="1200" dirty="0" err="1" smtClean="0"/>
+                        <a:t>Nioise</a:t>
+                      </a:r>
+                      <a:r>
+                        <a:rPr lang="en-US" sz="1200" baseline="0" dirty="0" smtClean="0"/>
+                        <a:t> </a:t>
+                      </a:r>
+                      <a:r>
+                        <a:rPr lang="en-US" sz="1200" dirty="0" smtClean="0"/>
+                        <a:t>olives, </a:t>
+                      </a:r>
+                      <a:r>
+                        <a:rPr lang="en-US" sz="1200" dirty="0" err="1" smtClean="0"/>
+                        <a:t>herbes</a:t>
+                      </a:r>
+                      <a:r>
+                        <a:rPr lang="en-US" sz="1200" dirty="0" smtClean="0"/>
+                        <a:t> de </a:t>
+                      </a:r>
+                      <a:r>
+                        <a:rPr lang="en-US" sz="1200" dirty="0" err="1" smtClean="0"/>
+                        <a:t>provence</a:t>
+                      </a:r>
+                      <a:r>
+                        <a:rPr lang="en-US" sz="1200" dirty="0" smtClean="0"/>
+                        <a:t>, calvados,</a:t>
+                      </a:r>
+                      <a:r>
+                        <a:rPr lang="en-US" sz="1200" baseline="0" dirty="0" smtClean="0"/>
+                        <a:t> </a:t>
+                      </a:r>
+                      <a:r>
+                        <a:rPr lang="en-US" sz="1200" dirty="0" smtClean="0"/>
+                        <a:t>semisweet chocolate, thyme sprigs, capers</a:t>
+                      </a:r>
+                    </a:p>
+                  </a:txBody>
+                  <a:tcPr/>
+                </a:tc>
+                <a:tc>
+                  <a:txBody>
+                    <a:bodyPr/>
+                    <a:lstStyle/>
+                    <a:p>
+                      <a:pPr algn="r"/>
+                      <a:r>
+                        <a:rPr lang="en-US" sz="1200" dirty="0" smtClean="0"/>
+                        <a:t>9.8</a:t>
+                      </a:r>
+                    </a:p>
+                  </a:txBody>
+                  <a:tcPr/>
+                </a:tc>
+              </a:tr>
+              <a:tr h="271403">
+                <a:tc>
+                  <a:txBody>
+                    <a:bodyPr/>
+                    <a:lstStyle/>
+                    <a:p>
+                      <a:pPr algn="ctr"/>
+                      <a:r>
+                        <a:rPr lang="en-US" sz="1200" dirty="0" smtClean="0"/>
+                        <a:t>Cajun Creole</a:t>
+                      </a:r>
+                      <a:endParaRPr lang="en-US" sz="1200" dirty="0"/>
+                    </a:p>
+                  </a:txBody>
+                  <a:tcPr/>
+                </a:tc>
+                <a:tc>
+                  <a:txBody>
+                    <a:bodyPr/>
+                    <a:lstStyle/>
+                    <a:p>
+                      <a:pPr algn="r"/>
+                      <a:r>
+                        <a:rPr lang="en-US" sz="1200" dirty="0" smtClean="0"/>
+                        <a:t>1546</a:t>
+                      </a:r>
+                    </a:p>
+                  </a:txBody>
+                  <a:tcPr/>
+                </a:tc>
+                <a:tc>
+                  <a:txBody>
+                    <a:bodyPr/>
+                    <a:lstStyle/>
+                    <a:p>
+                      <a:pPr algn="r"/>
+                      <a:r>
+                        <a:rPr lang="en-US" sz="1200" dirty="0" err="1" smtClean="0"/>
+                        <a:t>cajun</a:t>
+                      </a:r>
+                      <a:r>
+                        <a:rPr lang="en-US" sz="1200" dirty="0" smtClean="0"/>
+                        <a:t> seasoning, andouille sausage, creole</a:t>
+                      </a:r>
+                      <a:r>
+                        <a:rPr lang="en-US" sz="1200" baseline="0" dirty="0" smtClean="0"/>
+                        <a:t> </a:t>
+                      </a:r>
+                      <a:r>
+                        <a:rPr lang="en-US" sz="1200" dirty="0" smtClean="0"/>
+                        <a:t>seasoning, file powder, crawfish, creole</a:t>
+                      </a:r>
+                      <a:r>
+                        <a:rPr lang="en-US" sz="1200" baseline="0" dirty="0" smtClean="0"/>
+                        <a:t> </a:t>
+                      </a:r>
+                      <a:r>
+                        <a:rPr lang="en-US" sz="1200" dirty="0" smtClean="0"/>
+                        <a:t>mustard, smoked sausage, okra, red beans,</a:t>
+                      </a:r>
+                      <a:r>
+                        <a:rPr lang="en-US" sz="1200" baseline="0" dirty="0" smtClean="0"/>
+                        <a:t> </a:t>
+                      </a:r>
+                      <a:r>
+                        <a:rPr lang="en-US" sz="1200" dirty="0" smtClean="0"/>
+                        <a:t>dried oregano</a:t>
+                      </a:r>
+                    </a:p>
+                  </a:txBody>
+                  <a:tcPr/>
+                </a:tc>
+                <a:tc>
+                  <a:txBody>
+                    <a:bodyPr/>
+                    <a:lstStyle/>
+                    <a:p>
+                      <a:pPr algn="r"/>
+                      <a:r>
+                        <a:rPr lang="en-US" sz="1200" dirty="0" smtClean="0"/>
+                        <a:t>12.6</a:t>
+                      </a:r>
+                    </a:p>
+                  </a:txBody>
+                  <a:tcPr/>
+                </a:tc>
+              </a:tr>
+              <a:tr h="271403">
+                <a:tc>
+                  <a:txBody>
+                    <a:bodyPr/>
+                    <a:lstStyle/>
+                    <a:p>
+                      <a:pPr algn="ctr"/>
+                      <a:r>
+                        <a:rPr lang="en-US" sz="1200" dirty="0" smtClean="0"/>
+                        <a:t>Thai</a:t>
+                      </a:r>
+                      <a:endParaRPr lang="en-US" sz="1200" dirty="0"/>
+                    </a:p>
+                  </a:txBody>
+                  <a:tcPr/>
+                </a:tc>
+                <a:tc>
+                  <a:txBody>
+                    <a:bodyPr/>
+                    <a:lstStyle/>
+                    <a:p>
+                      <a:pPr algn="r"/>
+                      <a:r>
+                        <a:rPr lang="en-US" sz="1200" dirty="0" smtClean="0"/>
+                        <a:t>1539</a:t>
+                      </a:r>
+                    </a:p>
+                  </a:txBody>
+                  <a:tcPr/>
+                </a:tc>
+                <a:tc>
+                  <a:txBody>
+                    <a:bodyPr/>
+                    <a:lstStyle/>
+                    <a:p>
+                      <a:pPr algn="r"/>
+                      <a:r>
+                        <a:rPr lang="en-US" sz="1200" dirty="0" smtClean="0"/>
+                        <a:t>fish sauce, Thai red curry paste, red</a:t>
+                      </a:r>
+                      <a:r>
+                        <a:rPr lang="en-US" sz="1200" baseline="0" dirty="0" smtClean="0"/>
+                        <a:t> </a:t>
+                      </a:r>
+                      <a:r>
+                        <a:rPr lang="en-US" sz="1200" dirty="0" smtClean="0"/>
+                        <a:t>curry paste, kaffir lime leaves, beansprouts,</a:t>
+                      </a:r>
+                      <a:r>
+                        <a:rPr lang="en-US" sz="1200" baseline="0" dirty="0" smtClean="0"/>
+                        <a:t> </a:t>
+                      </a:r>
+                      <a:r>
+                        <a:rPr lang="en-US" sz="1200" dirty="0" smtClean="0"/>
+                        <a:t>lemongrass, galangal, </a:t>
+                      </a:r>
+                      <a:r>
+                        <a:rPr lang="en-US" sz="1200" dirty="0" err="1" smtClean="0"/>
+                        <a:t>thai</a:t>
+                      </a:r>
+                      <a:r>
+                        <a:rPr lang="en-US" sz="1200" dirty="0" smtClean="0"/>
+                        <a:t> basil, rice noodles,</a:t>
+                      </a:r>
+                      <a:r>
+                        <a:rPr lang="en-US" sz="1200" baseline="0" dirty="0" smtClean="0"/>
+                        <a:t> </a:t>
+                      </a:r>
+                      <a:r>
+                        <a:rPr lang="en-US" sz="1200" dirty="0" err="1" smtClean="0"/>
+                        <a:t>thai</a:t>
+                      </a:r>
+                      <a:r>
+                        <a:rPr lang="en-US" sz="1200" dirty="0" smtClean="0"/>
+                        <a:t> green curry paste</a:t>
+                      </a:r>
+                    </a:p>
+                  </a:txBody>
+                  <a:tcPr/>
+                </a:tc>
+                <a:tc>
+                  <a:txBody>
+                    <a:bodyPr/>
+                    <a:lstStyle/>
+                    <a:p>
+                      <a:pPr algn="r"/>
+                      <a:r>
+                        <a:rPr lang="en-US" sz="1200" dirty="0" smtClean="0"/>
+                        <a:t>12.5</a:t>
+                      </a:r>
+                    </a:p>
+                  </a:txBody>
+                  <a:tcPr/>
+                </a:tc>
+              </a:tr>
+              <a:tr h="271403">
+                <a:tc>
+                  <a:txBody>
+                    <a:bodyPr/>
+                    <a:lstStyle/>
+                    <a:p>
+                      <a:pPr algn="ctr"/>
+                      <a:r>
+                        <a:rPr lang="en-US" sz="1200" dirty="0" smtClean="0"/>
+                        <a:t>Japanese</a:t>
+                      </a:r>
+                      <a:endParaRPr lang="en-US" sz="1200" dirty="0"/>
+                    </a:p>
+                  </a:txBody>
+                  <a:tcPr/>
+                </a:tc>
+                <a:tc>
+                  <a:txBody>
+                    <a:bodyPr/>
+                    <a:lstStyle/>
+                    <a:p>
+                      <a:pPr algn="r"/>
+                      <a:r>
+                        <a:rPr lang="en-US" sz="1200" dirty="0" smtClean="0"/>
+                        <a:t>1423</a:t>
+                      </a:r>
+                    </a:p>
+                  </a:txBody>
+                  <a:tcPr/>
+                </a:tc>
+                <a:tc>
+                  <a:txBody>
+                    <a:bodyPr/>
+                    <a:lstStyle/>
+                    <a:p>
+                      <a:pPr algn="r"/>
+                      <a:r>
+                        <a:rPr lang="en-US" sz="1200" dirty="0" smtClean="0"/>
+                        <a:t>mirin, sake, dashi, nori, </a:t>
+                      </a:r>
+                      <a:r>
+                        <a:rPr lang="en-US" sz="1200" dirty="0" err="1" smtClean="0"/>
+                        <a:t>konbu</a:t>
+                      </a:r>
+                      <a:r>
+                        <a:rPr lang="en-US" sz="1200" dirty="0" smtClean="0"/>
+                        <a:t>, sushi rice,</a:t>
+                      </a:r>
+                      <a:r>
+                        <a:rPr lang="en-US" sz="1200" baseline="0" dirty="0" smtClean="0"/>
+                        <a:t> </a:t>
+                      </a:r>
+                      <a:r>
+                        <a:rPr lang="en-US" sz="1200" dirty="0" smtClean="0"/>
+                        <a:t>dried bonito flakes, rice vinegar, wasabi</a:t>
+                      </a:r>
+                      <a:r>
+                        <a:rPr lang="en-US" sz="1200" baseline="0" dirty="0" smtClean="0"/>
+                        <a:t> </a:t>
+                      </a:r>
+                      <a:r>
+                        <a:rPr lang="en-US" sz="1200" dirty="0" smtClean="0"/>
+                        <a:t>paste, bonito flakes</a:t>
+                      </a:r>
+                    </a:p>
+                  </a:txBody>
+                  <a:tcPr/>
+                </a:tc>
+                <a:tc>
+                  <a:txBody>
+                    <a:bodyPr/>
+                    <a:lstStyle/>
+                    <a:p>
+                      <a:pPr algn="r"/>
+                      <a:r>
+                        <a:rPr lang="en-US" sz="1200" dirty="0" smtClean="0"/>
+                        <a:t>9.7</a:t>
+                      </a:r>
+                    </a:p>
+                  </a:txBody>
+                  <a:tcPr/>
+                </a:tc>
+              </a:tr>
+              <a:tr h="271403">
+                <a:tc>
+                  <a:txBody>
+                    <a:bodyPr/>
+                    <a:lstStyle/>
+                    <a:p>
+                      <a:pPr algn="ctr"/>
+                      <a:r>
+                        <a:rPr lang="en-US" sz="1200" dirty="0" smtClean="0"/>
+                        <a:t>Greek</a:t>
+                      </a:r>
+                      <a:endParaRPr lang="en-US" sz="1200" dirty="0"/>
+                    </a:p>
+                  </a:txBody>
+                  <a:tcPr/>
+                </a:tc>
+                <a:tc>
+                  <a:txBody>
+                    <a:bodyPr/>
+                    <a:lstStyle/>
+                    <a:p>
+                      <a:pPr algn="r"/>
+                      <a:r>
+                        <a:rPr lang="en-US" sz="1200" dirty="0" smtClean="0"/>
+                        <a:t>1175</a:t>
+                      </a:r>
+                    </a:p>
+                  </a:txBody>
+                  <a:tcPr/>
+                </a:tc>
+                <a:tc>
+                  <a:txBody>
+                    <a:bodyPr/>
+                    <a:lstStyle/>
+                    <a:p>
+                      <a:pPr marL="0" marR="0" indent="0" algn="r" defTabSz="914400" rtl="0" eaLnBrk="1" fontAlgn="auto" latinLnBrk="0" hangingPunct="1">
+                        <a:lnSpc>
+                          <a:spcPct val="100000"/>
+                        </a:lnSpc>
+                        <a:spcBef>
+                          <a:spcPts val="0"/>
+                        </a:spcBef>
+                        <a:spcAft>
+                          <a:spcPts val="0"/>
+                        </a:spcAft>
+                        <a:buClrTx/>
+                        <a:buSzTx/>
+                        <a:buFontTx/>
+                        <a:buNone/>
+                        <a:tabLst/>
+                        <a:defRPr/>
+                      </a:pPr>
+                      <a:r>
+                        <a:rPr lang="en-US" sz="1200" dirty="0" smtClean="0"/>
+                        <a:t>feta cheese crumbles, feta cheese, dried oregano, </a:t>
+                      </a:r>
+                      <a:r>
+                        <a:rPr lang="en-US" sz="1200" dirty="0" err="1" smtClean="0"/>
+                        <a:t>greek</a:t>
+                      </a:r>
+                      <a:r>
+                        <a:rPr lang="en-US" sz="1200" dirty="0" smtClean="0"/>
+                        <a:t> seasoning, pitted </a:t>
+                      </a:r>
+                      <a:r>
+                        <a:rPr lang="en-US" sz="1200" dirty="0" err="1" smtClean="0"/>
+                        <a:t>kalamata</a:t>
+                      </a:r>
+                      <a:r>
+                        <a:rPr lang="en-US" sz="1200" dirty="0" smtClean="0"/>
+                        <a:t> olives, </a:t>
+                      </a:r>
+                      <a:r>
+                        <a:rPr lang="en-US" sz="1200" dirty="0" err="1" smtClean="0"/>
+                        <a:t>kalamata</a:t>
+                      </a:r>
+                      <a:r>
+                        <a:rPr lang="en-US" sz="1200" dirty="0" smtClean="0"/>
+                        <a:t>, fresh oregano, phyllo dough, ground</a:t>
+                      </a:r>
+                      <a:r>
+                        <a:rPr lang="en-US" sz="1200" baseline="0" dirty="0" smtClean="0"/>
+                        <a:t> </a:t>
+                      </a:r>
+                      <a:r>
+                        <a:rPr lang="en-US" sz="1200" dirty="0" smtClean="0"/>
+                        <a:t>lamb, grape leaves</a:t>
+                      </a:r>
+                      <a:endParaRPr lang="en-US" sz="1200" dirty="0" smtClean="0"/>
+                    </a:p>
+                  </a:txBody>
+                  <a:tcPr/>
+                </a:tc>
+                <a:tc>
+                  <a:txBody>
+                    <a:bodyPr/>
+                    <a:lstStyle/>
+                    <a:p>
+                      <a:pPr algn="r"/>
+                      <a:r>
+                        <a:rPr lang="en-US" sz="1200" dirty="0" smtClean="0"/>
+                        <a:t>10.2</a:t>
+                      </a:r>
+                    </a:p>
+                  </a:txBody>
+                  <a:tcPr/>
+                </a:tc>
+              </a:tr>
+              <a:tr h="271403">
+                <a:tc>
+                  <a:txBody>
+                    <a:bodyPr/>
+                    <a:lstStyle/>
+                    <a:p>
+                      <a:pPr algn="ctr"/>
+                      <a:r>
+                        <a:rPr lang="en-US" sz="1200" dirty="0" smtClean="0"/>
+                        <a:t>Spanish</a:t>
+                      </a:r>
+                      <a:endParaRPr lang="en-US" sz="1200" dirty="0"/>
+                    </a:p>
+                  </a:txBody>
+                  <a:tcPr/>
+                </a:tc>
+                <a:tc>
+                  <a:txBody>
+                    <a:bodyPr/>
+                    <a:lstStyle/>
+                    <a:p>
+                      <a:pPr algn="r"/>
+                      <a:r>
+                        <a:rPr lang="en-US" sz="1200" dirty="0" smtClean="0"/>
+                        <a:t>989</a:t>
+                      </a:r>
+                    </a:p>
+                  </a:txBody>
+                  <a:tcPr/>
+                </a:tc>
+                <a:tc>
+                  <a:txBody>
+                    <a:bodyPr/>
+                    <a:lstStyle/>
+                    <a:p>
+                      <a:pPr algn="r"/>
+                      <a:r>
+                        <a:rPr lang="en-US" sz="1200" dirty="0" smtClean="0"/>
+                        <a:t>saffron threads, chorizo sausage, </a:t>
+                      </a:r>
+                      <a:r>
+                        <a:rPr lang="en-US" sz="1200" dirty="0" err="1" smtClean="0"/>
+                        <a:t>spanish</a:t>
+                      </a:r>
+                      <a:r>
+                        <a:rPr lang="en-US" sz="1200" baseline="0" dirty="0" smtClean="0"/>
+                        <a:t> </a:t>
+                      </a:r>
+                      <a:r>
+                        <a:rPr lang="en-US" sz="1200" dirty="0" smtClean="0"/>
+                        <a:t>chorizo, serrano ham, </a:t>
+                      </a:r>
+                      <a:r>
+                        <a:rPr lang="en-US" sz="1200" dirty="0" err="1" smtClean="0"/>
+                        <a:t>manchego</a:t>
+                      </a:r>
+                      <a:r>
+                        <a:rPr lang="en-US" sz="1200" dirty="0" smtClean="0"/>
+                        <a:t> cheese,</a:t>
+                      </a:r>
+                      <a:r>
+                        <a:rPr lang="en-US" sz="1200" baseline="0" dirty="0" smtClean="0"/>
+                        <a:t> </a:t>
+                      </a:r>
+                      <a:r>
+                        <a:rPr lang="en-US" sz="1200" dirty="0" err="1" smtClean="0"/>
+                        <a:t>spanish</a:t>
+                      </a:r>
+                      <a:r>
+                        <a:rPr lang="en-US" sz="1200" dirty="0" smtClean="0"/>
+                        <a:t> paprika, sherry vinegar, roasted red</a:t>
+                      </a:r>
+                      <a:r>
+                        <a:rPr lang="en-US" sz="1200" baseline="0" dirty="0" smtClean="0"/>
+                        <a:t> </a:t>
+                      </a:r>
+                      <a:r>
+                        <a:rPr lang="en-US" sz="1200" dirty="0" smtClean="0"/>
+                        <a:t>peppers, </a:t>
+                      </a:r>
+                      <a:r>
+                        <a:rPr lang="en-US" sz="1200" dirty="0" err="1" smtClean="0"/>
+                        <a:t>arborio</a:t>
+                      </a:r>
+                      <a:r>
+                        <a:rPr lang="en-US" sz="1200" dirty="0" smtClean="0"/>
+                        <a:t> rice, chorizo</a:t>
+                      </a:r>
+                    </a:p>
+                  </a:txBody>
+                  <a:tcPr/>
+                </a:tc>
+                <a:tc>
+                  <a:txBody>
+                    <a:bodyPr/>
+                    <a:lstStyle/>
+                    <a:p>
+                      <a:pPr algn="r"/>
+                      <a:r>
+                        <a:rPr lang="en-US" sz="1200" dirty="0" smtClean="0"/>
+                        <a:t>10.4</a:t>
+                      </a:r>
+                    </a:p>
+                  </a:txBody>
+                  <a:tcPr/>
+                </a:tc>
+              </a:tr>
+              <a:tr h="271403">
+                <a:tc>
+                  <a:txBody>
+                    <a:bodyPr/>
+                    <a:lstStyle/>
+                    <a:p>
+                      <a:pPr algn="ctr"/>
+                      <a:r>
+                        <a:rPr lang="en-US" sz="1200" dirty="0" smtClean="0"/>
+                        <a:t>Korean</a:t>
+                      </a:r>
+                      <a:endParaRPr lang="en-US" sz="1200" dirty="0"/>
+                    </a:p>
+                  </a:txBody>
+                  <a:tcPr/>
+                </a:tc>
+                <a:tc>
+                  <a:txBody>
+                    <a:bodyPr/>
+                    <a:lstStyle/>
+                    <a:p>
+                      <a:pPr algn="r"/>
+                      <a:r>
+                        <a:rPr lang="en-US" sz="1200" dirty="0" smtClean="0"/>
+                        <a:t>830</a:t>
+                      </a:r>
+                    </a:p>
+                  </a:txBody>
+                  <a:tcPr/>
+                </a:tc>
+                <a:tc>
+                  <a:txBody>
+                    <a:bodyPr/>
+                    <a:lstStyle/>
+                    <a:p>
+                      <a:pPr algn="r"/>
+                      <a:r>
+                        <a:rPr lang="en-US" sz="1200" dirty="0" smtClean="0"/>
+                        <a:t>Gochujang base, kimchi, sesame oil,</a:t>
+                      </a:r>
+                      <a:r>
+                        <a:rPr lang="en-US" sz="1200" baseline="0" dirty="0" smtClean="0"/>
+                        <a:t> </a:t>
+                      </a:r>
+                      <a:r>
+                        <a:rPr lang="en-US" sz="1200" dirty="0" err="1" smtClean="0"/>
+                        <a:t>gochugaru</a:t>
+                      </a:r>
+                      <a:r>
+                        <a:rPr lang="en-US" sz="1200" dirty="0" smtClean="0"/>
+                        <a:t>, toasted sesame seeds, rice wine,</a:t>
+                      </a:r>
+                      <a:r>
+                        <a:rPr lang="en-US" sz="1200" baseline="0" dirty="0" smtClean="0"/>
+                        <a:t> </a:t>
+                      </a:r>
+                      <a:r>
+                        <a:rPr lang="en-US" sz="1200" dirty="0" err="1" smtClean="0"/>
+                        <a:t>asian</a:t>
+                      </a:r>
+                      <a:r>
+                        <a:rPr lang="en-US" sz="1200" dirty="0" smtClean="0"/>
+                        <a:t> pear, mirin, toasted sesame oil, rice</a:t>
+                      </a:r>
+                      <a:r>
+                        <a:rPr lang="en-US" sz="1200" baseline="0" dirty="0" smtClean="0"/>
+                        <a:t> c</a:t>
+                      </a:r>
+                      <a:r>
+                        <a:rPr lang="en-US" sz="1200" dirty="0" smtClean="0"/>
+                        <a:t>akes</a:t>
+                      </a:r>
+                    </a:p>
+                  </a:txBody>
+                  <a:tcPr/>
+                </a:tc>
+                <a:tc>
+                  <a:txBody>
+                    <a:bodyPr/>
+                    <a:lstStyle/>
+                    <a:p>
+                      <a:pPr algn="r"/>
+                      <a:r>
+                        <a:rPr lang="en-US" sz="1200" dirty="0" smtClean="0"/>
+                        <a:t>11.3</a:t>
+                      </a:r>
+                    </a:p>
+                  </a:txBody>
+                  <a:tcPr/>
+                </a:tc>
+              </a:tr>
+              <a:tr h="271403">
+                <a:tc>
+                  <a:txBody>
+                    <a:bodyPr/>
+                    <a:lstStyle/>
+                    <a:p>
+                      <a:pPr algn="ctr"/>
+                      <a:r>
+                        <a:rPr lang="en-US" sz="1200" dirty="0" smtClean="0"/>
+                        <a:t>Vietnamese</a:t>
+                      </a:r>
+                      <a:endParaRPr lang="en-US" sz="1200" dirty="0"/>
+                    </a:p>
+                  </a:txBody>
+                  <a:tcPr/>
+                </a:tc>
+                <a:tc>
+                  <a:txBody>
+                    <a:bodyPr/>
+                    <a:lstStyle/>
+                    <a:p>
+                      <a:pPr algn="r"/>
+                      <a:r>
+                        <a:rPr lang="en-US" sz="1200" dirty="0" smtClean="0"/>
+                        <a:t>825</a:t>
+                      </a:r>
+                    </a:p>
+                  </a:txBody>
+                  <a:tcPr/>
+                </a:tc>
+                <a:tc>
+                  <a:txBody>
+                    <a:bodyPr/>
+                    <a:lstStyle/>
+                    <a:p>
+                      <a:pPr algn="r"/>
+                      <a:r>
+                        <a:rPr lang="en-US" sz="1200" dirty="0" smtClean="0"/>
+                        <a:t>fish sauce, beansprouts, rice paper, rice noodles,</a:t>
+                      </a:r>
+                      <a:r>
+                        <a:rPr lang="en-US" sz="1200" baseline="0" dirty="0" smtClean="0"/>
+                        <a:t> </a:t>
+                      </a:r>
+                      <a:r>
+                        <a:rPr lang="en-US" sz="1200" dirty="0" err="1" smtClean="0"/>
+                        <a:t>thai</a:t>
+                      </a:r>
+                      <a:r>
+                        <a:rPr lang="en-US" sz="1200" dirty="0" smtClean="0"/>
+                        <a:t> basil, rice vermicelli, lemongrass,</a:t>
+                      </a:r>
+                      <a:r>
+                        <a:rPr lang="en-US" sz="1200" baseline="0" dirty="0" smtClean="0"/>
+                        <a:t> </a:t>
+                      </a:r>
+                      <a:r>
+                        <a:rPr lang="en-US" sz="1200" dirty="0" err="1" smtClean="0"/>
+                        <a:t>thai</a:t>
+                      </a:r>
+                      <a:r>
+                        <a:rPr lang="en-US" sz="1200" dirty="0" smtClean="0"/>
+                        <a:t> </a:t>
+                      </a:r>
+                      <a:r>
+                        <a:rPr lang="en-US" sz="1200" dirty="0" err="1" smtClean="0"/>
+                        <a:t>chile</a:t>
+                      </a:r>
+                      <a:r>
+                        <a:rPr lang="en-US" sz="1200" dirty="0" smtClean="0"/>
+                        <a:t>, daikon, hoisin sauce</a:t>
+                      </a:r>
+                    </a:p>
+                  </a:txBody>
+                  <a:tcPr/>
+                </a:tc>
+                <a:tc>
+                  <a:txBody>
+                    <a:bodyPr/>
+                    <a:lstStyle/>
+                    <a:p>
+                      <a:pPr algn="r"/>
+                      <a:r>
+                        <a:rPr lang="en-US" sz="1200" dirty="0" smtClean="0"/>
+                        <a:t>12.7</a:t>
+                      </a:r>
+                    </a:p>
+                  </a:txBody>
+                  <a:tcPr/>
+                </a:tc>
+              </a:tr>
+              <a:tr h="271403">
+                <a:tc>
+                  <a:txBody>
+                    <a:bodyPr/>
+                    <a:lstStyle/>
+                    <a:p>
+                      <a:pPr algn="ctr"/>
+                      <a:r>
+                        <a:rPr lang="en-US" sz="1200" dirty="0" smtClean="0"/>
+                        <a:t>Moroccan</a:t>
+                      </a:r>
+                      <a:endParaRPr lang="en-US" sz="1200" dirty="0"/>
+                    </a:p>
+                  </a:txBody>
+                  <a:tcPr/>
+                </a:tc>
+                <a:tc>
+                  <a:txBody>
+                    <a:bodyPr/>
+                    <a:lstStyle/>
+                    <a:p>
+                      <a:pPr algn="r"/>
+                      <a:r>
+                        <a:rPr lang="en-US" sz="1200" dirty="0" smtClean="0"/>
+                        <a:t>821</a:t>
+                      </a:r>
+                    </a:p>
+                  </a:txBody>
+                  <a:tcPr/>
+                </a:tc>
+                <a:tc>
+                  <a:txBody>
+                    <a:bodyPr/>
+                    <a:lstStyle/>
+                    <a:p>
+                      <a:pPr algn="r"/>
+                      <a:r>
+                        <a:rPr lang="en-US" sz="1200" dirty="0" smtClean="0"/>
+                        <a:t>couscous, </a:t>
+                      </a:r>
+                      <a:r>
+                        <a:rPr lang="en-US" sz="1200" dirty="0" err="1" smtClean="0"/>
+                        <a:t>ras</a:t>
+                      </a:r>
+                      <a:r>
+                        <a:rPr lang="en-US" sz="1200" dirty="0" smtClean="0"/>
+                        <a:t> el </a:t>
+                      </a:r>
+                      <a:r>
+                        <a:rPr lang="en-US" sz="1200" dirty="0" err="1" smtClean="0"/>
+                        <a:t>hanout</a:t>
+                      </a:r>
+                      <a:r>
+                        <a:rPr lang="en-US" sz="1200" dirty="0" smtClean="0"/>
+                        <a:t>, preserved lemon,</a:t>
+                      </a:r>
+                      <a:r>
+                        <a:rPr lang="en-US" sz="1200" baseline="0" dirty="0" smtClean="0"/>
+                        <a:t> </a:t>
+                      </a:r>
+                      <a:r>
+                        <a:rPr lang="en-US" sz="1200" dirty="0" smtClean="0"/>
+                        <a:t>saffron threads, harissa, chickpeas, harissa</a:t>
+                      </a:r>
+                      <a:r>
+                        <a:rPr lang="en-US" sz="1200" baseline="0" dirty="0" smtClean="0"/>
+                        <a:t> </a:t>
+                      </a:r>
+                      <a:r>
+                        <a:rPr lang="en-US" sz="1200" dirty="0" smtClean="0"/>
+                        <a:t>paste, dried apricot, green olives, lamb</a:t>
+                      </a:r>
+                      <a:r>
+                        <a:rPr lang="en-US" sz="1200" baseline="0" dirty="0" smtClean="0"/>
+                        <a:t> s</a:t>
+                      </a:r>
+                      <a:r>
+                        <a:rPr lang="en-US" sz="1200" dirty="0" smtClean="0"/>
+                        <a:t>houlder</a:t>
+                      </a:r>
+                    </a:p>
+                  </a:txBody>
+                  <a:tcPr/>
+                </a:tc>
+                <a:tc>
+                  <a:txBody>
+                    <a:bodyPr/>
+                    <a:lstStyle/>
+                    <a:p>
+                      <a:pPr algn="r"/>
+                      <a:r>
+                        <a:rPr lang="en-US" sz="1200" dirty="0" smtClean="0"/>
+                        <a:t>12.9</a:t>
+                      </a:r>
+                    </a:p>
+                  </a:txBody>
+                  <a:tcPr/>
+                </a:tc>
+              </a:tr>
+              <a:tr h="271403">
+                <a:tc>
+                  <a:txBody>
+                    <a:bodyPr/>
+                    <a:lstStyle/>
+                    <a:p>
+                      <a:pPr algn="ctr"/>
+                      <a:r>
+                        <a:rPr lang="en-US" sz="1200" dirty="0" smtClean="0"/>
+                        <a:t>British</a:t>
+                      </a:r>
+                      <a:endParaRPr lang="en-US" sz="1200" dirty="0"/>
+                    </a:p>
+                  </a:txBody>
+                  <a:tcPr/>
+                </a:tc>
+                <a:tc>
+                  <a:txBody>
+                    <a:bodyPr/>
+                    <a:lstStyle/>
+                    <a:p>
+                      <a:pPr algn="r"/>
+                      <a:r>
+                        <a:rPr lang="en-US" sz="1200" dirty="0" smtClean="0"/>
+                        <a:t>804</a:t>
+                      </a:r>
+                    </a:p>
+                  </a:txBody>
+                  <a:tcPr/>
+                </a:tc>
+                <a:tc>
+                  <a:txBody>
+                    <a:bodyPr/>
+                    <a:lstStyle/>
+                    <a:p>
+                      <a:pPr algn="r"/>
+                      <a:r>
+                        <a:rPr lang="en-US" sz="1200" dirty="0" smtClean="0"/>
+                        <a:t>stilton cheese, suet, beef drippings, stilton,</a:t>
+                      </a:r>
+                      <a:r>
+                        <a:rPr lang="en-US" sz="1200" baseline="0" dirty="0" smtClean="0"/>
+                        <a:t> </a:t>
+                      </a:r>
+                      <a:r>
+                        <a:rPr lang="en-US" sz="1200" dirty="0" smtClean="0"/>
+                        <a:t>golden syrup, dried currants, marmite,</a:t>
+                      </a:r>
+                      <a:r>
+                        <a:rPr lang="en-US" sz="1200" baseline="0" dirty="0" smtClean="0"/>
+                        <a:t> </a:t>
+                      </a:r>
+                      <a:r>
+                        <a:rPr lang="en-US" sz="1200" dirty="0" smtClean="0"/>
+                        <a:t>mincemeat, raspberry jam, beef kidney</a:t>
+                      </a:r>
+                    </a:p>
+                  </a:txBody>
+                  <a:tcPr/>
+                </a:tc>
+                <a:tc>
+                  <a:txBody>
+                    <a:bodyPr/>
+                    <a:lstStyle/>
+                    <a:p>
+                      <a:pPr algn="r"/>
+                      <a:r>
+                        <a:rPr lang="en-US" sz="1200" dirty="0" smtClean="0"/>
+                        <a:t>9.7</a:t>
+                      </a:r>
+                    </a:p>
+                  </a:txBody>
+                  <a:tcPr/>
+                </a:tc>
+              </a:tr>
+              <a:tr h="271403">
+                <a:tc>
+                  <a:txBody>
+                    <a:bodyPr/>
+                    <a:lstStyle/>
+                    <a:p>
+                      <a:pPr algn="ctr"/>
+                      <a:r>
+                        <a:rPr lang="en-US" sz="1200" dirty="0" smtClean="0"/>
+                        <a:t>Filipino</a:t>
+                      </a:r>
+                      <a:endParaRPr lang="en-US" sz="1200" dirty="0"/>
+                    </a:p>
+                  </a:txBody>
+                  <a:tcPr/>
+                </a:tc>
+                <a:tc>
+                  <a:txBody>
+                    <a:bodyPr/>
+                    <a:lstStyle/>
+                    <a:p>
+                      <a:pPr algn="r"/>
+                      <a:r>
+                        <a:rPr lang="en-US" sz="1200" dirty="0" smtClean="0"/>
+                        <a:t>755</a:t>
+                      </a:r>
+                    </a:p>
+                  </a:txBody>
+                  <a:tcPr/>
+                </a:tc>
+                <a:tc>
+                  <a:txBody>
+                    <a:bodyPr/>
+                    <a:lstStyle/>
+                    <a:p>
+                      <a:r>
+                        <a:rPr lang="fr-FR" sz="1200" b="0" i="0" u="none" strike="noStrike" cap="none" spc="0" baseline="0" dirty="0" err="1" smtClean="0">
+                          <a:ln>
+                            <a:noFill/>
+                          </a:ln>
+                          <a:solidFill>
+                            <a:schemeClr val="tx1"/>
+                          </a:solidFill>
+                          <a:uFillTx/>
+                          <a:latin typeface="+mn-lt"/>
+                          <a:ea typeface="+mn-ea"/>
+                          <a:cs typeface="+mn-cs"/>
+                          <a:sym typeface="Times New Roman"/>
+                        </a:rPr>
+                        <a:t>fish</a:t>
+                      </a:r>
+                      <a:r>
+                        <a:rPr lang="fr-FR" sz="1200" b="0" i="0" u="none" strike="noStrike" cap="none" spc="0" baseline="0" dirty="0" smtClean="0">
+                          <a:ln>
+                            <a:noFill/>
+                          </a:ln>
+                          <a:solidFill>
+                            <a:schemeClr val="tx1"/>
+                          </a:solidFill>
+                          <a:uFillTx/>
+                          <a:latin typeface="+mn-lt"/>
+                          <a:ea typeface="+mn-ea"/>
+                          <a:cs typeface="+mn-cs"/>
+                          <a:sym typeface="Times New Roman"/>
+                        </a:rPr>
+                        <a:t> sauce, </a:t>
+                      </a:r>
+                      <a:r>
+                        <a:rPr lang="fr-FR" sz="1200" b="0" i="0" u="none" strike="noStrike" cap="none" spc="0" baseline="0" dirty="0" err="1" smtClean="0">
+                          <a:ln>
+                            <a:noFill/>
+                          </a:ln>
+                          <a:solidFill>
+                            <a:schemeClr val="tx1"/>
+                          </a:solidFill>
+                          <a:uFillTx/>
+                          <a:latin typeface="+mn-lt"/>
+                          <a:ea typeface="+mn-ea"/>
+                          <a:cs typeface="+mn-cs"/>
+                          <a:sym typeface="Times New Roman"/>
+                        </a:rPr>
+                        <a:t>calamansi</a:t>
+                      </a:r>
+                      <a:r>
+                        <a:rPr lang="fr-FR" sz="1200" b="0" i="0" u="none" strike="noStrike" cap="none" spc="0" baseline="0" dirty="0" smtClean="0">
+                          <a:ln>
+                            <a:noFill/>
+                          </a:ln>
+                          <a:solidFill>
+                            <a:schemeClr val="tx1"/>
+                          </a:solidFill>
+                          <a:uFillTx/>
+                          <a:latin typeface="+mn-lt"/>
+                          <a:ea typeface="+mn-ea"/>
+                          <a:cs typeface="+mn-cs"/>
+                          <a:sym typeface="Times New Roman"/>
+                        </a:rPr>
+                        <a:t> </a:t>
+                      </a:r>
+                      <a:r>
+                        <a:rPr lang="fr-FR" sz="1200" b="0" i="0" u="none" strike="noStrike" cap="none" spc="0" baseline="0" dirty="0" err="1" smtClean="0">
+                          <a:ln>
+                            <a:noFill/>
+                          </a:ln>
+                          <a:solidFill>
+                            <a:schemeClr val="tx1"/>
+                          </a:solidFill>
+                          <a:uFillTx/>
+                          <a:latin typeface="+mn-lt"/>
+                          <a:ea typeface="+mn-ea"/>
+                          <a:cs typeface="+mn-cs"/>
+                          <a:sym typeface="Times New Roman"/>
+                        </a:rPr>
+                        <a:t>juice</a:t>
+                      </a:r>
+                      <a:r>
+                        <a:rPr lang="fr-FR" sz="1200" b="0" i="0" u="none" strike="noStrike" cap="none" spc="0" baseline="0" dirty="0" smtClean="0">
+                          <a:ln>
+                            <a:noFill/>
+                          </a:ln>
+                          <a:solidFill>
+                            <a:schemeClr val="tx1"/>
+                          </a:solidFill>
+                          <a:uFillTx/>
+                          <a:latin typeface="+mn-lt"/>
+                          <a:ea typeface="+mn-ea"/>
+                          <a:cs typeface="+mn-cs"/>
+                          <a:sym typeface="Times New Roman"/>
+                        </a:rPr>
+                        <a:t>, </a:t>
+                      </a:r>
+                      <a:r>
+                        <a:rPr lang="fr-FR" sz="1200" b="0" i="0" u="none" strike="noStrike" cap="none" spc="0" baseline="0" dirty="0" err="1" smtClean="0">
+                          <a:ln>
+                            <a:noFill/>
+                          </a:ln>
+                          <a:solidFill>
+                            <a:schemeClr val="tx1"/>
+                          </a:solidFill>
+                          <a:uFillTx/>
+                          <a:latin typeface="+mn-lt"/>
+                          <a:ea typeface="+mn-ea"/>
+                          <a:cs typeface="+mn-cs"/>
+                          <a:sym typeface="Times New Roman"/>
+                        </a:rPr>
+                        <a:t>lumpia</a:t>
+                      </a:r>
+                      <a:r>
+                        <a:rPr lang="fr-FR" sz="1200" b="0" i="0" u="none" strike="noStrike" cap="none" spc="0" baseline="0" dirty="0" smtClean="0">
+                          <a:ln>
+                            <a:noFill/>
+                          </a:ln>
+                          <a:solidFill>
+                            <a:schemeClr val="tx1"/>
+                          </a:solidFill>
+                          <a:uFillTx/>
+                          <a:latin typeface="+mn-lt"/>
+                          <a:ea typeface="+mn-ea"/>
+                          <a:cs typeface="+mn-cs"/>
+                          <a:sym typeface="Times New Roman"/>
+                        </a:rPr>
+                        <a:t> </a:t>
+                      </a:r>
+                      <a:r>
+                        <a:rPr lang="fr-FR" sz="1200" b="0" i="0" u="none" strike="noStrike" cap="none" spc="0" baseline="0" dirty="0" err="1" smtClean="0">
+                          <a:ln>
+                            <a:noFill/>
+                          </a:ln>
+                          <a:solidFill>
+                            <a:schemeClr val="tx1"/>
+                          </a:solidFill>
+                          <a:uFillTx/>
+                          <a:latin typeface="+mn-lt"/>
+                          <a:ea typeface="+mn-ea"/>
+                          <a:cs typeface="+mn-cs"/>
+                          <a:sym typeface="Times New Roman"/>
+                        </a:rPr>
+                        <a:t>wrappers</a:t>
+                      </a:r>
+                      <a:r>
+                        <a:rPr lang="fr-FR" sz="1200" b="0" i="0" u="none" strike="noStrike" cap="none" spc="0" baseline="0" dirty="0" smtClean="0">
+                          <a:ln>
+                            <a:noFill/>
+                          </a:ln>
+                          <a:solidFill>
+                            <a:schemeClr val="tx1"/>
+                          </a:solidFill>
+                          <a:uFillTx/>
+                          <a:latin typeface="+mn-lt"/>
+                          <a:ea typeface="+mn-ea"/>
+                          <a:cs typeface="+mn-cs"/>
+                          <a:sym typeface="Times New Roman"/>
+                        </a:rPr>
+                        <a:t>, </a:t>
+                      </a:r>
+                      <a:r>
+                        <a:rPr lang="fi-FI" sz="1200" b="0" i="0" u="none" strike="noStrike" cap="none" spc="0" baseline="0" dirty="0" smtClean="0">
+                          <a:ln>
+                            <a:noFill/>
+                          </a:ln>
+                          <a:solidFill>
+                            <a:schemeClr val="tx1"/>
+                          </a:solidFill>
+                          <a:uFillTx/>
+                          <a:latin typeface="+mn-lt"/>
+                          <a:ea typeface="+mn-ea"/>
+                          <a:cs typeface="+mn-cs"/>
+                          <a:sym typeface="Times New Roman"/>
+                        </a:rPr>
+                        <a:t>calamansi, lumpia skins, oyster sauce, </a:t>
+                      </a:r>
+                      <a:r>
+                        <a:rPr lang="en-US" sz="1200" b="0" i="0" u="none" strike="noStrike" cap="none" spc="0" baseline="0" dirty="0" err="1" smtClean="0">
+                          <a:ln>
+                            <a:noFill/>
+                          </a:ln>
+                          <a:solidFill>
+                            <a:schemeClr val="tx1"/>
+                          </a:solidFill>
+                          <a:uFillTx/>
+                          <a:latin typeface="+mn-lt"/>
+                          <a:ea typeface="+mn-ea"/>
+                          <a:cs typeface="+mn-cs"/>
+                          <a:sym typeface="Times New Roman"/>
+                        </a:rPr>
+                        <a:t>thai</a:t>
+                      </a:r>
+                      <a:r>
+                        <a:rPr lang="en-US" sz="1200" b="0" i="0" u="none" strike="noStrike" cap="none" spc="0" baseline="0" dirty="0" smtClean="0">
+                          <a:ln>
+                            <a:noFill/>
+                          </a:ln>
+                          <a:solidFill>
+                            <a:schemeClr val="tx1"/>
+                          </a:solidFill>
+                          <a:uFillTx/>
+                          <a:latin typeface="+mn-lt"/>
+                          <a:ea typeface="+mn-ea"/>
+                          <a:cs typeface="+mn-cs"/>
+                          <a:sym typeface="Times New Roman"/>
+                        </a:rPr>
+                        <a:t> </a:t>
+                      </a:r>
+                      <a:r>
+                        <a:rPr lang="en-US" sz="1200" b="0" i="0" u="none" strike="noStrike" cap="none" spc="0" baseline="0" dirty="0" err="1" smtClean="0">
+                          <a:ln>
+                            <a:noFill/>
+                          </a:ln>
+                          <a:solidFill>
+                            <a:schemeClr val="tx1"/>
+                          </a:solidFill>
+                          <a:uFillTx/>
+                          <a:latin typeface="+mn-lt"/>
+                          <a:ea typeface="+mn-ea"/>
+                          <a:cs typeface="+mn-cs"/>
+                          <a:sym typeface="Times New Roman"/>
+                        </a:rPr>
+                        <a:t>chile</a:t>
+                      </a:r>
+                      <a:r>
+                        <a:rPr lang="en-US" sz="1200" b="0" i="0" u="none" strike="noStrike" cap="none" spc="0" baseline="0" dirty="0" smtClean="0">
+                          <a:ln>
+                            <a:noFill/>
+                          </a:ln>
+                          <a:solidFill>
+                            <a:schemeClr val="tx1"/>
+                          </a:solidFill>
+                          <a:uFillTx/>
+                          <a:latin typeface="+mn-lt"/>
+                          <a:ea typeface="+mn-ea"/>
+                          <a:cs typeface="+mn-cs"/>
+                          <a:sym typeface="Times New Roman"/>
+                        </a:rPr>
+                        <a:t>, shrimp paste, pork belly, fried garlic</a:t>
+                      </a:r>
+                      <a:endParaRPr lang="en-US" sz="1200" dirty="0" smtClean="0"/>
+                    </a:p>
+                  </a:txBody>
+                  <a:tcPr/>
+                </a:tc>
+                <a:tc>
+                  <a:txBody>
+                    <a:bodyPr/>
+                    <a:lstStyle/>
+                    <a:p>
+                      <a:pPr algn="r"/>
+                      <a:r>
+                        <a:rPr lang="en-US" sz="1200" dirty="0" smtClean="0"/>
+                        <a:t>10.0</a:t>
+                      </a:r>
+                    </a:p>
+                  </a:txBody>
+                  <a:tcPr/>
+                </a:tc>
+              </a:tr>
+              <a:tr h="271403">
+                <a:tc>
+                  <a:txBody>
+                    <a:bodyPr/>
+                    <a:lstStyle/>
+                    <a:p>
+                      <a:pPr algn="ctr"/>
+                      <a:r>
+                        <a:rPr lang="en-US" sz="1200" dirty="0" smtClean="0"/>
+                        <a:t>Irish</a:t>
+                      </a:r>
+                      <a:endParaRPr lang="en-US" sz="1200" dirty="0"/>
+                    </a:p>
+                  </a:txBody>
+                  <a:tcPr/>
+                </a:tc>
+                <a:tc>
+                  <a:txBody>
+                    <a:bodyPr/>
+                    <a:lstStyle/>
+                    <a:p>
+                      <a:pPr algn="r"/>
+                      <a:r>
+                        <a:rPr lang="en-US" sz="1200" dirty="0" smtClean="0"/>
+                        <a:t>667</a:t>
+                      </a:r>
+                    </a:p>
+                  </a:txBody>
+                  <a:tcPr/>
+                </a:tc>
+                <a:tc>
+                  <a:txBody>
+                    <a:bodyPr/>
+                    <a:lstStyle/>
+                    <a:p>
+                      <a:pPr algn="r"/>
+                      <a:r>
+                        <a:rPr lang="en-US" sz="1200" dirty="0" smtClean="0"/>
+                        <a:t>Irish whiskey, Guinness Beer, </a:t>
+                      </a:r>
+                      <a:r>
+                        <a:rPr lang="en-US" sz="1200" dirty="0" err="1" smtClean="0"/>
+                        <a:t>irish</a:t>
+                      </a:r>
+                      <a:r>
+                        <a:rPr lang="en-US" sz="1200" dirty="0" smtClean="0"/>
+                        <a:t> cream</a:t>
+                      </a:r>
+                      <a:r>
+                        <a:rPr lang="en-US" sz="1200" baseline="0" dirty="0" smtClean="0"/>
+                        <a:t> </a:t>
+                      </a:r>
+                      <a:r>
+                        <a:rPr lang="en-US" sz="1200" dirty="0" smtClean="0"/>
+                        <a:t>liqueur, corned beef, </a:t>
+                      </a:r>
+                      <a:r>
+                        <a:rPr lang="en-US" sz="1200" dirty="0" err="1" smtClean="0"/>
+                        <a:t>irish</a:t>
+                      </a:r>
+                      <a:r>
+                        <a:rPr lang="en-US" sz="1200" dirty="0" smtClean="0"/>
+                        <a:t> bacon, Baileys</a:t>
+                      </a:r>
+                      <a:r>
+                        <a:rPr lang="en-US" sz="1200" baseline="0" dirty="0" smtClean="0"/>
+                        <a:t> </a:t>
+                      </a:r>
+                      <a:r>
+                        <a:rPr lang="en-US" sz="1200" dirty="0" smtClean="0"/>
+                        <a:t>Irish Cream Liqueur, buttermilk, soda</a:t>
+                      </a:r>
+                      <a:r>
+                        <a:rPr lang="en-US" sz="1200" baseline="0" dirty="0" smtClean="0"/>
+                        <a:t> </a:t>
+                      </a:r>
+                      <a:r>
+                        <a:rPr lang="en-US" sz="1200" dirty="0" smtClean="0"/>
+                        <a:t>bread, stout,</a:t>
+                      </a:r>
+                      <a:r>
+                        <a:rPr lang="en-US" sz="1200" baseline="0" dirty="0" smtClean="0"/>
+                        <a:t> </a:t>
+                      </a:r>
+                      <a:r>
+                        <a:rPr lang="en-US" sz="1200" dirty="0" smtClean="0"/>
+                        <a:t>low-fat buttermilk</a:t>
+                      </a:r>
+                    </a:p>
+                  </a:txBody>
+                  <a:tcPr/>
+                </a:tc>
+                <a:tc>
+                  <a:txBody>
+                    <a:bodyPr/>
+                    <a:lstStyle/>
+                    <a:p>
+                      <a:pPr algn="r"/>
+                      <a:r>
+                        <a:rPr lang="en-US" sz="1200" dirty="0" smtClean="0"/>
+                        <a:t>9.2</a:t>
+                      </a:r>
+                    </a:p>
+                  </a:txBody>
+                  <a:tcPr/>
+                </a:tc>
+              </a:tr>
+              <a:tr h="271403">
+                <a:tc>
+                  <a:txBody>
+                    <a:bodyPr/>
+                    <a:lstStyle/>
+                    <a:p>
+                      <a:pPr algn="ctr"/>
+                      <a:r>
+                        <a:rPr lang="en-US" sz="1200" dirty="0" smtClean="0"/>
+                        <a:t>Jamaican</a:t>
+                      </a:r>
+                      <a:endParaRPr lang="en-US" sz="1200" dirty="0"/>
+                    </a:p>
+                  </a:txBody>
+                  <a:tcPr/>
+                </a:tc>
+                <a:tc>
+                  <a:txBody>
+                    <a:bodyPr/>
+                    <a:lstStyle/>
+                    <a:p>
+                      <a:pPr algn="r"/>
+                      <a:r>
+                        <a:rPr lang="en-US" sz="1200" dirty="0" smtClean="0"/>
+                        <a:t>526</a:t>
+                      </a:r>
+                    </a:p>
+                  </a:txBody>
+                  <a:tcPr/>
+                </a:tc>
+                <a:tc>
+                  <a:txBody>
+                    <a:bodyPr/>
+                    <a:lstStyle/>
+                    <a:p>
+                      <a:r>
+                        <a:rPr lang="en-US" sz="1200" b="0" i="0" u="none" strike="noStrike" cap="none" spc="0" baseline="0" dirty="0" smtClean="0">
+                          <a:ln>
+                            <a:noFill/>
+                          </a:ln>
+                          <a:solidFill>
+                            <a:schemeClr val="tx1"/>
+                          </a:solidFill>
+                          <a:uFillTx/>
+                          <a:latin typeface="+mn-lt"/>
+                          <a:ea typeface="+mn-ea"/>
+                          <a:cs typeface="+mn-cs"/>
+                          <a:sym typeface="Times New Roman"/>
+                        </a:rPr>
+                        <a:t>scotch bonnet </a:t>
+                      </a:r>
+                      <a:r>
+                        <a:rPr lang="en-US" sz="1200" b="0" i="0" u="none" strike="noStrike" cap="none" spc="0" baseline="0" dirty="0" err="1" smtClean="0">
+                          <a:ln>
+                            <a:noFill/>
+                          </a:ln>
+                          <a:solidFill>
+                            <a:schemeClr val="tx1"/>
+                          </a:solidFill>
+                          <a:uFillTx/>
+                          <a:latin typeface="+mn-lt"/>
+                          <a:ea typeface="+mn-ea"/>
+                          <a:cs typeface="+mn-cs"/>
+                          <a:sym typeface="Times New Roman"/>
+                        </a:rPr>
+                        <a:t>chile</a:t>
+                      </a:r>
+                      <a:r>
+                        <a:rPr lang="en-US" sz="1200" b="0" i="0" u="none" strike="noStrike" cap="none" spc="0" baseline="0" dirty="0" smtClean="0">
+                          <a:ln>
+                            <a:noFill/>
+                          </a:ln>
+                          <a:solidFill>
+                            <a:schemeClr val="tx1"/>
+                          </a:solidFill>
+                          <a:uFillTx/>
+                          <a:latin typeface="+mn-lt"/>
+                          <a:ea typeface="+mn-ea"/>
+                          <a:cs typeface="+mn-cs"/>
+                          <a:sym typeface="Times New Roman"/>
+                        </a:rPr>
+                        <a:t>, </a:t>
+                      </a:r>
+                      <a:r>
+                        <a:rPr lang="en-US" sz="1200" b="0" i="0" u="none" strike="noStrike" cap="none" spc="0" baseline="0" dirty="0" err="1" smtClean="0">
+                          <a:ln>
+                            <a:noFill/>
+                          </a:ln>
+                          <a:solidFill>
+                            <a:schemeClr val="tx1"/>
+                          </a:solidFill>
+                          <a:uFillTx/>
+                          <a:latin typeface="+mn-lt"/>
+                          <a:ea typeface="+mn-ea"/>
+                          <a:cs typeface="+mn-cs"/>
+                          <a:sym typeface="Times New Roman"/>
+                        </a:rPr>
+                        <a:t>jamaican</a:t>
+                      </a:r>
+                      <a:r>
+                        <a:rPr lang="en-US" sz="1200" b="0" i="0" u="none" strike="noStrike" cap="none" spc="0" baseline="0" dirty="0" smtClean="0">
+                          <a:ln>
+                            <a:noFill/>
+                          </a:ln>
+                          <a:solidFill>
+                            <a:schemeClr val="tx1"/>
+                          </a:solidFill>
+                          <a:uFillTx/>
+                          <a:latin typeface="+mn-lt"/>
+                          <a:ea typeface="+mn-ea"/>
+                          <a:cs typeface="+mn-cs"/>
+                          <a:sym typeface="Times New Roman"/>
+                        </a:rPr>
+                        <a:t> jerk season, </a:t>
+                      </a:r>
+                      <a:r>
+                        <a:rPr lang="en-US" sz="1200" b="0" i="0" u="none" strike="noStrike" cap="none" spc="0" baseline="0" dirty="0" err="1" smtClean="0">
+                          <a:ln>
+                            <a:noFill/>
+                          </a:ln>
+                          <a:solidFill>
+                            <a:schemeClr val="tx1"/>
+                          </a:solidFill>
+                          <a:uFillTx/>
+                          <a:latin typeface="+mn-lt"/>
+                          <a:ea typeface="+mn-ea"/>
+                          <a:cs typeface="+mn-cs"/>
+                          <a:sym typeface="Times New Roman"/>
+                        </a:rPr>
+                        <a:t>ackee</a:t>
+                      </a:r>
+                      <a:r>
+                        <a:rPr lang="en-US" sz="1200" b="0" i="0" u="none" strike="noStrike" cap="none" spc="0" baseline="0" dirty="0" smtClean="0">
+                          <a:ln>
+                            <a:noFill/>
+                          </a:ln>
+                          <a:solidFill>
+                            <a:schemeClr val="tx1"/>
+                          </a:solidFill>
+                          <a:uFillTx/>
+                          <a:latin typeface="+mn-lt"/>
+                          <a:ea typeface="+mn-ea"/>
+                          <a:cs typeface="+mn-cs"/>
+                          <a:sym typeface="Times New Roman"/>
+                        </a:rPr>
+                        <a:t>, </a:t>
+                      </a:r>
+                      <a:r>
+                        <a:rPr lang="en-US" sz="1200" b="0" i="0" u="none" strike="noStrike" cap="none" spc="0" baseline="0" dirty="0" err="1" smtClean="0">
+                          <a:ln>
+                            <a:noFill/>
+                          </a:ln>
+                          <a:solidFill>
+                            <a:schemeClr val="tx1"/>
+                          </a:solidFill>
+                          <a:uFillTx/>
+                          <a:latin typeface="+mn-lt"/>
+                          <a:ea typeface="+mn-ea"/>
+                          <a:cs typeface="+mn-cs"/>
+                          <a:sym typeface="Times New Roman"/>
+                        </a:rPr>
+                        <a:t>callaloo</a:t>
+                      </a:r>
+                      <a:r>
+                        <a:rPr lang="en-US" sz="1200" b="0" i="0" u="none" strike="noStrike" cap="none" spc="0" baseline="0" dirty="0" smtClean="0">
+                          <a:ln>
+                            <a:noFill/>
+                          </a:ln>
+                          <a:solidFill>
+                            <a:schemeClr val="tx1"/>
+                          </a:solidFill>
+                          <a:uFillTx/>
+                          <a:latin typeface="+mn-lt"/>
+                          <a:ea typeface="+mn-ea"/>
+                          <a:cs typeface="+mn-cs"/>
+                          <a:sym typeface="Times New Roman"/>
+                        </a:rPr>
+                        <a:t>, jerk seasoning, ground allspice, thyme, dark rum, allspice, jerk sauce</a:t>
+                      </a:r>
+                      <a:endParaRPr lang="en-US" sz="1200" dirty="0" smtClean="0"/>
+                    </a:p>
+                  </a:txBody>
+                  <a:tcPr/>
+                </a:tc>
+                <a:tc>
+                  <a:txBody>
+                    <a:bodyPr/>
+                    <a:lstStyle/>
+                    <a:p>
+                      <a:pPr algn="r"/>
+                      <a:r>
+                        <a:rPr lang="en-US" sz="1200" dirty="0" smtClean="0"/>
+                        <a:t>12.2</a:t>
+                      </a:r>
+                    </a:p>
+                  </a:txBody>
+                  <a:tcPr/>
+                </a:tc>
+              </a:tr>
+              <a:tr h="271403">
+                <a:tc>
+                  <a:txBody>
+                    <a:bodyPr/>
+                    <a:lstStyle/>
+                    <a:p>
+                      <a:pPr algn="ctr"/>
+                      <a:r>
+                        <a:rPr lang="en-US" sz="1200" dirty="0" smtClean="0"/>
+                        <a:t>Russian</a:t>
+                      </a:r>
+                      <a:endParaRPr lang="en-US" sz="1200" dirty="0"/>
+                    </a:p>
+                  </a:txBody>
+                  <a:tcPr/>
+                </a:tc>
+                <a:tc>
+                  <a:txBody>
+                    <a:bodyPr/>
+                    <a:lstStyle/>
+                    <a:p>
+                      <a:pPr algn="r"/>
+                      <a:r>
+                        <a:rPr lang="en-US" sz="1200" dirty="0" smtClean="0"/>
+                        <a:t>489</a:t>
+                      </a:r>
+                    </a:p>
+                  </a:txBody>
+                  <a:tcPr/>
+                </a:tc>
+                <a:tc>
+                  <a:txBody>
+                    <a:bodyPr/>
+                    <a:lstStyle/>
+                    <a:p>
+                      <a:pPr algn="r"/>
+                      <a:r>
+                        <a:rPr lang="en-US" sz="1200" dirty="0" smtClean="0"/>
+                        <a:t>sauerkraut, buckwheat flour, pierogi, dill,</a:t>
+                      </a:r>
+                      <a:r>
+                        <a:rPr lang="en-US" sz="1200" baseline="0" dirty="0" smtClean="0"/>
+                        <a:t> </a:t>
+                      </a:r>
+                      <a:r>
+                        <a:rPr lang="en-US" sz="1200" dirty="0" smtClean="0"/>
+                        <a:t>fresh dill, farmer cheese, beets, cottage</a:t>
+                      </a:r>
+                      <a:r>
+                        <a:rPr lang="en-US" sz="1200" baseline="0" dirty="0" smtClean="0"/>
+                        <a:t> </a:t>
+                      </a:r>
+                      <a:r>
+                        <a:rPr lang="en-US" sz="1200" dirty="0" smtClean="0"/>
+                        <a:t>cheese, sour cream, pickled beets</a:t>
+                      </a:r>
+                    </a:p>
+                  </a:txBody>
+                  <a:tcPr/>
+                </a:tc>
+                <a:tc>
+                  <a:txBody>
+                    <a:bodyPr/>
+                    <a:lstStyle/>
+                    <a:p>
+                      <a:pPr algn="r"/>
+                      <a:r>
+                        <a:rPr lang="en-US" sz="1200" dirty="0" smtClean="0"/>
+                        <a:t>10.2</a:t>
+                      </a:r>
+                    </a:p>
+                  </a:txBody>
+                  <a:tcPr/>
+                </a:tc>
+              </a:tr>
+              <a:tr h="382999">
+                <a:tc>
+                  <a:txBody>
+                    <a:bodyPr/>
+                    <a:lstStyle/>
+                    <a:p>
+                      <a:pPr algn="ctr"/>
+                      <a:r>
+                        <a:rPr lang="en-US" sz="1200" dirty="0" smtClean="0"/>
+                        <a:t>Brazilian</a:t>
+                      </a:r>
+                      <a:endParaRPr lang="en-US" sz="1200" dirty="0"/>
+                    </a:p>
+                  </a:txBody>
+                  <a:tcPr/>
+                </a:tc>
+                <a:tc>
+                  <a:txBody>
+                    <a:bodyPr/>
+                    <a:lstStyle/>
+                    <a:p>
+                      <a:pPr algn="r"/>
+                      <a:r>
+                        <a:rPr lang="en-US" sz="1200" dirty="0" smtClean="0"/>
+                        <a:t>467</a:t>
+                      </a:r>
+                    </a:p>
+                  </a:txBody>
+                  <a:tcPr/>
+                </a:tc>
+                <a:tc>
+                  <a:txBody>
+                    <a:bodyPr/>
+                    <a:lstStyle/>
+                    <a:p>
+                      <a:pPr algn="r"/>
+                      <a:r>
+                        <a:rPr lang="en-US" sz="1200" dirty="0" err="1" smtClean="0"/>
+                        <a:t>cachaca</a:t>
+                      </a:r>
+                      <a:r>
+                        <a:rPr lang="en-US" sz="1200" dirty="0" smtClean="0"/>
+                        <a:t>, </a:t>
+                      </a:r>
+                      <a:r>
+                        <a:rPr lang="en-US" sz="1200" dirty="0" err="1" smtClean="0"/>
+                        <a:t>aai</a:t>
+                      </a:r>
+                      <a:r>
+                        <a:rPr lang="en-US" sz="1200" dirty="0" smtClean="0"/>
+                        <a:t>, manioc flour, palm oil, chocolate</a:t>
+                      </a:r>
+                      <a:r>
+                        <a:rPr lang="en-US" sz="1200" baseline="0" dirty="0" smtClean="0"/>
+                        <a:t> </a:t>
+                      </a:r>
+                      <a:r>
+                        <a:rPr lang="en-US" sz="1200" dirty="0" smtClean="0"/>
+                        <a:t>sprinkles, dried black beans, frozen banana,</a:t>
+                      </a:r>
+                      <a:r>
+                        <a:rPr lang="en-US" sz="1200" baseline="0" dirty="0" smtClean="0"/>
+                        <a:t> </a:t>
+                      </a:r>
+                      <a:r>
+                        <a:rPr lang="en-US" sz="1200" dirty="0" smtClean="0"/>
+                        <a:t>granola, </a:t>
+                      </a:r>
+                      <a:r>
+                        <a:rPr lang="en-US" sz="1200" dirty="0" err="1" smtClean="0"/>
+                        <a:t>dende</a:t>
+                      </a:r>
+                      <a:r>
+                        <a:rPr lang="en-US" sz="1200" dirty="0" smtClean="0"/>
+                        <a:t> oil, chia seeds</a:t>
+                      </a:r>
+                    </a:p>
+                  </a:txBody>
+                  <a:tcPr/>
+                </a:tc>
+                <a:tc>
+                  <a:txBody>
+                    <a:bodyPr/>
+                    <a:lstStyle/>
+                    <a:p>
+                      <a:pPr algn="r"/>
+                      <a:r>
+                        <a:rPr lang="en-US" sz="1200" dirty="0" smtClean="0"/>
+                        <a:t>9.5</a:t>
+                      </a:r>
+                    </a:p>
+                  </a:txBody>
+                  <a:tcPr/>
+                </a:tc>
+              </a:tr>
+            </a:tbl>
+          </a:graphicData>
+        </a:graphic>
+      </p:graphicFrame>
     </p:spTree>
   </p:cSld>
   <p:clrMapOvr>

--- a/Poster424.pptx
+++ b/Poster424.pptx
@@ -3290,8 +3290,8 @@
         </p:nvSpPr>
         <p:spPr>
           <a:xfrm>
-            <a:off x="28790317" y="32461203"/>
-            <a:ext cx="10363203" cy="2868613"/>
+            <a:off x="8828099" y="33158528"/>
+            <a:ext cx="7636538" cy="2868613"/>
           </a:xfrm>
           <a:prstGeom prst="rect">
             <a:avLst/>
@@ -3322,8 +3322,8 @@
         </p:nvSpPr>
         <p:spPr>
           <a:xfrm>
-            <a:off x="17373598" y="32440562"/>
-            <a:ext cx="10591802" cy="2889251"/>
+            <a:off x="1176999" y="33129131"/>
+            <a:ext cx="7448381" cy="2889251"/>
           </a:xfrm>
           <a:prstGeom prst="rect">
             <a:avLst/>
@@ -3354,8 +3354,8 @@
         </p:nvSpPr>
         <p:spPr>
           <a:xfrm>
-            <a:off x="17373598" y="32309096"/>
-            <a:ext cx="10591803" cy="820035"/>
+            <a:off x="1176999" y="32997665"/>
+            <a:ext cx="7448381" cy="820035"/>
           </a:xfrm>
           <a:prstGeom prst="rect">
             <a:avLst/>
@@ -3376,7 +3376,7 @@
           </a:extLst>
         </p:spPr>
         <p:txBody>
-          <a:bodyPr lIns="95691" tIns="95691" rIns="95691" bIns="95691">
+          <a:bodyPr wrap="square" lIns="95691" tIns="95691" rIns="95691" bIns="95691">
             <a:spAutoFit/>
           </a:bodyPr>
           <a:lstStyle>
@@ -3399,6 +3399,7 @@
           </a:lstStyle>
           <a:p>
             <a:r>
+              <a:rPr dirty="0"/>
               <a:t>ACKNOWLEDGEMENTS</a:t>
             </a:r>
           </a:p>
@@ -3412,8 +3413,8 @@
         </p:nvSpPr>
         <p:spPr>
           <a:xfrm>
-            <a:off x="17373598" y="25355728"/>
-            <a:ext cx="21779923" cy="5505273"/>
+            <a:off x="17373598" y="31715406"/>
+            <a:ext cx="21779923" cy="4290329"/>
           </a:xfrm>
           <a:prstGeom prst="rect">
             <a:avLst/>
@@ -3445,7 +3446,7 @@
         <p:spPr>
           <a:xfrm>
             <a:off x="17504226" y="7403538"/>
-            <a:ext cx="21782090" cy="8252732"/>
+            <a:ext cx="21782090" cy="6875319"/>
           </a:xfrm>
           <a:prstGeom prst="rect">
             <a:avLst/>
@@ -3476,8 +3477,8 @@
         </p:nvSpPr>
         <p:spPr>
           <a:xfrm>
-            <a:off x="1196997" y="13122019"/>
-            <a:ext cx="15262202" cy="22501709"/>
+            <a:off x="1196997" y="13122020"/>
+            <a:ext cx="15262202" cy="19588338"/>
           </a:xfrm>
           <a:prstGeom prst="rect">
             <a:avLst/>
@@ -4331,8 +4332,8 @@
         </p:nvSpPr>
         <p:spPr>
           <a:xfrm>
-            <a:off x="28942720" y="33282515"/>
-            <a:ext cx="10147882" cy="861774"/>
+            <a:off x="8986767" y="34238401"/>
+            <a:ext cx="7477870" cy="1169551"/>
           </a:xfrm>
           <a:prstGeom prst="rect">
             <a:avLst/>
@@ -4347,7 +4348,7 @@
           </a:extLst>
         </p:spPr>
         <p:txBody>
-          <a:bodyPr lIns="45719" rIns="45719">
+          <a:bodyPr wrap="square" lIns="45719" rIns="45719">
             <a:spAutoFit/>
           </a:bodyPr>
           <a:lstStyle/>
@@ -4429,8 +4430,8 @@
         </p:nvSpPr>
         <p:spPr>
           <a:xfrm>
-            <a:off x="17474618" y="33367140"/>
-            <a:ext cx="8280982" cy="830997"/>
+            <a:off x="2131601" y="34238401"/>
+            <a:ext cx="5823363" cy="1200329"/>
           </a:xfrm>
           <a:prstGeom prst="rect">
             <a:avLst/>
@@ -4445,7 +4446,7 @@
           </a:extLst>
         </p:spPr>
         <p:txBody>
-          <a:bodyPr lIns="45719" rIns="45719">
+          <a:bodyPr wrap="square" lIns="45719" rIns="45719">
             <a:spAutoFit/>
           </a:bodyPr>
           <a:lstStyle/>
@@ -4912,7 +4913,7 @@
         </p:nvSpPr>
         <p:spPr>
           <a:xfrm>
-            <a:off x="17373598" y="24507304"/>
+            <a:off x="17373598" y="30866982"/>
             <a:ext cx="21779923" cy="820035"/>
           </a:xfrm>
           <a:prstGeom prst="rect">
@@ -4972,8 +4973,8 @@
         </p:nvSpPr>
         <p:spPr>
           <a:xfrm>
-            <a:off x="28790317" y="32300340"/>
-            <a:ext cx="10363201" cy="820034"/>
+            <a:off x="8828098" y="32997665"/>
+            <a:ext cx="7636537" cy="820034"/>
           </a:xfrm>
           <a:prstGeom prst="rect">
             <a:avLst/>
@@ -4994,7 +4995,7 @@
           </a:extLst>
         </p:spPr>
         <p:txBody>
-          <a:bodyPr lIns="95691" tIns="95691" rIns="95691" bIns="95691">
+          <a:bodyPr wrap="square" lIns="95691" tIns="95691" rIns="95691" bIns="95691">
             <a:spAutoFit/>
           </a:bodyPr>
           <a:lstStyle>
@@ -5017,8 +5018,10 @@
           </a:lstStyle>
           <a:p>
             <a:r>
-              <a:t>REFERENCES</a:t>
+              <a:rPr lang="en-US" dirty="0" smtClean="0"/>
+              <a:t>TF-IDF Supplementary</a:t>
             </a:r>
+            <a:endParaRPr dirty="0"/>
           </a:p>
         </p:txBody>
       </p:sp>
@@ -5149,8 +5152,8 @@
         </p:nvSpPr>
         <p:spPr>
           <a:xfrm>
-            <a:off x="17386878" y="16999054"/>
-            <a:ext cx="21779922" cy="6641820"/>
+            <a:off x="17504225" y="15841393"/>
+            <a:ext cx="21789919" cy="14676707"/>
           </a:xfrm>
           <a:prstGeom prst="rect">
             <a:avLst/>
@@ -5181,8 +5184,8 @@
         </p:nvSpPr>
         <p:spPr>
           <a:xfrm>
-            <a:off x="17386878" y="16180531"/>
-            <a:ext cx="21779922" cy="820034"/>
+            <a:off x="17504225" y="15022871"/>
+            <a:ext cx="21789919" cy="820034"/>
           </a:xfrm>
           <a:prstGeom prst="rect">
             <a:avLst/>
@@ -5203,7 +5206,7 @@
           </a:extLst>
         </p:spPr>
         <p:txBody>
-          <a:bodyPr lIns="95691" tIns="95691" rIns="95691" bIns="95691">
+          <a:bodyPr wrap="square" lIns="95691" tIns="95691" rIns="95691" bIns="95691">
             <a:spAutoFit/>
           </a:bodyPr>
           <a:lstStyle>
@@ -5227,7 +5230,11 @@
           <a:p>
             <a:r>
               <a:rPr lang="en-US" dirty="0" smtClean="0"/>
-              <a:t>UNSUPERVISED LEARNING: finding?</a:t>
+              <a:t>UNSUPERVISED </a:t>
+            </a:r>
+            <a:r>
+              <a:rPr lang="en-US" dirty="0" smtClean="0"/>
+              <a:t>LEARNING: finding?</a:t>
             </a:r>
             <a:endParaRPr dirty="0"/>
           </a:p>
@@ -5873,8 +5880,8 @@
         </p:nvSpPr>
         <p:spPr>
           <a:xfrm>
-            <a:off x="1768245" y="26795912"/>
-            <a:ext cx="13372995" cy="1631216"/>
+            <a:off x="2131601" y="25537968"/>
+            <a:ext cx="13372995" cy="584775"/>
           </a:xfrm>
           <a:prstGeom prst="rect">
             <a:avLst/>
@@ -5904,61 +5911,11 @@
             </a:pPr>
             <a:r>
               <a:rPr lang="en-US" dirty="0" smtClean="0"/>
-              <a:t>Supervised Learning</a:t>
-            </a:r>
-            <a:endParaRPr dirty="0"/>
-          </a:p>
-          <a:p>
-            <a:pPr marL="342900" indent="-342900">
-              <a:spcBef>
-                <a:spcPts val="1200"/>
-              </a:spcBef>
-              <a:buSzPct val="100000"/>
-              <a:buFont typeface="Courier New"/>
-              <a:buChar char="o"/>
-              <a:defRPr sz="2400" b="1">
-                <a:latin typeface="Minion Pro"/>
-                <a:ea typeface="Minion Pro"/>
-                <a:cs typeface="Minion Pro"/>
-                <a:sym typeface="Minion Pro"/>
-              </a:defRPr>
-            </a:pPr>
-            <a:r>
-              <a:rPr lang="en-US" dirty="0" smtClean="0"/>
-              <a:t>Model</a:t>
-            </a:r>
-            <a:r>
-              <a:rPr b="0" dirty="0" smtClean="0"/>
-              <a:t>; parameters </a:t>
-            </a:r>
-            <a:r>
-              <a:rPr lang="en-US" b="0" dirty="0" smtClean="0"/>
-              <a:t>used</a:t>
-            </a:r>
-            <a:endParaRPr lang="en-US" dirty="0" smtClean="0"/>
-          </a:p>
-          <a:p>
-            <a:pPr marL="342900" indent="-342900">
-              <a:spcBef>
-                <a:spcPts val="1200"/>
-              </a:spcBef>
-              <a:buSzPct val="100000"/>
-              <a:buFont typeface="Courier New"/>
-              <a:buChar char="o"/>
-              <a:defRPr sz="2400" b="1">
-                <a:latin typeface="Minion Pro"/>
-                <a:ea typeface="Minion Pro"/>
-                <a:cs typeface="Minion Pro"/>
-                <a:sym typeface="Minion Pro"/>
-              </a:defRPr>
-            </a:pPr>
-            <a:r>
-              <a:rPr lang="en-US" b="1" dirty="0" smtClean="0"/>
-              <a:t>Random Forrest</a:t>
+              <a:t>Supervised </a:t>
             </a:r>
             <a:r>
               <a:rPr lang="en-US" dirty="0" smtClean="0"/>
-              <a:t>; parameters used</a:t>
+              <a:t>Learning</a:t>
             </a:r>
             <a:endParaRPr dirty="0"/>
           </a:p>
@@ -14425,7 +14382,7 @@
         </p:nvSpPr>
         <p:spPr>
           <a:xfrm>
-            <a:off x="1196997" y="25833395"/>
+            <a:off x="1177000" y="24576351"/>
             <a:ext cx="15282199" cy="826385"/>
           </a:xfrm>
           <a:prstGeom prst="rect">
@@ -14485,8 +14442,8 @@
         </p:nvSpPr>
         <p:spPr>
           <a:xfrm>
-            <a:off x="1650864" y="30095514"/>
-            <a:ext cx="13372995" cy="3200876"/>
+            <a:off x="2294003" y="28587412"/>
+            <a:ext cx="13372995" cy="584775"/>
           </a:xfrm>
           <a:prstGeom prst="rect">
             <a:avLst/>
@@ -14516,139 +14473,13 @@
             </a:pPr>
             <a:r>
               <a:rPr lang="en-US" dirty="0" smtClean="0"/>
-              <a:t>Unsupervised Learning</a:t>
-            </a:r>
-            <a:endParaRPr dirty="0"/>
-          </a:p>
-          <a:p>
-            <a:pPr marL="342900" indent="-342900">
-              <a:spcBef>
-                <a:spcPts val="1200"/>
-              </a:spcBef>
-              <a:buSzPct val="100000"/>
-              <a:buFont typeface="Courier New"/>
-              <a:buChar char="o"/>
-              <a:defRPr sz="2400" b="1">
-                <a:latin typeface="Minion Pro"/>
-                <a:ea typeface="Minion Pro"/>
-                <a:cs typeface="Minion Pro"/>
-                <a:sym typeface="Minion Pro"/>
-              </a:defRPr>
-            </a:pPr>
-            <a:r>
-              <a:rPr lang="en-US" dirty="0" smtClean="0"/>
-              <a:t>BMF</a:t>
-            </a:r>
-            <a:r>
-              <a:rPr b="0" dirty="0" smtClean="0"/>
-              <a:t>; </a:t>
-            </a:r>
-            <a:r>
-              <a:rPr b="0" dirty="0"/>
-              <a:t>parameters are learned from the data</a:t>
-            </a:r>
-          </a:p>
-          <a:p>
-            <a:pPr marL="342900" indent="-342900">
-              <a:spcBef>
-                <a:spcPts val="1200"/>
-              </a:spcBef>
-              <a:buSzPct val="100000"/>
-              <a:buFont typeface="Courier New"/>
-              <a:buChar char="o"/>
-              <a:defRPr sz="2400" b="1">
-                <a:latin typeface="Minion Pro"/>
-                <a:ea typeface="Minion Pro"/>
-                <a:cs typeface="Minion Pro"/>
-                <a:sym typeface="Minion Pro"/>
-              </a:defRPr>
-            </a:pPr>
-            <a:r>
-              <a:rPr lang="en-US" dirty="0" smtClean="0"/>
-              <a:t>Latent </a:t>
-            </a:r>
-            <a:r>
-              <a:rPr lang="en-US" dirty="0" err="1" smtClean="0"/>
-              <a:t>Dirichlet</a:t>
+              <a:t>Unsupervised </a:t>
             </a:r>
             <a:r>
               <a:rPr lang="en-US" dirty="0" smtClean="0"/>
-              <a:t> Allocation</a:t>
+              <a:t>Learning</a:t>
             </a:r>
-            <a:r>
-              <a:rPr b="0" dirty="0" smtClean="0"/>
-              <a:t>; </a:t>
-            </a:r>
-            <a:r>
-              <a:rPr lang="en-US" b="0" dirty="0" smtClean="0"/>
-              <a:t>number of topics: 10, 20. </a:t>
-            </a:r>
-            <a:endParaRPr b="0" dirty="0"/>
-          </a:p>
-          <a:p>
-            <a:pPr marL="342900" indent="-342900">
-              <a:spcBef>
-                <a:spcPts val="1200"/>
-              </a:spcBef>
-              <a:buSzPct val="100000"/>
-              <a:buFont typeface="Courier New"/>
-              <a:buChar char="o"/>
-              <a:defRPr sz="2400" b="1">
-                <a:latin typeface="Minion Pro"/>
-                <a:ea typeface="Minion Pro"/>
-                <a:cs typeface="Minion Pro"/>
-                <a:sym typeface="Minion Pro"/>
-              </a:defRPr>
-            </a:pPr>
-            <a:r>
-              <a:rPr lang="en-US" dirty="0" smtClean="0"/>
-              <a:t>PCA; </a:t>
-            </a:r>
-            <a:r>
-              <a:rPr lang="en-US" b="0" dirty="0" smtClean="0"/>
-              <a:t>parameters used</a:t>
-            </a:r>
-          </a:p>
-          <a:p>
-            <a:pPr marL="342900" indent="-342900">
-              <a:spcBef>
-                <a:spcPts val="1200"/>
-              </a:spcBef>
-              <a:buSzPct val="100000"/>
-              <a:buFont typeface="Courier New"/>
-              <a:buChar char="o"/>
-              <a:defRPr sz="2400" b="1">
-                <a:latin typeface="Minion Pro"/>
-                <a:ea typeface="Minion Pro"/>
-                <a:cs typeface="Minion Pro"/>
-                <a:sym typeface="Minion Pro"/>
-              </a:defRPr>
-            </a:pPr>
-            <a:r>
-              <a:rPr lang="en-US" dirty="0" smtClean="0"/>
-              <a:t>K-means Clustering using PCA; k=10, 20</a:t>
-            </a:r>
-          </a:p>
-          <a:p>
-            <a:pPr marL="342900" indent="-342900">
-              <a:spcBef>
-                <a:spcPts val="1200"/>
-              </a:spcBef>
-              <a:buSzPct val="100000"/>
-              <a:buFont typeface="Courier New"/>
-              <a:buChar char="o"/>
-              <a:defRPr sz="2400" b="1">
-                <a:latin typeface="Minion Pro"/>
-                <a:ea typeface="Minion Pro"/>
-                <a:cs typeface="Minion Pro"/>
-                <a:sym typeface="Minion Pro"/>
-              </a:defRPr>
-            </a:pPr>
-            <a:r>
-              <a:rPr lang="en-US" b="0" dirty="0" smtClean="0"/>
-              <a:t>T-SNE</a:t>
-            </a:r>
-            <a:endParaRPr b="0" dirty="0"/>
+            <a:endParaRPr dirty="0"/>
           </a:p>
         </p:txBody>
       </p:sp>
@@ -14769,7 +14600,7 @@
           <p:nvPr>
             <p:extLst>
               <p:ext uri="{D42A27DB-BD31-4B8C-83A1-F6EECF244321}">
-                <p14:modId xmlns:p14="http://schemas.microsoft.com/office/powerpoint/2010/main" val="2709368644"/>
+                <p14:modId xmlns:p14="http://schemas.microsoft.com/office/powerpoint/2010/main" val="963720177"/>
               </p:ext>
             </p:extLst>
           </p:nvPr>
@@ -17328,6 +17159,2742 @@
           </a:graphicData>
         </a:graphic>
       </p:graphicFrame>
+      <p:graphicFrame>
+        <p:nvGraphicFramePr>
+          <p:cNvPr id="199" name="Table 198"/>
+          <p:cNvGraphicFramePr>
+            <a:graphicFrameLocks noGrp="1"/>
+          </p:cNvGraphicFramePr>
+          <p:nvPr>
+            <p:extLst>
+              <p:ext uri="{D42A27DB-BD31-4B8C-83A1-F6EECF244321}">
+                <p14:modId xmlns:p14="http://schemas.microsoft.com/office/powerpoint/2010/main" val="1696282975"/>
+              </p:ext>
+            </p:extLst>
+          </p:nvPr>
+        </p:nvGraphicFramePr>
+        <p:xfrm>
+          <a:off x="2540000" y="26372210"/>
+          <a:ext cx="12884181" cy="1828800"/>
+        </p:xfrm>
+        <a:graphic>
+          <a:graphicData uri="http://schemas.openxmlformats.org/drawingml/2006/table">
+            <a:tbl>
+              <a:tblPr firstRow="1" bandRow="1">
+                <a:tableStyleId>{5940675A-B579-460E-94D1-54222C63F5DA}</a:tableStyleId>
+              </a:tblPr>
+              <a:tblGrid>
+                <a:gridCol w="3033486"/>
+                <a:gridCol w="3904343"/>
+                <a:gridCol w="2293257"/>
+                <a:gridCol w="3653095"/>
+              </a:tblGrid>
+              <a:tr h="266624">
+                <a:tc>
+                  <a:txBody>
+                    <a:bodyPr/>
+                    <a:lstStyle/>
+                    <a:p>
+                      <a:pPr algn="ctr"/>
+                      <a:r>
+                        <a:rPr lang="en-US" sz="1800" b="1" dirty="0" smtClean="0"/>
+                        <a:t>Model</a:t>
+                      </a:r>
+                      <a:endParaRPr lang="en-US" sz="1800" b="1" dirty="0"/>
+                    </a:p>
+                  </a:txBody>
+                  <a:tcPr/>
+                </a:tc>
+                <a:tc>
+                  <a:txBody>
+                    <a:bodyPr/>
+                    <a:lstStyle/>
+                    <a:p>
+                      <a:pPr algn="ctr"/>
+                      <a:r>
+                        <a:rPr lang="en-US" sz="1800" b="1" dirty="0" smtClean="0"/>
+                        <a:t>Parameters</a:t>
+                      </a:r>
+                      <a:endParaRPr lang="en-US" sz="1800" b="1" dirty="0"/>
+                    </a:p>
+                  </a:txBody>
+                  <a:tcPr/>
+                </a:tc>
+                <a:tc>
+                  <a:txBody>
+                    <a:bodyPr/>
+                    <a:lstStyle/>
+                    <a:p>
+                      <a:pPr algn="ctr"/>
+                      <a:r>
+                        <a:rPr lang="en-US" sz="1800" b="1" dirty="0" smtClean="0"/>
+                        <a:t>Input Data</a:t>
+                      </a:r>
+                      <a:endParaRPr lang="en-US" sz="1800" b="1" dirty="0"/>
+                    </a:p>
+                  </a:txBody>
+                  <a:tcPr/>
+                </a:tc>
+                <a:tc>
+                  <a:txBody>
+                    <a:bodyPr/>
+                    <a:lstStyle/>
+                    <a:p>
+                      <a:pPr algn="ctr"/>
+                      <a:r>
+                        <a:rPr lang="en-US" sz="1800" b="1" dirty="0" smtClean="0"/>
+                        <a:t>Rationale</a:t>
+                      </a:r>
+                      <a:endParaRPr lang="en-US" sz="1800" b="1" dirty="0"/>
+                    </a:p>
+                  </a:txBody>
+                  <a:tcPr/>
+                </a:tc>
+              </a:tr>
+              <a:tr h="289484">
+                <a:tc>
+                  <a:txBody>
+                    <a:bodyPr/>
+                    <a:lstStyle/>
+                    <a:p>
+                      <a:pPr algn="ctr"/>
+                      <a:r>
+                        <a:rPr lang="en-US" sz="1800" dirty="0" smtClean="0"/>
+                        <a:t>Logistic Regression</a:t>
+                      </a:r>
+                      <a:endParaRPr lang="en-US" sz="1800" dirty="0"/>
+                    </a:p>
+                  </a:txBody>
+                  <a:tcPr/>
+                </a:tc>
+                <a:tc>
+                  <a:txBody>
+                    <a:bodyPr/>
+                    <a:lstStyle/>
+                    <a:p>
+                      <a:pPr algn="ctr"/>
+                      <a:endParaRPr lang="en-US" sz="1800" dirty="0"/>
+                    </a:p>
+                  </a:txBody>
+                  <a:tcPr/>
+                </a:tc>
+                <a:tc>
+                  <a:txBody>
+                    <a:bodyPr/>
+                    <a:lstStyle/>
+                    <a:p>
+                      <a:pPr algn="ctr"/>
+                      <a:r>
+                        <a:rPr lang="en-US" sz="1800" dirty="0" smtClean="0"/>
+                        <a:t>A</a:t>
+                      </a:r>
+                      <a:endParaRPr lang="en-US" sz="1800" dirty="0"/>
+                    </a:p>
+                  </a:txBody>
+                  <a:tcPr/>
+                </a:tc>
+                <a:tc>
+                  <a:txBody>
+                    <a:bodyPr/>
+                    <a:lstStyle/>
+                    <a:p>
+                      <a:pPr algn="ctr"/>
+                      <a:endParaRPr lang="en-US" sz="1800" dirty="0"/>
+                    </a:p>
+                  </a:txBody>
+                  <a:tcPr/>
+                </a:tc>
+              </a:tr>
+              <a:tr h="312344">
+                <a:tc>
+                  <a:txBody>
+                    <a:bodyPr/>
+                    <a:lstStyle/>
+                    <a:p>
+                      <a:pPr algn="ctr"/>
+                      <a:r>
+                        <a:rPr lang="en-US" sz="1800" dirty="0" smtClean="0"/>
+                        <a:t>Random</a:t>
+                      </a:r>
+                      <a:r>
+                        <a:rPr lang="en-US" sz="1800" baseline="0" dirty="0" smtClean="0"/>
+                        <a:t> Forest</a:t>
+                      </a:r>
+                      <a:endParaRPr lang="en-US" sz="1800" dirty="0"/>
+                    </a:p>
+                  </a:txBody>
+                  <a:tcPr/>
+                </a:tc>
+                <a:tc>
+                  <a:txBody>
+                    <a:bodyPr/>
+                    <a:lstStyle/>
+                    <a:p>
+                      <a:pPr algn="ctr"/>
+                      <a:endParaRPr lang="en-US" sz="1800" dirty="0" smtClean="0"/>
+                    </a:p>
+                  </a:txBody>
+                  <a:tcPr/>
+                </a:tc>
+                <a:tc>
+                  <a:txBody>
+                    <a:bodyPr/>
+                    <a:lstStyle/>
+                    <a:p>
+                      <a:pPr algn="ctr"/>
+                      <a:r>
+                        <a:rPr lang="en-US" sz="1800" dirty="0" smtClean="0"/>
+                        <a:t>A</a:t>
+                      </a:r>
+                    </a:p>
+                  </a:txBody>
+                  <a:tcPr/>
+                </a:tc>
+                <a:tc>
+                  <a:txBody>
+                    <a:bodyPr/>
+                    <a:lstStyle/>
+                    <a:p>
+                      <a:pPr algn="ctr"/>
+                      <a:endParaRPr lang="en-US" sz="1800" dirty="0" smtClean="0"/>
+                    </a:p>
+                  </a:txBody>
+                  <a:tcPr/>
+                </a:tc>
+              </a:tr>
+              <a:tr h="335204">
+                <a:tc>
+                  <a:txBody>
+                    <a:bodyPr/>
+                    <a:lstStyle/>
+                    <a:p>
+                      <a:pPr algn="ctr"/>
+                      <a:r>
+                        <a:rPr lang="en-US" sz="1800" dirty="0" smtClean="0"/>
+                        <a:t>Gradient</a:t>
+                      </a:r>
+                      <a:r>
+                        <a:rPr lang="en-US" sz="1800" baseline="0" dirty="0" smtClean="0"/>
+                        <a:t> Boost</a:t>
+                      </a:r>
+                      <a:endParaRPr lang="en-US" sz="1800" dirty="0"/>
+                    </a:p>
+                  </a:txBody>
+                  <a:tcPr/>
+                </a:tc>
+                <a:tc>
+                  <a:txBody>
+                    <a:bodyPr/>
+                    <a:lstStyle/>
+                    <a:p>
+                      <a:pPr algn="ctr"/>
+                      <a:endParaRPr lang="en-US" sz="1800" dirty="0" smtClean="0"/>
+                    </a:p>
+                  </a:txBody>
+                  <a:tcPr/>
+                </a:tc>
+                <a:tc>
+                  <a:txBody>
+                    <a:bodyPr/>
+                    <a:lstStyle/>
+                    <a:p>
+                      <a:pPr algn="ctr"/>
+                      <a:r>
+                        <a:rPr lang="en-US" sz="1800" dirty="0" smtClean="0"/>
+                        <a:t>A</a:t>
+                      </a:r>
+                    </a:p>
+                  </a:txBody>
+                  <a:tcPr/>
+                </a:tc>
+                <a:tc>
+                  <a:txBody>
+                    <a:bodyPr/>
+                    <a:lstStyle/>
+                    <a:p>
+                      <a:pPr algn="ctr"/>
+                      <a:endParaRPr lang="en-US" sz="1800" dirty="0" smtClean="0"/>
+                    </a:p>
+                  </a:txBody>
+                  <a:tcPr/>
+                </a:tc>
+              </a:tr>
+              <a:tr h="335204">
+                <a:tc>
+                  <a:txBody>
+                    <a:bodyPr/>
+                    <a:lstStyle/>
+                    <a:p>
+                      <a:pPr algn="ctr"/>
+                      <a:r>
+                        <a:rPr lang="en-US" sz="1800" dirty="0" err="1" smtClean="0"/>
+                        <a:t>XGBoost</a:t>
+                      </a:r>
+                      <a:endParaRPr lang="en-US" sz="1800" dirty="0"/>
+                    </a:p>
+                  </a:txBody>
+                  <a:tcPr/>
+                </a:tc>
+                <a:tc>
+                  <a:txBody>
+                    <a:bodyPr/>
+                    <a:lstStyle/>
+                    <a:p>
+                      <a:pPr algn="ctr"/>
+                      <a:endParaRPr lang="en-US" sz="1800" dirty="0" smtClean="0"/>
+                    </a:p>
+                  </a:txBody>
+                  <a:tcPr/>
+                </a:tc>
+                <a:tc>
+                  <a:txBody>
+                    <a:bodyPr/>
+                    <a:lstStyle/>
+                    <a:p>
+                      <a:pPr algn="ctr"/>
+                      <a:r>
+                        <a:rPr lang="en-US" sz="1800" dirty="0" smtClean="0"/>
+                        <a:t>A</a:t>
+                      </a:r>
+                    </a:p>
+                  </a:txBody>
+                  <a:tcPr/>
+                </a:tc>
+                <a:tc>
+                  <a:txBody>
+                    <a:bodyPr/>
+                    <a:lstStyle/>
+                    <a:p>
+                      <a:pPr algn="ctr"/>
+                      <a:endParaRPr lang="en-US" sz="1800" dirty="0" smtClean="0"/>
+                    </a:p>
+                  </a:txBody>
+                  <a:tcPr/>
+                </a:tc>
+              </a:tr>
+            </a:tbl>
+          </a:graphicData>
+        </a:graphic>
+      </p:graphicFrame>
+      <p:graphicFrame>
+        <p:nvGraphicFramePr>
+          <p:cNvPr id="200" name="Table 199"/>
+          <p:cNvGraphicFramePr>
+            <a:graphicFrameLocks noGrp="1"/>
+          </p:cNvGraphicFramePr>
+          <p:nvPr>
+            <p:extLst>
+              <p:ext uri="{D42A27DB-BD31-4B8C-83A1-F6EECF244321}">
+                <p14:modId xmlns:p14="http://schemas.microsoft.com/office/powerpoint/2010/main" val="2715240932"/>
+              </p:ext>
+            </p:extLst>
+          </p:nvPr>
+        </p:nvGraphicFramePr>
+        <p:xfrm>
+          <a:off x="2508835" y="29229869"/>
+          <a:ext cx="12887362" cy="2681860"/>
+        </p:xfrm>
+        <a:graphic>
+          <a:graphicData uri="http://schemas.openxmlformats.org/drawingml/2006/table">
+            <a:tbl>
+              <a:tblPr firstRow="1" bandRow="1">
+                <a:tableStyleId>{5940675A-B579-460E-94D1-54222C63F5DA}</a:tableStyleId>
+              </a:tblPr>
+              <a:tblGrid>
+                <a:gridCol w="3050008"/>
+                <a:gridCol w="3927087"/>
+                <a:gridCol w="2216580"/>
+                <a:gridCol w="3693687"/>
+              </a:tblGrid>
+              <a:tr h="266624">
+                <a:tc>
+                  <a:txBody>
+                    <a:bodyPr/>
+                    <a:lstStyle/>
+                    <a:p>
+                      <a:pPr algn="ctr"/>
+                      <a:r>
+                        <a:rPr lang="en-US" sz="1800" b="1" dirty="0" smtClean="0"/>
+                        <a:t>Model</a:t>
+                      </a:r>
+                      <a:endParaRPr lang="en-US" sz="1800" b="1" dirty="0"/>
+                    </a:p>
+                  </a:txBody>
+                  <a:tcPr/>
+                </a:tc>
+                <a:tc>
+                  <a:txBody>
+                    <a:bodyPr/>
+                    <a:lstStyle/>
+                    <a:p>
+                      <a:pPr algn="ctr"/>
+                      <a:r>
+                        <a:rPr lang="en-US" sz="1800" b="1" dirty="0" smtClean="0"/>
+                        <a:t>Parameters</a:t>
+                      </a:r>
+                      <a:endParaRPr lang="en-US" sz="1800" b="1" dirty="0"/>
+                    </a:p>
+                  </a:txBody>
+                  <a:tcPr/>
+                </a:tc>
+                <a:tc>
+                  <a:txBody>
+                    <a:bodyPr/>
+                    <a:lstStyle/>
+                    <a:p>
+                      <a:pPr algn="ctr"/>
+                      <a:r>
+                        <a:rPr lang="en-US" sz="1800" b="1" dirty="0" smtClean="0"/>
+                        <a:t>Input</a:t>
+                      </a:r>
+                      <a:r>
+                        <a:rPr lang="en-US" sz="1800" b="1" baseline="0" dirty="0" smtClean="0"/>
+                        <a:t> Data</a:t>
+                      </a:r>
+                      <a:endParaRPr lang="en-US" sz="1800" b="1" dirty="0"/>
+                    </a:p>
+                  </a:txBody>
+                  <a:tcPr/>
+                </a:tc>
+                <a:tc>
+                  <a:txBody>
+                    <a:bodyPr/>
+                    <a:lstStyle/>
+                    <a:p>
+                      <a:pPr algn="ctr"/>
+                      <a:r>
+                        <a:rPr lang="en-US" sz="1800" b="1" dirty="0" smtClean="0"/>
+                        <a:t>Rationale</a:t>
+                      </a:r>
+                      <a:endParaRPr lang="en-US" sz="1800" b="1" dirty="0"/>
+                    </a:p>
+                  </a:txBody>
+                  <a:tcPr/>
+                </a:tc>
+              </a:tr>
+              <a:tr h="289484">
+                <a:tc>
+                  <a:txBody>
+                    <a:bodyPr/>
+                    <a:lstStyle/>
+                    <a:p>
+                      <a:pPr algn="ctr"/>
+                      <a:r>
+                        <a:rPr lang="en-US" sz="1500" dirty="0" err="1" smtClean="0"/>
+                        <a:t>Kmeans</a:t>
+                      </a:r>
+                      <a:endParaRPr lang="en-US" sz="1500" dirty="0"/>
+                    </a:p>
+                  </a:txBody>
+                  <a:tcPr/>
+                </a:tc>
+                <a:tc>
+                  <a:txBody>
+                    <a:bodyPr/>
+                    <a:lstStyle/>
+                    <a:p>
+                      <a:pPr marL="0" marR="0" indent="0" algn="ctr" defTabSz="914400" rtl="0" eaLnBrk="1" fontAlgn="auto" latinLnBrk="0" hangingPunct="1">
+                        <a:lnSpc>
+                          <a:spcPct val="100000"/>
+                        </a:lnSpc>
+                        <a:spcBef>
+                          <a:spcPts val="0"/>
+                        </a:spcBef>
+                        <a:spcAft>
+                          <a:spcPts val="0"/>
+                        </a:spcAft>
+                        <a:buClrTx/>
+                        <a:buSzTx/>
+                        <a:buFontTx/>
+                        <a:buNone/>
+                        <a:tabLst/>
+                        <a:defRPr/>
+                      </a:pPr>
+                      <a:r>
+                        <a:rPr lang="en-US" sz="1500" dirty="0" err="1" smtClean="0"/>
+                        <a:t>n</a:t>
+                      </a:r>
+                      <a:r>
+                        <a:rPr lang="en-US" sz="1500" baseline="0" dirty="0" err="1" smtClean="0"/>
+                        <a:t>_components</a:t>
+                      </a:r>
+                      <a:r>
+                        <a:rPr lang="en-US" sz="1500" baseline="0" dirty="0" smtClean="0"/>
+                        <a:t> = 2, 3</a:t>
+                      </a:r>
+                      <a:endParaRPr lang="en-US" sz="1500" dirty="0" smtClean="0"/>
+                    </a:p>
+                  </a:txBody>
+                  <a:tcPr/>
+                </a:tc>
+                <a:tc>
+                  <a:txBody>
+                    <a:bodyPr/>
+                    <a:lstStyle/>
+                    <a:p>
+                      <a:pPr algn="ctr"/>
+                      <a:r>
+                        <a:rPr lang="en-US" sz="1500" dirty="0" smtClean="0"/>
+                        <a:t>A? or B?</a:t>
+                      </a:r>
+                      <a:endParaRPr lang="en-US" sz="1500" dirty="0"/>
+                    </a:p>
+                  </a:txBody>
+                  <a:tcPr/>
+                </a:tc>
+                <a:tc>
+                  <a:txBody>
+                    <a:bodyPr/>
+                    <a:lstStyle/>
+                    <a:p>
+                      <a:pPr algn="ctr"/>
+                      <a:r>
+                        <a:rPr lang="en-US" sz="1500" dirty="0" smtClean="0"/>
+                        <a:t>Ingredient clustering</a:t>
+                      </a:r>
+                      <a:endParaRPr lang="en-US" sz="1500" dirty="0"/>
+                    </a:p>
+                  </a:txBody>
+                  <a:tcPr/>
+                </a:tc>
+              </a:tr>
+              <a:tr h="312344">
+                <a:tc>
+                  <a:txBody>
+                    <a:bodyPr/>
+                    <a:lstStyle/>
+                    <a:p>
+                      <a:pPr algn="ctr"/>
+                      <a:r>
+                        <a:rPr lang="en-US" sz="1500" dirty="0" smtClean="0"/>
+                        <a:t>SVD</a:t>
+                      </a:r>
+                      <a:endParaRPr lang="en-US" sz="1500" dirty="0"/>
+                    </a:p>
+                  </a:txBody>
+                  <a:tcPr/>
+                </a:tc>
+                <a:tc>
+                  <a:txBody>
+                    <a:bodyPr/>
+                    <a:lstStyle/>
+                    <a:p>
+                      <a:pPr marL="0" marR="0" indent="0" algn="ctr" defTabSz="914400" rtl="0" eaLnBrk="1" fontAlgn="auto" latinLnBrk="0" hangingPunct="1">
+                        <a:lnSpc>
+                          <a:spcPct val="100000"/>
+                        </a:lnSpc>
+                        <a:spcBef>
+                          <a:spcPts val="0"/>
+                        </a:spcBef>
+                        <a:spcAft>
+                          <a:spcPts val="0"/>
+                        </a:spcAft>
+                        <a:buClrTx/>
+                        <a:buSzTx/>
+                        <a:buFontTx/>
+                        <a:buNone/>
+                        <a:tabLst/>
+                        <a:defRPr/>
+                      </a:pPr>
+                      <a:r>
+                        <a:rPr lang="en-US" sz="1500" dirty="0" err="1" smtClean="0"/>
+                        <a:t>n</a:t>
+                      </a:r>
+                      <a:r>
+                        <a:rPr lang="en-US" sz="1500" baseline="0" dirty="0" err="1" smtClean="0"/>
+                        <a:t>_components</a:t>
+                      </a:r>
+                      <a:r>
+                        <a:rPr lang="en-US" sz="1500" baseline="0" dirty="0" smtClean="0"/>
+                        <a:t> = 2, 3</a:t>
+                      </a:r>
+                      <a:endParaRPr lang="en-US" sz="1500" dirty="0" smtClean="0"/>
+                    </a:p>
+                  </a:txBody>
+                  <a:tcPr/>
+                </a:tc>
+                <a:tc>
+                  <a:txBody>
+                    <a:bodyPr/>
+                    <a:lstStyle/>
+                    <a:p>
+                      <a:pPr algn="ctr"/>
+                      <a:r>
+                        <a:rPr lang="en-US" sz="1500" dirty="0" smtClean="0"/>
+                        <a:t>A? or B?</a:t>
+                      </a:r>
+                    </a:p>
+                  </a:txBody>
+                  <a:tcPr/>
+                </a:tc>
+                <a:tc>
+                  <a:txBody>
+                    <a:bodyPr/>
+                    <a:lstStyle/>
+                    <a:p>
+                      <a:pPr marL="0" marR="0" indent="0" algn="ctr" defTabSz="914400" rtl="0" eaLnBrk="1" fontAlgn="auto" latinLnBrk="0" hangingPunct="1">
+                        <a:lnSpc>
+                          <a:spcPct val="100000"/>
+                        </a:lnSpc>
+                        <a:spcBef>
+                          <a:spcPts val="0"/>
+                        </a:spcBef>
+                        <a:spcAft>
+                          <a:spcPts val="0"/>
+                        </a:spcAft>
+                        <a:buClrTx/>
+                        <a:buSzTx/>
+                        <a:buFontTx/>
+                        <a:buNone/>
+                        <a:tabLst/>
+                        <a:defRPr/>
+                      </a:pPr>
+                      <a:r>
+                        <a:rPr lang="en-US" sz="1500" dirty="0" smtClean="0"/>
+                        <a:t>Ingredient</a:t>
+                      </a:r>
+                      <a:r>
+                        <a:rPr lang="en-US" sz="1500" baseline="0" dirty="0" smtClean="0"/>
+                        <a:t> clustering</a:t>
+                      </a:r>
+                      <a:endParaRPr lang="en-US" sz="1500" dirty="0" smtClean="0"/>
+                    </a:p>
+                  </a:txBody>
+                  <a:tcPr/>
+                </a:tc>
+              </a:tr>
+              <a:tr h="335204">
+                <a:tc>
+                  <a:txBody>
+                    <a:bodyPr/>
+                    <a:lstStyle/>
+                    <a:p>
+                      <a:pPr algn="ctr"/>
+                      <a:r>
+                        <a:rPr lang="en-US" sz="1500" dirty="0" smtClean="0"/>
+                        <a:t>Market</a:t>
+                      </a:r>
+                      <a:r>
+                        <a:rPr lang="en-US" sz="1500" baseline="0" dirty="0" smtClean="0"/>
+                        <a:t> Basket</a:t>
+                      </a:r>
+                      <a:endParaRPr lang="en-US" sz="1500" dirty="0"/>
+                    </a:p>
+                  </a:txBody>
+                  <a:tcPr/>
+                </a:tc>
+                <a:tc>
+                  <a:txBody>
+                    <a:bodyPr/>
+                    <a:lstStyle/>
+                    <a:p>
+                      <a:pPr algn="ctr"/>
+                      <a:r>
+                        <a:rPr lang="en-US" sz="1500" dirty="0" smtClean="0"/>
+                        <a:t>?</a:t>
+                      </a:r>
+                    </a:p>
+                  </a:txBody>
+                  <a:tcPr/>
+                </a:tc>
+                <a:tc>
+                  <a:txBody>
+                    <a:bodyPr/>
+                    <a:lstStyle/>
+                    <a:p>
+                      <a:pPr algn="ctr"/>
+                      <a:r>
+                        <a:rPr lang="en-US" sz="1500" dirty="0" smtClean="0"/>
+                        <a:t>A? or B?, E</a:t>
+                      </a:r>
+                    </a:p>
+                  </a:txBody>
+                  <a:tcPr/>
+                </a:tc>
+                <a:tc>
+                  <a:txBody>
+                    <a:bodyPr/>
+                    <a:lstStyle/>
+                    <a:p>
+                      <a:pPr algn="ctr"/>
+                      <a:r>
+                        <a:rPr lang="en-US" sz="1500" dirty="0" smtClean="0"/>
+                        <a:t>Relationship</a:t>
+                      </a:r>
+                      <a:r>
+                        <a:rPr lang="en-US" sz="1500" baseline="0" dirty="0" smtClean="0"/>
+                        <a:t> </a:t>
+                      </a:r>
+                      <a:r>
+                        <a:rPr lang="en-US" sz="1500" baseline="0" dirty="0" err="1" smtClean="0"/>
+                        <a:t>btwn</a:t>
+                      </a:r>
+                      <a:r>
+                        <a:rPr lang="en-US" sz="1500" baseline="0" dirty="0" smtClean="0"/>
+                        <a:t> ingredients and cuisine</a:t>
+                      </a:r>
+                      <a:endParaRPr lang="en-US" sz="1500" dirty="0" smtClean="0"/>
+                    </a:p>
+                  </a:txBody>
+                  <a:tcPr/>
+                </a:tc>
+              </a:tr>
+              <a:tr h="335204">
+                <a:tc>
+                  <a:txBody>
+                    <a:bodyPr/>
+                    <a:lstStyle/>
+                    <a:p>
+                      <a:pPr algn="ctr"/>
+                      <a:r>
+                        <a:rPr lang="en-US" sz="1500" dirty="0" smtClean="0"/>
+                        <a:t>LDA</a:t>
+                      </a:r>
+                      <a:endParaRPr lang="en-US" sz="1500" dirty="0"/>
+                    </a:p>
+                  </a:txBody>
+                  <a:tcPr/>
+                </a:tc>
+                <a:tc>
+                  <a:txBody>
+                    <a:bodyPr/>
+                    <a:lstStyle/>
+                    <a:p>
+                      <a:pPr algn="ctr"/>
+                      <a:r>
+                        <a:rPr lang="en-US" sz="1500" dirty="0" err="1" smtClean="0"/>
+                        <a:t>n</a:t>
+                      </a:r>
+                      <a:r>
+                        <a:rPr lang="en-US" sz="1500" baseline="0" dirty="0" err="1" smtClean="0"/>
+                        <a:t>_components</a:t>
+                      </a:r>
+                      <a:r>
+                        <a:rPr lang="en-US" sz="1500" baseline="0" dirty="0" smtClean="0"/>
+                        <a:t> = 2,6,15</a:t>
+                      </a:r>
+                      <a:endParaRPr lang="en-US" sz="1500" dirty="0" smtClean="0"/>
+                    </a:p>
+                  </a:txBody>
+                  <a:tcPr/>
+                </a:tc>
+                <a:tc>
+                  <a:txBody>
+                    <a:bodyPr/>
+                    <a:lstStyle/>
+                    <a:p>
+                      <a:pPr algn="ctr"/>
+                      <a:r>
+                        <a:rPr lang="en-US" sz="1500" dirty="0" smtClean="0"/>
+                        <a:t>A, B</a:t>
+                      </a:r>
+                    </a:p>
+                  </a:txBody>
+                  <a:tcPr/>
+                </a:tc>
+                <a:tc>
+                  <a:txBody>
+                    <a:bodyPr/>
+                    <a:lstStyle/>
+                    <a:p>
+                      <a:pPr algn="ctr"/>
+                      <a:r>
+                        <a:rPr lang="en-US" sz="1500" dirty="0" smtClean="0"/>
+                        <a:t>Latent</a:t>
+                      </a:r>
+                      <a:r>
+                        <a:rPr lang="en-US" sz="1500" baseline="0" dirty="0" smtClean="0"/>
+                        <a:t> cuisines</a:t>
+                      </a:r>
+                      <a:endParaRPr lang="en-US" sz="1500" dirty="0" smtClean="0"/>
+                    </a:p>
+                  </a:txBody>
+                  <a:tcPr/>
+                </a:tc>
+              </a:tr>
+              <a:tr h="335204">
+                <a:tc>
+                  <a:txBody>
+                    <a:bodyPr/>
+                    <a:lstStyle/>
+                    <a:p>
+                      <a:pPr algn="ctr"/>
+                      <a:r>
+                        <a:rPr lang="en-US" sz="1500" dirty="0" smtClean="0"/>
+                        <a:t>BMF</a:t>
+                      </a:r>
+                      <a:endParaRPr lang="en-US" sz="1500" dirty="0"/>
+                    </a:p>
+                  </a:txBody>
+                  <a:tcPr/>
+                </a:tc>
+                <a:tc>
+                  <a:txBody>
+                    <a:bodyPr/>
+                    <a:lstStyle/>
+                    <a:p>
+                      <a:pPr marL="0" marR="0" indent="0" algn="ctr" defTabSz="914400" rtl="0" eaLnBrk="1" fontAlgn="auto" latinLnBrk="0" hangingPunct="1">
+                        <a:lnSpc>
+                          <a:spcPct val="100000"/>
+                        </a:lnSpc>
+                        <a:spcBef>
+                          <a:spcPts val="0"/>
+                        </a:spcBef>
+                        <a:spcAft>
+                          <a:spcPts val="0"/>
+                        </a:spcAft>
+                        <a:buClrTx/>
+                        <a:buSzTx/>
+                        <a:buFontTx/>
+                        <a:buNone/>
+                        <a:tabLst/>
+                        <a:defRPr/>
+                      </a:pPr>
+                      <a:r>
+                        <a:rPr lang="en-US" sz="1500" dirty="0" err="1" smtClean="0"/>
+                        <a:t>n</a:t>
+                      </a:r>
+                      <a:r>
+                        <a:rPr lang="en-US" sz="1500" baseline="0" dirty="0" err="1" smtClean="0"/>
+                        <a:t>_components</a:t>
+                      </a:r>
+                      <a:r>
+                        <a:rPr lang="en-US" sz="1500" baseline="0" dirty="0" smtClean="0"/>
+                        <a:t> = 2,6,15</a:t>
+                      </a:r>
+                      <a:endParaRPr lang="en-US" sz="1500" dirty="0" smtClean="0"/>
+                    </a:p>
+                  </a:txBody>
+                  <a:tcPr/>
+                </a:tc>
+                <a:tc>
+                  <a:txBody>
+                    <a:bodyPr/>
+                    <a:lstStyle/>
+                    <a:p>
+                      <a:pPr algn="ctr"/>
+                      <a:r>
+                        <a:rPr lang="en-US" sz="1500" dirty="0" smtClean="0"/>
+                        <a:t>A</a:t>
+                      </a:r>
+                    </a:p>
+                  </a:txBody>
+                  <a:tcPr/>
+                </a:tc>
+                <a:tc>
+                  <a:txBody>
+                    <a:bodyPr/>
+                    <a:lstStyle/>
+                    <a:p>
+                      <a:pPr algn="ctr"/>
+                      <a:r>
+                        <a:rPr lang="en-US" sz="1500" dirty="0" smtClean="0"/>
+                        <a:t>Latent cuisines</a:t>
+                      </a:r>
+                    </a:p>
+                  </a:txBody>
+                  <a:tcPr/>
+                </a:tc>
+              </a:tr>
+              <a:tr h="335204">
+                <a:tc>
+                  <a:txBody>
+                    <a:bodyPr/>
+                    <a:lstStyle/>
+                    <a:p>
+                      <a:pPr algn="ctr"/>
+                      <a:r>
+                        <a:rPr lang="en-US" sz="1500" dirty="0" smtClean="0"/>
+                        <a:t>PCA</a:t>
+                      </a:r>
+                      <a:endParaRPr lang="en-US" sz="1500" dirty="0"/>
+                    </a:p>
+                  </a:txBody>
+                  <a:tcPr/>
+                </a:tc>
+                <a:tc>
+                  <a:txBody>
+                    <a:bodyPr/>
+                    <a:lstStyle/>
+                    <a:p>
+                      <a:pPr marL="0" marR="0" indent="0" algn="ctr" defTabSz="914400" rtl="0" eaLnBrk="1" fontAlgn="auto" latinLnBrk="0" hangingPunct="1">
+                        <a:lnSpc>
+                          <a:spcPct val="100000"/>
+                        </a:lnSpc>
+                        <a:spcBef>
+                          <a:spcPts val="0"/>
+                        </a:spcBef>
+                        <a:spcAft>
+                          <a:spcPts val="0"/>
+                        </a:spcAft>
+                        <a:buClrTx/>
+                        <a:buSzTx/>
+                        <a:buFontTx/>
+                        <a:buNone/>
+                        <a:tabLst/>
+                        <a:defRPr/>
+                      </a:pPr>
+                      <a:r>
+                        <a:rPr lang="en-US" sz="1500" dirty="0" err="1" smtClean="0"/>
+                        <a:t>n</a:t>
+                      </a:r>
+                      <a:r>
+                        <a:rPr lang="en-US" sz="1500" baseline="0" dirty="0" err="1" smtClean="0"/>
+                        <a:t>_components</a:t>
+                      </a:r>
+                      <a:r>
+                        <a:rPr lang="en-US" sz="1500" baseline="0" dirty="0" smtClean="0"/>
+                        <a:t> = 2</a:t>
+                      </a:r>
+                      <a:endParaRPr lang="en-US" sz="1500" dirty="0" smtClean="0"/>
+                    </a:p>
+                  </a:txBody>
+                  <a:tcPr/>
+                </a:tc>
+                <a:tc>
+                  <a:txBody>
+                    <a:bodyPr/>
+                    <a:lstStyle/>
+                    <a:p>
+                      <a:pPr algn="ctr"/>
+                      <a:r>
+                        <a:rPr lang="en-US" sz="1500" dirty="0" smtClean="0"/>
+                        <a:t>A? or B?</a:t>
+                      </a:r>
+                    </a:p>
+                  </a:txBody>
+                  <a:tcPr/>
+                </a:tc>
+                <a:tc>
+                  <a:txBody>
+                    <a:bodyPr/>
+                    <a:lstStyle/>
+                    <a:p>
+                      <a:pPr algn="ctr"/>
+                      <a:r>
+                        <a:rPr lang="en-US" sz="1500" dirty="0" smtClean="0"/>
+                        <a:t>Latent cuisines, distance </a:t>
+                      </a:r>
+                      <a:r>
+                        <a:rPr lang="en-US" sz="1500" dirty="0" err="1" smtClean="0"/>
+                        <a:t>btwn</a:t>
+                      </a:r>
+                      <a:r>
+                        <a:rPr lang="en-US" sz="1500" baseline="0" dirty="0" smtClean="0"/>
+                        <a:t> cuisines</a:t>
+                      </a:r>
+                      <a:endParaRPr lang="en-US" sz="1500" dirty="0" smtClean="0"/>
+                    </a:p>
+                  </a:txBody>
+                  <a:tcPr/>
+                </a:tc>
+              </a:tr>
+              <a:tr h="335204">
+                <a:tc>
+                  <a:txBody>
+                    <a:bodyPr/>
+                    <a:lstStyle/>
+                    <a:p>
+                      <a:pPr algn="ctr"/>
+                      <a:r>
+                        <a:rPr lang="en-US" sz="1500" dirty="0" smtClean="0"/>
+                        <a:t>Hierarchical clustering</a:t>
+                      </a:r>
+                      <a:endParaRPr lang="en-US" sz="1500" dirty="0"/>
+                    </a:p>
+                  </a:txBody>
+                  <a:tcPr/>
+                </a:tc>
+                <a:tc>
+                  <a:txBody>
+                    <a:bodyPr/>
+                    <a:lstStyle/>
+                    <a:p>
+                      <a:pPr algn="ctr"/>
+                      <a:r>
+                        <a:rPr lang="en-US" sz="1500" dirty="0" smtClean="0"/>
+                        <a:t>?</a:t>
+                      </a:r>
+                    </a:p>
+                  </a:txBody>
+                  <a:tcPr/>
+                </a:tc>
+                <a:tc>
+                  <a:txBody>
+                    <a:bodyPr/>
+                    <a:lstStyle/>
+                    <a:p>
+                      <a:pPr algn="ctr"/>
+                      <a:r>
+                        <a:rPr lang="en-US" sz="1500" dirty="0" smtClean="0"/>
+                        <a:t>D</a:t>
+                      </a:r>
+                    </a:p>
+                  </a:txBody>
+                  <a:tcPr/>
+                </a:tc>
+                <a:tc>
+                  <a:txBody>
+                    <a:bodyPr/>
+                    <a:lstStyle/>
+                    <a:p>
+                      <a:pPr algn="ctr"/>
+                      <a:r>
+                        <a:rPr lang="en-US" sz="1500" dirty="0" smtClean="0"/>
+                        <a:t>Correlation (distance) </a:t>
+                      </a:r>
+                      <a:r>
+                        <a:rPr lang="en-US" sz="1500" dirty="0" err="1" smtClean="0"/>
+                        <a:t>btwn</a:t>
+                      </a:r>
+                      <a:r>
+                        <a:rPr lang="en-US" sz="1500" dirty="0" smtClean="0"/>
+                        <a:t> cuisines</a:t>
+                      </a:r>
+                    </a:p>
+                  </a:txBody>
+                  <a:tcPr/>
+                </a:tc>
+              </a:tr>
+            </a:tbl>
+          </a:graphicData>
+        </a:graphic>
+      </p:graphicFrame>
+      <p:pic>
+        <p:nvPicPr>
+          <p:cNvPr id="1028" name="Picture 4"/>
+          <p:cNvPicPr>
+            <a:picLocks noChangeAspect="1" noChangeArrowheads="1"/>
+          </p:cNvPicPr>
+          <p:nvPr/>
+        </p:nvPicPr>
+        <p:blipFill>
+          <a:blip r:embed="rId14">
+            <a:extLst>
+              <a:ext uri="{28A0092B-C50C-407E-A947-70E740481C1C}">
+                <a14:useLocalDpi xmlns:a14="http://schemas.microsoft.com/office/drawing/2010/main" val="0"/>
+              </a:ext>
+            </a:extLst>
+          </a:blip>
+          <a:srcRect/>
+          <a:stretch>
+            <a:fillRect/>
+          </a:stretch>
+        </p:blipFill>
+        <p:spPr bwMode="auto">
+          <a:xfrm>
+            <a:off x="33003223" y="19377612"/>
+            <a:ext cx="5715000" cy="5210175"/>
+          </a:xfrm>
+          <a:prstGeom prst="rect">
+            <a:avLst/>
+          </a:prstGeom>
+          <a:noFill/>
+          <a:ln>
+            <a:noFill/>
+          </a:ln>
+          <a:extLst>
+            <a:ext uri="{909E8E84-426E-40DD-AFC4-6F175D3DCCD1}">
+              <a14:hiddenFill xmlns:a14="http://schemas.microsoft.com/office/drawing/2010/main">
+                <a:solidFill>
+                  <a:schemeClr val="accent1"/>
+                </a:solidFill>
+              </a14:hiddenFill>
+            </a:ext>
+            <a:ext uri="{91240B29-F687-4F45-9708-019B960494DF}">
+              <a14:hiddenLine xmlns:a14="http://schemas.microsoft.com/office/drawing/2010/main" w="9525">
+                <a:solidFill>
+                  <a:schemeClr val="tx1"/>
+                </a:solidFill>
+                <a:miter lim="800000"/>
+                <a:headEnd/>
+                <a:tailEnd/>
+              </a14:hiddenLine>
+            </a:ext>
+          </a:extLst>
+        </p:spPr>
+      </p:pic>
+      <p:sp>
+        <p:nvSpPr>
+          <p:cNvPr id="201" name="Shape 276" descr="Straight Arrow Connector 80"/>
+          <p:cNvSpPr/>
+          <p:nvPr/>
+        </p:nvSpPr>
+        <p:spPr>
+          <a:xfrm>
+            <a:off x="36047900" y="25026962"/>
+            <a:ext cx="0" cy="692714"/>
+          </a:xfrm>
+          <a:prstGeom prst="line">
+            <a:avLst/>
+          </a:prstGeom>
+          <a:ln w="57150">
+            <a:solidFill>
+              <a:srgbClr val="000000"/>
+            </a:solidFill>
+            <a:tailEnd type="triangle"/>
+          </a:ln>
+        </p:spPr>
+        <p:txBody>
+          <a:bodyPr lIns="45719" rIns="45719"/>
+          <a:lstStyle/>
+          <a:p>
+            <a:endParaRPr/>
+          </a:p>
+        </p:txBody>
+      </p:sp>
+      <p:sp>
+        <p:nvSpPr>
+          <p:cNvPr id="202" name="Shape 276" descr="Straight Arrow Connector 80"/>
+          <p:cNvSpPr/>
+          <p:nvPr/>
+        </p:nvSpPr>
+        <p:spPr>
+          <a:xfrm flipV="1">
+            <a:off x="31350909" y="27933295"/>
+            <a:ext cx="1062960" cy="1"/>
+          </a:xfrm>
+          <a:prstGeom prst="line">
+            <a:avLst/>
+          </a:prstGeom>
+          <a:ln w="57150">
+            <a:solidFill>
+              <a:srgbClr val="000000"/>
+            </a:solidFill>
+            <a:tailEnd type="triangle"/>
+          </a:ln>
+        </p:spPr>
+        <p:txBody>
+          <a:bodyPr lIns="45719" rIns="45719"/>
+          <a:lstStyle/>
+          <a:p>
+            <a:endParaRPr/>
+          </a:p>
+        </p:txBody>
+      </p:sp>
+      <p:sp>
+        <p:nvSpPr>
+          <p:cNvPr id="203" name="Shape 260" descr="Rectangle 49"/>
+          <p:cNvSpPr/>
+          <p:nvPr/>
+        </p:nvSpPr>
+        <p:spPr>
+          <a:xfrm>
+            <a:off x="18448404" y="16415386"/>
+            <a:ext cx="5583172" cy="584775"/>
+          </a:xfrm>
+          <a:prstGeom prst="rect">
+            <a:avLst/>
+          </a:prstGeom>
+          <a:ln w="12700">
+            <a:miter lim="400000"/>
+          </a:ln>
+          <a:extLst>
+            <a:ext uri="{C572A759-6A51-4108-AA02-DFA0A04FC94B}">
+              <ma14:wrappingTextBoxFlag xmlns="" xmlns:ma14="http://schemas.microsoft.com/office/mac/drawingml/2011/main" val="1"/>
+            </a:ext>
+          </a:extLst>
+        </p:spPr>
+        <p:txBody>
+          <a:bodyPr wrap="square" lIns="45719" rIns="45719">
+            <a:spAutoFit/>
+          </a:bodyPr>
+          <a:lstStyle/>
+          <a:p>
+            <a:pPr algn="ctr">
+              <a:defRPr sz="3200" b="1">
+                <a:latin typeface="Myriad Pro"/>
+                <a:ea typeface="Myriad Pro"/>
+                <a:cs typeface="Myriad Pro"/>
+                <a:sym typeface="Myriad Pro"/>
+              </a:defRPr>
+            </a:pPr>
+            <a:r>
+              <a:rPr lang="en-US" dirty="0" smtClean="0"/>
+              <a:t>Ingredient Clustering</a:t>
+            </a:r>
+            <a:endParaRPr dirty="0"/>
+          </a:p>
+        </p:txBody>
+      </p:sp>
+      <p:sp>
+        <p:nvSpPr>
+          <p:cNvPr id="204" name="Shape 260" descr="Rectangle 49"/>
+          <p:cNvSpPr/>
+          <p:nvPr/>
+        </p:nvSpPr>
+        <p:spPr>
+          <a:xfrm>
+            <a:off x="25603685" y="16415387"/>
+            <a:ext cx="5583172" cy="584775"/>
+          </a:xfrm>
+          <a:prstGeom prst="rect">
+            <a:avLst/>
+          </a:prstGeom>
+          <a:ln w="12700">
+            <a:miter lim="400000"/>
+          </a:ln>
+          <a:extLst>
+            <a:ext uri="{C572A759-6A51-4108-AA02-DFA0A04FC94B}">
+              <ma14:wrappingTextBoxFlag xmlns="" xmlns:ma14="http://schemas.microsoft.com/office/mac/drawingml/2011/main" val="1"/>
+            </a:ext>
+          </a:extLst>
+        </p:spPr>
+        <p:txBody>
+          <a:bodyPr wrap="square" lIns="45719" rIns="45719">
+            <a:spAutoFit/>
+          </a:bodyPr>
+          <a:lstStyle/>
+          <a:p>
+            <a:pPr algn="ctr">
+              <a:defRPr sz="3200" b="1">
+                <a:latin typeface="Myriad Pro"/>
+                <a:ea typeface="Myriad Pro"/>
+                <a:cs typeface="Myriad Pro"/>
+                <a:sym typeface="Myriad Pro"/>
+              </a:defRPr>
+            </a:pPr>
+            <a:r>
+              <a:rPr lang="en-US" dirty="0" smtClean="0"/>
+              <a:t>Latent Cuisines</a:t>
+            </a:r>
+            <a:endParaRPr dirty="0"/>
+          </a:p>
+        </p:txBody>
+      </p:sp>
+      <p:sp>
+        <p:nvSpPr>
+          <p:cNvPr id="205" name="Shape 260" descr="Rectangle 49"/>
+          <p:cNvSpPr/>
+          <p:nvPr/>
+        </p:nvSpPr>
+        <p:spPr>
+          <a:xfrm>
+            <a:off x="33196942" y="16360144"/>
+            <a:ext cx="5583172" cy="584775"/>
+          </a:xfrm>
+          <a:prstGeom prst="rect">
+            <a:avLst/>
+          </a:prstGeom>
+          <a:ln w="12700">
+            <a:miter lim="400000"/>
+          </a:ln>
+          <a:extLst>
+            <a:ext uri="{C572A759-6A51-4108-AA02-DFA0A04FC94B}">
+              <ma14:wrappingTextBoxFlag xmlns="" xmlns:ma14="http://schemas.microsoft.com/office/mac/drawingml/2011/main" val="1"/>
+            </a:ext>
+          </a:extLst>
+        </p:spPr>
+        <p:txBody>
+          <a:bodyPr wrap="square" lIns="45719" rIns="45719">
+            <a:spAutoFit/>
+          </a:bodyPr>
+          <a:lstStyle/>
+          <a:p>
+            <a:pPr algn="ctr">
+              <a:defRPr sz="3200" b="1">
+                <a:latin typeface="Myriad Pro"/>
+                <a:ea typeface="Myriad Pro"/>
+                <a:cs typeface="Myriad Pro"/>
+                <a:sym typeface="Myriad Pro"/>
+              </a:defRPr>
+            </a:pPr>
+            <a:r>
+              <a:rPr lang="en-US" dirty="0" smtClean="0"/>
+              <a:t>Cuisines Correlations</a:t>
+            </a:r>
+            <a:endParaRPr dirty="0"/>
+          </a:p>
+        </p:txBody>
+      </p:sp>
+      <p:sp>
+        <p:nvSpPr>
+          <p:cNvPr id="10" name="TextBox 9"/>
+          <p:cNvSpPr txBox="1"/>
+          <p:nvPr/>
+        </p:nvSpPr>
+        <p:spPr>
+          <a:xfrm rot="16200000">
+            <a:off x="36939123" y="21621290"/>
+            <a:ext cx="3558199" cy="400108"/>
+          </a:xfrm>
+          <a:prstGeom prst="rect">
+            <a:avLst/>
+          </a:prstGeom>
+          <a:noFill/>
+          <a:ln w="12700" cap="flat">
+            <a:noFill/>
+            <a:miter lim="400000"/>
+          </a:ln>
+          <a:effectLst/>
+          <a:sp3d/>
+        </p:spPr>
+        <p:style>
+          <a:lnRef idx="0">
+            <a:scrgbClr r="0" g="0" b="0"/>
+          </a:lnRef>
+          <a:fillRef idx="0">
+            <a:scrgbClr r="0" g="0" b="0"/>
+          </a:fillRef>
+          <a:effectRef idx="0">
+            <a:scrgbClr r="0" g="0" b="0"/>
+          </a:effectRef>
+          <a:fontRef idx="none"/>
+        </p:style>
+        <p:txBody>
+          <a:bodyPr rot="0" spcFirstLastPara="1" vertOverflow="overflow" horzOverflow="overflow" vert="horz" wrap="square" lIns="45719" tIns="45719" rIns="45719" bIns="45719" numCol="1" spcCol="38100" rtlCol="0" anchor="t">
+            <a:spAutoFit/>
+          </a:bodyPr>
+          <a:lstStyle/>
+          <a:p>
+            <a:pPr marL="0" marR="0" indent="0" algn="l" defTabSz="914400" rtl="0" fontAlgn="auto" latinLnBrk="0" hangingPunct="0">
+              <a:lnSpc>
+                <a:spcPct val="100000"/>
+              </a:lnSpc>
+              <a:spcBef>
+                <a:spcPts val="0"/>
+              </a:spcBef>
+              <a:spcAft>
+                <a:spcPts val="0"/>
+              </a:spcAft>
+              <a:buClrTx/>
+              <a:buSzTx/>
+              <a:buFontTx/>
+              <a:buNone/>
+              <a:tabLst/>
+            </a:pPr>
+            <a:r>
+              <a:rPr kumimoji="0" lang="en-US" sz="2000" b="0" i="0" u="none" strike="noStrike" cap="none" spc="0" normalizeH="0" baseline="0" dirty="0" smtClean="0">
+                <a:ln>
+                  <a:noFill/>
+                </a:ln>
+                <a:solidFill>
+                  <a:srgbClr val="000000"/>
+                </a:solidFill>
+                <a:effectLst/>
+                <a:uFillTx/>
+                <a:latin typeface="+mn-lt"/>
+                <a:ea typeface="+mn-ea"/>
+                <a:cs typeface="+mn-cs"/>
+                <a:sym typeface="Times New Roman"/>
+              </a:rPr>
+              <a:t>Pearson Correlation Coefficient</a:t>
+            </a:r>
+            <a:endParaRPr kumimoji="0" lang="en-US" sz="2000" b="0" i="0" u="none" strike="noStrike" cap="none" spc="0" normalizeH="0" baseline="0" dirty="0">
+              <a:ln>
+                <a:noFill/>
+              </a:ln>
+              <a:solidFill>
+                <a:srgbClr val="000000"/>
+              </a:solidFill>
+              <a:effectLst/>
+              <a:uFillTx/>
+              <a:latin typeface="+mn-lt"/>
+              <a:ea typeface="+mn-ea"/>
+              <a:cs typeface="+mn-cs"/>
+              <a:sym typeface="Times New Roman"/>
+            </a:endParaRPr>
+          </a:p>
+        </p:txBody>
+      </p:sp>
+      <p:sp>
+        <p:nvSpPr>
+          <p:cNvPr id="207" name="TextBox 206"/>
+          <p:cNvSpPr txBox="1"/>
+          <p:nvPr/>
+        </p:nvSpPr>
+        <p:spPr>
+          <a:xfrm>
+            <a:off x="26616171" y="24989543"/>
+            <a:ext cx="3558199" cy="477052"/>
+          </a:xfrm>
+          <a:prstGeom prst="rect">
+            <a:avLst/>
+          </a:prstGeom>
+          <a:noFill/>
+          <a:ln w="12700" cap="flat">
+            <a:noFill/>
+            <a:miter lim="400000"/>
+          </a:ln>
+          <a:effectLst/>
+          <a:sp3d/>
+        </p:spPr>
+        <p:style>
+          <a:lnRef idx="0">
+            <a:scrgbClr r="0" g="0" b="0"/>
+          </a:lnRef>
+          <a:fillRef idx="0">
+            <a:scrgbClr r="0" g="0" b="0"/>
+          </a:fillRef>
+          <a:effectRef idx="0">
+            <a:scrgbClr r="0" g="0" b="0"/>
+          </a:effectRef>
+          <a:fontRef idx="none"/>
+        </p:style>
+        <p:txBody>
+          <a:bodyPr rot="0" spcFirstLastPara="1" vertOverflow="overflow" horzOverflow="overflow" vert="horz" wrap="square" lIns="45719" tIns="45719" rIns="45719" bIns="45719" numCol="1" spcCol="38100" rtlCol="0" anchor="t">
+            <a:spAutoFit/>
+          </a:bodyPr>
+          <a:lstStyle/>
+          <a:p>
+            <a:pPr marL="0" marR="0" indent="0" algn="ctr" defTabSz="914400" rtl="0" fontAlgn="auto" latinLnBrk="0" hangingPunct="0">
+              <a:lnSpc>
+                <a:spcPct val="100000"/>
+              </a:lnSpc>
+              <a:spcBef>
+                <a:spcPts val="0"/>
+              </a:spcBef>
+              <a:spcAft>
+                <a:spcPts val="0"/>
+              </a:spcAft>
+              <a:buClrTx/>
+              <a:buSzTx/>
+              <a:buFontTx/>
+              <a:buNone/>
+              <a:tabLst/>
+            </a:pPr>
+            <a:r>
+              <a:rPr kumimoji="0" lang="en-US" sz="2500" b="1" i="0" u="none" strike="noStrike" cap="none" spc="0" normalizeH="0" baseline="0" dirty="0" smtClean="0">
+                <a:ln>
+                  <a:noFill/>
+                </a:ln>
+                <a:solidFill>
+                  <a:srgbClr val="000000"/>
+                </a:solidFill>
+                <a:effectLst/>
+                <a:uFillTx/>
+                <a:latin typeface="+mn-lt"/>
+                <a:ea typeface="+mn-ea"/>
+                <a:cs typeface="+mn-cs"/>
+                <a:sym typeface="Times New Roman"/>
+              </a:rPr>
+              <a:t>PCA</a:t>
+            </a:r>
+            <a:endParaRPr kumimoji="0" lang="en-US" sz="2500" b="1" i="0" u="none" strike="noStrike" cap="none" spc="0" normalizeH="0" baseline="0" dirty="0">
+              <a:ln>
+                <a:noFill/>
+              </a:ln>
+              <a:solidFill>
+                <a:srgbClr val="000000"/>
+              </a:solidFill>
+              <a:effectLst/>
+              <a:uFillTx/>
+              <a:latin typeface="+mn-lt"/>
+              <a:ea typeface="+mn-ea"/>
+              <a:cs typeface="+mn-cs"/>
+              <a:sym typeface="Times New Roman"/>
+            </a:endParaRPr>
+          </a:p>
+        </p:txBody>
+      </p:sp>
+      <p:sp>
+        <p:nvSpPr>
+          <p:cNvPr id="208" name="TextBox 207"/>
+          <p:cNvSpPr txBox="1"/>
+          <p:nvPr/>
+        </p:nvSpPr>
+        <p:spPr>
+          <a:xfrm>
+            <a:off x="26623999" y="17319881"/>
+            <a:ext cx="3558199" cy="477052"/>
+          </a:xfrm>
+          <a:prstGeom prst="rect">
+            <a:avLst/>
+          </a:prstGeom>
+          <a:noFill/>
+          <a:ln w="12700" cap="flat">
+            <a:noFill/>
+            <a:miter lim="400000"/>
+          </a:ln>
+          <a:effectLst/>
+          <a:sp3d/>
+        </p:spPr>
+        <p:style>
+          <a:lnRef idx="0">
+            <a:scrgbClr r="0" g="0" b="0"/>
+          </a:lnRef>
+          <a:fillRef idx="0">
+            <a:scrgbClr r="0" g="0" b="0"/>
+          </a:fillRef>
+          <a:effectRef idx="0">
+            <a:scrgbClr r="0" g="0" b="0"/>
+          </a:effectRef>
+          <a:fontRef idx="none"/>
+        </p:style>
+        <p:txBody>
+          <a:bodyPr rot="0" spcFirstLastPara="1" vertOverflow="overflow" horzOverflow="overflow" vert="horz" wrap="square" lIns="45719" tIns="45719" rIns="45719" bIns="45719" numCol="1" spcCol="38100" rtlCol="0" anchor="t">
+            <a:spAutoFit/>
+          </a:bodyPr>
+          <a:lstStyle/>
+          <a:p>
+            <a:pPr marL="0" marR="0" indent="0" algn="ctr" defTabSz="914400" rtl="0" fontAlgn="auto" latinLnBrk="0" hangingPunct="0">
+              <a:lnSpc>
+                <a:spcPct val="100000"/>
+              </a:lnSpc>
+              <a:spcBef>
+                <a:spcPts val="0"/>
+              </a:spcBef>
+              <a:spcAft>
+                <a:spcPts val="0"/>
+              </a:spcAft>
+              <a:buClrTx/>
+              <a:buSzTx/>
+              <a:buFontTx/>
+              <a:buNone/>
+              <a:tabLst/>
+            </a:pPr>
+            <a:r>
+              <a:rPr kumimoji="0" lang="en-US" sz="2500" b="1" i="0" u="none" strike="noStrike" cap="none" spc="0" normalizeH="0" baseline="0" dirty="0" smtClean="0">
+                <a:ln>
+                  <a:noFill/>
+                </a:ln>
+                <a:solidFill>
+                  <a:srgbClr val="000000"/>
+                </a:solidFill>
+                <a:effectLst/>
+                <a:uFillTx/>
+                <a:latin typeface="+mn-lt"/>
+                <a:ea typeface="+mn-ea"/>
+                <a:cs typeface="+mn-cs"/>
+                <a:sym typeface="Times New Roman"/>
+              </a:rPr>
+              <a:t>BMF/LDA</a:t>
+            </a:r>
+            <a:endParaRPr kumimoji="0" lang="en-US" sz="2500" b="1" i="0" u="none" strike="noStrike" cap="none" spc="0" normalizeH="0" baseline="0" dirty="0">
+              <a:ln>
+                <a:noFill/>
+              </a:ln>
+              <a:solidFill>
+                <a:srgbClr val="000000"/>
+              </a:solidFill>
+              <a:effectLst/>
+              <a:uFillTx/>
+              <a:latin typeface="+mn-lt"/>
+              <a:ea typeface="+mn-ea"/>
+              <a:cs typeface="+mn-cs"/>
+              <a:sym typeface="Times New Roman"/>
+            </a:endParaRPr>
+          </a:p>
+        </p:txBody>
+      </p:sp>
+      <p:sp>
+        <p:nvSpPr>
+          <p:cNvPr id="209" name="TextBox 208"/>
+          <p:cNvSpPr txBox="1"/>
+          <p:nvPr/>
+        </p:nvSpPr>
+        <p:spPr>
+          <a:xfrm>
+            <a:off x="34081623" y="17472281"/>
+            <a:ext cx="3558199" cy="477052"/>
+          </a:xfrm>
+          <a:prstGeom prst="rect">
+            <a:avLst/>
+          </a:prstGeom>
+          <a:noFill/>
+          <a:ln w="12700" cap="flat">
+            <a:noFill/>
+            <a:miter lim="400000"/>
+          </a:ln>
+          <a:effectLst/>
+          <a:sp3d/>
+        </p:spPr>
+        <p:style>
+          <a:lnRef idx="0">
+            <a:scrgbClr r="0" g="0" b="0"/>
+          </a:lnRef>
+          <a:fillRef idx="0">
+            <a:scrgbClr r="0" g="0" b="0"/>
+          </a:fillRef>
+          <a:effectRef idx="0">
+            <a:scrgbClr r="0" g="0" b="0"/>
+          </a:effectRef>
+          <a:fontRef idx="none"/>
+        </p:style>
+        <p:txBody>
+          <a:bodyPr rot="0" spcFirstLastPara="1" vertOverflow="overflow" horzOverflow="overflow" vert="horz" wrap="square" lIns="45719" tIns="45719" rIns="45719" bIns="45719" numCol="1" spcCol="38100" rtlCol="0" anchor="t">
+            <a:spAutoFit/>
+          </a:bodyPr>
+          <a:lstStyle/>
+          <a:p>
+            <a:pPr marL="0" marR="0" indent="0" algn="ctr" defTabSz="914400" rtl="0" fontAlgn="auto" latinLnBrk="0" hangingPunct="0">
+              <a:lnSpc>
+                <a:spcPct val="100000"/>
+              </a:lnSpc>
+              <a:spcBef>
+                <a:spcPts val="0"/>
+              </a:spcBef>
+              <a:spcAft>
+                <a:spcPts val="0"/>
+              </a:spcAft>
+              <a:buClrTx/>
+              <a:buSzTx/>
+              <a:buFontTx/>
+              <a:buNone/>
+              <a:tabLst/>
+            </a:pPr>
+            <a:r>
+              <a:rPr kumimoji="0" lang="en-US" sz="2500" b="1" i="0" u="none" strike="noStrike" cap="none" spc="0" normalizeH="0" baseline="0" dirty="0" smtClean="0">
+                <a:ln>
+                  <a:noFill/>
+                </a:ln>
+                <a:solidFill>
+                  <a:srgbClr val="000000"/>
+                </a:solidFill>
+                <a:effectLst/>
+                <a:uFillTx/>
+                <a:latin typeface="+mn-lt"/>
+                <a:ea typeface="+mn-ea"/>
+                <a:cs typeface="+mn-cs"/>
+                <a:sym typeface="Times New Roman"/>
+              </a:rPr>
+              <a:t>Hierarchical Clustering</a:t>
+            </a:r>
+            <a:endParaRPr kumimoji="0" lang="en-US" sz="2500" b="1" i="0" u="none" strike="noStrike" cap="none" spc="0" normalizeH="0" baseline="0" dirty="0">
+              <a:ln>
+                <a:noFill/>
+              </a:ln>
+              <a:solidFill>
+                <a:srgbClr val="000000"/>
+              </a:solidFill>
+              <a:effectLst/>
+              <a:uFillTx/>
+              <a:latin typeface="+mn-lt"/>
+              <a:ea typeface="+mn-ea"/>
+              <a:cs typeface="+mn-cs"/>
+              <a:sym typeface="Times New Roman"/>
+            </a:endParaRPr>
+          </a:p>
+        </p:txBody>
+      </p:sp>
+      <p:grpSp>
+        <p:nvGrpSpPr>
+          <p:cNvPr id="12" name="Group 11"/>
+          <p:cNvGrpSpPr/>
+          <p:nvPr/>
+        </p:nvGrpSpPr>
+        <p:grpSpPr>
+          <a:xfrm>
+            <a:off x="25603685" y="25666422"/>
+            <a:ext cx="5747224" cy="4674654"/>
+            <a:chOff x="25954914" y="25666422"/>
+            <a:chExt cx="5747224" cy="4674654"/>
+          </a:xfrm>
+        </p:grpSpPr>
+        <p:pic>
+          <p:nvPicPr>
+            <p:cNvPr id="206" name="Picture 5"/>
+            <p:cNvPicPr>
+              <a:picLocks noChangeAspect="1" noChangeArrowheads="1"/>
+            </p:cNvPicPr>
+            <p:nvPr/>
+          </p:nvPicPr>
+          <p:blipFill rotWithShape="1">
+            <a:blip r:embed="rId15">
+              <a:extLst>
+                <a:ext uri="{28A0092B-C50C-407E-A947-70E740481C1C}">
+                  <a14:useLocalDpi xmlns:a14="http://schemas.microsoft.com/office/drawing/2010/main" val="0"/>
+                </a:ext>
+              </a:extLst>
+            </a:blip>
+            <a:srcRect r="47498"/>
+            <a:stretch/>
+          </p:blipFill>
+          <p:spPr bwMode="auto">
+            <a:xfrm>
+              <a:off x="25954914" y="25666422"/>
+              <a:ext cx="5747224" cy="4674654"/>
+            </a:xfrm>
+            <a:prstGeom prst="rect">
+              <a:avLst/>
+            </a:prstGeom>
+            <a:noFill/>
+            <a:ln>
+              <a:noFill/>
+            </a:ln>
+            <a:extLst>
+              <a:ext uri="{909E8E84-426E-40DD-AFC4-6F175D3DCCD1}">
+                <a14:hiddenFill xmlns:a14="http://schemas.microsoft.com/office/drawing/2010/main">
+                  <a:solidFill>
+                    <a:schemeClr val="accent1"/>
+                  </a:solidFill>
+                </a14:hiddenFill>
+              </a:ext>
+              <a:ext uri="{91240B29-F687-4F45-9708-019B960494DF}">
+                <a14:hiddenLine xmlns:a14="http://schemas.microsoft.com/office/drawing/2010/main" w="9525">
+                  <a:solidFill>
+                    <a:schemeClr val="tx1"/>
+                  </a:solidFill>
+                  <a:miter lim="800000"/>
+                  <a:headEnd/>
+                  <a:tailEnd/>
+                </a14:hiddenLine>
+              </a:ext>
+            </a:extLst>
+          </p:spPr>
+        </p:pic>
+        <p:sp>
+          <p:nvSpPr>
+            <p:cNvPr id="11" name="Rectangle 10"/>
+            <p:cNvSpPr/>
+            <p:nvPr/>
+          </p:nvSpPr>
+          <p:spPr>
+            <a:xfrm>
+              <a:off x="25954914" y="25666422"/>
+              <a:ext cx="448386" cy="546378"/>
+            </a:xfrm>
+            <a:prstGeom prst="rect">
+              <a:avLst/>
+            </a:prstGeom>
+            <a:solidFill>
+              <a:schemeClr val="bg1"/>
+            </a:solidFill>
+            <a:ln w="25400" cap="flat">
+              <a:noFill/>
+              <a:prstDash val="solid"/>
+              <a:round/>
+            </a:ln>
+            <a:effectLst/>
+            <a:sp3d/>
+          </p:spPr>
+          <p:style>
+            <a:lnRef idx="0">
+              <a:scrgbClr r="0" g="0" b="0"/>
+            </a:lnRef>
+            <a:fillRef idx="0">
+              <a:scrgbClr r="0" g="0" b="0"/>
+            </a:fillRef>
+            <a:effectRef idx="0">
+              <a:scrgbClr r="0" g="0" b="0"/>
+            </a:effectRef>
+            <a:fontRef idx="none"/>
+          </p:style>
+          <p:txBody>
+            <a:bodyPr rot="0" spcFirstLastPara="1" vertOverflow="overflow" horzOverflow="overflow" vert="horz" wrap="square" lIns="45719" tIns="45719" rIns="45719" bIns="45719" numCol="1" spcCol="38100" rtlCol="0" anchor="ctr">
+              <a:spAutoFit/>
+            </a:bodyPr>
+            <a:lstStyle/>
+            <a:p>
+              <a:pPr marL="0" marR="0" indent="0" algn="l" defTabSz="914400" rtl="0" fontAlgn="auto" latinLnBrk="0" hangingPunct="0">
+                <a:lnSpc>
+                  <a:spcPct val="100000"/>
+                </a:lnSpc>
+                <a:spcBef>
+                  <a:spcPts val="0"/>
+                </a:spcBef>
+                <a:spcAft>
+                  <a:spcPts val="0"/>
+                </a:spcAft>
+                <a:buClrTx/>
+                <a:buSzTx/>
+                <a:buFontTx/>
+                <a:buNone/>
+                <a:tabLst/>
+              </a:pPr>
+              <a:endParaRPr kumimoji="0" lang="en-US" sz="2000" b="0" i="0" u="none" strike="noStrike" cap="none" spc="0" normalizeH="0" baseline="0">
+                <a:ln>
+                  <a:noFill/>
+                </a:ln>
+                <a:solidFill>
+                  <a:srgbClr val="000000"/>
+                </a:solidFill>
+                <a:effectLst/>
+                <a:uFillTx/>
+                <a:latin typeface="+mn-lt"/>
+                <a:ea typeface="+mn-ea"/>
+                <a:cs typeface="+mn-cs"/>
+                <a:sym typeface="Times New Roman"/>
+              </a:endParaRPr>
+            </a:p>
+          </p:txBody>
+        </p:sp>
+      </p:grpSp>
+      <p:grpSp>
+        <p:nvGrpSpPr>
+          <p:cNvPr id="13" name="Group 12"/>
+          <p:cNvGrpSpPr/>
+          <p:nvPr/>
+        </p:nvGrpSpPr>
+        <p:grpSpPr>
+          <a:xfrm>
+            <a:off x="32624850" y="25573394"/>
+            <a:ext cx="5473316" cy="4767682"/>
+            <a:chOff x="32624850" y="25573394"/>
+            <a:chExt cx="5473316" cy="4767682"/>
+          </a:xfrm>
+        </p:grpSpPr>
+        <p:pic>
+          <p:nvPicPr>
+            <p:cNvPr id="1029" name="Picture 5"/>
+            <p:cNvPicPr>
+              <a:picLocks noChangeAspect="1" noChangeArrowheads="1"/>
+            </p:cNvPicPr>
+            <p:nvPr/>
+          </p:nvPicPr>
+          <p:blipFill rotWithShape="1">
+            <a:blip r:embed="rId15">
+              <a:extLst>
+                <a:ext uri="{28A0092B-C50C-407E-A947-70E740481C1C}">
+                  <a14:useLocalDpi xmlns:a14="http://schemas.microsoft.com/office/drawing/2010/main" val="0"/>
+                </a:ext>
+              </a:extLst>
+            </a:blip>
+            <a:srcRect l="50000"/>
+            <a:stretch/>
+          </p:blipFill>
+          <p:spPr bwMode="auto">
+            <a:xfrm>
+              <a:off x="32624850" y="25666422"/>
+              <a:ext cx="5473316" cy="4674654"/>
+            </a:xfrm>
+            <a:prstGeom prst="rect">
+              <a:avLst/>
+            </a:prstGeom>
+            <a:noFill/>
+            <a:ln>
+              <a:noFill/>
+            </a:ln>
+            <a:extLst>
+              <a:ext uri="{909E8E84-426E-40DD-AFC4-6F175D3DCCD1}">
+                <a14:hiddenFill xmlns:a14="http://schemas.microsoft.com/office/drawing/2010/main">
+                  <a:solidFill>
+                    <a:schemeClr val="accent1"/>
+                  </a:solidFill>
+                </a14:hiddenFill>
+              </a:ext>
+              <a:ext uri="{91240B29-F687-4F45-9708-019B960494DF}">
+                <a14:hiddenLine xmlns:a14="http://schemas.microsoft.com/office/drawing/2010/main" w="9525">
+                  <a:solidFill>
+                    <a:schemeClr val="tx1"/>
+                  </a:solidFill>
+                  <a:miter lim="800000"/>
+                  <a:headEnd/>
+                  <a:tailEnd/>
+                </a14:hiddenLine>
+              </a:ext>
+            </a:extLst>
+          </p:spPr>
+        </p:pic>
+        <p:sp>
+          <p:nvSpPr>
+            <p:cNvPr id="210" name="Rectangle 209"/>
+            <p:cNvSpPr/>
+            <p:nvPr/>
+          </p:nvSpPr>
+          <p:spPr>
+            <a:xfrm>
+              <a:off x="32972749" y="25573394"/>
+              <a:ext cx="448386" cy="546378"/>
+            </a:xfrm>
+            <a:prstGeom prst="rect">
+              <a:avLst/>
+            </a:prstGeom>
+            <a:solidFill>
+              <a:schemeClr val="bg1"/>
+            </a:solidFill>
+            <a:ln w="25400" cap="flat">
+              <a:noFill/>
+              <a:prstDash val="solid"/>
+              <a:round/>
+            </a:ln>
+            <a:effectLst/>
+            <a:sp3d/>
+          </p:spPr>
+          <p:style>
+            <a:lnRef idx="0">
+              <a:scrgbClr r="0" g="0" b="0"/>
+            </a:lnRef>
+            <a:fillRef idx="0">
+              <a:scrgbClr r="0" g="0" b="0"/>
+            </a:fillRef>
+            <a:effectRef idx="0">
+              <a:scrgbClr r="0" g="0" b="0"/>
+            </a:effectRef>
+            <a:fontRef idx="none"/>
+          </p:style>
+          <p:txBody>
+            <a:bodyPr rot="0" spcFirstLastPara="1" vertOverflow="overflow" horzOverflow="overflow" vert="horz" wrap="square" lIns="45719" tIns="45719" rIns="45719" bIns="45719" numCol="1" spcCol="38100" rtlCol="0" anchor="ctr">
+              <a:spAutoFit/>
+            </a:bodyPr>
+            <a:lstStyle/>
+            <a:p>
+              <a:pPr marL="0" marR="0" indent="0" algn="l" defTabSz="914400" rtl="0" fontAlgn="auto" latinLnBrk="0" hangingPunct="0">
+                <a:lnSpc>
+                  <a:spcPct val="100000"/>
+                </a:lnSpc>
+                <a:spcBef>
+                  <a:spcPts val="0"/>
+                </a:spcBef>
+                <a:spcAft>
+                  <a:spcPts val="0"/>
+                </a:spcAft>
+                <a:buClrTx/>
+                <a:buSzTx/>
+                <a:buFontTx/>
+                <a:buNone/>
+                <a:tabLst/>
+              </a:pPr>
+              <a:endParaRPr kumimoji="0" lang="en-US" sz="2000" b="0" i="0" u="none" strike="noStrike" cap="none" spc="0" normalizeH="0" baseline="0">
+                <a:ln>
+                  <a:noFill/>
+                </a:ln>
+                <a:solidFill>
+                  <a:srgbClr val="000000"/>
+                </a:solidFill>
+                <a:effectLst/>
+                <a:uFillTx/>
+                <a:latin typeface="+mn-lt"/>
+                <a:ea typeface="+mn-ea"/>
+                <a:cs typeface="+mn-cs"/>
+                <a:sym typeface="Times New Roman"/>
+              </a:endParaRPr>
+            </a:p>
+          </p:txBody>
+        </p:sp>
+      </p:grpSp>
+      <p:sp>
+        <p:nvSpPr>
+          <p:cNvPr id="211" name="TextBox 210"/>
+          <p:cNvSpPr txBox="1"/>
+          <p:nvPr/>
+        </p:nvSpPr>
+        <p:spPr>
+          <a:xfrm>
+            <a:off x="18662219" y="17265761"/>
+            <a:ext cx="5155541" cy="477052"/>
+          </a:xfrm>
+          <a:prstGeom prst="rect">
+            <a:avLst/>
+          </a:prstGeom>
+          <a:noFill/>
+          <a:ln w="12700" cap="flat">
+            <a:noFill/>
+            <a:miter lim="400000"/>
+          </a:ln>
+          <a:effectLst/>
+          <a:sp3d/>
+        </p:spPr>
+        <p:style>
+          <a:lnRef idx="0">
+            <a:scrgbClr r="0" g="0" b="0"/>
+          </a:lnRef>
+          <a:fillRef idx="0">
+            <a:scrgbClr r="0" g="0" b="0"/>
+          </a:fillRef>
+          <a:effectRef idx="0">
+            <a:scrgbClr r="0" g="0" b="0"/>
+          </a:effectRef>
+          <a:fontRef idx="none"/>
+        </p:style>
+        <p:txBody>
+          <a:bodyPr rot="0" spcFirstLastPara="1" vertOverflow="overflow" horzOverflow="overflow" vert="horz" wrap="square" lIns="45719" tIns="45719" rIns="45719" bIns="45719" numCol="1" spcCol="38100" rtlCol="0" anchor="t">
+            <a:spAutoFit/>
+          </a:bodyPr>
+          <a:lstStyle/>
+          <a:p>
+            <a:pPr marL="0" marR="0" indent="0" algn="ctr" defTabSz="914400" rtl="0" fontAlgn="auto" latinLnBrk="0" hangingPunct="0">
+              <a:lnSpc>
+                <a:spcPct val="100000"/>
+              </a:lnSpc>
+              <a:spcBef>
+                <a:spcPts val="0"/>
+              </a:spcBef>
+              <a:spcAft>
+                <a:spcPts val="0"/>
+              </a:spcAft>
+              <a:buClrTx/>
+              <a:buSzTx/>
+              <a:buFontTx/>
+              <a:buNone/>
+              <a:tabLst/>
+            </a:pPr>
+            <a:r>
+              <a:rPr lang="en-US" sz="2500" b="1" dirty="0" smtClean="0"/>
+              <a:t>SVD (informed by </a:t>
+            </a:r>
+            <a:r>
+              <a:rPr lang="en-US" sz="2500" b="1" dirty="0" err="1" smtClean="0"/>
+              <a:t>Kmeans</a:t>
+            </a:r>
+            <a:r>
+              <a:rPr lang="en-US" sz="2500" b="1" dirty="0" smtClean="0"/>
+              <a:t>)</a:t>
+            </a:r>
+            <a:endParaRPr kumimoji="0" lang="en-US" sz="2500" b="1" i="0" u="none" strike="noStrike" cap="none" spc="0" normalizeH="0" baseline="0" dirty="0">
+              <a:ln>
+                <a:noFill/>
+              </a:ln>
+              <a:solidFill>
+                <a:srgbClr val="000000"/>
+              </a:solidFill>
+              <a:effectLst/>
+              <a:uFillTx/>
+              <a:latin typeface="+mn-lt"/>
+              <a:ea typeface="+mn-ea"/>
+              <a:cs typeface="+mn-cs"/>
+              <a:sym typeface="Times New Roman"/>
+            </a:endParaRPr>
+          </a:p>
+        </p:txBody>
+      </p:sp>
+      <p:sp>
+        <p:nvSpPr>
+          <p:cNvPr id="212" name="TextBox 211"/>
+          <p:cNvSpPr txBox="1"/>
+          <p:nvPr/>
+        </p:nvSpPr>
+        <p:spPr>
+          <a:xfrm>
+            <a:off x="18662218" y="24925684"/>
+            <a:ext cx="5155541" cy="477052"/>
+          </a:xfrm>
+          <a:prstGeom prst="rect">
+            <a:avLst/>
+          </a:prstGeom>
+          <a:noFill/>
+          <a:ln w="12700" cap="flat">
+            <a:noFill/>
+            <a:miter lim="400000"/>
+          </a:ln>
+          <a:effectLst/>
+          <a:sp3d/>
+        </p:spPr>
+        <p:style>
+          <a:lnRef idx="0">
+            <a:scrgbClr r="0" g="0" b="0"/>
+          </a:lnRef>
+          <a:fillRef idx="0">
+            <a:scrgbClr r="0" g="0" b="0"/>
+          </a:fillRef>
+          <a:effectRef idx="0">
+            <a:scrgbClr r="0" g="0" b="0"/>
+          </a:effectRef>
+          <a:fontRef idx="none"/>
+        </p:style>
+        <p:txBody>
+          <a:bodyPr rot="0" spcFirstLastPara="1" vertOverflow="overflow" horzOverflow="overflow" vert="horz" wrap="square" lIns="45719" tIns="45719" rIns="45719" bIns="45719" numCol="1" spcCol="38100" rtlCol="0" anchor="t">
+            <a:spAutoFit/>
+          </a:bodyPr>
+          <a:lstStyle/>
+          <a:p>
+            <a:pPr marL="0" marR="0" indent="0" algn="ctr" defTabSz="914400" rtl="0" fontAlgn="auto" latinLnBrk="0" hangingPunct="0">
+              <a:lnSpc>
+                <a:spcPct val="100000"/>
+              </a:lnSpc>
+              <a:spcBef>
+                <a:spcPts val="0"/>
+              </a:spcBef>
+              <a:spcAft>
+                <a:spcPts val="0"/>
+              </a:spcAft>
+              <a:buClrTx/>
+              <a:buSzTx/>
+              <a:buFontTx/>
+              <a:buNone/>
+              <a:tabLst/>
+            </a:pPr>
+            <a:r>
+              <a:rPr lang="en-US" sz="2500" b="1" dirty="0" smtClean="0"/>
+              <a:t>Market Basket Analysis</a:t>
+            </a:r>
+            <a:endParaRPr kumimoji="0" lang="en-US" sz="2500" b="1" i="0" u="none" strike="noStrike" cap="none" spc="0" normalizeH="0" baseline="0" dirty="0">
+              <a:ln>
+                <a:noFill/>
+              </a:ln>
+              <a:solidFill>
+                <a:srgbClr val="000000"/>
+              </a:solidFill>
+              <a:effectLst/>
+              <a:uFillTx/>
+              <a:latin typeface="+mn-lt"/>
+              <a:ea typeface="+mn-ea"/>
+              <a:cs typeface="+mn-cs"/>
+              <a:sym typeface="Times New Roman"/>
+            </a:endParaRPr>
+          </a:p>
+        </p:txBody>
+      </p:sp>
+      <p:graphicFrame>
+        <p:nvGraphicFramePr>
+          <p:cNvPr id="213" name="Table 212"/>
+          <p:cNvGraphicFramePr>
+            <a:graphicFrameLocks noGrp="1"/>
+          </p:cNvGraphicFramePr>
+          <p:nvPr>
+            <p:extLst>
+              <p:ext uri="{D42A27DB-BD31-4B8C-83A1-F6EECF244321}">
+                <p14:modId xmlns:p14="http://schemas.microsoft.com/office/powerpoint/2010/main" val="106808980"/>
+              </p:ext>
+            </p:extLst>
+          </p:nvPr>
+        </p:nvGraphicFramePr>
+        <p:xfrm>
+          <a:off x="18940932" y="28620432"/>
+          <a:ext cx="4598115" cy="1295324"/>
+        </p:xfrm>
+        <a:graphic>
+          <a:graphicData uri="http://schemas.openxmlformats.org/drawingml/2006/table">
+            <a:tbl>
+              <a:tblPr firstRow="1" bandRow="1">
+                <a:tableStyleId>{5940675A-B579-460E-94D1-54222C63F5DA}</a:tableStyleId>
+              </a:tblPr>
+              <a:tblGrid>
+                <a:gridCol w="2151749"/>
+                <a:gridCol w="1223183"/>
+                <a:gridCol w="1223183"/>
+              </a:tblGrid>
+              <a:tr h="266624">
+                <a:tc>
+                  <a:txBody>
+                    <a:bodyPr/>
+                    <a:lstStyle/>
+                    <a:p>
+                      <a:pPr algn="ctr"/>
+                      <a:r>
+                        <a:rPr lang="en-US" sz="1500" b="1" dirty="0" smtClean="0"/>
+                        <a:t>Antecedents</a:t>
+                      </a:r>
+                      <a:endParaRPr lang="en-US" sz="1500" b="1" dirty="0"/>
+                    </a:p>
+                  </a:txBody>
+                  <a:tcPr/>
+                </a:tc>
+                <a:tc>
+                  <a:txBody>
+                    <a:bodyPr/>
+                    <a:lstStyle/>
+                    <a:p>
+                      <a:pPr algn="r"/>
+                      <a:r>
+                        <a:rPr lang="en-US" sz="1500" b="1" dirty="0" smtClean="0"/>
+                        <a:t>Consequents</a:t>
+                      </a:r>
+                      <a:endParaRPr lang="en-US" sz="1500" b="1" dirty="0"/>
+                    </a:p>
+                  </a:txBody>
+                  <a:tcPr/>
+                </a:tc>
+                <a:tc>
+                  <a:txBody>
+                    <a:bodyPr/>
+                    <a:lstStyle/>
+                    <a:p>
+                      <a:pPr algn="r"/>
+                      <a:r>
+                        <a:rPr lang="en-US" sz="1500" b="1" dirty="0" smtClean="0"/>
+                        <a:t>Confidence</a:t>
+                      </a:r>
+                      <a:endParaRPr lang="en-US" sz="1500" b="1" dirty="0"/>
+                    </a:p>
+                  </a:txBody>
+                  <a:tcPr/>
+                </a:tc>
+              </a:tr>
+              <a:tr h="289484">
+                <a:tc>
+                  <a:txBody>
+                    <a:bodyPr/>
+                    <a:lstStyle/>
+                    <a:p>
+                      <a:pPr algn="ctr"/>
+                      <a:r>
+                        <a:rPr lang="en-US" sz="1500" dirty="0" smtClean="0"/>
+                        <a:t>Corn tortillas</a:t>
+                      </a:r>
+                      <a:endParaRPr lang="en-US" sz="1500" dirty="0"/>
+                    </a:p>
+                  </a:txBody>
+                  <a:tcPr/>
+                </a:tc>
+                <a:tc>
+                  <a:txBody>
+                    <a:bodyPr/>
+                    <a:lstStyle/>
+                    <a:p>
+                      <a:pPr algn="r"/>
+                      <a:r>
+                        <a:rPr lang="en-US" sz="1500" dirty="0" smtClean="0"/>
+                        <a:t>Mexican</a:t>
+                      </a:r>
+                      <a:endParaRPr lang="en-US" sz="1500" dirty="0"/>
+                    </a:p>
+                  </a:txBody>
+                  <a:tcPr/>
+                </a:tc>
+                <a:tc>
+                  <a:txBody>
+                    <a:bodyPr/>
+                    <a:lstStyle/>
+                    <a:p>
+                      <a:pPr algn="r"/>
+                      <a:r>
+                        <a:rPr lang="en-US" sz="1500" dirty="0" smtClean="0"/>
+                        <a:t>.98</a:t>
+                      </a:r>
+                      <a:endParaRPr lang="en-US" sz="1500" dirty="0"/>
+                    </a:p>
+                  </a:txBody>
+                  <a:tcPr/>
+                </a:tc>
+              </a:tr>
+              <a:tr h="312344">
+                <a:tc>
+                  <a:txBody>
+                    <a:bodyPr/>
+                    <a:lstStyle/>
+                    <a:p>
+                      <a:pPr algn="ctr"/>
+                      <a:r>
+                        <a:rPr lang="en-US" sz="1500" dirty="0" smtClean="0"/>
+                        <a:t>salsa</a:t>
+                      </a:r>
+                      <a:endParaRPr lang="en-US" sz="1500" dirty="0"/>
+                    </a:p>
+                  </a:txBody>
+                  <a:tcPr/>
+                </a:tc>
+                <a:tc>
+                  <a:txBody>
+                    <a:bodyPr/>
+                    <a:lstStyle/>
+                    <a:p>
+                      <a:pPr algn="r"/>
+                      <a:r>
+                        <a:rPr lang="en-US" sz="1500" dirty="0" smtClean="0"/>
+                        <a:t>Mexican</a:t>
+                      </a:r>
+                    </a:p>
+                  </a:txBody>
+                  <a:tcPr/>
+                </a:tc>
+                <a:tc>
+                  <a:txBody>
+                    <a:bodyPr/>
+                    <a:lstStyle/>
+                    <a:p>
+                      <a:pPr algn="r"/>
+                      <a:r>
+                        <a:rPr lang="en-US" sz="1500" dirty="0" smtClean="0"/>
+                        <a:t>.95</a:t>
+                      </a:r>
+                    </a:p>
+                  </a:txBody>
+                  <a:tcPr/>
+                </a:tc>
+              </a:tr>
+              <a:tr h="335204">
+                <a:tc>
+                  <a:txBody>
+                    <a:bodyPr/>
+                    <a:lstStyle/>
+                    <a:p>
+                      <a:pPr algn="ctr"/>
+                      <a:r>
+                        <a:rPr lang="en-US" sz="1500" dirty="0" err="1" smtClean="0"/>
+                        <a:t>Garam</a:t>
+                      </a:r>
+                      <a:r>
+                        <a:rPr lang="en-US" sz="1500" baseline="0" dirty="0" smtClean="0"/>
+                        <a:t> Masala</a:t>
+                      </a:r>
+                      <a:endParaRPr lang="en-US" sz="1500" dirty="0"/>
+                    </a:p>
+                  </a:txBody>
+                  <a:tcPr/>
+                </a:tc>
+                <a:tc>
+                  <a:txBody>
+                    <a:bodyPr/>
+                    <a:lstStyle/>
+                    <a:p>
+                      <a:pPr algn="r"/>
+                      <a:r>
+                        <a:rPr lang="en-US" sz="1500" dirty="0" smtClean="0"/>
+                        <a:t>Indian</a:t>
+                      </a:r>
+                    </a:p>
+                  </a:txBody>
+                  <a:tcPr/>
+                </a:tc>
+                <a:tc>
+                  <a:txBody>
+                    <a:bodyPr/>
+                    <a:lstStyle/>
+                    <a:p>
+                      <a:pPr algn="r"/>
+                      <a:r>
+                        <a:rPr lang="en-US" sz="1500" dirty="0" smtClean="0"/>
+                        <a:t>.93</a:t>
+                      </a:r>
+                    </a:p>
+                  </a:txBody>
+                  <a:tcPr/>
+                </a:tc>
+              </a:tr>
+            </a:tbl>
+          </a:graphicData>
+        </a:graphic>
+      </p:graphicFrame>
+      <p:graphicFrame>
+        <p:nvGraphicFramePr>
+          <p:cNvPr id="214" name="Table 213"/>
+          <p:cNvGraphicFramePr>
+            <a:graphicFrameLocks noGrp="1"/>
+          </p:cNvGraphicFramePr>
+          <p:nvPr>
+            <p:extLst>
+              <p:ext uri="{D42A27DB-BD31-4B8C-83A1-F6EECF244321}">
+                <p14:modId xmlns:p14="http://schemas.microsoft.com/office/powerpoint/2010/main" val="2402617224"/>
+              </p:ext>
+            </p:extLst>
+          </p:nvPr>
+        </p:nvGraphicFramePr>
+        <p:xfrm>
+          <a:off x="18940932" y="26050240"/>
+          <a:ext cx="4598115" cy="1737360"/>
+        </p:xfrm>
+        <a:graphic>
+          <a:graphicData uri="http://schemas.openxmlformats.org/drawingml/2006/table">
+            <a:tbl>
+              <a:tblPr firstRow="1" bandRow="1">
+                <a:tableStyleId>{5940675A-B579-460E-94D1-54222C63F5DA}</a:tableStyleId>
+              </a:tblPr>
+              <a:tblGrid>
+                <a:gridCol w="2151749"/>
+                <a:gridCol w="1223183"/>
+                <a:gridCol w="1223183"/>
+              </a:tblGrid>
+              <a:tr h="266624">
+                <a:tc>
+                  <a:txBody>
+                    <a:bodyPr/>
+                    <a:lstStyle/>
+                    <a:p>
+                      <a:pPr algn="ctr"/>
+                      <a:r>
+                        <a:rPr lang="en-US" sz="1500" b="1" dirty="0" smtClean="0"/>
+                        <a:t>Antecedents</a:t>
+                      </a:r>
+                      <a:endParaRPr lang="en-US" sz="1500" b="1" dirty="0"/>
+                    </a:p>
+                  </a:txBody>
+                  <a:tcPr/>
+                </a:tc>
+                <a:tc>
+                  <a:txBody>
+                    <a:bodyPr/>
+                    <a:lstStyle/>
+                    <a:p>
+                      <a:pPr algn="r"/>
+                      <a:r>
+                        <a:rPr lang="en-US" sz="1500" b="1" dirty="0" smtClean="0"/>
+                        <a:t>Consequents</a:t>
+                      </a:r>
+                      <a:endParaRPr lang="en-US" sz="1500" b="1" dirty="0"/>
+                    </a:p>
+                  </a:txBody>
+                  <a:tcPr/>
+                </a:tc>
+                <a:tc>
+                  <a:txBody>
+                    <a:bodyPr/>
+                    <a:lstStyle/>
+                    <a:p>
+                      <a:pPr algn="r"/>
+                      <a:r>
+                        <a:rPr lang="en-US" sz="1500" b="1" dirty="0" smtClean="0"/>
+                        <a:t>Confidence</a:t>
+                      </a:r>
+                      <a:endParaRPr lang="en-US" sz="1500" b="1" dirty="0"/>
+                    </a:p>
+                  </a:txBody>
+                  <a:tcPr/>
+                </a:tc>
+              </a:tr>
+              <a:tr h="289484">
+                <a:tc>
+                  <a:txBody>
+                    <a:bodyPr/>
+                    <a:lstStyle/>
+                    <a:p>
+                      <a:pPr algn="ctr"/>
+                      <a:r>
+                        <a:rPr lang="en-US" sz="1500" dirty="0" smtClean="0"/>
+                        <a:t>Onions, carrots, pepper</a:t>
+                      </a:r>
+                      <a:endParaRPr lang="en-US" sz="1500" dirty="0"/>
+                    </a:p>
+                  </a:txBody>
+                  <a:tcPr/>
+                </a:tc>
+                <a:tc>
+                  <a:txBody>
+                    <a:bodyPr/>
+                    <a:lstStyle/>
+                    <a:p>
+                      <a:pPr algn="r"/>
+                      <a:r>
+                        <a:rPr lang="en-US" sz="1500" dirty="0" smtClean="0"/>
+                        <a:t>Salt</a:t>
+                      </a:r>
+                      <a:endParaRPr lang="en-US" sz="1500" dirty="0"/>
+                    </a:p>
+                  </a:txBody>
+                  <a:tcPr/>
+                </a:tc>
+                <a:tc>
+                  <a:txBody>
+                    <a:bodyPr/>
+                    <a:lstStyle/>
+                    <a:p>
+                      <a:pPr algn="r"/>
+                      <a:r>
+                        <a:rPr lang="en-US" sz="1500" dirty="0" smtClean="0"/>
+                        <a:t>1</a:t>
+                      </a:r>
+                      <a:endParaRPr lang="en-US" sz="1500" dirty="0"/>
+                    </a:p>
+                  </a:txBody>
+                  <a:tcPr/>
+                </a:tc>
+              </a:tr>
+              <a:tr h="312344">
+                <a:tc>
+                  <a:txBody>
+                    <a:bodyPr/>
+                    <a:lstStyle/>
+                    <a:p>
+                      <a:pPr algn="ctr"/>
+                      <a:r>
+                        <a:rPr lang="en-US" sz="1500" dirty="0" smtClean="0"/>
+                        <a:t>Baking powder, white sugar, eggs</a:t>
+                      </a:r>
+                      <a:endParaRPr lang="en-US" sz="1500" dirty="0"/>
+                    </a:p>
+                  </a:txBody>
+                  <a:tcPr/>
+                </a:tc>
+                <a:tc>
+                  <a:txBody>
+                    <a:bodyPr/>
+                    <a:lstStyle/>
+                    <a:p>
+                      <a:pPr algn="r"/>
+                      <a:r>
+                        <a:rPr lang="en-US" sz="1500" dirty="0" smtClean="0"/>
+                        <a:t>All-purpose flour</a:t>
+                      </a:r>
+                    </a:p>
+                  </a:txBody>
+                  <a:tcPr/>
+                </a:tc>
+                <a:tc>
+                  <a:txBody>
+                    <a:bodyPr/>
+                    <a:lstStyle/>
+                    <a:p>
+                      <a:pPr algn="r"/>
+                      <a:r>
+                        <a:rPr lang="en-US" sz="1500" dirty="0" smtClean="0"/>
+                        <a:t>.98</a:t>
+                      </a:r>
+                    </a:p>
+                  </a:txBody>
+                  <a:tcPr/>
+                </a:tc>
+              </a:tr>
+              <a:tr h="335204">
+                <a:tc>
+                  <a:txBody>
+                    <a:bodyPr/>
+                    <a:lstStyle/>
+                    <a:p>
+                      <a:pPr algn="ctr"/>
+                      <a:r>
+                        <a:rPr lang="en-US" sz="1500" dirty="0" smtClean="0"/>
+                        <a:t>Baking </a:t>
+                      </a:r>
+                      <a:r>
+                        <a:rPr lang="en-US" sz="1500" dirty="0" err="1" smtClean="0"/>
+                        <a:t>pwder</a:t>
+                      </a:r>
+                      <a:r>
+                        <a:rPr lang="en-US" sz="1500" dirty="0" smtClean="0"/>
+                        <a:t>, white sugar, all-purpose flour</a:t>
+                      </a:r>
+                      <a:endParaRPr lang="en-US" sz="1500" dirty="0"/>
+                    </a:p>
+                  </a:txBody>
+                  <a:tcPr/>
+                </a:tc>
+                <a:tc>
+                  <a:txBody>
+                    <a:bodyPr/>
+                    <a:lstStyle/>
+                    <a:p>
+                      <a:pPr algn="r"/>
+                      <a:r>
+                        <a:rPr lang="en-US" sz="1500" dirty="0" smtClean="0"/>
+                        <a:t>Eggs</a:t>
+                      </a:r>
+                    </a:p>
+                  </a:txBody>
+                  <a:tcPr/>
+                </a:tc>
+                <a:tc>
+                  <a:txBody>
+                    <a:bodyPr/>
+                    <a:lstStyle/>
+                    <a:p>
+                      <a:pPr algn="r"/>
+                      <a:r>
+                        <a:rPr lang="en-US" sz="1500" dirty="0" smtClean="0"/>
+                        <a:t>.94</a:t>
+                      </a:r>
+                    </a:p>
+                  </a:txBody>
+                  <a:tcPr/>
+                </a:tc>
+              </a:tr>
+            </a:tbl>
+          </a:graphicData>
+        </a:graphic>
+      </p:graphicFrame>
+      <p:sp>
+        <p:nvSpPr>
+          <p:cNvPr id="215" name="TextBox 214"/>
+          <p:cNvSpPr txBox="1"/>
+          <p:nvPr/>
+        </p:nvSpPr>
+        <p:spPr>
+          <a:xfrm>
+            <a:off x="19460890" y="25427896"/>
+            <a:ext cx="3558199" cy="477052"/>
+          </a:xfrm>
+          <a:prstGeom prst="rect">
+            <a:avLst/>
+          </a:prstGeom>
+          <a:noFill/>
+          <a:ln w="12700" cap="flat">
+            <a:noFill/>
+            <a:miter lim="400000"/>
+          </a:ln>
+          <a:effectLst/>
+          <a:sp3d/>
+        </p:spPr>
+        <p:style>
+          <a:lnRef idx="0">
+            <a:scrgbClr r="0" g="0" b="0"/>
+          </a:lnRef>
+          <a:fillRef idx="0">
+            <a:scrgbClr r="0" g="0" b="0"/>
+          </a:fillRef>
+          <a:effectRef idx="0">
+            <a:scrgbClr r="0" g="0" b="0"/>
+          </a:effectRef>
+          <a:fontRef idx="none"/>
+        </p:style>
+        <p:txBody>
+          <a:bodyPr rot="0" spcFirstLastPara="1" vertOverflow="overflow" horzOverflow="overflow" vert="horz" wrap="square" lIns="45719" tIns="45719" rIns="45719" bIns="45719" numCol="1" spcCol="38100" rtlCol="0" anchor="t">
+            <a:spAutoFit/>
+          </a:bodyPr>
+          <a:lstStyle/>
+          <a:p>
+            <a:pPr marL="0" marR="0" indent="0" algn="ctr" defTabSz="914400" rtl="0" fontAlgn="auto" latinLnBrk="0" hangingPunct="0">
+              <a:lnSpc>
+                <a:spcPct val="100000"/>
+              </a:lnSpc>
+              <a:spcBef>
+                <a:spcPts val="0"/>
+              </a:spcBef>
+              <a:spcAft>
+                <a:spcPts val="0"/>
+              </a:spcAft>
+              <a:buClrTx/>
+              <a:buSzTx/>
+              <a:buFontTx/>
+              <a:buNone/>
+              <a:tabLst/>
+            </a:pPr>
+            <a:r>
+              <a:rPr kumimoji="0" lang="en-US" sz="2500" b="1" i="0" u="none" strike="noStrike" cap="none" spc="0" normalizeH="0" baseline="0" dirty="0" smtClean="0">
+                <a:ln>
+                  <a:noFill/>
+                </a:ln>
+                <a:solidFill>
+                  <a:schemeClr val="tx1"/>
+                </a:solidFill>
+                <a:effectLst/>
+                <a:uFillTx/>
+                <a:latin typeface="+mn-lt"/>
+                <a:ea typeface="+mn-ea"/>
+                <a:cs typeface="+mn-cs"/>
+                <a:sym typeface="Times New Roman"/>
+              </a:rPr>
+              <a:t>On Dataset A????</a:t>
+            </a:r>
+            <a:endParaRPr kumimoji="0" lang="en-US" sz="2500" b="1" i="0" u="none" strike="noStrike" cap="none" spc="0" normalizeH="0" baseline="0" dirty="0">
+              <a:ln>
+                <a:noFill/>
+              </a:ln>
+              <a:solidFill>
+                <a:schemeClr val="tx1"/>
+              </a:solidFill>
+              <a:effectLst/>
+              <a:uFillTx/>
+              <a:latin typeface="+mn-lt"/>
+              <a:ea typeface="+mn-ea"/>
+              <a:cs typeface="+mn-cs"/>
+              <a:sym typeface="Times New Roman"/>
+            </a:endParaRPr>
+          </a:p>
+        </p:txBody>
+      </p:sp>
+      <p:sp>
+        <p:nvSpPr>
+          <p:cNvPr id="216" name="TextBox 215"/>
+          <p:cNvSpPr txBox="1"/>
+          <p:nvPr/>
+        </p:nvSpPr>
+        <p:spPr>
+          <a:xfrm>
+            <a:off x="19613289" y="27962484"/>
+            <a:ext cx="3558199" cy="477052"/>
+          </a:xfrm>
+          <a:prstGeom prst="rect">
+            <a:avLst/>
+          </a:prstGeom>
+          <a:noFill/>
+          <a:ln w="12700" cap="flat">
+            <a:noFill/>
+            <a:miter lim="400000"/>
+          </a:ln>
+          <a:effectLst/>
+          <a:sp3d/>
+        </p:spPr>
+        <p:style>
+          <a:lnRef idx="0">
+            <a:scrgbClr r="0" g="0" b="0"/>
+          </a:lnRef>
+          <a:fillRef idx="0">
+            <a:scrgbClr r="0" g="0" b="0"/>
+          </a:fillRef>
+          <a:effectRef idx="0">
+            <a:scrgbClr r="0" g="0" b="0"/>
+          </a:effectRef>
+          <a:fontRef idx="none"/>
+        </p:style>
+        <p:txBody>
+          <a:bodyPr rot="0" spcFirstLastPara="1" vertOverflow="overflow" horzOverflow="overflow" vert="horz" wrap="square" lIns="45719" tIns="45719" rIns="45719" bIns="45719" numCol="1" spcCol="38100" rtlCol="0" anchor="t">
+            <a:spAutoFit/>
+          </a:bodyPr>
+          <a:lstStyle/>
+          <a:p>
+            <a:pPr marL="0" marR="0" indent="0" algn="ctr" defTabSz="914400" rtl="0" fontAlgn="auto" latinLnBrk="0" hangingPunct="0">
+              <a:lnSpc>
+                <a:spcPct val="100000"/>
+              </a:lnSpc>
+              <a:spcBef>
+                <a:spcPts val="0"/>
+              </a:spcBef>
+              <a:spcAft>
+                <a:spcPts val="0"/>
+              </a:spcAft>
+              <a:buClrTx/>
+              <a:buSzTx/>
+              <a:buFontTx/>
+              <a:buNone/>
+              <a:tabLst/>
+            </a:pPr>
+            <a:r>
+              <a:rPr kumimoji="0" lang="en-US" sz="2500" b="1" i="0" u="none" strike="noStrike" cap="none" spc="0" normalizeH="0" baseline="0" dirty="0" smtClean="0">
+                <a:ln>
+                  <a:noFill/>
+                </a:ln>
+                <a:solidFill>
+                  <a:srgbClr val="000000"/>
+                </a:solidFill>
+                <a:effectLst/>
+                <a:uFillTx/>
+                <a:latin typeface="+mn-lt"/>
+                <a:ea typeface="+mn-ea"/>
+                <a:cs typeface="+mn-cs"/>
+                <a:sym typeface="Times New Roman"/>
+              </a:rPr>
+              <a:t>On Dataset E</a:t>
+            </a:r>
+            <a:endParaRPr kumimoji="0" lang="en-US" sz="2500" b="1" i="0" u="none" strike="noStrike" cap="none" spc="0" normalizeH="0" baseline="0" dirty="0">
+              <a:ln>
+                <a:noFill/>
+              </a:ln>
+              <a:solidFill>
+                <a:srgbClr val="000000"/>
+              </a:solidFill>
+              <a:effectLst/>
+              <a:uFillTx/>
+              <a:latin typeface="+mn-lt"/>
+              <a:ea typeface="+mn-ea"/>
+              <a:cs typeface="+mn-cs"/>
+              <a:sym typeface="Times New Roman"/>
+            </a:endParaRPr>
+          </a:p>
+        </p:txBody>
+      </p:sp>
+      <p:pic>
+        <p:nvPicPr>
+          <p:cNvPr id="1030" name="Picture 6"/>
+          <p:cNvPicPr>
+            <a:picLocks noChangeAspect="1" noChangeArrowheads="1"/>
+          </p:cNvPicPr>
+          <p:nvPr/>
+        </p:nvPicPr>
+        <p:blipFill>
+          <a:blip r:embed="rId16">
+            <a:extLst>
+              <a:ext uri="{28A0092B-C50C-407E-A947-70E740481C1C}">
+                <a14:useLocalDpi xmlns:a14="http://schemas.microsoft.com/office/drawing/2010/main" val="0"/>
+              </a:ext>
+            </a:extLst>
+          </a:blip>
+          <a:srcRect/>
+          <a:stretch>
+            <a:fillRect/>
+          </a:stretch>
+        </p:blipFill>
+        <p:spPr bwMode="auto">
+          <a:xfrm>
+            <a:off x="19262323" y="18027912"/>
+            <a:ext cx="3616728" cy="3288508"/>
+          </a:xfrm>
+          <a:prstGeom prst="rect">
+            <a:avLst/>
+          </a:prstGeom>
+          <a:noFill/>
+          <a:ln>
+            <a:noFill/>
+          </a:ln>
+          <a:extLst>
+            <a:ext uri="{909E8E84-426E-40DD-AFC4-6F175D3DCCD1}">
+              <a14:hiddenFill xmlns:a14="http://schemas.microsoft.com/office/drawing/2010/main">
+                <a:solidFill>
+                  <a:schemeClr val="accent1"/>
+                </a:solidFill>
+              </a14:hiddenFill>
+            </a:ext>
+            <a:ext uri="{91240B29-F687-4F45-9708-019B960494DF}">
+              <a14:hiddenLine xmlns:a14="http://schemas.microsoft.com/office/drawing/2010/main" w="9525">
+                <a:solidFill>
+                  <a:schemeClr val="tx1"/>
+                </a:solidFill>
+                <a:miter lim="800000"/>
+                <a:headEnd/>
+                <a:tailEnd/>
+              </a14:hiddenLine>
+            </a:ext>
+          </a:extLst>
+        </p:spPr>
+      </p:pic>
     </p:spTree>
   </p:cSld>
   <p:clrMapOvr>

--- a/Poster424.pptx
+++ b/Poster424.pptx
@@ -4332,8 +4332,8 @@
         </p:nvSpPr>
         <p:spPr>
           <a:xfrm>
-            <a:off x="8986767" y="34238401"/>
-            <a:ext cx="7477870" cy="1169551"/>
+            <a:off x="1196997" y="34959295"/>
+            <a:ext cx="7477870" cy="1046440"/>
           </a:xfrm>
           <a:prstGeom prst="rect">
             <a:avLst/>
@@ -4353,12 +4353,11 @@
           </a:bodyPr>
           <a:lstStyle/>
           <a:p>
-            <a:pPr marL="457200" indent="-457200">
+            <a:pPr>
               <a:spcBef>
                 <a:spcPts val="1200"/>
               </a:spcBef>
               <a:buSzPct val="100000"/>
-              <a:buAutoNum type="arabicPeriod"/>
               <a:defRPr>
                 <a:latin typeface="Minion Pro"/>
                 <a:ea typeface="Minion Pro"/>
@@ -4367,34 +4366,9 @@
               </a:defRPr>
             </a:pPr>
             <a:r>
-              <a:rPr lang="en-US" dirty="0" err="1" smtClean="0"/>
-              <a:t>Kaggle</a:t>
+              <a:rPr lang="en-US" sz="1400" dirty="0" smtClean="0"/>
+              <a:t>Works Cited</a:t>
             </a:r>
-            <a:r>
-              <a:rPr lang="en-US" dirty="0" smtClean="0"/>
-              <a:t> “What’s Cooking</a:t>
-            </a:r>
-            <a:r>
-              <a:rPr lang="en-US" dirty="0"/>
-              <a:t>” Dataset. https://</a:t>
-            </a:r>
-            <a:r>
-              <a:rPr lang="en-US" dirty="0" err="1"/>
-              <a:t>www.kaggle.com</a:t>
-            </a:r>
-            <a:r>
-              <a:rPr lang="en-US" dirty="0"/>
-              <a:t>/c/</a:t>
-            </a:r>
-            <a:r>
-              <a:rPr lang="en-US" dirty="0" err="1"/>
-              <a:t>whats</a:t>
-            </a:r>
-            <a:r>
-              <a:rPr lang="en-US" dirty="0"/>
-              <a:t>-cooking/data</a:t>
-            </a:r>
-            <a:endParaRPr dirty="0"/>
           </a:p>
           <a:p>
             <a:pPr marL="457200" indent="-457200">
@@ -4411,14 +4385,62 @@
               </a:defRPr>
             </a:pPr>
             <a:r>
-              <a:rPr lang="en-US" dirty="0" err="1" smtClean="0"/>
+              <a:rPr lang="en-US" sz="1400" dirty="0" err="1" smtClean="0"/>
+              <a:t>Kaggle</a:t>
+            </a:r>
+            <a:r>
+              <a:rPr lang="en-US" sz="1400" dirty="0" smtClean="0"/>
+              <a:t> </a:t>
+            </a:r>
+            <a:r>
+              <a:rPr lang="en-US" sz="1400" dirty="0" smtClean="0"/>
+              <a:t>“What’s Cooking</a:t>
+            </a:r>
+            <a:r>
+              <a:rPr lang="en-US" sz="1400" dirty="0"/>
+              <a:t>” Dataset. https://</a:t>
+            </a:r>
+            <a:r>
+              <a:rPr lang="en-US" sz="1400" dirty="0" err="1"/>
+              <a:t>www.kaggle.com</a:t>
+            </a:r>
+            <a:r>
+              <a:rPr lang="en-US" sz="1400" dirty="0"/>
+              <a:t>/c/</a:t>
+            </a:r>
+            <a:r>
+              <a:rPr lang="en-US" sz="1400" dirty="0" err="1"/>
+              <a:t>whats</a:t>
+            </a:r>
+            <a:r>
+              <a:rPr lang="en-US" sz="1400" dirty="0"/>
+              <a:t>-cooking/data</a:t>
+            </a:r>
+            <a:endParaRPr sz="1400" dirty="0"/>
+          </a:p>
+          <a:p>
+            <a:pPr marL="457200" indent="-457200">
+              <a:spcBef>
+                <a:spcPts val="1200"/>
+              </a:spcBef>
+              <a:buSzPct val="100000"/>
+              <a:buAutoNum type="arabicPeriod"/>
+              <a:defRPr>
+                <a:latin typeface="Minion Pro"/>
+                <a:ea typeface="Minion Pro"/>
+                <a:cs typeface="Minion Pro"/>
+                <a:sym typeface="Minion Pro"/>
+              </a:defRPr>
+            </a:pPr>
+            <a:r>
+              <a:rPr lang="en-US" sz="1400" dirty="0" err="1" smtClean="0"/>
               <a:t>SciKit</a:t>
             </a:r>
             <a:r>
-              <a:rPr lang="en-US" dirty="0" smtClean="0"/>
+              <a:rPr lang="en-US" sz="1400" dirty="0" smtClean="0"/>
               <a:t> Learn Python Toolbox</a:t>
             </a:r>
-            <a:endParaRPr dirty="0"/>
+            <a:endParaRPr sz="1400" dirty="0"/>
           </a:p>
         </p:txBody>
       </p:sp>
@@ -4430,8 +4452,8 @@
         </p:nvSpPr>
         <p:spPr>
           <a:xfrm>
-            <a:off x="2131601" y="34238401"/>
-            <a:ext cx="5823363" cy="1200329"/>
+            <a:off x="1896876" y="34191207"/>
+            <a:ext cx="5823363" cy="523220"/>
           </a:xfrm>
           <a:prstGeom prst="rect">
             <a:avLst/>
@@ -4460,18 +4482,18 @@
               </a:defRPr>
             </a:pPr>
             <a:r>
-              <a:rPr lang="en-US" dirty="0" smtClean="0"/>
+              <a:rPr lang="en-US" sz="1400" dirty="0" smtClean="0"/>
               <a:t>We thank Barbara </a:t>
             </a:r>
             <a:r>
-              <a:rPr lang="en-US" dirty="0" err="1" smtClean="0"/>
+              <a:rPr lang="en-US" sz="1400" dirty="0" err="1" smtClean="0"/>
               <a:t>Engelhardt</a:t>
             </a:r>
             <a:r>
-              <a:rPr lang="en-US" dirty="0" smtClean="0"/>
+              <a:rPr lang="en-US" sz="1400" dirty="0" smtClean="0"/>
               <a:t> and the COS424 AI staff for a fantastic class, feedback and comments. </a:t>
             </a:r>
-            <a:endParaRPr dirty="0"/>
+            <a:endParaRPr sz="1400" dirty="0"/>
           </a:p>
         </p:txBody>
       </p:sp>
@@ -17168,7 +17190,7 @@
           <p:nvPr>
             <p:extLst>
               <p:ext uri="{D42A27DB-BD31-4B8C-83A1-F6EECF244321}">
-                <p14:modId xmlns:p14="http://schemas.microsoft.com/office/powerpoint/2010/main" val="1696282975"/>
+                <p14:modId xmlns:p14="http://schemas.microsoft.com/office/powerpoint/2010/main" val="742941173"/>
               </p:ext>
             </p:extLst>
           </p:nvPr>
@@ -18224,35 +18246,6 @@
           <a:xfrm>
             <a:off x="36047900" y="25026962"/>
             <a:ext cx="0" cy="692714"/>
-          </a:xfrm>
-          <a:prstGeom prst="line">
-            <a:avLst/>
-          </a:prstGeom>
-          <a:ln w="57150">
-            <a:solidFill>
-              <a:srgbClr val="000000"/>
-            </a:solidFill>
-            <a:tailEnd type="triangle"/>
-          </a:ln>
-        </p:spPr>
-        <p:txBody>
-          <a:bodyPr lIns="45719" rIns="45719"/>
-          <a:lstStyle/>
-          <a:p>
-            <a:endParaRPr/>
-          </a:p>
-        </p:txBody>
-      </p:sp>
-      <p:sp>
-        <p:nvSpPr>
-          <p:cNvPr id="202" name="Shape 276" descr="Straight Arrow Connector 80"/>
-          <p:cNvSpPr/>
-          <p:nvPr/>
-        </p:nvSpPr>
-        <p:spPr>
-          <a:xfrm flipV="1">
-            <a:off x="31350909" y="27933295"/>
-            <a:ext cx="1062960" cy="1"/>
           </a:xfrm>
           <a:prstGeom prst="line">
             <a:avLst/>
@@ -18499,13 +18492,13 @@
       </p:sp>
       <p:sp>
         <p:nvSpPr>
-          <p:cNvPr id="207" name="TextBox 206"/>
+          <p:cNvPr id="208" name="TextBox 207"/>
           <p:cNvSpPr txBox="1"/>
           <p:nvPr/>
         </p:nvSpPr>
         <p:spPr>
           <a:xfrm>
-            <a:off x="26616171" y="24989543"/>
+            <a:off x="26623999" y="17030666"/>
             <a:ext cx="3558199" cy="477052"/>
           </a:xfrm>
           <a:prstGeom prst="rect">
@@ -18568,97 +18561,7 @@
                 <a:cs typeface="+mn-cs"/>
                 <a:sym typeface="Times New Roman"/>
               </a:rPr>
-              <a:t>PCA</a:t>
-            </a:r>
-            <a:endParaRPr kumimoji="0" lang="en-US" sz="2500" b="1" i="0" u="none" strike="noStrike" cap="none" spc="0" normalizeH="0" baseline="0" dirty="0">
-              <a:ln>
-                <a:noFill/>
-              </a:ln>
-              <a:solidFill>
-                <a:srgbClr val="000000"/>
-              </a:solidFill>
-              <a:effectLst/>
-              <a:uFillTx/>
-              <a:latin typeface="+mn-lt"/>
-              <a:ea typeface="+mn-ea"/>
-              <a:cs typeface="+mn-cs"/>
-              <a:sym typeface="Times New Roman"/>
-            </a:endParaRPr>
-          </a:p>
-        </p:txBody>
-      </p:sp>
-      <p:sp>
-        <p:nvSpPr>
-          <p:cNvPr id="208" name="TextBox 207"/>
-          <p:cNvSpPr txBox="1"/>
-          <p:nvPr/>
-        </p:nvSpPr>
-        <p:spPr>
-          <a:xfrm>
-            <a:off x="26623999" y="17319881"/>
-            <a:ext cx="3558199" cy="477052"/>
-          </a:xfrm>
-          <a:prstGeom prst="rect">
-            <a:avLst/>
-          </a:prstGeom>
-          <a:noFill/>
-          <a:ln w="12700" cap="flat">
-            <a:noFill/>
-            <a:miter lim="400000"/>
-          </a:ln>
-          <a:effectLst/>
-          <a:sp3d/>
-        </p:spPr>
-        <p:style>
-          <a:lnRef idx="0">
-            <a:scrgbClr r="0" g="0" b="0"/>
-          </a:lnRef>
-          <a:fillRef idx="0">
-            <a:scrgbClr r="0" g="0" b="0"/>
-          </a:fillRef>
-          <a:effectRef idx="0">
-            <a:scrgbClr r="0" g="0" b="0"/>
-          </a:effectRef>
-          <a:fontRef idx="none"/>
-        </p:style>
-        <p:txBody>
-          <a:bodyPr rot="0" spcFirstLastPara="1" vertOverflow="overflow" horzOverflow="overflow" vert="horz" wrap="square" lIns="45719" tIns="45719" rIns="45719" bIns="45719" numCol="1" spcCol="38100" rtlCol="0" anchor="t">
-            <a:spAutoFit/>
-          </a:bodyPr>
-          <a:lstStyle/>
-          <a:p>
-            <a:pPr marL="0" marR="0" indent="0" algn="ctr" defTabSz="914400" rtl="0" fontAlgn="auto" latinLnBrk="0" hangingPunct="0">
-              <a:lnSpc>
-                <a:spcPct val="100000"/>
-              </a:lnSpc>
-              <a:spcBef>
-                <a:spcPts val="0"/>
-              </a:spcBef>
-              <a:spcAft>
-                <a:spcPts val="0"/>
-              </a:spcAft>
-              <a:buClrTx/>
-              <a:buSzTx/>
-              <a:buFontTx/>
-              <a:buNone/>
-              <a:tabLst/>
-            </a:pPr>
-            <a:r>
-              <a:rPr kumimoji="0" lang="en-US" sz="2500" b="1" i="0" u="none" strike="noStrike" cap="none" spc="0" normalizeH="0" baseline="0" dirty="0" smtClean="0">
-                <a:ln>
-                  <a:noFill/>
-                </a:ln>
-                <a:solidFill>
-                  <a:srgbClr val="000000"/>
-                </a:solidFill>
-                <a:effectLst/>
-                <a:uFillTx/>
-                <a:latin typeface="+mn-lt"/>
-                <a:ea typeface="+mn-ea"/>
-                <a:cs typeface="+mn-cs"/>
-                <a:sym typeface="Times New Roman"/>
-              </a:rPr>
-              <a:t>BMF/LDA</a:t>
+              <a:t>BMF/LDA Examples</a:t>
             </a:r>
             <a:endParaRPr kumimoji="0" lang="en-US" sz="2500" b="1" i="0" u="none" strike="noStrike" cap="none" spc="0" normalizeH="0" baseline="0" dirty="0">
               <a:ln>
@@ -18775,7 +18678,7 @@
         </p:nvGrpSpPr>
         <p:grpSpPr>
           <a:xfrm>
-            <a:off x="25603685" y="25666422"/>
+            <a:off x="25575110" y="25910329"/>
             <a:ext cx="5747224" cy="4674654"/>
             <a:chOff x="25954914" y="25666422"/>
             <a:chExt cx="5747224" cy="4674654"/>
@@ -18918,7 +18821,7 @@
         </p:nvGrpSpPr>
         <p:grpSpPr>
           <a:xfrm>
-            <a:off x="32624850" y="25573394"/>
+            <a:off x="32596275" y="25817301"/>
             <a:ext cx="5473316" cy="4767682"/>
             <a:chOff x="32624850" y="25573394"/>
             <a:chExt cx="5473316" cy="4767682"/>
@@ -19895,6 +19798,538 @@
           </a:extLst>
         </p:spPr>
       </p:pic>
+      <p:cxnSp>
+        <p:nvCxnSpPr>
+          <p:cNvPr id="15" name="Straight Connector 14"/>
+          <p:cNvCxnSpPr/>
+          <p:nvPr/>
+        </p:nvCxnSpPr>
+        <p:spPr>
+          <a:xfrm>
+            <a:off x="25146000" y="16432532"/>
+            <a:ext cx="57150" cy="13786483"/>
+          </a:xfrm>
+          <a:prstGeom prst="line">
+            <a:avLst/>
+          </a:prstGeom>
+          <a:noFill/>
+          <a:ln w="25400" cap="flat">
+            <a:solidFill>
+              <a:schemeClr val="accent1"/>
+            </a:solidFill>
+            <a:prstDash val="solid"/>
+            <a:round/>
+          </a:ln>
+          <a:effectLst>
+            <a:outerShdw blurRad="38100" dist="20000" dir="5400000" rotWithShape="0">
+              <a:srgbClr val="000000">
+                <a:alpha val="38000"/>
+              </a:srgbClr>
+            </a:outerShdw>
+          </a:effectLst>
+          <a:sp3d/>
+        </p:spPr>
+        <p:style>
+          <a:lnRef idx="0">
+            <a:scrgbClr r="0" g="0" b="0"/>
+          </a:lnRef>
+          <a:fillRef idx="0">
+            <a:scrgbClr r="0" g="0" b="0"/>
+          </a:fillRef>
+          <a:effectRef idx="0">
+            <a:scrgbClr r="0" g="0" b="0"/>
+          </a:effectRef>
+          <a:fontRef idx="none"/>
+        </p:style>
+      </p:cxnSp>
+      <p:cxnSp>
+        <p:nvCxnSpPr>
+          <p:cNvPr id="217" name="Straight Connector 216"/>
+          <p:cNvCxnSpPr/>
+          <p:nvPr/>
+        </p:nvCxnSpPr>
+        <p:spPr>
+          <a:xfrm>
+            <a:off x="31825239" y="16554593"/>
+            <a:ext cx="57150" cy="13786483"/>
+          </a:xfrm>
+          <a:prstGeom prst="line">
+            <a:avLst/>
+          </a:prstGeom>
+          <a:noFill/>
+          <a:ln w="25400" cap="flat">
+            <a:solidFill>
+              <a:schemeClr val="accent1"/>
+            </a:solidFill>
+            <a:prstDash val="solid"/>
+            <a:round/>
+          </a:ln>
+          <a:effectLst>
+            <a:outerShdw blurRad="38100" dist="20000" dir="5400000" rotWithShape="0">
+              <a:srgbClr val="000000">
+                <a:alpha val="38000"/>
+              </a:srgbClr>
+            </a:outerShdw>
+          </a:effectLst>
+          <a:sp3d/>
+        </p:spPr>
+        <p:style>
+          <a:lnRef idx="0">
+            <a:scrgbClr r="0" g="0" b="0"/>
+          </a:lnRef>
+          <a:fillRef idx="0">
+            <a:scrgbClr r="0" g="0" b="0"/>
+          </a:fillRef>
+          <a:effectRef idx="0">
+            <a:scrgbClr r="0" g="0" b="0"/>
+          </a:effectRef>
+          <a:fontRef idx="none"/>
+        </p:style>
+      </p:cxnSp>
+      <p:sp>
+        <p:nvSpPr>
+          <p:cNvPr id="202" name="Shape 276" descr="Straight Arrow Connector 80"/>
+          <p:cNvSpPr/>
+          <p:nvPr/>
+        </p:nvSpPr>
+        <p:spPr>
+          <a:xfrm flipV="1">
+            <a:off x="31322334" y="28177202"/>
+            <a:ext cx="1062960" cy="1"/>
+          </a:xfrm>
+          <a:prstGeom prst="line">
+            <a:avLst/>
+          </a:prstGeom>
+          <a:ln w="57150">
+            <a:solidFill>
+              <a:srgbClr val="000000"/>
+            </a:solidFill>
+            <a:tailEnd type="triangle"/>
+          </a:ln>
+        </p:spPr>
+        <p:txBody>
+          <a:bodyPr lIns="45719" rIns="45719"/>
+          <a:lstStyle/>
+          <a:p>
+            <a:endParaRPr/>
+          </a:p>
+        </p:txBody>
+      </p:sp>
+      <p:graphicFrame>
+        <p:nvGraphicFramePr>
+          <p:cNvPr id="218" name="Table 217"/>
+          <p:cNvGraphicFramePr>
+            <a:graphicFrameLocks noGrp="1"/>
+          </p:cNvGraphicFramePr>
+          <p:nvPr>
+            <p:extLst>
+              <p:ext uri="{D42A27DB-BD31-4B8C-83A1-F6EECF244321}">
+                <p14:modId xmlns:p14="http://schemas.microsoft.com/office/powerpoint/2010/main" val="1730336366"/>
+              </p:ext>
+            </p:extLst>
+          </p:nvPr>
+        </p:nvGraphicFramePr>
+        <p:xfrm>
+          <a:off x="25575110" y="17597516"/>
+          <a:ext cx="5967761" cy="7231530"/>
+        </p:xfrm>
+        <a:graphic>
+          <a:graphicData uri="http://schemas.openxmlformats.org/drawingml/2006/table">
+            <a:tbl>
+              <a:tblPr firstRow="1" bandRow="1">
+                <a:tableStyleId>{5940675A-B579-460E-94D1-54222C63F5DA}</a:tableStyleId>
+              </a:tblPr>
+              <a:tblGrid>
+                <a:gridCol w="2277804"/>
+                <a:gridCol w="2207400"/>
+                <a:gridCol w="1482557"/>
+              </a:tblGrid>
+              <a:tr h="640094">
+                <a:tc>
+                  <a:txBody>
+                    <a:bodyPr/>
+                    <a:lstStyle/>
+                    <a:p>
+                      <a:pPr algn="ctr"/>
+                      <a:r>
+                        <a:rPr lang="en-US" sz="1800" b="1" dirty="0" smtClean="0"/>
+                        <a:t>BMF</a:t>
+                      </a:r>
+                    </a:p>
+                    <a:p>
+                      <a:pPr algn="ctr"/>
+                      <a:r>
+                        <a:rPr lang="en-US" sz="1800" b="0" dirty="0" smtClean="0"/>
+                        <a:t>(n=15)</a:t>
+                      </a:r>
+                      <a:endParaRPr lang="en-US" sz="1800" b="0" dirty="0"/>
+                    </a:p>
+                  </a:txBody>
+                  <a:tcPr/>
+                </a:tc>
+                <a:tc>
+                  <a:txBody>
+                    <a:bodyPr/>
+                    <a:lstStyle/>
+                    <a:p>
+                      <a:pPr algn="ctr"/>
+                      <a:r>
+                        <a:rPr lang="en-US" sz="1800" b="1" dirty="0" smtClean="0"/>
+                        <a:t>LDA</a:t>
+                      </a:r>
+                      <a:endParaRPr lang="en-US" sz="1800" b="0" dirty="0" smtClean="0"/>
+                    </a:p>
+                    <a:p>
+                      <a:pPr algn="ctr"/>
+                      <a:r>
+                        <a:rPr lang="en-US" sz="1800" b="0" dirty="0" smtClean="0"/>
+                        <a:t>(n=15)</a:t>
+                      </a:r>
+                      <a:endParaRPr lang="en-US" sz="1800" b="1" dirty="0"/>
+                    </a:p>
+                  </a:txBody>
+                  <a:tcPr/>
+                </a:tc>
+                <a:tc>
+                  <a:txBody>
+                    <a:bodyPr/>
+                    <a:lstStyle/>
+                    <a:p>
+                      <a:pPr algn="ctr"/>
+                      <a:r>
+                        <a:rPr lang="en-US" sz="1800" b="1" dirty="0" smtClean="0"/>
+                        <a:t>Latent</a:t>
+                      </a:r>
+                      <a:r>
+                        <a:rPr lang="en-US" sz="1800" b="1" baseline="0" dirty="0" smtClean="0"/>
+                        <a:t> Cuisine</a:t>
+                      </a:r>
+                      <a:endParaRPr lang="en-US" sz="1800" b="1" dirty="0"/>
+                    </a:p>
+                  </a:txBody>
+                  <a:tcPr/>
+                </a:tc>
+              </a:tr>
+              <a:tr h="1379356">
+                <a:tc>
+                  <a:txBody>
+                    <a:bodyPr/>
+                    <a:lstStyle/>
+                    <a:p>
+                      <a:pPr algn="ctr"/>
+                      <a:r>
+                        <a:rPr lang="en-US" sz="1800" dirty="0" smtClean="0"/>
+                        <a:t>Soy sauce, sesame oil, green onions, corn starch, scallions, rice vinegar, ginger</a:t>
+                      </a:r>
+                      <a:endParaRPr lang="en-US" sz="1800" dirty="0"/>
+                    </a:p>
+                  </a:txBody>
+                  <a:tcPr/>
+                </a:tc>
+                <a:tc>
+                  <a:txBody>
+                    <a:bodyPr/>
+                    <a:lstStyle/>
+                    <a:p>
+                      <a:pPr algn="ctr"/>
+                      <a:r>
+                        <a:rPr lang="en-US" sz="1800" dirty="0" smtClean="0"/>
+                        <a:t>Soy sauce</a:t>
+                      </a:r>
+                      <a:r>
+                        <a:rPr lang="en-US" sz="1800" baseline="0" dirty="0" smtClean="0"/>
+                        <a:t>, sesame oil, fish sauce, rice vinegar, scallions, green onions, sugar</a:t>
+                      </a:r>
+                      <a:endParaRPr lang="en-US" sz="1800" dirty="0"/>
+                    </a:p>
+                  </a:txBody>
+                  <a:tcPr/>
+                </a:tc>
+                <a:tc>
+                  <a:txBody>
+                    <a:bodyPr/>
+                    <a:lstStyle/>
+                    <a:p>
+                      <a:pPr algn="ctr"/>
+                      <a:r>
+                        <a:rPr lang="en-US" sz="1800" dirty="0" smtClean="0"/>
+                        <a:t>Korean</a:t>
+                      </a:r>
+                      <a:endParaRPr lang="en-US" sz="1800" dirty="0"/>
+                    </a:p>
+                  </a:txBody>
+                  <a:tcPr/>
+                </a:tc>
+              </a:tr>
+              <a:tr h="1379356">
+                <a:tc>
+                  <a:txBody>
+                    <a:bodyPr/>
+                    <a:lstStyle/>
+                    <a:p>
+                      <a:pPr algn="ctr"/>
+                      <a:r>
+                        <a:rPr lang="en-US" sz="1800" dirty="0" smtClean="0"/>
+                        <a:t>Ground</a:t>
+                      </a:r>
+                      <a:r>
+                        <a:rPr lang="en-US" sz="1800" baseline="0" dirty="0" smtClean="0"/>
+                        <a:t> cumin, chili powder, tomatoes, jalapeno chilies, chopped cilantro, sour cream, avocado</a:t>
+                      </a:r>
+                      <a:endParaRPr lang="en-US" sz="1800" dirty="0"/>
+                    </a:p>
+                  </a:txBody>
+                  <a:tcPr/>
+                </a:tc>
+                <a:tc>
+                  <a:txBody>
+                    <a:bodyPr/>
+                    <a:lstStyle/>
+                    <a:p>
+                      <a:pPr algn="ctr"/>
+                      <a:r>
+                        <a:rPr lang="en-US" sz="1800" dirty="0" smtClean="0"/>
+                        <a:t>Avocado, jalapeno chilies, fresh lime juice,</a:t>
+                      </a:r>
+                      <a:r>
+                        <a:rPr lang="en-US" sz="1800" baseline="0" dirty="0" smtClean="0"/>
+                        <a:t> chopped cilantro, purple onion, lime, white onion</a:t>
+                      </a:r>
+                      <a:endParaRPr lang="en-US" sz="1800" dirty="0" smtClean="0"/>
+                    </a:p>
+                  </a:txBody>
+                  <a:tcPr/>
+                </a:tc>
+                <a:tc>
+                  <a:txBody>
+                    <a:bodyPr/>
+                    <a:lstStyle/>
+                    <a:p>
+                      <a:pPr algn="ctr"/>
+                      <a:r>
+                        <a:rPr lang="en-US" sz="1800" dirty="0" smtClean="0"/>
+                        <a:t>Mexican</a:t>
+                      </a:r>
+                    </a:p>
+                  </a:txBody>
+                  <a:tcPr/>
+                </a:tc>
+              </a:tr>
+              <a:tr h="1379356">
+                <a:tc>
+                  <a:txBody>
+                    <a:bodyPr/>
+                    <a:lstStyle/>
+                    <a:p>
+                      <a:pPr algn="ctr"/>
+                      <a:r>
+                        <a:rPr lang="en-US" sz="1800" dirty="0" smtClean="0"/>
+                        <a:t>All-purpose flour, large eggs, unsalted butter, baking </a:t>
+                      </a:r>
+                      <a:r>
+                        <a:rPr lang="en-US" sz="1800" dirty="0" err="1" smtClean="0"/>
+                        <a:t>pwder</a:t>
+                      </a:r>
+                      <a:r>
+                        <a:rPr lang="en-US" sz="1800" dirty="0" smtClean="0"/>
+                        <a:t>, baking soda, buttermilk,</a:t>
+                      </a:r>
+                      <a:r>
+                        <a:rPr lang="en-US" sz="1800" baseline="0" dirty="0" smtClean="0"/>
+                        <a:t> </a:t>
+                      </a:r>
+                      <a:r>
+                        <a:rPr lang="en-US" sz="1800" dirty="0" smtClean="0"/>
+                        <a:t>vanilla extract</a:t>
+                      </a:r>
+                      <a:endParaRPr lang="en-US" sz="1800" dirty="0"/>
+                    </a:p>
+                  </a:txBody>
+                  <a:tcPr/>
+                </a:tc>
+                <a:tc>
+                  <a:txBody>
+                    <a:bodyPr/>
+                    <a:lstStyle/>
+                    <a:p>
+                      <a:pPr algn="ctr"/>
+                      <a:r>
+                        <a:rPr lang="en-US" sz="1800" dirty="0" smtClean="0"/>
+                        <a:t>All-purpose flour, buttermilk, baking powder,</a:t>
+                      </a:r>
+                      <a:r>
+                        <a:rPr lang="en-US" sz="1800" baseline="0" dirty="0" smtClean="0"/>
+                        <a:t> milk, warm eggs, baking soda</a:t>
+                      </a:r>
+                      <a:endParaRPr lang="en-US" sz="1800" dirty="0" smtClean="0"/>
+                    </a:p>
+                  </a:txBody>
+                  <a:tcPr/>
+                </a:tc>
+                <a:tc>
+                  <a:txBody>
+                    <a:bodyPr/>
+                    <a:lstStyle/>
+                    <a:p>
+                      <a:pPr algn="ctr"/>
+                      <a:r>
+                        <a:rPr lang="en-US" sz="1800" dirty="0" smtClean="0"/>
+                        <a:t>Irish or British?</a:t>
+                      </a:r>
+                      <a:r>
+                        <a:rPr lang="en-US" sz="1800" baseline="0" dirty="0" smtClean="0"/>
+                        <a:t> </a:t>
+                      </a:r>
+                      <a:endParaRPr lang="en-US" sz="1800" dirty="0" smtClean="0"/>
+                    </a:p>
+                  </a:txBody>
+                  <a:tcPr/>
+                </a:tc>
+              </a:tr>
+              <a:tr h="1379356">
+                <a:tc>
+                  <a:txBody>
+                    <a:bodyPr/>
+                    <a:lstStyle/>
+                    <a:p>
+                      <a:pPr algn="ctr"/>
+                      <a:r>
+                        <a:rPr lang="en-US" sz="1800" dirty="0" smtClean="0"/>
+                        <a:t>Olive oil</a:t>
+                      </a:r>
+                      <a:endParaRPr lang="en-US" sz="1800" dirty="0"/>
+                    </a:p>
+                  </a:txBody>
+                  <a:tcPr/>
+                </a:tc>
+                <a:tc>
+                  <a:txBody>
+                    <a:bodyPr/>
+                    <a:lstStyle/>
+                    <a:p>
+                      <a:pPr algn="ctr"/>
+                      <a:r>
+                        <a:rPr lang="en-US" sz="1800" dirty="0" smtClean="0"/>
+                        <a:t>Ground cumin, curry powder, ground</a:t>
+                      </a:r>
+                      <a:r>
+                        <a:rPr lang="en-US" sz="1800" baseline="0" dirty="0" smtClean="0"/>
+                        <a:t> coriander, ground cinnamon, chickpeas, ground ginger, olive oil</a:t>
+                      </a:r>
+                      <a:endParaRPr lang="en-US" sz="1800" dirty="0" smtClean="0"/>
+                    </a:p>
+                  </a:txBody>
+                  <a:tcPr/>
+                </a:tc>
+                <a:tc>
+                  <a:txBody>
+                    <a:bodyPr/>
+                    <a:lstStyle/>
+                    <a:p>
+                      <a:pPr algn="ctr"/>
+                      <a:r>
+                        <a:rPr lang="en-US" sz="1800" dirty="0" smtClean="0"/>
+                        <a:t>Indian</a:t>
+                      </a:r>
+                    </a:p>
+                  </a:txBody>
+                  <a:tcPr/>
+                </a:tc>
+              </a:tr>
+            </a:tbl>
+          </a:graphicData>
+        </a:graphic>
+      </p:graphicFrame>
+      <p:sp>
+        <p:nvSpPr>
+          <p:cNvPr id="219" name="TextBox 218"/>
+          <p:cNvSpPr txBox="1"/>
+          <p:nvPr/>
+        </p:nvSpPr>
+        <p:spPr>
+          <a:xfrm>
+            <a:off x="26669622" y="25527000"/>
+            <a:ext cx="3558199" cy="477052"/>
+          </a:xfrm>
+          <a:prstGeom prst="rect">
+            <a:avLst/>
+          </a:prstGeom>
+          <a:noFill/>
+          <a:ln w="12700" cap="flat">
+            <a:noFill/>
+            <a:miter lim="400000"/>
+          </a:ln>
+          <a:effectLst/>
+          <a:sp3d/>
+        </p:spPr>
+        <p:style>
+          <a:lnRef idx="0">
+            <a:scrgbClr r="0" g="0" b="0"/>
+          </a:lnRef>
+          <a:fillRef idx="0">
+            <a:scrgbClr r="0" g="0" b="0"/>
+          </a:fillRef>
+          <a:effectRef idx="0">
+            <a:scrgbClr r="0" g="0" b="0"/>
+          </a:effectRef>
+          <a:fontRef idx="none"/>
+        </p:style>
+        <p:txBody>
+          <a:bodyPr rot="0" spcFirstLastPara="1" vertOverflow="overflow" horzOverflow="overflow" vert="horz" wrap="square" lIns="45719" tIns="45719" rIns="45719" bIns="45719" numCol="1" spcCol="38100" rtlCol="0" anchor="t">
+            <a:spAutoFit/>
+          </a:bodyPr>
+          <a:lstStyle/>
+          <a:p>
+            <a:pPr marL="0" marR="0" indent="0" algn="ctr" defTabSz="914400" rtl="0" fontAlgn="auto" latinLnBrk="0" hangingPunct="0">
+              <a:lnSpc>
+                <a:spcPct val="100000"/>
+              </a:lnSpc>
+              <a:spcBef>
+                <a:spcPts val="0"/>
+              </a:spcBef>
+              <a:spcAft>
+                <a:spcPts val="0"/>
+              </a:spcAft>
+              <a:buClrTx/>
+              <a:buSzTx/>
+              <a:buFontTx/>
+              <a:buNone/>
+              <a:tabLst/>
+            </a:pPr>
+            <a:r>
+              <a:rPr kumimoji="0" lang="en-US" sz="2500" b="1" i="0" u="none" strike="noStrike" cap="none" spc="0" normalizeH="0" baseline="0" dirty="0" smtClean="0">
+                <a:ln>
+                  <a:noFill/>
+                </a:ln>
+                <a:solidFill>
+                  <a:srgbClr val="000000"/>
+                </a:solidFill>
+                <a:effectLst/>
+                <a:uFillTx/>
+                <a:latin typeface="+mn-lt"/>
+                <a:ea typeface="+mn-ea"/>
+                <a:cs typeface="+mn-cs"/>
+                <a:sym typeface="Times New Roman"/>
+              </a:rPr>
+              <a:t>PCA</a:t>
+            </a:r>
+            <a:endParaRPr kumimoji="0" lang="en-US" sz="2500" b="1" i="0" u="none" strike="noStrike" cap="none" spc="0" normalizeH="0" baseline="0" dirty="0">
+              <a:ln>
+                <a:noFill/>
+              </a:ln>
+              <a:solidFill>
+                <a:srgbClr val="000000"/>
+              </a:solidFill>
+              <a:effectLst/>
+              <a:uFillTx/>
+              <a:latin typeface="+mn-lt"/>
+              <a:ea typeface="+mn-ea"/>
+              <a:cs typeface="+mn-cs"/>
+              <a:sym typeface="Times New Roman"/>
+            </a:endParaRPr>
+          </a:p>
+        </p:txBody>
+      </p:sp>
     </p:spTree>
   </p:cSld>
   <p:clrMapOvr>

--- a/Poster424.pptx
+++ b/Poster424.pptx
@@ -19806,7 +19806,7 @@
         </p:nvCxnSpPr>
         <p:spPr>
           <a:xfrm>
-            <a:off x="25146000" y="16432532"/>
+            <a:off x="24345900" y="16432532"/>
             <a:ext cx="57150" cy="13786483"/>
           </a:xfrm>
           <a:prstGeom prst="line">
@@ -19850,7 +19850,7 @@
         </p:nvCxnSpPr>
         <p:spPr>
           <a:xfrm>
-            <a:off x="31825239" y="16554593"/>
+            <a:off x="32832382" y="16432532"/>
             <a:ext cx="57150" cy="13786483"/>
           </a:xfrm>
           <a:prstGeom prst="line">

--- a/Poster424.pptx
+++ b/Poster424.pptx
@@ -20330,6 +20330,513 @@
           </a:p>
         </p:txBody>
       </p:sp>
+      <p:pic>
+        <p:nvPicPr>
+          <p:cNvPr id="1031" name="Picture 7"/>
+          <p:cNvPicPr>
+            <a:picLocks noChangeAspect="1" noChangeArrowheads="1"/>
+          </p:cNvPicPr>
+          <p:nvPr/>
+        </p:nvPicPr>
+        <p:blipFill>
+          <a:blip r:embed="rId17">
+            <a:extLst>
+              <a:ext uri="{28A0092B-C50C-407E-A947-70E740481C1C}">
+                <a14:useLocalDpi xmlns:a14="http://schemas.microsoft.com/office/drawing/2010/main" val="0"/>
+              </a:ext>
+            </a:extLst>
+          </a:blip>
+          <a:srcRect/>
+          <a:stretch>
+            <a:fillRect/>
+          </a:stretch>
+        </p:blipFill>
+        <p:spPr bwMode="auto">
+          <a:xfrm>
+            <a:off x="9179117" y="34043502"/>
+            <a:ext cx="4705350" cy="1457325"/>
+          </a:xfrm>
+          <a:prstGeom prst="rect">
+            <a:avLst/>
+          </a:prstGeom>
+          <a:noFill/>
+          <a:ln>
+            <a:noFill/>
+          </a:ln>
+          <a:extLst>
+            <a:ext uri="{909E8E84-426E-40DD-AFC4-6F175D3DCCD1}">
+              <a14:hiddenFill xmlns:a14="http://schemas.microsoft.com/office/drawing/2010/main">
+                <a:solidFill>
+                  <a:schemeClr val="accent1"/>
+                </a:solidFill>
+              </a14:hiddenFill>
+            </a:ext>
+            <a:ext uri="{91240B29-F687-4F45-9708-019B960494DF}">
+              <a14:hiddenLine xmlns:a14="http://schemas.microsoft.com/office/drawing/2010/main" w="9525">
+                <a:solidFill>
+                  <a:schemeClr val="tx1"/>
+                </a:solidFill>
+                <a:miter lim="800000"/>
+                <a:headEnd/>
+                <a:tailEnd/>
+              </a14:hiddenLine>
+            </a:ext>
+          </a:extLst>
+        </p:spPr>
+      </p:pic>
+      <p:sp>
+        <p:nvSpPr>
+          <p:cNvPr id="16" name="TextBox 15"/>
+          <p:cNvSpPr txBox="1"/>
+          <p:nvPr/>
+        </p:nvSpPr>
+        <p:spPr>
+          <a:xfrm>
+            <a:off x="13413864" y="34959295"/>
+            <a:ext cx="2714373" cy="1015661"/>
+          </a:xfrm>
+          <a:prstGeom prst="rect">
+            <a:avLst/>
+          </a:prstGeom>
+          <a:noFill/>
+          <a:ln w="12700" cap="flat">
+            <a:noFill/>
+            <a:miter lim="400000"/>
+          </a:ln>
+          <a:effectLst/>
+          <a:sp3d/>
+        </p:spPr>
+        <p:style>
+          <a:lnRef idx="0">
+            <a:scrgbClr r="0" g="0" b="0"/>
+          </a:lnRef>
+          <a:fillRef idx="0">
+            <a:scrgbClr r="0" g="0" b="0"/>
+          </a:fillRef>
+          <a:effectRef idx="0">
+            <a:scrgbClr r="0" g="0" b="0"/>
+          </a:effectRef>
+          <a:fontRef idx="none"/>
+        </p:style>
+        <p:txBody>
+          <a:bodyPr rot="0" spcFirstLastPara="1" vertOverflow="overflow" horzOverflow="overflow" vert="horz" wrap="square" lIns="45719" tIns="45719" rIns="45719" bIns="45719" numCol="1" spcCol="38100" rtlCol="0" anchor="t">
+            <a:spAutoFit/>
+          </a:bodyPr>
+          <a:lstStyle/>
+          <a:p>
+            <a:pPr marL="0" marR="0" indent="0" algn="l" defTabSz="914400" rtl="0" fontAlgn="auto" latinLnBrk="0" hangingPunct="0">
+              <a:lnSpc>
+                <a:spcPct val="100000"/>
+              </a:lnSpc>
+              <a:spcBef>
+                <a:spcPts val="0"/>
+              </a:spcBef>
+              <a:spcAft>
+                <a:spcPts val="0"/>
+              </a:spcAft>
+              <a:buClrTx/>
+              <a:buSzTx/>
+              <a:buFontTx/>
+              <a:buNone/>
+              <a:tabLst/>
+            </a:pPr>
+            <a:r>
+              <a:rPr lang="en-US" dirty="0"/>
+              <a:t>t</a:t>
+            </a:r>
+            <a:r>
+              <a:rPr kumimoji="0" lang="en-US" sz="2000" b="0" i="0" u="none" strike="noStrike" cap="none" spc="0" normalizeH="0" baseline="0" dirty="0" smtClean="0">
+                <a:ln>
+                  <a:noFill/>
+                </a:ln>
+                <a:solidFill>
+                  <a:srgbClr val="000000"/>
+                </a:solidFill>
+                <a:effectLst/>
+                <a:uFillTx/>
+                <a:latin typeface="+mn-lt"/>
+                <a:ea typeface="+mn-ea"/>
+                <a:cs typeface="+mn-cs"/>
+                <a:sym typeface="Times New Roman"/>
+              </a:rPr>
+              <a:t> = term</a:t>
+            </a:r>
+          </a:p>
+          <a:p>
+            <a:pPr marL="0" marR="0" indent="0" algn="l" defTabSz="914400" rtl="0" fontAlgn="auto" latinLnBrk="0" hangingPunct="0">
+              <a:lnSpc>
+                <a:spcPct val="100000"/>
+              </a:lnSpc>
+              <a:spcBef>
+                <a:spcPts val="0"/>
+              </a:spcBef>
+              <a:spcAft>
+                <a:spcPts val="0"/>
+              </a:spcAft>
+              <a:buClrTx/>
+              <a:buSzTx/>
+              <a:buFontTx/>
+              <a:buNone/>
+              <a:tabLst/>
+            </a:pPr>
+            <a:r>
+              <a:rPr lang="en-US" dirty="0"/>
+              <a:t>d</a:t>
+            </a:r>
+            <a:r>
+              <a:rPr lang="en-US" dirty="0" smtClean="0"/>
+              <a:t> = document</a:t>
+            </a:r>
+          </a:p>
+          <a:p>
+            <a:pPr marL="0" marR="0" indent="0" algn="l" defTabSz="914400" rtl="0" fontAlgn="auto" latinLnBrk="0" hangingPunct="0">
+              <a:lnSpc>
+                <a:spcPct val="100000"/>
+              </a:lnSpc>
+              <a:spcBef>
+                <a:spcPts val="0"/>
+              </a:spcBef>
+              <a:spcAft>
+                <a:spcPts val="0"/>
+              </a:spcAft>
+              <a:buClrTx/>
+              <a:buSzTx/>
+              <a:buFontTx/>
+              <a:buNone/>
+              <a:tabLst/>
+            </a:pPr>
+            <a:r>
+              <a:rPr kumimoji="0" lang="en-US" sz="2000" b="0" i="0" u="none" strike="noStrike" cap="none" spc="0" normalizeH="0" baseline="0" dirty="0" smtClean="0">
+                <a:ln>
+                  <a:noFill/>
+                </a:ln>
+                <a:solidFill>
+                  <a:srgbClr val="000000"/>
+                </a:solidFill>
+                <a:effectLst/>
+                <a:uFillTx/>
+                <a:latin typeface="+mn-lt"/>
+                <a:ea typeface="+mn-ea"/>
+                <a:cs typeface="+mn-cs"/>
+                <a:sym typeface="Times New Roman"/>
+              </a:rPr>
+              <a:t>D = set of all documents</a:t>
+            </a:r>
+            <a:endParaRPr kumimoji="0" lang="en-US" sz="2000" b="0" i="0" u="none" strike="noStrike" cap="none" spc="0" normalizeH="0" baseline="0" dirty="0">
+              <a:ln>
+                <a:noFill/>
+              </a:ln>
+              <a:solidFill>
+                <a:srgbClr val="000000"/>
+              </a:solidFill>
+              <a:effectLst/>
+              <a:uFillTx/>
+              <a:latin typeface="+mn-lt"/>
+              <a:ea typeface="+mn-ea"/>
+              <a:cs typeface="+mn-cs"/>
+              <a:sym typeface="Times New Roman"/>
+            </a:endParaRPr>
+          </a:p>
+        </p:txBody>
+      </p:sp>
+      <p:sp>
+        <p:nvSpPr>
+          <p:cNvPr id="243" name="TextBox 242"/>
+          <p:cNvSpPr txBox="1"/>
+          <p:nvPr/>
+        </p:nvSpPr>
+        <p:spPr>
+          <a:xfrm>
+            <a:off x="18052072" y="32386539"/>
+            <a:ext cx="20422974" cy="3785650"/>
+          </a:xfrm>
+          <a:prstGeom prst="rect">
+            <a:avLst/>
+          </a:prstGeom>
+          <a:noFill/>
+          <a:ln w="12700" cap="flat">
+            <a:noFill/>
+            <a:miter lim="400000"/>
+          </a:ln>
+          <a:effectLst/>
+          <a:sp3d/>
+        </p:spPr>
+        <p:style>
+          <a:lnRef idx="0">
+            <a:scrgbClr r="0" g="0" b="0"/>
+          </a:lnRef>
+          <a:fillRef idx="0">
+            <a:scrgbClr r="0" g="0" b="0"/>
+          </a:fillRef>
+          <a:effectRef idx="0">
+            <a:scrgbClr r="0" g="0" b="0"/>
+          </a:effectRef>
+          <a:fontRef idx="none"/>
+        </p:style>
+        <p:txBody>
+          <a:bodyPr rot="0" spcFirstLastPara="1" vertOverflow="overflow" horzOverflow="overflow" vert="horz" wrap="square" lIns="45719" tIns="45719" rIns="45719" bIns="45719" numCol="1" spcCol="38100" rtlCol="0" anchor="t">
+            <a:spAutoFit/>
+          </a:bodyPr>
+          <a:lstStyle/>
+          <a:p>
+            <a:pPr marL="457200" marR="0" indent="-457200" algn="l" defTabSz="914400" rtl="0" fontAlgn="auto" latinLnBrk="0" hangingPunct="0">
+              <a:lnSpc>
+                <a:spcPct val="100000"/>
+              </a:lnSpc>
+              <a:spcBef>
+                <a:spcPts val="0"/>
+              </a:spcBef>
+              <a:spcAft>
+                <a:spcPts val="0"/>
+              </a:spcAft>
+              <a:buClrTx/>
+              <a:buSzTx/>
+              <a:buFont typeface="Arial" charset="0"/>
+              <a:buChar char="•"/>
+              <a:tabLst/>
+            </a:pPr>
+            <a:r>
+              <a:rPr lang="en-US" sz="3000" b="1" dirty="0" smtClean="0"/>
+              <a:t>Supervised and unsupervised learning extracts similar features, which match “top 10 signature ingredients” based on TF-IDF on cuisines</a:t>
+            </a:r>
+          </a:p>
+          <a:p>
+            <a:pPr marL="457200" marR="0" indent="-457200" algn="l" defTabSz="914400" rtl="0" fontAlgn="auto" latinLnBrk="0" hangingPunct="0">
+              <a:lnSpc>
+                <a:spcPct val="100000"/>
+              </a:lnSpc>
+              <a:spcBef>
+                <a:spcPts val="0"/>
+              </a:spcBef>
+              <a:spcAft>
+                <a:spcPts val="0"/>
+              </a:spcAft>
+              <a:buClrTx/>
+              <a:buSzTx/>
+              <a:buFont typeface="Arial" charset="0"/>
+              <a:buChar char="•"/>
+              <a:tabLst/>
+            </a:pPr>
+            <a:r>
+              <a:rPr lang="en-US" sz="3000" b="1" dirty="0" smtClean="0"/>
+              <a:t>Cuisines are clustered by geography  (PCA, Hierarchical Clustering)</a:t>
+            </a:r>
+          </a:p>
+          <a:p>
+            <a:pPr marL="457200" marR="0" indent="-457200" algn="l" defTabSz="914400" rtl="0" fontAlgn="auto" latinLnBrk="0" hangingPunct="0">
+              <a:lnSpc>
+                <a:spcPct val="100000"/>
+              </a:lnSpc>
+              <a:spcBef>
+                <a:spcPts val="0"/>
+              </a:spcBef>
+              <a:spcAft>
+                <a:spcPts val="0"/>
+              </a:spcAft>
+              <a:buClrTx/>
+              <a:buSzTx/>
+              <a:buFont typeface="Arial" charset="0"/>
+              <a:buChar char="•"/>
+              <a:tabLst/>
+            </a:pPr>
+            <a:r>
+              <a:rPr lang="en-US" sz="3000" b="1" dirty="0" smtClean="0"/>
+              <a:t>Latent topic models can extract cuisines (BMF, LDA)</a:t>
+            </a:r>
+          </a:p>
+          <a:p>
+            <a:pPr marL="457200" marR="0" indent="-457200" algn="l" defTabSz="914400" rtl="0" fontAlgn="auto" latinLnBrk="0" hangingPunct="0">
+              <a:lnSpc>
+                <a:spcPct val="100000"/>
+              </a:lnSpc>
+              <a:spcBef>
+                <a:spcPts val="0"/>
+              </a:spcBef>
+              <a:spcAft>
+                <a:spcPts val="0"/>
+              </a:spcAft>
+              <a:buClrTx/>
+              <a:buSzTx/>
+              <a:buFont typeface="Arial" charset="0"/>
+              <a:buChar char="•"/>
+              <a:tabLst/>
+            </a:pPr>
+            <a:r>
+              <a:rPr lang="en-US" sz="3000" b="1" dirty="0" smtClean="0"/>
+              <a:t>Salt, onions are most common ingredients (SVD, Market Basket)  (</a:t>
+            </a:r>
+            <a:r>
+              <a:rPr lang="en-US" sz="3000" b="1" dirty="0" smtClean="0">
+                <a:sym typeface="Wingdings" panose="05000000000000000000" pitchFamily="2" charset="2"/>
+              </a:rPr>
+              <a:t></a:t>
+            </a:r>
+            <a:r>
+              <a:rPr lang="en-US" sz="3000" b="1" dirty="0" smtClean="0"/>
+              <a:t>?? Reword sentence?)</a:t>
+            </a:r>
+          </a:p>
+          <a:p>
+            <a:pPr marL="457200" marR="0" indent="-457200" algn="l" defTabSz="914400" rtl="0" fontAlgn="auto" latinLnBrk="0" hangingPunct="0">
+              <a:lnSpc>
+                <a:spcPct val="100000"/>
+              </a:lnSpc>
+              <a:spcBef>
+                <a:spcPts val="0"/>
+              </a:spcBef>
+              <a:spcAft>
+                <a:spcPts val="0"/>
+              </a:spcAft>
+              <a:buClrTx/>
+              <a:buSzTx/>
+              <a:buFont typeface="Arial" charset="0"/>
+              <a:buChar char="•"/>
+              <a:tabLst/>
+            </a:pPr>
+            <a:endParaRPr lang="en-US" sz="3000" b="1" dirty="0"/>
+          </a:p>
+          <a:p>
+            <a:pPr marR="0" algn="l" defTabSz="914400" rtl="0" fontAlgn="auto" latinLnBrk="0" hangingPunct="0">
+              <a:lnSpc>
+                <a:spcPct val="100000"/>
+              </a:lnSpc>
+              <a:spcBef>
+                <a:spcPts val="0"/>
+              </a:spcBef>
+              <a:spcAft>
+                <a:spcPts val="0"/>
+              </a:spcAft>
+              <a:buClrTx/>
+              <a:buSzTx/>
+              <a:tabLst/>
+            </a:pPr>
+            <a:r>
+              <a:rPr lang="en-US" sz="3000" b="1" dirty="0" smtClean="0"/>
+              <a:t>Question: Do we need LL, BIC metrics for unsupervised learning, given findings are so different? </a:t>
+            </a:r>
+            <a:endParaRPr lang="en-US" sz="3000" b="1" dirty="0" smtClean="0"/>
+          </a:p>
+          <a:p>
+            <a:pPr marL="457200" marR="0" indent="-457200" algn="l" defTabSz="914400" rtl="0" fontAlgn="auto" latinLnBrk="0" hangingPunct="0">
+              <a:lnSpc>
+                <a:spcPct val="100000"/>
+              </a:lnSpc>
+              <a:spcBef>
+                <a:spcPts val="0"/>
+              </a:spcBef>
+              <a:spcAft>
+                <a:spcPts val="0"/>
+              </a:spcAft>
+              <a:buClrTx/>
+              <a:buSzTx/>
+              <a:buFont typeface="Arial" charset="0"/>
+              <a:buChar char="•"/>
+              <a:tabLst/>
+            </a:pPr>
+            <a:endParaRPr kumimoji="0" lang="en-US" sz="3000" b="0" i="0" u="none" strike="noStrike" cap="none" spc="0" normalizeH="0" baseline="0" dirty="0" smtClean="0">
+              <a:ln>
+                <a:noFill/>
+              </a:ln>
+              <a:solidFill>
+                <a:srgbClr val="000000"/>
+              </a:solidFill>
+              <a:effectLst/>
+              <a:uFillTx/>
+              <a:sym typeface="Times New Roman"/>
+            </a:endParaRPr>
+          </a:p>
+        </p:txBody>
+      </p:sp>
+      <p:sp>
+        <p:nvSpPr>
+          <p:cNvPr id="250" name="Shape 260" descr="Rectangle 49"/>
+          <p:cNvSpPr/>
+          <p:nvPr/>
+        </p:nvSpPr>
+        <p:spPr>
+          <a:xfrm>
+            <a:off x="18279101" y="7999731"/>
+            <a:ext cx="5583172" cy="584775"/>
+          </a:xfrm>
+          <a:prstGeom prst="rect">
+            <a:avLst/>
+          </a:prstGeom>
+          <a:ln w="12700">
+            <a:miter lim="400000"/>
+          </a:ln>
+          <a:extLst>
+            <a:ext uri="{C572A759-6A51-4108-AA02-DFA0A04FC94B}">
+              <ma14:wrappingTextBoxFlag xmlns="" xmlns:ma14="http://schemas.microsoft.com/office/mac/drawingml/2011/main" val="1"/>
+            </a:ext>
+          </a:extLst>
+        </p:spPr>
+        <p:txBody>
+          <a:bodyPr wrap="square" lIns="45719" rIns="45719">
+            <a:spAutoFit/>
+          </a:bodyPr>
+          <a:lstStyle/>
+          <a:p>
+            <a:pPr algn="ctr">
+              <a:defRPr sz="3200" b="1">
+                <a:latin typeface="Myriad Pro"/>
+                <a:ea typeface="Myriad Pro"/>
+                <a:cs typeface="Myriad Pro"/>
+                <a:sym typeface="Myriad Pro"/>
+              </a:defRPr>
+            </a:pPr>
+            <a:r>
+              <a:rPr lang="en-US" dirty="0" smtClean="0"/>
+              <a:t>Extracted Features</a:t>
+            </a:r>
+            <a:endParaRPr dirty="0"/>
+          </a:p>
+        </p:txBody>
+      </p:sp>
+      <p:sp>
+        <p:nvSpPr>
+          <p:cNvPr id="266" name="Shape 260" descr="Rectangle 49"/>
+          <p:cNvSpPr/>
+          <p:nvPr/>
+        </p:nvSpPr>
+        <p:spPr>
+          <a:xfrm>
+            <a:off x="25697688" y="8003252"/>
+            <a:ext cx="5583172" cy="584775"/>
+          </a:xfrm>
+          <a:prstGeom prst="rect">
+            <a:avLst/>
+          </a:prstGeom>
+          <a:ln w="12700">
+            <a:miter lim="400000"/>
+          </a:ln>
+          <a:extLst>
+            <a:ext uri="{C572A759-6A51-4108-AA02-DFA0A04FC94B}">
+              <ma14:wrappingTextBoxFlag xmlns="" xmlns:ma14="http://schemas.microsoft.com/office/mac/drawingml/2011/main" val="1"/>
+            </a:ext>
+          </a:extLst>
+        </p:spPr>
+        <p:txBody>
+          <a:bodyPr wrap="square" lIns="45719" rIns="45719">
+            <a:spAutoFit/>
+          </a:bodyPr>
+          <a:lstStyle/>
+          <a:p>
+            <a:pPr algn="ctr">
+              <a:defRPr sz="3200" b="1">
+                <a:latin typeface="Myriad Pro"/>
+                <a:ea typeface="Myriad Pro"/>
+                <a:cs typeface="Myriad Pro"/>
+                <a:sym typeface="Myriad Pro"/>
+              </a:defRPr>
+            </a:pPr>
+            <a:r>
+              <a:rPr lang="en-US" dirty="0" smtClean="0"/>
+              <a:t>Accuracy + f1-score Plot</a:t>
+            </a:r>
+            <a:endParaRPr dirty="0"/>
+          </a:p>
+        </p:txBody>
+      </p:sp>
     </p:spTree>
   </p:cSld>
   <p:clrMapOvr>

--- a/Poster424.pptx
+++ b/Poster424.pptx
@@ -20547,8 +20547,8 @@
         </p:nvSpPr>
         <p:spPr>
           <a:xfrm>
-            <a:off x="18052072" y="32386539"/>
-            <a:ext cx="20422974" cy="3785650"/>
+            <a:off x="18052072" y="31951368"/>
+            <a:ext cx="20422974" cy="4247315"/>
           </a:xfrm>
           <a:prstGeom prst="rect">
             <a:avLst/>
@@ -20712,7 +20712,15 @@
             </a:pPr>
             <a:r>
               <a:rPr lang="en-US" sz="3000" b="1" dirty="0" smtClean="0"/>
-              <a:t>Question: Do we need LL, BIC metrics for unsupervised learning, given findings are so different? </a:t>
+              <a:t>Questions for TAs/Prof: Do we need LL, BIC metrics for unsupervised learning, given findings are so different?  Why does standardizing data make PCA results look weird? (</a:t>
+            </a:r>
+            <a:r>
+              <a:rPr lang="en-US" sz="3000" b="1" dirty="0" err="1" smtClean="0"/>
+              <a:t>bc</a:t>
+            </a:r>
+            <a:r>
+              <a:rPr lang="en-US" sz="3000" b="1" dirty="0" smtClean="0"/>
+              <a:t> of binary nature of data?)</a:t>
             </a:r>
             <a:endParaRPr lang="en-US" sz="3000" b="1" dirty="0" smtClean="0"/>
           </a:p>

--- a/Poster424.pptx
+++ b/Poster424.pptx
@@ -312,7 +312,7 @@
   </p:defaultTextStyle>
   <p:extLst>
     <p:ext uri="{EFAFB233-063F-42B5-8137-9DF3F51BA10A}">
-      <p15:sldGuideLst xmlns:p15="http://schemas.microsoft.com/office/powerpoint/2012/main">
+      <p15:sldGuideLst xmlns:p15="http://schemas.microsoft.com/office/powerpoint/2012/main" xmlns="">
         <p15:guide id="1" orient="horz" pos="11520">
           <p15:clr>
             <a:srgbClr val="A4A3A4"/>
@@ -2263,7 +2263,7 @@
           </a:ln>
           <a:extLst>
             <a:ext uri="{C572A759-6A51-4108-AA02-DFA0A04FC94B}">
-              <ma14:wrappingTextBoxFlag xmlns:ma14="http://schemas.microsoft.com/office/mac/drawingml/2011/main" xmlns="" val="1"/>
+              <ma14:wrappingTextBoxFlag xmlns="" xmlns:ma14="http://schemas.microsoft.com/office/mac/drawingml/2011/main" val="1"/>
             </a:ext>
           </a:extLst>
         </p:spPr>
@@ -2302,7 +2302,7 @@
           </a:ln>
           <a:extLst>
             <a:ext uri="{C572A759-6A51-4108-AA02-DFA0A04FC94B}">
-              <ma14:wrappingTextBoxFlag xmlns:ma14="http://schemas.microsoft.com/office/mac/drawingml/2011/main" xmlns="" val="1"/>
+              <ma14:wrappingTextBoxFlag xmlns="" xmlns:ma14="http://schemas.microsoft.com/office/mac/drawingml/2011/main" val="1"/>
             </a:ext>
           </a:extLst>
         </p:spPr>
@@ -3387,7 +3387,7 @@
           </a:ln>
           <a:extLst>
             <a:ext uri="{C572A759-6A51-4108-AA02-DFA0A04FC94B}">
-              <ma14:wrappingTextBoxFlag xmlns:ma14="http://schemas.microsoft.com/office/mac/drawingml/2011/main" xmlns="" val="1"/>
+              <ma14:wrappingTextBoxFlag xmlns="" xmlns:ma14="http://schemas.microsoft.com/office/mac/drawingml/2011/main" val="1"/>
             </a:ext>
           </a:extLst>
         </p:spPr>
@@ -3536,7 +3536,7 @@
           </a:ln>
           <a:extLst>
             <a:ext uri="{C572A759-6A51-4108-AA02-DFA0A04FC94B}">
-              <ma14:wrappingTextBoxFlag xmlns:ma14="http://schemas.microsoft.com/office/mac/drawingml/2011/main" xmlns="" val="1"/>
+              <ma14:wrappingTextBoxFlag xmlns="" xmlns:ma14="http://schemas.microsoft.com/office/mac/drawingml/2011/main" val="1"/>
             </a:ext>
           </a:extLst>
         </p:spPr>
@@ -3561,6 +3561,72 @@
               </a:defRPr>
             </a:pPr>
             <a:r>
+              <a:rPr lang="en-US" sz="8000" dirty="0" smtClean="0">
+                <a:ln w="15875">
+                  <a:solidFill>
+                    <a:schemeClr val="bg1">
+                      <a:alpha val="45000"/>
+                    </a:schemeClr>
+                  </a:solidFill>
+                </a:ln>
+                <a:solidFill>
+                  <a:schemeClr val="bg1"/>
+                </a:solidFill>
+                <a:effectLst>
+                  <a:glow rad="228600">
+                    <a:schemeClr val="tx1">
+                      <a:alpha val="40000"/>
+                    </a:schemeClr>
+                  </a:glow>
+                </a:effectLst>
+              </a:rPr>
+              <a:t>Recipe Ingredients Inform </a:t>
+            </a:r>
+            <a:r>
+              <a:rPr lang="en-US" sz="8000" dirty="0" smtClean="0">
+                <a:ln w="15875">
+                  <a:solidFill>
+                    <a:schemeClr val="bg1">
+                      <a:alpha val="45000"/>
+                    </a:schemeClr>
+                  </a:solidFill>
+                </a:ln>
+                <a:solidFill>
+                  <a:schemeClr val="bg1"/>
+                </a:solidFill>
+                <a:effectLst>
+                  <a:glow rad="228600">
+                    <a:schemeClr val="tx1">
+                      <a:alpha val="40000"/>
+                    </a:schemeClr>
+                  </a:glow>
+                </a:effectLst>
+              </a:rPr>
+              <a:t>Cuisine </a:t>
+            </a:r>
+            <a:r>
+              <a:rPr lang="en-US" sz="8000" dirty="0" smtClean="0">
+                <a:ln w="15875">
+                  <a:solidFill>
+                    <a:schemeClr val="bg1">
+                      <a:alpha val="45000"/>
+                    </a:schemeClr>
+                  </a:solidFill>
+                </a:ln>
+                <a:solidFill>
+                  <a:schemeClr val="bg1"/>
+                </a:solidFill>
+                <a:effectLst>
+                  <a:glow rad="228600">
+                    <a:schemeClr val="tx1">
+                      <a:alpha val="40000"/>
+                    </a:schemeClr>
+                  </a:glow>
+                </a:effectLst>
+              </a:rPr>
+              <a:t>of </a:t>
+            </a:r>
+            <a:r>
               <a:rPr lang="en-US" sz="8000" dirty="0">
                 <a:ln w="15875">
                   <a:solidFill>
@@ -3580,9 +3646,9 @@
                   </a:glow>
                 </a:effectLst>
               </a:rPr>
-              <a:t>Ingredients Inform a Recipe’s Culture of Origin (or other title)</a:t>
+              <a:t>Origin </a:t>
             </a:r>
-            <a:endParaRPr sz="8000" dirty="0">
+            <a:endParaRPr lang="en-US" sz="8000" dirty="0" smtClean="0">
               <a:ln w="15875">
                 <a:solidFill>
                   <a:schemeClr val="bg1">
@@ -3607,7 +3673,7 @@
               <a:lnSpc>
                 <a:spcPts val="9200"/>
               </a:lnSpc>
-              <a:defRPr sz="4500">
+              <a:defRPr sz="5400" b="1">
                 <a:solidFill>
                   <a:srgbClr val="1A2944"/>
                 </a:solidFill>
@@ -3617,6 +3683,28 @@
                 <a:sym typeface="Myriad Pro"/>
               </a:defRPr>
             </a:pPr>
+            <a:r>
+              <a:rPr lang="en-US" sz="5000" dirty="0" smtClean="0">
+                <a:ln w="15875">
+                  <a:solidFill>
+                    <a:schemeClr val="bg1">
+                      <a:alpha val="45000"/>
+                    </a:schemeClr>
+                  </a:solidFill>
+                </a:ln>
+                <a:solidFill>
+                  <a:schemeClr val="bg1"/>
+                </a:solidFill>
+                <a:effectLst>
+                  <a:glow rad="228600">
+                    <a:schemeClr val="tx1">
+                      <a:alpha val="40000"/>
+                    </a:schemeClr>
+                  </a:glow>
+                </a:effectLst>
+              </a:rPr>
+              <a:t>Collins </a:t>
+            </a:r>
             <a:r>
               <a:rPr lang="en-US" sz="5000" dirty="0">
                 <a:ln w="15875">
@@ -3637,7 +3725,7 @@
                   </a:glow>
                 </a:effectLst>
               </a:rPr>
-              <a:t>Collins Metto</a:t>
+              <a:t>Metto</a:t>
             </a:r>
             <a:r>
               <a:rPr lang="en-US" sz="5000" baseline="30000" dirty="0">
@@ -3725,51 +3813,7 @@
                   </a:glow>
                 </a:effectLst>
               </a:rPr>
-              <a:t>, </a:t>
-            </a:r>
-            <a:r>
-              <a:rPr lang="en-US" sz="5000" dirty="0" err="1">
-                <a:ln w="15875">
-                  <a:solidFill>
-                    <a:schemeClr val="bg1">
-                      <a:alpha val="45000"/>
-                    </a:schemeClr>
-                  </a:solidFill>
-                </a:ln>
-                <a:solidFill>
-                  <a:schemeClr val="bg1"/>
-                </a:solidFill>
-                <a:effectLst>
-                  <a:glow rad="228600">
-                    <a:schemeClr val="tx1">
-                      <a:alpha val="40000"/>
-                    </a:schemeClr>
-                  </a:glow>
-                </a:effectLst>
-              </a:rPr>
-              <a:t>Lili</a:t>
-            </a:r>
-            <a:r>
-              <a:rPr lang="en-US" sz="5000" dirty="0">
-                <a:ln w="15875">
-                  <a:solidFill>
-                    <a:schemeClr val="bg1">
-                      <a:alpha val="45000"/>
-                    </a:schemeClr>
-                  </a:solidFill>
-                </a:ln>
-                <a:solidFill>
-                  <a:schemeClr val="bg1"/>
-                </a:solidFill>
-                <a:effectLst>
-                  <a:glow rad="228600">
-                    <a:schemeClr val="tx1">
-                      <a:alpha val="40000"/>
-                    </a:schemeClr>
-                  </a:glow>
-                </a:effectLst>
-              </a:rPr>
-              <a:t> Cai</a:t>
+              <a:t>, Lili Cai</a:t>
             </a:r>
             <a:r>
               <a:rPr lang="en-US" sz="5000" baseline="30000" dirty="0">
@@ -3902,6 +3946,28 @@
                 </a:effectLst>
               </a:rPr>
               <a:t> </a:t>
+            </a:r>
+            <a:r>
+              <a:rPr sz="5000" baseline="30000" dirty="0">
+                <a:ln w="15875">
+                  <a:solidFill>
+                    <a:schemeClr val="bg1">
+                      <a:alpha val="45000"/>
+                    </a:schemeClr>
+                  </a:solidFill>
+                </a:ln>
+                <a:solidFill>
+                  <a:schemeClr val="bg1"/>
+                </a:solidFill>
+                <a:effectLst>
+                  <a:glow rad="228600">
+                    <a:schemeClr val="tx1">
+                      <a:alpha val="40000"/>
+                    </a:schemeClr>
+                  </a:glow>
+                </a:effectLst>
+              </a:rPr>
+              <a:t/>
             </a:r>
             <a:br>
               <a:rPr sz="5000" baseline="30000" dirty="0">
@@ -4185,7 +4251,7 @@
           </a:ln>
           <a:extLst>
             <a:ext uri="{C572A759-6A51-4108-AA02-DFA0A04FC94B}">
-              <ma14:wrappingTextBoxFlag xmlns:ma14="http://schemas.microsoft.com/office/mac/drawingml/2011/main" xmlns="" val="1"/>
+              <ma14:wrappingTextBoxFlag xmlns="" xmlns:ma14="http://schemas.microsoft.com/office/mac/drawingml/2011/main" val="1"/>
             </a:ext>
           </a:extLst>
         </p:spPr>
@@ -4231,7 +4297,7 @@
           </a:ln>
           <a:extLst>
             <a:ext uri="{C572A759-6A51-4108-AA02-DFA0A04FC94B}">
-              <ma14:wrappingTextBoxFlag xmlns:ma14="http://schemas.microsoft.com/office/mac/drawingml/2011/main" xmlns="" val="1"/>
+              <ma14:wrappingTextBoxFlag xmlns="" xmlns:ma14="http://schemas.microsoft.com/office/mac/drawingml/2011/main" val="1"/>
             </a:ext>
           </a:extLst>
         </p:spPr>
@@ -4289,7 +4355,7 @@
           </a:ln>
           <a:extLst>
             <a:ext uri="{C572A759-6A51-4108-AA02-DFA0A04FC94B}">
-              <ma14:wrappingTextBoxFlag xmlns:ma14="http://schemas.microsoft.com/office/mac/drawingml/2011/main" xmlns="" val="1"/>
+              <ma14:wrappingTextBoxFlag xmlns="" xmlns:ma14="http://schemas.microsoft.com/office/mac/drawingml/2011/main" val="1"/>
             </a:ext>
           </a:extLst>
         </p:spPr>
@@ -4380,7 +4446,7 @@
           </a:ln>
           <a:extLst>
             <a:ext uri="{C572A759-6A51-4108-AA02-DFA0A04FC94B}">
-              <ma14:wrappingTextBoxFlag xmlns:ma14="http://schemas.microsoft.com/office/mac/drawingml/2011/main" xmlns="" val="1"/>
+              <ma14:wrappingTextBoxFlag xmlns="" xmlns:ma14="http://schemas.microsoft.com/office/mac/drawingml/2011/main" val="1"/>
             </a:ext>
           </a:extLst>
         </p:spPr>
@@ -4423,7 +4489,7 @@
         <p:spPr>
           <a:xfrm>
             <a:off x="1447800" y="7450752"/>
-            <a:ext cx="14355161" cy="4001095"/>
+            <a:ext cx="14355161" cy="4370427"/>
           </a:xfrm>
           <a:prstGeom prst="rect">
             <a:avLst/>
@@ -4433,7 +4499,7 @@
           </a:ln>
           <a:extLst>
             <a:ext uri="{C572A759-6A51-4108-AA02-DFA0A04FC94B}">
-              <ma14:wrappingTextBoxFlag xmlns:ma14="http://schemas.microsoft.com/office/mac/drawingml/2011/main" xmlns="" val="1"/>
+              <ma14:wrappingTextBoxFlag xmlns="" xmlns:ma14="http://schemas.microsoft.com/office/mac/drawingml/2011/main" val="1"/>
             </a:ext>
           </a:extLst>
         </p:spPr>
@@ -4456,7 +4522,19 @@
             </a:pPr>
             <a:r>
               <a:rPr lang="en-US" dirty="0"/>
-              <a:t>Can recipe ingredients inform their culture of origin, and if so, which ingredients are most predictive?</a:t>
+              <a:t>Can recipe ingredients inform their </a:t>
+            </a:r>
+            <a:r>
+              <a:rPr lang="en-US" dirty="0" smtClean="0"/>
+              <a:t>cuisine of </a:t>
+            </a:r>
+            <a:r>
+              <a:rPr lang="en-US" dirty="0"/>
+              <a:t>origin, and if so, which ingredients are most predictive</a:t>
+            </a:r>
+            <a:r>
+              <a:rPr lang="en-US" dirty="0" smtClean="0"/>
+              <a:t>? Can unsupervised learning pick up latent cuisines? </a:t>
             </a:r>
             <a:endParaRPr dirty="0"/>
           </a:p>
@@ -4487,12 +4565,12 @@
               </a:defRPr>
             </a:pPr>
             <a:r>
-              <a:rPr lang="en-US" dirty="0" err="1"/>
-              <a:t>Kaggle’s</a:t>
+              <a:rPr lang="en-US" dirty="0" smtClean="0"/>
+              <a:t>The </a:t>
             </a:r>
             <a:r>
               <a:rPr lang="en-US" dirty="0"/>
-              <a:t> “What’s Cooking” dataset has 39.5k recipes from 20 cuisines. Each recipe has 1 to 65 ingredients from 6714 possible ingredients. </a:t>
+              <a:t>“What’s Cooking” dataset has 39.5k recipes from 20 cuisines. Each recipe has 1 to 65 ingredients from 6714 possible ingredients. </a:t>
             </a:r>
           </a:p>
           <a:p>
@@ -4562,7 +4640,15 @@
             </a:pPr>
             <a:r>
               <a:rPr lang="en-US" dirty="0"/>
-              <a:t>We extend the challenge by using unsupervised learning to look at ingredient relationships, cuisine relationships, and if natural clusters emerge based on recipe ingredients.  We find key relationships between within and across ingredients and cuisines. Topic models were able to recover latent cuisines. </a:t>
+              <a:t>We extend the challenge by using unsupervised learning to look at ingredient relationships, cuisine relationships, and if natural clusters emerge based on recipe ingredients.  We find key relationships </a:t>
+            </a:r>
+            <a:r>
+              <a:rPr lang="en-US" dirty="0" smtClean="0"/>
+              <a:t>within </a:t>
+            </a:r>
+            <a:r>
+              <a:rPr lang="en-US" dirty="0"/>
+              <a:t>and across ingredients and cuisines. Topic models were able to recover latent cuisines. </a:t>
             </a:r>
             <a:endParaRPr dirty="0"/>
           </a:p>
@@ -4593,7 +4679,7 @@
           </a:ln>
           <a:extLst>
             <a:ext uri="{C572A759-6A51-4108-AA02-DFA0A04FC94B}">
-              <ma14:wrappingTextBoxFlag xmlns:ma14="http://schemas.microsoft.com/office/mac/drawingml/2011/main" xmlns="" val="1"/>
+              <ma14:wrappingTextBoxFlag xmlns="" xmlns:ma14="http://schemas.microsoft.com/office/mac/drawingml/2011/main" val="1"/>
             </a:ext>
           </a:extLst>
         </p:spPr>
@@ -4653,7 +4739,7 @@
           </a:ln>
           <a:extLst>
             <a:ext uri="{C572A759-6A51-4108-AA02-DFA0A04FC94B}">
-              <ma14:wrappingTextBoxFlag xmlns:ma14="http://schemas.microsoft.com/office/mac/drawingml/2011/main" xmlns="" val="1"/>
+              <ma14:wrappingTextBoxFlag xmlns="" xmlns:ma14="http://schemas.microsoft.com/office/mac/drawingml/2011/main" val="1"/>
             </a:ext>
           </a:extLst>
         </p:spPr>
@@ -4682,7 +4768,23 @@
           <a:p>
             <a:r>
               <a:rPr lang="en-US" dirty="0"/>
-              <a:t>SUPERVISED LEARNING: Features selected matches signature ingredients, most predictive cuisines are most dissimilar to others based correlation analysis</a:t>
+              <a:t>SUPERVISED LEARNING: Features selected matches signature ingredients, most predictive cuisines are </a:t>
+            </a:r>
+            <a:r>
+              <a:rPr lang="en-US" dirty="0" smtClean="0"/>
+              <a:t>dissimilar </a:t>
+            </a:r>
+            <a:r>
+              <a:rPr lang="en-US" dirty="0"/>
+              <a:t>to others based </a:t>
+            </a:r>
+            <a:r>
+              <a:rPr lang="en-US" dirty="0" smtClean="0"/>
+              <a:t>on correlation </a:t>
+            </a:r>
+            <a:r>
+              <a:rPr lang="en-US" dirty="0"/>
+              <a:t>analysis</a:t>
             </a:r>
             <a:endParaRPr dirty="0"/>
           </a:p>
@@ -4713,7 +4815,7 @@
           </a:ln>
           <a:extLst>
             <a:ext uri="{C572A759-6A51-4108-AA02-DFA0A04FC94B}">
-              <ma14:wrappingTextBoxFlag xmlns:ma14="http://schemas.microsoft.com/office/mac/drawingml/2011/main" xmlns="" val="1"/>
+              <ma14:wrappingTextBoxFlag xmlns="" xmlns:ma14="http://schemas.microsoft.com/office/mac/drawingml/2011/main" val="1"/>
             </a:ext>
           </a:extLst>
         </p:spPr>
@@ -4773,7 +4875,7 @@
           </a:ln>
           <a:extLst>
             <a:ext uri="{C572A759-6A51-4108-AA02-DFA0A04FC94B}">
-              <ma14:wrappingTextBoxFlag xmlns:ma14="http://schemas.microsoft.com/office/mac/drawingml/2011/main" xmlns="" val="1"/>
+              <ma14:wrappingTextBoxFlag xmlns="" xmlns:ma14="http://schemas.microsoft.com/office/mac/drawingml/2011/main" val="1"/>
             </a:ext>
           </a:extLst>
         </p:spPr>
@@ -4827,7 +4929,7 @@
           </a:ln>
           <a:extLst>
             <a:ext uri="{C572A759-6A51-4108-AA02-DFA0A04FC94B}">
-              <ma14:wrappingTextBoxFlag xmlns:ma14="http://schemas.microsoft.com/office/mac/drawingml/2011/main" xmlns="" val="1"/>
+              <ma14:wrappingTextBoxFlag xmlns="" xmlns:ma14="http://schemas.microsoft.com/office/mac/drawingml/2011/main" val="1"/>
             </a:ext>
           </a:extLst>
         </p:spPr>
@@ -4984,7 +5086,7 @@
           </a:ln>
           <a:extLst>
             <a:ext uri="{C572A759-6A51-4108-AA02-DFA0A04FC94B}">
-              <ma14:wrappingTextBoxFlag xmlns:ma14="http://schemas.microsoft.com/office/mac/drawingml/2011/main" xmlns="" val="1"/>
+              <ma14:wrappingTextBoxFlag xmlns="" xmlns:ma14="http://schemas.microsoft.com/office/mac/drawingml/2011/main" val="1"/>
             </a:ext>
           </a:extLst>
         </p:spPr>
@@ -5038,7 +5140,7 @@
           </a:ln>
           <a:extLst>
             <a:ext uri="{C572A759-6A51-4108-AA02-DFA0A04FC94B}">
-              <ma14:wrappingTextBoxFlag xmlns:ma14="http://schemas.microsoft.com/office/mac/drawingml/2011/main" xmlns="" val="1"/>
+              <ma14:wrappingTextBoxFlag xmlns="" xmlns:ma14="http://schemas.microsoft.com/office/mac/drawingml/2011/main" val="1"/>
             </a:ext>
           </a:extLst>
         </p:spPr>
@@ -5099,7 +5201,7 @@
           </a:ln>
           <a:extLst>
             <a:ext uri="{C572A759-6A51-4108-AA02-DFA0A04FC94B}">
-              <ma14:wrappingTextBoxFlag xmlns:ma14="http://schemas.microsoft.com/office/mac/drawingml/2011/main" xmlns="" val="1"/>
+              <ma14:wrappingTextBoxFlag xmlns="" xmlns:ma14="http://schemas.microsoft.com/office/mac/drawingml/2011/main" val="1"/>
             </a:ext>
           </a:extLst>
         </p:spPr>
@@ -5157,7 +5259,7 @@
             </a:ln>
             <a:extLst>
               <a:ext uri="{C572A759-6A51-4108-AA02-DFA0A04FC94B}">
-                <ma14:wrappingTextBoxFlag xmlns:ma14="http://schemas.microsoft.com/office/mac/drawingml/2011/main" xmlns="" val="1"/>
+                <ma14:wrappingTextBoxFlag xmlns="" xmlns:ma14="http://schemas.microsoft.com/office/mac/drawingml/2011/main" val="1"/>
               </a:ext>
             </a:extLst>
           </p:spPr>
@@ -5241,7 +5343,7 @@
             </a:ln>
             <a:extLst>
               <a:ext uri="{C572A759-6A51-4108-AA02-DFA0A04FC94B}">
-                <ma14:wrappingTextBoxFlag xmlns:ma14="http://schemas.microsoft.com/office/mac/drawingml/2011/main" xmlns="" val="1"/>
+                <ma14:wrappingTextBoxFlag xmlns="" xmlns:ma14="http://schemas.microsoft.com/office/mac/drawingml/2011/main" val="1"/>
               </a:ext>
             </a:extLst>
           </p:spPr>
@@ -5326,7 +5428,7 @@
             </a:ln>
             <a:extLst>
               <a:ext uri="{C572A759-6A51-4108-AA02-DFA0A04FC94B}">
-                <ma14:wrappingTextBoxFlag xmlns:ma14="http://schemas.microsoft.com/office/mac/drawingml/2011/main" xmlns="" val="1"/>
+                <ma14:wrappingTextBoxFlag xmlns="" xmlns:ma14="http://schemas.microsoft.com/office/mac/drawingml/2011/main" val="1"/>
               </a:ext>
             </a:extLst>
           </p:spPr>
@@ -5464,7 +5566,7 @@
             </a:ln>
             <a:extLst>
               <a:ext uri="{C572A759-6A51-4108-AA02-DFA0A04FC94B}">
-                <ma14:wrappingTextBoxFlag xmlns:ma14="http://schemas.microsoft.com/office/mac/drawingml/2011/main" xmlns="" val="1"/>
+                <ma14:wrappingTextBoxFlag xmlns="" xmlns:ma14="http://schemas.microsoft.com/office/mac/drawingml/2011/main" val="1"/>
               </a:ext>
             </a:extLst>
           </p:spPr>
@@ -5622,7 +5724,7 @@
             </a:ln>
             <a:extLst>
               <a:ext uri="{C572A759-6A51-4108-AA02-DFA0A04FC94B}">
-                <ma14:wrappingTextBoxFlag xmlns:ma14="http://schemas.microsoft.com/office/mac/drawingml/2011/main" xmlns="" val="1"/>
+                <ma14:wrappingTextBoxFlag xmlns="" xmlns:ma14="http://schemas.microsoft.com/office/mac/drawingml/2011/main" val="1"/>
               </a:ext>
             </a:extLst>
           </p:spPr>
@@ -5670,7 +5772,7 @@
           </a:ln>
           <a:extLst>
             <a:ext uri="{C572A759-6A51-4108-AA02-DFA0A04FC94B}">
-              <ma14:wrappingTextBoxFlag xmlns:ma14="http://schemas.microsoft.com/office/mac/drawingml/2011/main" xmlns="" val="1"/>
+              <ma14:wrappingTextBoxFlag xmlns="" xmlns:ma14="http://schemas.microsoft.com/office/mac/drawingml/2011/main" val="1"/>
             </a:ext>
           </a:extLst>
         </p:spPr>
@@ -5729,7 +5831,7 @@
             </a:ln>
             <a:extLst>
               <a:ext uri="{C572A759-6A51-4108-AA02-DFA0A04FC94B}">
-                <ma14:wrappingTextBoxFlag xmlns:ma14="http://schemas.microsoft.com/office/mac/drawingml/2011/main" xmlns="" val="1"/>
+                <ma14:wrappingTextBoxFlag xmlns="" xmlns:ma14="http://schemas.microsoft.com/office/mac/drawingml/2011/main" val="1"/>
               </a:ext>
             </a:extLst>
           </p:spPr>
@@ -5824,7 +5926,7 @@
             </a:ln>
             <a:extLst>
               <a:ext uri="{C572A759-6A51-4108-AA02-DFA0A04FC94B}">
-                <ma14:wrappingTextBoxFlag xmlns:ma14="http://schemas.microsoft.com/office/mac/drawingml/2011/main" xmlns="" val="1"/>
+                <ma14:wrappingTextBoxFlag xmlns="" xmlns:ma14="http://schemas.microsoft.com/office/mac/drawingml/2011/main" val="1"/>
               </a:ext>
             </a:extLst>
           </p:spPr>
@@ -5882,7 +5984,7 @@
             </a:ln>
             <a:extLst>
               <a:ext uri="{C572A759-6A51-4108-AA02-DFA0A04FC94B}">
-                <ma14:wrappingTextBoxFlag xmlns:ma14="http://schemas.microsoft.com/office/mac/drawingml/2011/main" xmlns="" val="1"/>
+                <ma14:wrappingTextBoxFlag xmlns="" xmlns:ma14="http://schemas.microsoft.com/office/mac/drawingml/2011/main" val="1"/>
               </a:ext>
             </a:extLst>
           </p:spPr>
@@ -5947,28 +6049,28 @@
                   <a:gridCol w="975042">
                     <a:extLst>
                       <a:ext uri="{9D8B030D-6E8A-4147-A177-3AD203B41FA5}">
-                        <a16:colId xmlns:a16="http://schemas.microsoft.com/office/drawing/2014/main" val="20000"/>
+                        <a16:colId xmlns:a16="http://schemas.microsoft.com/office/drawing/2014/main" xmlns="" val="20000"/>
                       </a:ext>
                     </a:extLst>
                   </a:gridCol>
                   <a:gridCol w="975042">
                     <a:extLst>
                       <a:ext uri="{9D8B030D-6E8A-4147-A177-3AD203B41FA5}">
-                        <a16:colId xmlns:a16="http://schemas.microsoft.com/office/drawing/2014/main" val="20001"/>
+                        <a16:colId xmlns:a16="http://schemas.microsoft.com/office/drawing/2014/main" xmlns="" val="20001"/>
                       </a:ext>
                     </a:extLst>
                   </a:gridCol>
                   <a:gridCol w="1703514">
                     <a:extLst>
                       <a:ext uri="{9D8B030D-6E8A-4147-A177-3AD203B41FA5}">
-                        <a16:colId xmlns:a16="http://schemas.microsoft.com/office/drawing/2014/main" val="20002"/>
+                        <a16:colId xmlns:a16="http://schemas.microsoft.com/office/drawing/2014/main" xmlns="" val="20002"/>
                       </a:ext>
                     </a:extLst>
                   </a:gridCol>
                   <a:gridCol w="1703514">
                     <a:extLst>
                       <a:ext uri="{9D8B030D-6E8A-4147-A177-3AD203B41FA5}">
-                        <a16:colId xmlns:a16="http://schemas.microsoft.com/office/drawing/2014/main" val="20003"/>
+                        <a16:colId xmlns:a16="http://schemas.microsoft.com/office/drawing/2014/main" xmlns="" val="20003"/>
                       </a:ext>
                     </a:extLst>
                   </a:gridCol>
@@ -6112,7 +6214,7 @@
                   </a:tc>
                   <a:extLst>
                     <a:ext uri="{0D108BD9-81ED-4DB2-BD59-A6C34878D82A}">
-                      <a16:rowId xmlns:a16="http://schemas.microsoft.com/office/drawing/2014/main" val="10000"/>
+                      <a16:rowId xmlns:a16="http://schemas.microsoft.com/office/drawing/2014/main" xmlns="" val="10000"/>
                     </a:ext>
                   </a:extLst>
                 </a:tr>
@@ -6287,7 +6389,7 @@
                   </a:tc>
                   <a:extLst>
                     <a:ext uri="{0D108BD9-81ED-4DB2-BD59-A6C34878D82A}">
-                      <a16:rowId xmlns:a16="http://schemas.microsoft.com/office/drawing/2014/main" val="10001"/>
+                      <a16:rowId xmlns:a16="http://schemas.microsoft.com/office/drawing/2014/main" xmlns="" val="10001"/>
                     </a:ext>
                   </a:extLst>
                 </a:tr>
@@ -6462,7 +6564,7 @@
                   </a:tc>
                   <a:extLst>
                     <a:ext uri="{0D108BD9-81ED-4DB2-BD59-A6C34878D82A}">
-                      <a16:rowId xmlns:a16="http://schemas.microsoft.com/office/drawing/2014/main" val="10002"/>
+                      <a16:rowId xmlns:a16="http://schemas.microsoft.com/office/drawing/2014/main" xmlns="" val="10002"/>
                     </a:ext>
                   </a:extLst>
                 </a:tr>
@@ -6637,7 +6739,7 @@
                   </a:tc>
                   <a:extLst>
                     <a:ext uri="{0D108BD9-81ED-4DB2-BD59-A6C34878D82A}">
-                      <a16:rowId xmlns:a16="http://schemas.microsoft.com/office/drawing/2014/main" val="10003"/>
+                      <a16:rowId xmlns:a16="http://schemas.microsoft.com/office/drawing/2014/main" xmlns="" val="10003"/>
                     </a:ext>
                   </a:extLst>
                 </a:tr>
@@ -6812,7 +6914,7 @@
                   </a:tc>
                   <a:extLst>
                     <a:ext uri="{0D108BD9-81ED-4DB2-BD59-A6C34878D82A}">
-                      <a16:rowId xmlns:a16="http://schemas.microsoft.com/office/drawing/2014/main" val="10004"/>
+                      <a16:rowId xmlns:a16="http://schemas.microsoft.com/office/drawing/2014/main" xmlns="" val="10004"/>
                     </a:ext>
                   </a:extLst>
                 </a:tr>
@@ -6839,7 +6941,7 @@
             </a:ln>
             <a:extLst>
               <a:ext uri="{C572A759-6A51-4108-AA02-DFA0A04FC94B}">
-                <ma14:wrappingTextBoxFlag xmlns:ma14="http://schemas.microsoft.com/office/mac/drawingml/2011/main" xmlns="" val="1"/>
+                <ma14:wrappingTextBoxFlag xmlns="" xmlns:ma14="http://schemas.microsoft.com/office/mac/drawingml/2011/main" val="1"/>
               </a:ext>
             </a:extLst>
           </p:spPr>
@@ -6888,7 +6990,7 @@
             </a:ln>
             <a:extLst>
               <a:ext uri="{C572A759-6A51-4108-AA02-DFA0A04FC94B}">
-                <ma14:wrappingTextBoxFlag xmlns:ma14="http://schemas.microsoft.com/office/mac/drawingml/2011/main" xmlns="" val="1"/>
+                <ma14:wrappingTextBoxFlag xmlns="" xmlns:ma14="http://schemas.microsoft.com/office/mac/drawingml/2011/main" val="1"/>
               </a:ext>
             </a:extLst>
           </p:spPr>
@@ -6968,42 +7070,42 @@
                   <a:gridCol w="208280">
                     <a:extLst>
                       <a:ext uri="{9D8B030D-6E8A-4147-A177-3AD203B41FA5}">
-                        <a16:colId xmlns:a16="http://schemas.microsoft.com/office/drawing/2014/main" val="20000"/>
+                        <a16:colId xmlns:a16="http://schemas.microsoft.com/office/drawing/2014/main" xmlns="" val="20000"/>
                       </a:ext>
                     </a:extLst>
                   </a:gridCol>
                   <a:gridCol w="208280">
                     <a:extLst>
                       <a:ext uri="{9D8B030D-6E8A-4147-A177-3AD203B41FA5}">
-                        <a16:colId xmlns:a16="http://schemas.microsoft.com/office/drawing/2014/main" val="20001"/>
+                        <a16:colId xmlns:a16="http://schemas.microsoft.com/office/drawing/2014/main" xmlns="" val="20001"/>
                       </a:ext>
                     </a:extLst>
                   </a:gridCol>
                   <a:gridCol w="208280">
                     <a:extLst>
                       <a:ext uri="{9D8B030D-6E8A-4147-A177-3AD203B41FA5}">
-                        <a16:colId xmlns:a16="http://schemas.microsoft.com/office/drawing/2014/main" val="20002"/>
+                        <a16:colId xmlns:a16="http://schemas.microsoft.com/office/drawing/2014/main" xmlns="" val="20002"/>
                       </a:ext>
                     </a:extLst>
                   </a:gridCol>
                   <a:gridCol w="208280">
                     <a:extLst>
                       <a:ext uri="{9D8B030D-6E8A-4147-A177-3AD203B41FA5}">
-                        <a16:colId xmlns:a16="http://schemas.microsoft.com/office/drawing/2014/main" val="20003"/>
+                        <a16:colId xmlns:a16="http://schemas.microsoft.com/office/drawing/2014/main" xmlns="" val="20003"/>
                       </a:ext>
                     </a:extLst>
                   </a:gridCol>
                   <a:gridCol w="208280">
                     <a:extLst>
                       <a:ext uri="{9D8B030D-6E8A-4147-A177-3AD203B41FA5}">
-                        <a16:colId xmlns:a16="http://schemas.microsoft.com/office/drawing/2014/main" val="20004"/>
+                        <a16:colId xmlns:a16="http://schemas.microsoft.com/office/drawing/2014/main" xmlns="" val="20004"/>
                       </a:ext>
                     </a:extLst>
                   </a:gridCol>
                   <a:gridCol w="208280">
                     <a:extLst>
                       <a:ext uri="{9D8B030D-6E8A-4147-A177-3AD203B41FA5}">
-                        <a16:colId xmlns:a16="http://schemas.microsoft.com/office/drawing/2014/main" val="20005"/>
+                        <a16:colId xmlns:a16="http://schemas.microsoft.com/office/drawing/2014/main" xmlns="" val="20005"/>
                       </a:ext>
                     </a:extLst>
                   </a:gridCol>
@@ -7221,7 +7323,7 @@
                   </a:tc>
                   <a:extLst>
                     <a:ext uri="{0D108BD9-81ED-4DB2-BD59-A6C34878D82A}">
-                      <a16:rowId xmlns:a16="http://schemas.microsoft.com/office/drawing/2014/main" val="10000"/>
+                      <a16:rowId xmlns:a16="http://schemas.microsoft.com/office/drawing/2014/main" xmlns="" val="10000"/>
                     </a:ext>
                   </a:extLst>
                 </a:tr>
@@ -7255,42 +7357,42 @@
                   <a:gridCol w="208280">
                     <a:extLst>
                       <a:ext uri="{9D8B030D-6E8A-4147-A177-3AD203B41FA5}">
-                        <a16:colId xmlns:a16="http://schemas.microsoft.com/office/drawing/2014/main" val="20000"/>
+                        <a16:colId xmlns:a16="http://schemas.microsoft.com/office/drawing/2014/main" xmlns="" val="20000"/>
                       </a:ext>
                     </a:extLst>
                   </a:gridCol>
                   <a:gridCol w="208280">
                     <a:extLst>
                       <a:ext uri="{9D8B030D-6E8A-4147-A177-3AD203B41FA5}">
-                        <a16:colId xmlns:a16="http://schemas.microsoft.com/office/drawing/2014/main" val="20001"/>
+                        <a16:colId xmlns:a16="http://schemas.microsoft.com/office/drawing/2014/main" xmlns="" val="20001"/>
                       </a:ext>
                     </a:extLst>
                   </a:gridCol>
                   <a:gridCol w="208280">
                     <a:extLst>
                       <a:ext uri="{9D8B030D-6E8A-4147-A177-3AD203B41FA5}">
-                        <a16:colId xmlns:a16="http://schemas.microsoft.com/office/drawing/2014/main" val="20002"/>
+                        <a16:colId xmlns:a16="http://schemas.microsoft.com/office/drawing/2014/main" xmlns="" val="20002"/>
                       </a:ext>
                     </a:extLst>
                   </a:gridCol>
                   <a:gridCol w="208280">
                     <a:extLst>
                       <a:ext uri="{9D8B030D-6E8A-4147-A177-3AD203B41FA5}">
-                        <a16:colId xmlns:a16="http://schemas.microsoft.com/office/drawing/2014/main" val="20003"/>
+                        <a16:colId xmlns:a16="http://schemas.microsoft.com/office/drawing/2014/main" xmlns="" val="20003"/>
                       </a:ext>
                     </a:extLst>
                   </a:gridCol>
                   <a:gridCol w="208280">
                     <a:extLst>
                       <a:ext uri="{9D8B030D-6E8A-4147-A177-3AD203B41FA5}">
-                        <a16:colId xmlns:a16="http://schemas.microsoft.com/office/drawing/2014/main" val="20004"/>
+                        <a16:colId xmlns:a16="http://schemas.microsoft.com/office/drawing/2014/main" xmlns="" val="20004"/>
                       </a:ext>
                     </a:extLst>
                   </a:gridCol>
                   <a:gridCol w="208280">
                     <a:extLst>
                       <a:ext uri="{9D8B030D-6E8A-4147-A177-3AD203B41FA5}">
-                        <a16:colId xmlns:a16="http://schemas.microsoft.com/office/drawing/2014/main" val="20005"/>
+                        <a16:colId xmlns:a16="http://schemas.microsoft.com/office/drawing/2014/main" xmlns="" val="20005"/>
                       </a:ext>
                     </a:extLst>
                   </a:gridCol>
@@ -7508,7 +7610,7 @@
                   </a:tc>
                   <a:extLst>
                     <a:ext uri="{0D108BD9-81ED-4DB2-BD59-A6C34878D82A}">
-                      <a16:rowId xmlns:a16="http://schemas.microsoft.com/office/drawing/2014/main" val="10000"/>
+                      <a16:rowId xmlns:a16="http://schemas.microsoft.com/office/drawing/2014/main" xmlns="" val="10000"/>
                     </a:ext>
                   </a:extLst>
                 </a:tr>
@@ -7542,42 +7644,42 @@
                   <a:gridCol w="208280">
                     <a:extLst>
                       <a:ext uri="{9D8B030D-6E8A-4147-A177-3AD203B41FA5}">
-                        <a16:colId xmlns:a16="http://schemas.microsoft.com/office/drawing/2014/main" val="20000"/>
+                        <a16:colId xmlns:a16="http://schemas.microsoft.com/office/drawing/2014/main" xmlns="" val="20000"/>
                       </a:ext>
                     </a:extLst>
                   </a:gridCol>
                   <a:gridCol w="208280">
                     <a:extLst>
                       <a:ext uri="{9D8B030D-6E8A-4147-A177-3AD203B41FA5}">
-                        <a16:colId xmlns:a16="http://schemas.microsoft.com/office/drawing/2014/main" val="20001"/>
+                        <a16:colId xmlns:a16="http://schemas.microsoft.com/office/drawing/2014/main" xmlns="" val="20001"/>
                       </a:ext>
                     </a:extLst>
                   </a:gridCol>
                   <a:gridCol w="208280">
                     <a:extLst>
                       <a:ext uri="{9D8B030D-6E8A-4147-A177-3AD203B41FA5}">
-                        <a16:colId xmlns:a16="http://schemas.microsoft.com/office/drawing/2014/main" val="20002"/>
+                        <a16:colId xmlns:a16="http://schemas.microsoft.com/office/drawing/2014/main" xmlns="" val="20002"/>
                       </a:ext>
                     </a:extLst>
                   </a:gridCol>
                   <a:gridCol w="208280">
                     <a:extLst>
                       <a:ext uri="{9D8B030D-6E8A-4147-A177-3AD203B41FA5}">
-                        <a16:colId xmlns:a16="http://schemas.microsoft.com/office/drawing/2014/main" val="20003"/>
+                        <a16:colId xmlns:a16="http://schemas.microsoft.com/office/drawing/2014/main" xmlns="" val="20003"/>
                       </a:ext>
                     </a:extLst>
                   </a:gridCol>
                   <a:gridCol w="208280">
                     <a:extLst>
                       <a:ext uri="{9D8B030D-6E8A-4147-A177-3AD203B41FA5}">
-                        <a16:colId xmlns:a16="http://schemas.microsoft.com/office/drawing/2014/main" val="20004"/>
+                        <a16:colId xmlns:a16="http://schemas.microsoft.com/office/drawing/2014/main" xmlns="" val="20004"/>
                       </a:ext>
                     </a:extLst>
                   </a:gridCol>
                   <a:gridCol w="208280">
                     <a:extLst>
                       <a:ext uri="{9D8B030D-6E8A-4147-A177-3AD203B41FA5}">
-                        <a16:colId xmlns:a16="http://schemas.microsoft.com/office/drawing/2014/main" val="20005"/>
+                        <a16:colId xmlns:a16="http://schemas.microsoft.com/office/drawing/2014/main" xmlns="" val="20005"/>
                       </a:ext>
                     </a:extLst>
                   </a:gridCol>
@@ -7795,7 +7897,7 @@
                   </a:tc>
                   <a:extLst>
                     <a:ext uri="{0D108BD9-81ED-4DB2-BD59-A6C34878D82A}">
-                      <a16:rowId xmlns:a16="http://schemas.microsoft.com/office/drawing/2014/main" val="10000"/>
+                      <a16:rowId xmlns:a16="http://schemas.microsoft.com/office/drawing/2014/main" xmlns="" val="10000"/>
                     </a:ext>
                   </a:extLst>
                 </a:tr>
@@ -7829,42 +7931,42 @@
                   <a:gridCol w="208280">
                     <a:extLst>
                       <a:ext uri="{9D8B030D-6E8A-4147-A177-3AD203B41FA5}">
-                        <a16:colId xmlns:a16="http://schemas.microsoft.com/office/drawing/2014/main" val="20000"/>
+                        <a16:colId xmlns:a16="http://schemas.microsoft.com/office/drawing/2014/main" xmlns="" val="20000"/>
                       </a:ext>
                     </a:extLst>
                   </a:gridCol>
                   <a:gridCol w="208280">
                     <a:extLst>
                       <a:ext uri="{9D8B030D-6E8A-4147-A177-3AD203B41FA5}">
-                        <a16:colId xmlns:a16="http://schemas.microsoft.com/office/drawing/2014/main" val="20001"/>
+                        <a16:colId xmlns:a16="http://schemas.microsoft.com/office/drawing/2014/main" xmlns="" val="20001"/>
                       </a:ext>
                     </a:extLst>
                   </a:gridCol>
                   <a:gridCol w="208280">
                     <a:extLst>
                       <a:ext uri="{9D8B030D-6E8A-4147-A177-3AD203B41FA5}">
-                        <a16:colId xmlns:a16="http://schemas.microsoft.com/office/drawing/2014/main" val="20002"/>
+                        <a16:colId xmlns:a16="http://schemas.microsoft.com/office/drawing/2014/main" xmlns="" val="20002"/>
                       </a:ext>
                     </a:extLst>
                   </a:gridCol>
                   <a:gridCol w="208280">
                     <a:extLst>
                       <a:ext uri="{9D8B030D-6E8A-4147-A177-3AD203B41FA5}">
-                        <a16:colId xmlns:a16="http://schemas.microsoft.com/office/drawing/2014/main" val="20003"/>
+                        <a16:colId xmlns:a16="http://schemas.microsoft.com/office/drawing/2014/main" xmlns="" val="20003"/>
                       </a:ext>
                     </a:extLst>
                   </a:gridCol>
                   <a:gridCol w="208280">
                     <a:extLst>
                       <a:ext uri="{9D8B030D-6E8A-4147-A177-3AD203B41FA5}">
-                        <a16:colId xmlns:a16="http://schemas.microsoft.com/office/drawing/2014/main" val="20004"/>
+                        <a16:colId xmlns:a16="http://schemas.microsoft.com/office/drawing/2014/main" xmlns="" val="20004"/>
                       </a:ext>
                     </a:extLst>
                   </a:gridCol>
                   <a:gridCol w="208280">
                     <a:extLst>
                       <a:ext uri="{9D8B030D-6E8A-4147-A177-3AD203B41FA5}">
-                        <a16:colId xmlns:a16="http://schemas.microsoft.com/office/drawing/2014/main" val="20005"/>
+                        <a16:colId xmlns:a16="http://schemas.microsoft.com/office/drawing/2014/main" xmlns="" val="20005"/>
                       </a:ext>
                     </a:extLst>
                   </a:gridCol>
@@ -8082,7 +8184,7 @@
                   </a:tc>
                   <a:extLst>
                     <a:ext uri="{0D108BD9-81ED-4DB2-BD59-A6C34878D82A}">
-                      <a16:rowId xmlns:a16="http://schemas.microsoft.com/office/drawing/2014/main" val="10000"/>
+                      <a16:rowId xmlns:a16="http://schemas.microsoft.com/office/drawing/2014/main" xmlns="" val="10000"/>
                     </a:ext>
                   </a:extLst>
                 </a:tr>
@@ -8116,42 +8218,42 @@
                   <a:gridCol w="208280">
                     <a:extLst>
                       <a:ext uri="{9D8B030D-6E8A-4147-A177-3AD203B41FA5}">
-                        <a16:colId xmlns:a16="http://schemas.microsoft.com/office/drawing/2014/main" val="20000"/>
+                        <a16:colId xmlns:a16="http://schemas.microsoft.com/office/drawing/2014/main" xmlns="" val="20000"/>
                       </a:ext>
                     </a:extLst>
                   </a:gridCol>
                   <a:gridCol w="208280">
                     <a:extLst>
                       <a:ext uri="{9D8B030D-6E8A-4147-A177-3AD203B41FA5}">
-                        <a16:colId xmlns:a16="http://schemas.microsoft.com/office/drawing/2014/main" val="20001"/>
+                        <a16:colId xmlns:a16="http://schemas.microsoft.com/office/drawing/2014/main" xmlns="" val="20001"/>
                       </a:ext>
                     </a:extLst>
                   </a:gridCol>
                   <a:gridCol w="208280">
                     <a:extLst>
                       <a:ext uri="{9D8B030D-6E8A-4147-A177-3AD203B41FA5}">
-                        <a16:colId xmlns:a16="http://schemas.microsoft.com/office/drawing/2014/main" val="20002"/>
+                        <a16:colId xmlns:a16="http://schemas.microsoft.com/office/drawing/2014/main" xmlns="" val="20002"/>
                       </a:ext>
                     </a:extLst>
                   </a:gridCol>
                   <a:gridCol w="208280">
                     <a:extLst>
                       <a:ext uri="{9D8B030D-6E8A-4147-A177-3AD203B41FA5}">
-                        <a16:colId xmlns:a16="http://schemas.microsoft.com/office/drawing/2014/main" val="20003"/>
+                        <a16:colId xmlns:a16="http://schemas.microsoft.com/office/drawing/2014/main" xmlns="" val="20003"/>
                       </a:ext>
                     </a:extLst>
                   </a:gridCol>
                   <a:gridCol w="208280">
                     <a:extLst>
                       <a:ext uri="{9D8B030D-6E8A-4147-A177-3AD203B41FA5}">
-                        <a16:colId xmlns:a16="http://schemas.microsoft.com/office/drawing/2014/main" val="20004"/>
+                        <a16:colId xmlns:a16="http://schemas.microsoft.com/office/drawing/2014/main" xmlns="" val="20004"/>
                       </a:ext>
                     </a:extLst>
                   </a:gridCol>
                   <a:gridCol w="208280">
                     <a:extLst>
                       <a:ext uri="{9D8B030D-6E8A-4147-A177-3AD203B41FA5}">
-                        <a16:colId xmlns:a16="http://schemas.microsoft.com/office/drawing/2014/main" val="20005"/>
+                        <a16:colId xmlns:a16="http://schemas.microsoft.com/office/drawing/2014/main" xmlns="" val="20005"/>
                       </a:ext>
                     </a:extLst>
                   </a:gridCol>
@@ -8369,7 +8471,7 @@
                   </a:tc>
                   <a:extLst>
                     <a:ext uri="{0D108BD9-81ED-4DB2-BD59-A6C34878D82A}">
-                      <a16:rowId xmlns:a16="http://schemas.microsoft.com/office/drawing/2014/main" val="10000"/>
+                      <a16:rowId xmlns:a16="http://schemas.microsoft.com/office/drawing/2014/main" xmlns="" val="10000"/>
                     </a:ext>
                   </a:extLst>
                 </a:tr>
@@ -8403,14 +8505,14 @@
                   <a:gridCol w="956235">
                     <a:extLst>
                       <a:ext uri="{9D8B030D-6E8A-4147-A177-3AD203B41FA5}">
-                        <a16:colId xmlns:a16="http://schemas.microsoft.com/office/drawing/2014/main" val="20000"/>
+                        <a16:colId xmlns:a16="http://schemas.microsoft.com/office/drawing/2014/main" xmlns="" val="20000"/>
                       </a:ext>
                     </a:extLst>
                   </a:gridCol>
                   <a:gridCol w="956235">
                     <a:extLst>
                       <a:ext uri="{9D8B030D-6E8A-4147-A177-3AD203B41FA5}">
-                        <a16:colId xmlns:a16="http://schemas.microsoft.com/office/drawing/2014/main" val="20001"/>
+                        <a16:colId xmlns:a16="http://schemas.microsoft.com/office/drawing/2014/main" xmlns="" val="20001"/>
                       </a:ext>
                     </a:extLst>
                   </a:gridCol>
@@ -8488,7 +8590,7 @@
                   </a:tc>
                   <a:extLst>
                     <a:ext uri="{0D108BD9-81ED-4DB2-BD59-A6C34878D82A}">
-                      <a16:rowId xmlns:a16="http://schemas.microsoft.com/office/drawing/2014/main" val="10000"/>
+                      <a16:rowId xmlns:a16="http://schemas.microsoft.com/office/drawing/2014/main" xmlns="" val="10000"/>
                     </a:ext>
                   </a:extLst>
                 </a:tr>
@@ -8522,28 +8624,28 @@
                   <a:gridCol w="956235">
                     <a:extLst>
                       <a:ext uri="{9D8B030D-6E8A-4147-A177-3AD203B41FA5}">
-                        <a16:colId xmlns:a16="http://schemas.microsoft.com/office/drawing/2014/main" val="20000"/>
+                        <a16:colId xmlns:a16="http://schemas.microsoft.com/office/drawing/2014/main" xmlns="" val="20000"/>
                       </a:ext>
                     </a:extLst>
                   </a:gridCol>
                   <a:gridCol w="956235">
                     <a:extLst>
                       <a:ext uri="{9D8B030D-6E8A-4147-A177-3AD203B41FA5}">
-                        <a16:colId xmlns:a16="http://schemas.microsoft.com/office/drawing/2014/main" val="20001"/>
+                        <a16:colId xmlns:a16="http://schemas.microsoft.com/office/drawing/2014/main" xmlns="" val="20001"/>
                       </a:ext>
                     </a:extLst>
                   </a:gridCol>
                   <a:gridCol w="956235">
                     <a:extLst>
                       <a:ext uri="{9D8B030D-6E8A-4147-A177-3AD203B41FA5}">
-                        <a16:colId xmlns:a16="http://schemas.microsoft.com/office/drawing/2014/main" val="20002"/>
+                        <a16:colId xmlns:a16="http://schemas.microsoft.com/office/drawing/2014/main" xmlns="" val="20002"/>
                       </a:ext>
                     </a:extLst>
                   </a:gridCol>
                   <a:gridCol w="956235">
                     <a:extLst>
                       <a:ext uri="{9D8B030D-6E8A-4147-A177-3AD203B41FA5}">
-                        <a16:colId xmlns:a16="http://schemas.microsoft.com/office/drawing/2014/main" val="20003"/>
+                        <a16:colId xmlns:a16="http://schemas.microsoft.com/office/drawing/2014/main" xmlns="" val="20003"/>
                       </a:ext>
                     </a:extLst>
                   </a:gridCol>
@@ -8691,7 +8793,7 @@
                   </a:tc>
                   <a:extLst>
                     <a:ext uri="{0D108BD9-81ED-4DB2-BD59-A6C34878D82A}">
-                      <a16:rowId xmlns:a16="http://schemas.microsoft.com/office/drawing/2014/main" val="10000"/>
+                      <a16:rowId xmlns:a16="http://schemas.microsoft.com/office/drawing/2014/main" xmlns="" val="10000"/>
                     </a:ext>
                   </a:extLst>
                 </a:tr>
@@ -8725,14 +8827,14 @@
                   <a:gridCol w="956235">
                     <a:extLst>
                       <a:ext uri="{9D8B030D-6E8A-4147-A177-3AD203B41FA5}">
-                        <a16:colId xmlns:a16="http://schemas.microsoft.com/office/drawing/2014/main" val="20000"/>
+                        <a16:colId xmlns:a16="http://schemas.microsoft.com/office/drawing/2014/main" xmlns="" val="20000"/>
                       </a:ext>
                     </a:extLst>
                   </a:gridCol>
                   <a:gridCol w="956235">
                     <a:extLst>
                       <a:ext uri="{9D8B030D-6E8A-4147-A177-3AD203B41FA5}">
-                        <a16:colId xmlns:a16="http://schemas.microsoft.com/office/drawing/2014/main" val="20001"/>
+                        <a16:colId xmlns:a16="http://schemas.microsoft.com/office/drawing/2014/main" xmlns="" val="20001"/>
                       </a:ext>
                     </a:extLst>
                   </a:gridCol>
@@ -8810,7 +8912,7 @@
                   </a:tc>
                   <a:extLst>
                     <a:ext uri="{0D108BD9-81ED-4DB2-BD59-A6C34878D82A}">
-                      <a16:rowId xmlns:a16="http://schemas.microsoft.com/office/drawing/2014/main" val="10000"/>
+                      <a16:rowId xmlns:a16="http://schemas.microsoft.com/office/drawing/2014/main" xmlns="" val="10000"/>
                     </a:ext>
                   </a:extLst>
                 </a:tr>
@@ -8844,14 +8946,14 @@
                   <a:gridCol w="956235">
                     <a:extLst>
                       <a:ext uri="{9D8B030D-6E8A-4147-A177-3AD203B41FA5}">
-                        <a16:colId xmlns:a16="http://schemas.microsoft.com/office/drawing/2014/main" val="20000"/>
+                        <a16:colId xmlns:a16="http://schemas.microsoft.com/office/drawing/2014/main" xmlns="" val="20000"/>
                       </a:ext>
                     </a:extLst>
                   </a:gridCol>
                   <a:gridCol w="956235">
                     <a:extLst>
                       <a:ext uri="{9D8B030D-6E8A-4147-A177-3AD203B41FA5}">
-                        <a16:colId xmlns:a16="http://schemas.microsoft.com/office/drawing/2014/main" val="20001"/>
+                        <a16:colId xmlns:a16="http://schemas.microsoft.com/office/drawing/2014/main" xmlns="" val="20001"/>
                       </a:ext>
                     </a:extLst>
                   </a:gridCol>
@@ -8929,7 +9031,7 @@
                   </a:tc>
                   <a:extLst>
                     <a:ext uri="{0D108BD9-81ED-4DB2-BD59-A6C34878D82A}">
-                      <a16:rowId xmlns:a16="http://schemas.microsoft.com/office/drawing/2014/main" val="10000"/>
+                      <a16:rowId xmlns:a16="http://schemas.microsoft.com/office/drawing/2014/main" xmlns="" val="10000"/>
                     </a:ext>
                   </a:extLst>
                 </a:tr>
@@ -8963,14 +9065,14 @@
                   <a:gridCol w="956235">
                     <a:extLst>
                       <a:ext uri="{9D8B030D-6E8A-4147-A177-3AD203B41FA5}">
-                        <a16:colId xmlns:a16="http://schemas.microsoft.com/office/drawing/2014/main" val="20000"/>
+                        <a16:colId xmlns:a16="http://schemas.microsoft.com/office/drawing/2014/main" xmlns="" val="20000"/>
                       </a:ext>
                     </a:extLst>
                   </a:gridCol>
                   <a:gridCol w="956235">
                     <a:extLst>
                       <a:ext uri="{9D8B030D-6E8A-4147-A177-3AD203B41FA5}">
-                        <a16:colId xmlns:a16="http://schemas.microsoft.com/office/drawing/2014/main" val="20001"/>
+                        <a16:colId xmlns:a16="http://schemas.microsoft.com/office/drawing/2014/main" xmlns="" val="20001"/>
                       </a:ext>
                     </a:extLst>
                   </a:gridCol>
@@ -9048,7 +9150,7 @@
                   </a:tc>
                   <a:extLst>
                     <a:ext uri="{0D108BD9-81ED-4DB2-BD59-A6C34878D82A}">
-                      <a16:rowId xmlns:a16="http://schemas.microsoft.com/office/drawing/2014/main" val="10000"/>
+                      <a16:rowId xmlns:a16="http://schemas.microsoft.com/office/drawing/2014/main" xmlns="" val="10000"/>
                     </a:ext>
                   </a:extLst>
                 </a:tr>
@@ -9342,42 +9444,42 @@
                   <a:gridCol w="208280">
                     <a:extLst>
                       <a:ext uri="{9D8B030D-6E8A-4147-A177-3AD203B41FA5}">
-                        <a16:colId xmlns:a16="http://schemas.microsoft.com/office/drawing/2014/main" val="20000"/>
+                        <a16:colId xmlns:a16="http://schemas.microsoft.com/office/drawing/2014/main" xmlns="" val="20000"/>
                       </a:ext>
                     </a:extLst>
                   </a:gridCol>
                   <a:gridCol w="208280">
                     <a:extLst>
                       <a:ext uri="{9D8B030D-6E8A-4147-A177-3AD203B41FA5}">
-                        <a16:colId xmlns:a16="http://schemas.microsoft.com/office/drawing/2014/main" val="20001"/>
+                        <a16:colId xmlns:a16="http://schemas.microsoft.com/office/drawing/2014/main" xmlns="" val="20001"/>
                       </a:ext>
                     </a:extLst>
                   </a:gridCol>
                   <a:gridCol w="208280">
                     <a:extLst>
                       <a:ext uri="{9D8B030D-6E8A-4147-A177-3AD203B41FA5}">
-                        <a16:colId xmlns:a16="http://schemas.microsoft.com/office/drawing/2014/main" val="20002"/>
+                        <a16:colId xmlns:a16="http://schemas.microsoft.com/office/drawing/2014/main" xmlns="" val="20002"/>
                       </a:ext>
                     </a:extLst>
                   </a:gridCol>
                   <a:gridCol w="208280">
                     <a:extLst>
                       <a:ext uri="{9D8B030D-6E8A-4147-A177-3AD203B41FA5}">
-                        <a16:colId xmlns:a16="http://schemas.microsoft.com/office/drawing/2014/main" val="20003"/>
+                        <a16:colId xmlns:a16="http://schemas.microsoft.com/office/drawing/2014/main" xmlns="" val="20003"/>
                       </a:ext>
                     </a:extLst>
                   </a:gridCol>
                   <a:gridCol w="208280">
                     <a:extLst>
                       <a:ext uri="{9D8B030D-6E8A-4147-A177-3AD203B41FA5}">
-                        <a16:colId xmlns:a16="http://schemas.microsoft.com/office/drawing/2014/main" val="20004"/>
+                        <a16:colId xmlns:a16="http://schemas.microsoft.com/office/drawing/2014/main" xmlns="" val="20004"/>
                       </a:ext>
                     </a:extLst>
                   </a:gridCol>
                   <a:gridCol w="208280">
                     <a:extLst>
                       <a:ext uri="{9D8B030D-6E8A-4147-A177-3AD203B41FA5}">
-                        <a16:colId xmlns:a16="http://schemas.microsoft.com/office/drawing/2014/main" val="20005"/>
+                        <a16:colId xmlns:a16="http://schemas.microsoft.com/office/drawing/2014/main" xmlns="" val="20005"/>
                       </a:ext>
                     </a:extLst>
                   </a:gridCol>
@@ -9595,7 +9697,7 @@
                   </a:tc>
                   <a:extLst>
                     <a:ext uri="{0D108BD9-81ED-4DB2-BD59-A6C34878D82A}">
-                      <a16:rowId xmlns:a16="http://schemas.microsoft.com/office/drawing/2014/main" val="10000"/>
+                      <a16:rowId xmlns:a16="http://schemas.microsoft.com/office/drawing/2014/main" xmlns="" val="10000"/>
                     </a:ext>
                   </a:extLst>
                 </a:tr>
@@ -9716,14 +9818,14 @@
                   <a:gridCol w="956235">
                     <a:extLst>
                       <a:ext uri="{9D8B030D-6E8A-4147-A177-3AD203B41FA5}">
-                        <a16:colId xmlns:a16="http://schemas.microsoft.com/office/drawing/2014/main" val="20000"/>
+                        <a16:colId xmlns:a16="http://schemas.microsoft.com/office/drawing/2014/main" xmlns="" val="20000"/>
                       </a:ext>
                     </a:extLst>
                   </a:gridCol>
                   <a:gridCol w="956235">
                     <a:extLst>
                       <a:ext uri="{9D8B030D-6E8A-4147-A177-3AD203B41FA5}">
-                        <a16:colId xmlns:a16="http://schemas.microsoft.com/office/drawing/2014/main" val="20001"/>
+                        <a16:colId xmlns:a16="http://schemas.microsoft.com/office/drawing/2014/main" xmlns="" val="20001"/>
                       </a:ext>
                     </a:extLst>
                   </a:gridCol>
@@ -9801,7 +9903,7 @@
                   </a:tc>
                   <a:extLst>
                     <a:ext uri="{0D108BD9-81ED-4DB2-BD59-A6C34878D82A}">
-                      <a16:rowId xmlns:a16="http://schemas.microsoft.com/office/drawing/2014/main" val="10000"/>
+                      <a16:rowId xmlns:a16="http://schemas.microsoft.com/office/drawing/2014/main" xmlns="" val="10000"/>
                     </a:ext>
                   </a:extLst>
                 </a:tr>
@@ -9955,42 +10057,42 @@
                   <a:gridCol w="208280">
                     <a:extLst>
                       <a:ext uri="{9D8B030D-6E8A-4147-A177-3AD203B41FA5}">
-                        <a16:colId xmlns:a16="http://schemas.microsoft.com/office/drawing/2014/main" val="20000"/>
+                        <a16:colId xmlns:a16="http://schemas.microsoft.com/office/drawing/2014/main" xmlns="" val="20000"/>
                       </a:ext>
                     </a:extLst>
                   </a:gridCol>
                   <a:gridCol w="208280">
                     <a:extLst>
                       <a:ext uri="{9D8B030D-6E8A-4147-A177-3AD203B41FA5}">
-                        <a16:colId xmlns:a16="http://schemas.microsoft.com/office/drawing/2014/main" val="20001"/>
+                        <a16:colId xmlns:a16="http://schemas.microsoft.com/office/drawing/2014/main" xmlns="" val="20001"/>
                       </a:ext>
                     </a:extLst>
                   </a:gridCol>
                   <a:gridCol w="208280">
                     <a:extLst>
                       <a:ext uri="{9D8B030D-6E8A-4147-A177-3AD203B41FA5}">
-                        <a16:colId xmlns:a16="http://schemas.microsoft.com/office/drawing/2014/main" val="20002"/>
+                        <a16:colId xmlns:a16="http://schemas.microsoft.com/office/drawing/2014/main" xmlns="" val="20002"/>
                       </a:ext>
                     </a:extLst>
                   </a:gridCol>
                   <a:gridCol w="208280">
                     <a:extLst>
                       <a:ext uri="{9D8B030D-6E8A-4147-A177-3AD203B41FA5}">
-                        <a16:colId xmlns:a16="http://schemas.microsoft.com/office/drawing/2014/main" val="20003"/>
+                        <a16:colId xmlns:a16="http://schemas.microsoft.com/office/drawing/2014/main" xmlns="" val="20003"/>
                       </a:ext>
                     </a:extLst>
                   </a:gridCol>
                   <a:gridCol w="208280">
                     <a:extLst>
                       <a:ext uri="{9D8B030D-6E8A-4147-A177-3AD203B41FA5}">
-                        <a16:colId xmlns:a16="http://schemas.microsoft.com/office/drawing/2014/main" val="20004"/>
+                        <a16:colId xmlns:a16="http://schemas.microsoft.com/office/drawing/2014/main" xmlns="" val="20004"/>
                       </a:ext>
                     </a:extLst>
                   </a:gridCol>
                   <a:gridCol w="208280">
                     <a:extLst>
                       <a:ext uri="{9D8B030D-6E8A-4147-A177-3AD203B41FA5}">
-                        <a16:colId xmlns:a16="http://schemas.microsoft.com/office/drawing/2014/main" val="20005"/>
+                        <a16:colId xmlns:a16="http://schemas.microsoft.com/office/drawing/2014/main" xmlns="" val="20005"/>
                       </a:ext>
                     </a:extLst>
                   </a:gridCol>
@@ -10208,7 +10310,7 @@
                   </a:tc>
                   <a:extLst>
                     <a:ext uri="{0D108BD9-81ED-4DB2-BD59-A6C34878D82A}">
-                      <a16:rowId xmlns:a16="http://schemas.microsoft.com/office/drawing/2014/main" val="10000"/>
+                      <a16:rowId xmlns:a16="http://schemas.microsoft.com/office/drawing/2014/main" xmlns="" val="10000"/>
                     </a:ext>
                   </a:extLst>
                 </a:tr>
@@ -10358,42 +10460,42 @@
                   <a:gridCol w="208280">
                     <a:extLst>
                       <a:ext uri="{9D8B030D-6E8A-4147-A177-3AD203B41FA5}">
-                        <a16:colId xmlns:a16="http://schemas.microsoft.com/office/drawing/2014/main" val="20000"/>
+                        <a16:colId xmlns:a16="http://schemas.microsoft.com/office/drawing/2014/main" xmlns="" val="20000"/>
                       </a:ext>
                     </a:extLst>
                   </a:gridCol>
                   <a:gridCol w="208280">
                     <a:extLst>
                       <a:ext uri="{9D8B030D-6E8A-4147-A177-3AD203B41FA5}">
-                        <a16:colId xmlns:a16="http://schemas.microsoft.com/office/drawing/2014/main" val="20001"/>
+                        <a16:colId xmlns:a16="http://schemas.microsoft.com/office/drawing/2014/main" xmlns="" val="20001"/>
                       </a:ext>
                     </a:extLst>
                   </a:gridCol>
                   <a:gridCol w="208280">
                     <a:extLst>
                       <a:ext uri="{9D8B030D-6E8A-4147-A177-3AD203B41FA5}">
-                        <a16:colId xmlns:a16="http://schemas.microsoft.com/office/drawing/2014/main" val="20002"/>
+                        <a16:colId xmlns:a16="http://schemas.microsoft.com/office/drawing/2014/main" xmlns="" val="20002"/>
                       </a:ext>
                     </a:extLst>
                   </a:gridCol>
                   <a:gridCol w="208280">
                     <a:extLst>
                       <a:ext uri="{9D8B030D-6E8A-4147-A177-3AD203B41FA5}">
-                        <a16:colId xmlns:a16="http://schemas.microsoft.com/office/drawing/2014/main" val="20003"/>
+                        <a16:colId xmlns:a16="http://schemas.microsoft.com/office/drawing/2014/main" xmlns="" val="20003"/>
                       </a:ext>
                     </a:extLst>
                   </a:gridCol>
                   <a:gridCol w="208280">
                     <a:extLst>
                       <a:ext uri="{9D8B030D-6E8A-4147-A177-3AD203B41FA5}">
-                        <a16:colId xmlns:a16="http://schemas.microsoft.com/office/drawing/2014/main" val="20004"/>
+                        <a16:colId xmlns:a16="http://schemas.microsoft.com/office/drawing/2014/main" xmlns="" val="20004"/>
                       </a:ext>
                     </a:extLst>
                   </a:gridCol>
                   <a:gridCol w="208280">
                     <a:extLst>
                       <a:ext uri="{9D8B030D-6E8A-4147-A177-3AD203B41FA5}">
-                        <a16:colId xmlns:a16="http://schemas.microsoft.com/office/drawing/2014/main" val="20005"/>
+                        <a16:colId xmlns:a16="http://schemas.microsoft.com/office/drawing/2014/main" xmlns="" val="20005"/>
                       </a:ext>
                     </a:extLst>
                   </a:gridCol>
@@ -10611,7 +10713,7 @@
                   </a:tc>
                   <a:extLst>
                     <a:ext uri="{0D108BD9-81ED-4DB2-BD59-A6C34878D82A}">
-                      <a16:rowId xmlns:a16="http://schemas.microsoft.com/office/drawing/2014/main" val="10000"/>
+                      <a16:rowId xmlns:a16="http://schemas.microsoft.com/office/drawing/2014/main" xmlns="" val="10000"/>
                     </a:ext>
                   </a:extLst>
                 </a:tr>
@@ -10732,42 +10834,42 @@
                   <a:gridCol w="208280">
                     <a:extLst>
                       <a:ext uri="{9D8B030D-6E8A-4147-A177-3AD203B41FA5}">
-                        <a16:colId xmlns:a16="http://schemas.microsoft.com/office/drawing/2014/main" val="20000"/>
+                        <a16:colId xmlns:a16="http://schemas.microsoft.com/office/drawing/2014/main" xmlns="" val="20000"/>
                       </a:ext>
                     </a:extLst>
                   </a:gridCol>
                   <a:gridCol w="208280">
                     <a:extLst>
                       <a:ext uri="{9D8B030D-6E8A-4147-A177-3AD203B41FA5}">
-                        <a16:colId xmlns:a16="http://schemas.microsoft.com/office/drawing/2014/main" val="20001"/>
+                        <a16:colId xmlns:a16="http://schemas.microsoft.com/office/drawing/2014/main" xmlns="" val="20001"/>
                       </a:ext>
                     </a:extLst>
                   </a:gridCol>
                   <a:gridCol w="208280">
                     <a:extLst>
                       <a:ext uri="{9D8B030D-6E8A-4147-A177-3AD203B41FA5}">
-                        <a16:colId xmlns:a16="http://schemas.microsoft.com/office/drawing/2014/main" val="20002"/>
+                        <a16:colId xmlns:a16="http://schemas.microsoft.com/office/drawing/2014/main" xmlns="" val="20002"/>
                       </a:ext>
                     </a:extLst>
                   </a:gridCol>
                   <a:gridCol w="208280">
                     <a:extLst>
                       <a:ext uri="{9D8B030D-6E8A-4147-A177-3AD203B41FA5}">
-                        <a16:colId xmlns:a16="http://schemas.microsoft.com/office/drawing/2014/main" val="20003"/>
+                        <a16:colId xmlns:a16="http://schemas.microsoft.com/office/drawing/2014/main" xmlns="" val="20003"/>
                       </a:ext>
                     </a:extLst>
                   </a:gridCol>
                   <a:gridCol w="208280">
                     <a:extLst>
                       <a:ext uri="{9D8B030D-6E8A-4147-A177-3AD203B41FA5}">
-                        <a16:colId xmlns:a16="http://schemas.microsoft.com/office/drawing/2014/main" val="20004"/>
+                        <a16:colId xmlns:a16="http://schemas.microsoft.com/office/drawing/2014/main" xmlns="" val="20004"/>
                       </a:ext>
                     </a:extLst>
                   </a:gridCol>
                   <a:gridCol w="208280">
                     <a:extLst>
                       <a:ext uri="{9D8B030D-6E8A-4147-A177-3AD203B41FA5}">
-                        <a16:colId xmlns:a16="http://schemas.microsoft.com/office/drawing/2014/main" val="20005"/>
+                        <a16:colId xmlns:a16="http://schemas.microsoft.com/office/drawing/2014/main" xmlns="" val="20005"/>
                       </a:ext>
                     </a:extLst>
                   </a:gridCol>
@@ -10985,7 +11087,7 @@
                   </a:tc>
                   <a:extLst>
                     <a:ext uri="{0D108BD9-81ED-4DB2-BD59-A6C34878D82A}">
-                      <a16:rowId xmlns:a16="http://schemas.microsoft.com/office/drawing/2014/main" val="10000"/>
+                      <a16:rowId xmlns:a16="http://schemas.microsoft.com/office/drawing/2014/main" xmlns="" val="10000"/>
                     </a:ext>
                   </a:extLst>
                 </a:tr>
@@ -11019,42 +11121,42 @@
                   <a:gridCol w="208280">
                     <a:extLst>
                       <a:ext uri="{9D8B030D-6E8A-4147-A177-3AD203B41FA5}">
-                        <a16:colId xmlns:a16="http://schemas.microsoft.com/office/drawing/2014/main" val="20000"/>
+                        <a16:colId xmlns:a16="http://schemas.microsoft.com/office/drawing/2014/main" xmlns="" val="20000"/>
                       </a:ext>
                     </a:extLst>
                   </a:gridCol>
                   <a:gridCol w="208280">
                     <a:extLst>
                       <a:ext uri="{9D8B030D-6E8A-4147-A177-3AD203B41FA5}">
-                        <a16:colId xmlns:a16="http://schemas.microsoft.com/office/drawing/2014/main" val="20001"/>
+                        <a16:colId xmlns:a16="http://schemas.microsoft.com/office/drawing/2014/main" xmlns="" val="20001"/>
                       </a:ext>
                     </a:extLst>
                   </a:gridCol>
                   <a:gridCol w="208280">
                     <a:extLst>
                       <a:ext uri="{9D8B030D-6E8A-4147-A177-3AD203B41FA5}">
-                        <a16:colId xmlns:a16="http://schemas.microsoft.com/office/drawing/2014/main" val="20002"/>
+                        <a16:colId xmlns:a16="http://schemas.microsoft.com/office/drawing/2014/main" xmlns="" val="20002"/>
                       </a:ext>
                     </a:extLst>
                   </a:gridCol>
                   <a:gridCol w="208280">
                     <a:extLst>
                       <a:ext uri="{9D8B030D-6E8A-4147-A177-3AD203B41FA5}">
-                        <a16:colId xmlns:a16="http://schemas.microsoft.com/office/drawing/2014/main" val="20003"/>
+                        <a16:colId xmlns:a16="http://schemas.microsoft.com/office/drawing/2014/main" xmlns="" val="20003"/>
                       </a:ext>
                     </a:extLst>
                   </a:gridCol>
                   <a:gridCol w="208280">
                     <a:extLst>
                       <a:ext uri="{9D8B030D-6E8A-4147-A177-3AD203B41FA5}">
-                        <a16:colId xmlns:a16="http://schemas.microsoft.com/office/drawing/2014/main" val="20004"/>
+                        <a16:colId xmlns:a16="http://schemas.microsoft.com/office/drawing/2014/main" xmlns="" val="20004"/>
                       </a:ext>
                     </a:extLst>
                   </a:gridCol>
                   <a:gridCol w="208280">
                     <a:extLst>
                       <a:ext uri="{9D8B030D-6E8A-4147-A177-3AD203B41FA5}">
-                        <a16:colId xmlns:a16="http://schemas.microsoft.com/office/drawing/2014/main" val="20005"/>
+                        <a16:colId xmlns:a16="http://schemas.microsoft.com/office/drawing/2014/main" xmlns="" val="20005"/>
                       </a:ext>
                     </a:extLst>
                   </a:gridCol>
@@ -11272,7 +11374,7 @@
                   </a:tc>
                   <a:extLst>
                     <a:ext uri="{0D108BD9-81ED-4DB2-BD59-A6C34878D82A}">
-                      <a16:rowId xmlns:a16="http://schemas.microsoft.com/office/drawing/2014/main" val="10000"/>
+                      <a16:rowId xmlns:a16="http://schemas.microsoft.com/office/drawing/2014/main" xmlns="" val="10000"/>
                     </a:ext>
                   </a:extLst>
                 </a:tr>
@@ -11364,42 +11466,42 @@
                   <a:gridCol w="208280">
                     <a:extLst>
                       <a:ext uri="{9D8B030D-6E8A-4147-A177-3AD203B41FA5}">
-                        <a16:colId xmlns:a16="http://schemas.microsoft.com/office/drawing/2014/main" val="20000"/>
+                        <a16:colId xmlns:a16="http://schemas.microsoft.com/office/drawing/2014/main" xmlns="" val="20000"/>
                       </a:ext>
                     </a:extLst>
                   </a:gridCol>
                   <a:gridCol w="208280">
                     <a:extLst>
                       <a:ext uri="{9D8B030D-6E8A-4147-A177-3AD203B41FA5}">
-                        <a16:colId xmlns:a16="http://schemas.microsoft.com/office/drawing/2014/main" val="20001"/>
+                        <a16:colId xmlns:a16="http://schemas.microsoft.com/office/drawing/2014/main" xmlns="" val="20001"/>
                       </a:ext>
                     </a:extLst>
                   </a:gridCol>
                   <a:gridCol w="208280">
                     <a:extLst>
                       <a:ext uri="{9D8B030D-6E8A-4147-A177-3AD203B41FA5}">
-                        <a16:colId xmlns:a16="http://schemas.microsoft.com/office/drawing/2014/main" val="20002"/>
+                        <a16:colId xmlns:a16="http://schemas.microsoft.com/office/drawing/2014/main" xmlns="" val="20002"/>
                       </a:ext>
                     </a:extLst>
                   </a:gridCol>
                   <a:gridCol w="208280">
                     <a:extLst>
                       <a:ext uri="{9D8B030D-6E8A-4147-A177-3AD203B41FA5}">
-                        <a16:colId xmlns:a16="http://schemas.microsoft.com/office/drawing/2014/main" val="20003"/>
+                        <a16:colId xmlns:a16="http://schemas.microsoft.com/office/drawing/2014/main" xmlns="" val="20003"/>
                       </a:ext>
                     </a:extLst>
                   </a:gridCol>
                   <a:gridCol w="208280">
                     <a:extLst>
                       <a:ext uri="{9D8B030D-6E8A-4147-A177-3AD203B41FA5}">
-                        <a16:colId xmlns:a16="http://schemas.microsoft.com/office/drawing/2014/main" val="20004"/>
+                        <a16:colId xmlns:a16="http://schemas.microsoft.com/office/drawing/2014/main" xmlns="" val="20004"/>
                       </a:ext>
                     </a:extLst>
                   </a:gridCol>
                   <a:gridCol w="208280">
                     <a:extLst>
                       <a:ext uri="{9D8B030D-6E8A-4147-A177-3AD203B41FA5}">
-                        <a16:colId xmlns:a16="http://schemas.microsoft.com/office/drawing/2014/main" val="20005"/>
+                        <a16:colId xmlns:a16="http://schemas.microsoft.com/office/drawing/2014/main" xmlns="" val="20005"/>
                       </a:ext>
                     </a:extLst>
                   </a:gridCol>
@@ -11617,7 +11719,7 @@
                   </a:tc>
                   <a:extLst>
                     <a:ext uri="{0D108BD9-81ED-4DB2-BD59-A6C34878D82A}">
-                      <a16:rowId xmlns:a16="http://schemas.microsoft.com/office/drawing/2014/main" val="10000"/>
+                      <a16:rowId xmlns:a16="http://schemas.microsoft.com/office/drawing/2014/main" xmlns="" val="10000"/>
                     </a:ext>
                   </a:extLst>
                 </a:tr>
@@ -11825,42 +11927,42 @@
                   <a:gridCol w="208280">
                     <a:extLst>
                       <a:ext uri="{9D8B030D-6E8A-4147-A177-3AD203B41FA5}">
-                        <a16:colId xmlns:a16="http://schemas.microsoft.com/office/drawing/2014/main" val="20000"/>
+                        <a16:colId xmlns:a16="http://schemas.microsoft.com/office/drawing/2014/main" xmlns="" val="20000"/>
                       </a:ext>
                     </a:extLst>
                   </a:gridCol>
                   <a:gridCol w="208280">
                     <a:extLst>
                       <a:ext uri="{9D8B030D-6E8A-4147-A177-3AD203B41FA5}">
-                        <a16:colId xmlns:a16="http://schemas.microsoft.com/office/drawing/2014/main" val="20001"/>
+                        <a16:colId xmlns:a16="http://schemas.microsoft.com/office/drawing/2014/main" xmlns="" val="20001"/>
                       </a:ext>
                     </a:extLst>
                   </a:gridCol>
                   <a:gridCol w="208280">
                     <a:extLst>
                       <a:ext uri="{9D8B030D-6E8A-4147-A177-3AD203B41FA5}">
-                        <a16:colId xmlns:a16="http://schemas.microsoft.com/office/drawing/2014/main" val="20002"/>
+                        <a16:colId xmlns:a16="http://schemas.microsoft.com/office/drawing/2014/main" xmlns="" val="20002"/>
                       </a:ext>
                     </a:extLst>
                   </a:gridCol>
                   <a:gridCol w="208280">
                     <a:extLst>
                       <a:ext uri="{9D8B030D-6E8A-4147-A177-3AD203B41FA5}">
-                        <a16:colId xmlns:a16="http://schemas.microsoft.com/office/drawing/2014/main" val="20003"/>
+                        <a16:colId xmlns:a16="http://schemas.microsoft.com/office/drawing/2014/main" xmlns="" val="20003"/>
                       </a:ext>
                     </a:extLst>
                   </a:gridCol>
                   <a:gridCol w="208280">
                     <a:extLst>
                       <a:ext uri="{9D8B030D-6E8A-4147-A177-3AD203B41FA5}">
-                        <a16:colId xmlns:a16="http://schemas.microsoft.com/office/drawing/2014/main" val="20004"/>
+                        <a16:colId xmlns:a16="http://schemas.microsoft.com/office/drawing/2014/main" xmlns="" val="20004"/>
                       </a:ext>
                     </a:extLst>
                   </a:gridCol>
                   <a:gridCol w="208280">
                     <a:extLst>
                       <a:ext uri="{9D8B030D-6E8A-4147-A177-3AD203B41FA5}">
-                        <a16:colId xmlns:a16="http://schemas.microsoft.com/office/drawing/2014/main" val="20005"/>
+                        <a16:colId xmlns:a16="http://schemas.microsoft.com/office/drawing/2014/main" xmlns="" val="20005"/>
                       </a:ext>
                     </a:extLst>
                   </a:gridCol>
@@ -12078,7 +12180,7 @@
                   </a:tc>
                   <a:extLst>
                     <a:ext uri="{0D108BD9-81ED-4DB2-BD59-A6C34878D82A}">
-                      <a16:rowId xmlns:a16="http://schemas.microsoft.com/office/drawing/2014/main" val="10000"/>
+                      <a16:rowId xmlns:a16="http://schemas.microsoft.com/office/drawing/2014/main" xmlns="" val="10000"/>
                     </a:ext>
                   </a:extLst>
                 </a:tr>
@@ -12286,42 +12388,42 @@
                   <a:gridCol w="208280">
                     <a:extLst>
                       <a:ext uri="{9D8B030D-6E8A-4147-A177-3AD203B41FA5}">
-                        <a16:colId xmlns:a16="http://schemas.microsoft.com/office/drawing/2014/main" val="20000"/>
+                        <a16:colId xmlns:a16="http://schemas.microsoft.com/office/drawing/2014/main" xmlns="" val="20000"/>
                       </a:ext>
                     </a:extLst>
                   </a:gridCol>
                   <a:gridCol w="208280">
                     <a:extLst>
                       <a:ext uri="{9D8B030D-6E8A-4147-A177-3AD203B41FA5}">
-                        <a16:colId xmlns:a16="http://schemas.microsoft.com/office/drawing/2014/main" val="20001"/>
+                        <a16:colId xmlns:a16="http://schemas.microsoft.com/office/drawing/2014/main" xmlns="" val="20001"/>
                       </a:ext>
                     </a:extLst>
                   </a:gridCol>
                   <a:gridCol w="208280">
                     <a:extLst>
                       <a:ext uri="{9D8B030D-6E8A-4147-A177-3AD203B41FA5}">
-                        <a16:colId xmlns:a16="http://schemas.microsoft.com/office/drawing/2014/main" val="20002"/>
+                        <a16:colId xmlns:a16="http://schemas.microsoft.com/office/drawing/2014/main" xmlns="" val="20002"/>
                       </a:ext>
                     </a:extLst>
                   </a:gridCol>
                   <a:gridCol w="208280">
                     <a:extLst>
                       <a:ext uri="{9D8B030D-6E8A-4147-A177-3AD203B41FA5}">
-                        <a16:colId xmlns:a16="http://schemas.microsoft.com/office/drawing/2014/main" val="20003"/>
+                        <a16:colId xmlns:a16="http://schemas.microsoft.com/office/drawing/2014/main" xmlns="" val="20003"/>
                       </a:ext>
                     </a:extLst>
                   </a:gridCol>
                   <a:gridCol w="208280">
                     <a:extLst>
                       <a:ext uri="{9D8B030D-6E8A-4147-A177-3AD203B41FA5}">
-                        <a16:colId xmlns:a16="http://schemas.microsoft.com/office/drawing/2014/main" val="20004"/>
+                        <a16:colId xmlns:a16="http://schemas.microsoft.com/office/drawing/2014/main" xmlns="" val="20004"/>
                       </a:ext>
                     </a:extLst>
                   </a:gridCol>
                   <a:gridCol w="208280">
                     <a:extLst>
                       <a:ext uri="{9D8B030D-6E8A-4147-A177-3AD203B41FA5}">
-                        <a16:colId xmlns:a16="http://schemas.microsoft.com/office/drawing/2014/main" val="20005"/>
+                        <a16:colId xmlns:a16="http://schemas.microsoft.com/office/drawing/2014/main" xmlns="" val="20005"/>
                       </a:ext>
                     </a:extLst>
                   </a:gridCol>
@@ -12539,7 +12641,7 @@
                   </a:tc>
                   <a:extLst>
                     <a:ext uri="{0D108BD9-81ED-4DB2-BD59-A6C34878D82A}">
-                      <a16:rowId xmlns:a16="http://schemas.microsoft.com/office/drawing/2014/main" val="10000"/>
+                      <a16:rowId xmlns:a16="http://schemas.microsoft.com/office/drawing/2014/main" xmlns="" val="10000"/>
                     </a:ext>
                   </a:extLst>
                 </a:tr>
@@ -12566,7 +12668,7 @@
             </a:ln>
             <a:extLst>
               <a:ext uri="{C572A759-6A51-4108-AA02-DFA0A04FC94B}">
-                <ma14:wrappingTextBoxFlag xmlns:ma14="http://schemas.microsoft.com/office/mac/drawingml/2011/main" xmlns="" val="1"/>
+                <ma14:wrappingTextBoxFlag xmlns="" xmlns:ma14="http://schemas.microsoft.com/office/mac/drawingml/2011/main" val="1"/>
               </a:ext>
             </a:extLst>
           </p:spPr>
@@ -12641,7 +12743,7 @@
             </a:ln>
             <a:extLst>
               <a:ext uri="{C572A759-6A51-4108-AA02-DFA0A04FC94B}">
-                <ma14:wrappingTextBoxFlag xmlns:ma14="http://schemas.microsoft.com/office/mac/drawingml/2011/main" xmlns="" val="1"/>
+                <ma14:wrappingTextBoxFlag xmlns="" xmlns:ma14="http://schemas.microsoft.com/office/mac/drawingml/2011/main" val="1"/>
               </a:ext>
             </a:extLst>
           </p:spPr>
@@ -12700,7 +12802,7 @@
             </a:ln>
             <a:extLst>
               <a:ext uri="{C572A759-6A51-4108-AA02-DFA0A04FC94B}">
-                <ma14:wrappingTextBoxFlag xmlns:ma14="http://schemas.microsoft.com/office/mac/drawingml/2011/main" xmlns="" val="1"/>
+                <ma14:wrappingTextBoxFlag xmlns="" xmlns:ma14="http://schemas.microsoft.com/office/mac/drawingml/2011/main" val="1"/>
               </a:ext>
             </a:extLst>
           </p:spPr>
@@ -12759,7 +12861,7 @@
             </a:ln>
             <a:extLst>
               <a:ext uri="{C572A759-6A51-4108-AA02-DFA0A04FC94B}">
-                <ma14:wrappingTextBoxFlag xmlns:ma14="http://schemas.microsoft.com/office/mac/drawingml/2011/main" xmlns="" val="1"/>
+                <ma14:wrappingTextBoxFlag xmlns="" xmlns:ma14="http://schemas.microsoft.com/office/mac/drawingml/2011/main" val="1"/>
               </a:ext>
             </a:extLst>
           </p:spPr>
@@ -12826,7 +12928,7 @@
             </a:ln>
             <a:extLst>
               <a:ext uri="{C572A759-6A51-4108-AA02-DFA0A04FC94B}">
-                <ma14:wrappingTextBoxFlag xmlns:ma14="http://schemas.microsoft.com/office/mac/drawingml/2011/main" xmlns="" val="1"/>
+                <ma14:wrappingTextBoxFlag xmlns="" xmlns:ma14="http://schemas.microsoft.com/office/mac/drawingml/2011/main" val="1"/>
               </a:ext>
             </a:extLst>
           </p:spPr>
@@ -12885,7 +12987,7 @@
             </a:ln>
             <a:extLst>
               <a:ext uri="{C572A759-6A51-4108-AA02-DFA0A04FC94B}">
-                <ma14:wrappingTextBoxFlag xmlns:ma14="http://schemas.microsoft.com/office/mac/drawingml/2011/main" xmlns="" val="1"/>
+                <ma14:wrappingTextBoxFlag xmlns="" xmlns:ma14="http://schemas.microsoft.com/office/mac/drawingml/2011/main" val="1"/>
               </a:ext>
             </a:extLst>
           </p:spPr>
@@ -12944,7 +13046,7 @@
             </a:ln>
             <a:extLst>
               <a:ext uri="{C572A759-6A51-4108-AA02-DFA0A04FC94B}">
-                <ma14:wrappingTextBoxFlag xmlns:ma14="http://schemas.microsoft.com/office/mac/drawingml/2011/main" xmlns="" val="1"/>
+                <ma14:wrappingTextBoxFlag xmlns="" xmlns:ma14="http://schemas.microsoft.com/office/mac/drawingml/2011/main" val="1"/>
               </a:ext>
             </a:extLst>
           </p:spPr>
@@ -12988,7 +13090,7 @@
             </a:ln>
             <a:extLst>
               <a:ext uri="{C572A759-6A51-4108-AA02-DFA0A04FC94B}">
-                <ma14:wrappingTextBoxFlag xmlns:ma14="http://schemas.microsoft.com/office/mac/drawingml/2011/main" xmlns="" val="1"/>
+                <ma14:wrappingTextBoxFlag xmlns="" xmlns:ma14="http://schemas.microsoft.com/office/mac/drawingml/2011/main" val="1"/>
               </a:ext>
             </a:extLst>
           </p:spPr>
@@ -13032,7 +13134,7 @@
             </a:ln>
             <a:extLst>
               <a:ext uri="{C572A759-6A51-4108-AA02-DFA0A04FC94B}">
-                <ma14:wrappingTextBoxFlag xmlns:ma14="http://schemas.microsoft.com/office/mac/drawingml/2011/main" xmlns="" val="1"/>
+                <ma14:wrappingTextBoxFlag xmlns="" xmlns:ma14="http://schemas.microsoft.com/office/mac/drawingml/2011/main" val="1"/>
               </a:ext>
             </a:extLst>
           </p:spPr>
@@ -13076,7 +13178,7 @@
             </a:ln>
             <a:extLst>
               <a:ext uri="{C572A759-6A51-4108-AA02-DFA0A04FC94B}">
-                <ma14:wrappingTextBoxFlag xmlns:ma14="http://schemas.microsoft.com/office/mac/drawingml/2011/main" xmlns="" val="1"/>
+                <ma14:wrappingTextBoxFlag xmlns="" xmlns:ma14="http://schemas.microsoft.com/office/mac/drawingml/2011/main" val="1"/>
               </a:ext>
             </a:extLst>
           </p:spPr>
@@ -13120,7 +13222,7 @@
             </a:ln>
             <a:extLst>
               <a:ext uri="{C572A759-6A51-4108-AA02-DFA0A04FC94B}">
-                <ma14:wrappingTextBoxFlag xmlns:ma14="http://schemas.microsoft.com/office/mac/drawingml/2011/main" xmlns="" val="1"/>
+                <ma14:wrappingTextBoxFlag xmlns="" xmlns:ma14="http://schemas.microsoft.com/office/mac/drawingml/2011/main" val="1"/>
               </a:ext>
             </a:extLst>
           </p:spPr>
@@ -13164,7 +13266,7 @@
             </a:ln>
             <a:extLst>
               <a:ext uri="{C572A759-6A51-4108-AA02-DFA0A04FC94B}">
-                <ma14:wrappingTextBoxFlag xmlns:ma14="http://schemas.microsoft.com/office/mac/drawingml/2011/main" xmlns="" val="1"/>
+                <ma14:wrappingTextBoxFlag xmlns="" xmlns:ma14="http://schemas.microsoft.com/office/mac/drawingml/2011/main" val="1"/>
               </a:ext>
             </a:extLst>
           </p:spPr>
@@ -13208,7 +13310,7 @@
             </a:ln>
             <a:extLst>
               <a:ext uri="{C572A759-6A51-4108-AA02-DFA0A04FC94B}">
-                <ma14:wrappingTextBoxFlag xmlns:ma14="http://schemas.microsoft.com/office/mac/drawingml/2011/main" xmlns="" val="1"/>
+                <ma14:wrappingTextBoxFlag xmlns="" xmlns:ma14="http://schemas.microsoft.com/office/mac/drawingml/2011/main" val="1"/>
               </a:ext>
             </a:extLst>
           </p:spPr>
@@ -13252,7 +13354,7 @@
             </a:ln>
             <a:extLst>
               <a:ext uri="{C572A759-6A51-4108-AA02-DFA0A04FC94B}">
-                <ma14:wrappingTextBoxFlag xmlns:ma14="http://schemas.microsoft.com/office/mac/drawingml/2011/main" xmlns="" val="1"/>
+                <ma14:wrappingTextBoxFlag xmlns="" xmlns:ma14="http://schemas.microsoft.com/office/mac/drawingml/2011/main" val="1"/>
               </a:ext>
             </a:extLst>
           </p:spPr>
@@ -13296,7 +13398,7 @@
             </a:ln>
             <a:extLst>
               <a:ext uri="{C572A759-6A51-4108-AA02-DFA0A04FC94B}">
-                <ma14:wrappingTextBoxFlag xmlns:ma14="http://schemas.microsoft.com/office/mac/drawingml/2011/main" xmlns="" val="1"/>
+                <ma14:wrappingTextBoxFlag xmlns="" xmlns:ma14="http://schemas.microsoft.com/office/mac/drawingml/2011/main" val="1"/>
               </a:ext>
             </a:extLst>
           </p:spPr>
@@ -13420,7 +13522,7 @@
             </a:ln>
             <a:extLst>
               <a:ext uri="{C572A759-6A51-4108-AA02-DFA0A04FC94B}">
-                <ma14:wrappingTextBoxFlag xmlns:ma14="http://schemas.microsoft.com/office/mac/drawingml/2011/main" xmlns="" val="1"/>
+                <ma14:wrappingTextBoxFlag xmlns="" xmlns:ma14="http://schemas.microsoft.com/office/mac/drawingml/2011/main" val="1"/>
               </a:ext>
             </a:extLst>
           </p:spPr>
@@ -13464,7 +13566,7 @@
             </a:ln>
             <a:extLst>
               <a:ext uri="{C572A759-6A51-4108-AA02-DFA0A04FC94B}">
-                <ma14:wrappingTextBoxFlag xmlns:ma14="http://schemas.microsoft.com/office/mac/drawingml/2011/main" xmlns="" val="1"/>
+                <ma14:wrappingTextBoxFlag xmlns="" xmlns:ma14="http://schemas.microsoft.com/office/mac/drawingml/2011/main" val="1"/>
               </a:ext>
             </a:extLst>
           </p:spPr>
@@ -13511,7 +13613,7 @@
             </a:ln>
             <a:extLst>
               <a:ext uri="{C572A759-6A51-4108-AA02-DFA0A04FC94B}">
-                <ma14:wrappingTextBoxFlag xmlns:ma14="http://schemas.microsoft.com/office/mac/drawingml/2011/main" xmlns="" val="1"/>
+                <ma14:wrappingTextBoxFlag xmlns="" xmlns:ma14="http://schemas.microsoft.com/office/mac/drawingml/2011/main" val="1"/>
               </a:ext>
             </a:extLst>
           </p:spPr>
@@ -13562,21 +13664,21 @@
                   <a:gridCol w="796863">
                     <a:extLst>
                       <a:ext uri="{9D8B030D-6E8A-4147-A177-3AD203B41FA5}">
-                        <a16:colId xmlns:a16="http://schemas.microsoft.com/office/drawing/2014/main" val="20000"/>
+                        <a16:colId xmlns:a16="http://schemas.microsoft.com/office/drawing/2014/main" xmlns="" val="20000"/>
                       </a:ext>
                     </a:extLst>
                   </a:gridCol>
                   <a:gridCol w="796863">
                     <a:extLst>
                       <a:ext uri="{9D8B030D-6E8A-4147-A177-3AD203B41FA5}">
-                        <a16:colId xmlns:a16="http://schemas.microsoft.com/office/drawing/2014/main" val="20001"/>
+                        <a16:colId xmlns:a16="http://schemas.microsoft.com/office/drawing/2014/main" xmlns="" val="20001"/>
                       </a:ext>
                     </a:extLst>
                   </a:gridCol>
                   <a:gridCol w="796863">
                     <a:extLst>
                       <a:ext uri="{9D8B030D-6E8A-4147-A177-3AD203B41FA5}">
-                        <a16:colId xmlns:a16="http://schemas.microsoft.com/office/drawing/2014/main" val="20002"/>
+                        <a16:colId xmlns:a16="http://schemas.microsoft.com/office/drawing/2014/main" xmlns="" val="20002"/>
                       </a:ext>
                     </a:extLst>
                   </a:gridCol>
@@ -13689,7 +13791,7 @@
                   </a:tc>
                   <a:extLst>
                     <a:ext uri="{0D108BD9-81ED-4DB2-BD59-A6C34878D82A}">
-                      <a16:rowId xmlns:a16="http://schemas.microsoft.com/office/drawing/2014/main" val="10000"/>
+                      <a16:rowId xmlns:a16="http://schemas.microsoft.com/office/drawing/2014/main" xmlns="" val="10000"/>
                     </a:ext>
                   </a:extLst>
                 </a:tr>
@@ -13723,21 +13825,21 @@
                   <a:gridCol w="796863">
                     <a:extLst>
                       <a:ext uri="{9D8B030D-6E8A-4147-A177-3AD203B41FA5}">
-                        <a16:colId xmlns:a16="http://schemas.microsoft.com/office/drawing/2014/main" val="20000"/>
+                        <a16:colId xmlns:a16="http://schemas.microsoft.com/office/drawing/2014/main" xmlns="" val="20000"/>
                       </a:ext>
                     </a:extLst>
                   </a:gridCol>
                   <a:gridCol w="796863">
                     <a:extLst>
                       <a:ext uri="{9D8B030D-6E8A-4147-A177-3AD203B41FA5}">
-                        <a16:colId xmlns:a16="http://schemas.microsoft.com/office/drawing/2014/main" val="20001"/>
+                        <a16:colId xmlns:a16="http://schemas.microsoft.com/office/drawing/2014/main" xmlns="" val="20001"/>
                       </a:ext>
                     </a:extLst>
                   </a:gridCol>
                   <a:gridCol w="796863">
                     <a:extLst>
                       <a:ext uri="{9D8B030D-6E8A-4147-A177-3AD203B41FA5}">
-                        <a16:colId xmlns:a16="http://schemas.microsoft.com/office/drawing/2014/main" val="20002"/>
+                        <a16:colId xmlns:a16="http://schemas.microsoft.com/office/drawing/2014/main" xmlns="" val="20002"/>
                       </a:ext>
                     </a:extLst>
                   </a:gridCol>
@@ -13850,7 +13952,7 @@
                   </a:tc>
                   <a:extLst>
                     <a:ext uri="{0D108BD9-81ED-4DB2-BD59-A6C34878D82A}">
-                      <a16:rowId xmlns:a16="http://schemas.microsoft.com/office/drawing/2014/main" val="10000"/>
+                      <a16:rowId xmlns:a16="http://schemas.microsoft.com/office/drawing/2014/main" xmlns="" val="10000"/>
                     </a:ext>
                   </a:extLst>
                 </a:tr>
@@ -13884,21 +13986,21 @@
                   <a:gridCol w="796863">
                     <a:extLst>
                       <a:ext uri="{9D8B030D-6E8A-4147-A177-3AD203B41FA5}">
-                        <a16:colId xmlns:a16="http://schemas.microsoft.com/office/drawing/2014/main" val="20000"/>
+                        <a16:colId xmlns:a16="http://schemas.microsoft.com/office/drawing/2014/main" xmlns="" val="20000"/>
                       </a:ext>
                     </a:extLst>
                   </a:gridCol>
                   <a:gridCol w="796863">
                     <a:extLst>
                       <a:ext uri="{9D8B030D-6E8A-4147-A177-3AD203B41FA5}">
-                        <a16:colId xmlns:a16="http://schemas.microsoft.com/office/drawing/2014/main" val="20001"/>
+                        <a16:colId xmlns:a16="http://schemas.microsoft.com/office/drawing/2014/main" xmlns="" val="20001"/>
                       </a:ext>
                     </a:extLst>
                   </a:gridCol>
                   <a:gridCol w="796863">
                     <a:extLst>
                       <a:ext uri="{9D8B030D-6E8A-4147-A177-3AD203B41FA5}">
-                        <a16:colId xmlns:a16="http://schemas.microsoft.com/office/drawing/2014/main" val="20002"/>
+                        <a16:colId xmlns:a16="http://schemas.microsoft.com/office/drawing/2014/main" xmlns="" val="20002"/>
                       </a:ext>
                     </a:extLst>
                   </a:gridCol>
@@ -14011,7 +14113,7 @@
                   </a:tc>
                   <a:extLst>
                     <a:ext uri="{0D108BD9-81ED-4DB2-BD59-A6C34878D82A}">
-                      <a16:rowId xmlns:a16="http://schemas.microsoft.com/office/drawing/2014/main" val="10000"/>
+                      <a16:rowId xmlns:a16="http://schemas.microsoft.com/office/drawing/2014/main" xmlns="" val="10000"/>
                     </a:ext>
                   </a:extLst>
                 </a:tr>
@@ -14294,7 +14396,7 @@
             </a:ln>
             <a:extLst>
               <a:ext uri="{C572A759-6A51-4108-AA02-DFA0A04FC94B}">
-                <ma14:wrappingTextBoxFlag xmlns:ma14="http://schemas.microsoft.com/office/mac/drawingml/2011/main" xmlns="" val="1"/>
+                <ma14:wrappingTextBoxFlag xmlns="" xmlns:ma14="http://schemas.microsoft.com/office/mac/drawingml/2011/main" val="1"/>
               </a:ext>
             </a:extLst>
           </p:spPr>
@@ -14535,7 +14637,7 @@
             </a:ln>
             <a:extLst>
               <a:ext uri="{C572A759-6A51-4108-AA02-DFA0A04FC94B}">
-                <ma14:wrappingTextBoxFlag xmlns:ma14="http://schemas.microsoft.com/office/mac/drawingml/2011/main" xmlns="" val="1"/>
+                <ma14:wrappingTextBoxFlag xmlns="" xmlns:ma14="http://schemas.microsoft.com/office/mac/drawingml/2011/main" val="1"/>
               </a:ext>
             </a:extLst>
           </p:spPr>
@@ -14581,7 +14683,7 @@
             </a:ln>
             <a:extLst>
               <a:ext uri="{C572A759-6A51-4108-AA02-DFA0A04FC94B}">
-                <ma14:wrappingTextBoxFlag xmlns:ma14="http://schemas.microsoft.com/office/mac/drawingml/2011/main" xmlns="" val="1"/>
+                <ma14:wrappingTextBoxFlag xmlns="" xmlns:ma14="http://schemas.microsoft.com/office/mac/drawingml/2011/main" val="1"/>
               </a:ext>
             </a:extLst>
           </p:spPr>
@@ -14625,7 +14727,7 @@
             </a:ln>
             <a:extLst>
               <a:ext uri="{C572A759-6A51-4108-AA02-DFA0A04FC94B}">
-                <ma14:wrappingTextBoxFlag xmlns:ma14="http://schemas.microsoft.com/office/mac/drawingml/2011/main" xmlns="" val="1"/>
+                <ma14:wrappingTextBoxFlag xmlns="" xmlns:ma14="http://schemas.microsoft.com/office/mac/drawingml/2011/main" val="1"/>
               </a:ext>
             </a:extLst>
           </p:spPr>
@@ -14707,7 +14809,7 @@
             </a:ln>
             <a:extLst>
               <a:ext uri="{C572A759-6A51-4108-AA02-DFA0A04FC94B}">
-                <ma14:wrappingTextBoxFlag xmlns:ma14="http://schemas.microsoft.com/office/mac/drawingml/2011/main" xmlns="" val="1"/>
+                <ma14:wrappingTextBoxFlag xmlns="" xmlns:ma14="http://schemas.microsoft.com/office/mac/drawingml/2011/main" val="1"/>
               </a:ext>
             </a:extLst>
           </p:spPr>
@@ -14751,7 +14853,7 @@
             </a:ln>
             <a:extLst>
               <a:ext uri="{C572A759-6A51-4108-AA02-DFA0A04FC94B}">
-                <ma14:wrappingTextBoxFlag xmlns:ma14="http://schemas.microsoft.com/office/mac/drawingml/2011/main" xmlns="" val="1"/>
+                <ma14:wrappingTextBoxFlag xmlns="" xmlns:ma14="http://schemas.microsoft.com/office/mac/drawingml/2011/main" val="1"/>
               </a:ext>
             </a:extLst>
           </p:spPr>
@@ -14795,7 +14897,7 @@
             </a:ln>
             <a:extLst>
               <a:ext uri="{C572A759-6A51-4108-AA02-DFA0A04FC94B}">
-                <ma14:wrappingTextBoxFlag xmlns:ma14="http://schemas.microsoft.com/office/mac/drawingml/2011/main" xmlns="" val="1"/>
+                <ma14:wrappingTextBoxFlag xmlns="" xmlns:ma14="http://schemas.microsoft.com/office/mac/drawingml/2011/main" val="1"/>
               </a:ext>
             </a:extLst>
           </p:spPr>
@@ -14939,7 +15041,7 @@
           </a:ln>
           <a:extLst>
             <a:ext uri="{C572A759-6A51-4108-AA02-DFA0A04FC94B}">
-              <ma14:wrappingTextBoxFlag xmlns:ma14="http://schemas.microsoft.com/office/mac/drawingml/2011/main" xmlns="" val="1"/>
+              <ma14:wrappingTextBoxFlag xmlns="" xmlns:ma14="http://schemas.microsoft.com/office/mac/drawingml/2011/main" val="1"/>
             </a:ext>
           </a:extLst>
         </p:spPr>
@@ -14993,7 +15095,7 @@
           </a:ln>
           <a:extLst>
             <a:ext uri="{C572A759-6A51-4108-AA02-DFA0A04FC94B}">
-              <ma14:wrappingTextBoxFlag xmlns:ma14="http://schemas.microsoft.com/office/mac/drawingml/2011/main" xmlns="" val="1"/>
+              <ma14:wrappingTextBoxFlag xmlns="" xmlns:ma14="http://schemas.microsoft.com/office/mac/drawingml/2011/main" val="1"/>
             </a:ext>
           </a:extLst>
         </p:spPr>
@@ -15155,14 +15257,14 @@
                 <a:gridCol w="2034563">
                   <a:extLst>
                     <a:ext uri="{9D8B030D-6E8A-4147-A177-3AD203B41FA5}">
-                      <a16:colId xmlns:a16="http://schemas.microsoft.com/office/drawing/2014/main" val="20000"/>
+                      <a16:colId xmlns:a16="http://schemas.microsoft.com/office/drawing/2014/main" xmlns="" val="20000"/>
                     </a:ext>
                   </a:extLst>
                 </a:gridCol>
                 <a:gridCol w="1156565">
                   <a:extLst>
                     <a:ext uri="{9D8B030D-6E8A-4147-A177-3AD203B41FA5}">
-                      <a16:colId xmlns:a16="http://schemas.microsoft.com/office/drawing/2014/main" val="20001"/>
+                      <a16:colId xmlns:a16="http://schemas.microsoft.com/office/drawing/2014/main" xmlns="" val="20001"/>
                     </a:ext>
                   </a:extLst>
                 </a:gridCol>
@@ -15198,7 +15300,7 @@
                 </a:tc>
                 <a:extLst>
                   <a:ext uri="{0D108BD9-81ED-4DB2-BD59-A6C34878D82A}">
-                    <a16:rowId xmlns:a16="http://schemas.microsoft.com/office/drawing/2014/main" val="10000"/>
+                    <a16:rowId xmlns:a16="http://schemas.microsoft.com/office/drawing/2014/main" xmlns="" val="10000"/>
                   </a:ext>
                 </a:extLst>
               </a:tr>
@@ -15233,7 +15335,7 @@
                 </a:tc>
                 <a:extLst>
                   <a:ext uri="{0D108BD9-81ED-4DB2-BD59-A6C34878D82A}">
-                    <a16:rowId xmlns:a16="http://schemas.microsoft.com/office/drawing/2014/main" val="10001"/>
+                    <a16:rowId xmlns:a16="http://schemas.microsoft.com/office/drawing/2014/main" xmlns="" val="10001"/>
                   </a:ext>
                 </a:extLst>
               </a:tr>
@@ -15268,7 +15370,7 @@
                 </a:tc>
                 <a:extLst>
                   <a:ext uri="{0D108BD9-81ED-4DB2-BD59-A6C34878D82A}">
-                    <a16:rowId xmlns:a16="http://schemas.microsoft.com/office/drawing/2014/main" val="10002"/>
+                    <a16:rowId xmlns:a16="http://schemas.microsoft.com/office/drawing/2014/main" xmlns="" val="10002"/>
                   </a:ext>
                 </a:extLst>
               </a:tr>
@@ -15303,7 +15405,7 @@
                 </a:tc>
                 <a:extLst>
                   <a:ext uri="{0D108BD9-81ED-4DB2-BD59-A6C34878D82A}">
-                    <a16:rowId xmlns:a16="http://schemas.microsoft.com/office/drawing/2014/main" val="10003"/>
+                    <a16:rowId xmlns:a16="http://schemas.microsoft.com/office/drawing/2014/main" xmlns="" val="10003"/>
                   </a:ext>
                 </a:extLst>
               </a:tr>
@@ -15330,7 +15432,7 @@
           </a:ln>
           <a:extLst>
             <a:ext uri="{C572A759-6A51-4108-AA02-DFA0A04FC94B}">
-              <ma14:wrappingTextBoxFlag xmlns:ma14="http://schemas.microsoft.com/office/mac/drawingml/2011/main" xmlns="" val="1"/>
+              <ma14:wrappingTextBoxFlag xmlns="" xmlns:ma14="http://schemas.microsoft.com/office/mac/drawingml/2011/main" val="1"/>
             </a:ext>
           </a:extLst>
         </p:spPr>
@@ -15366,14 +15468,14 @@
           <p:nvPr>
             <p:extLst>
               <p:ext uri="{D42A27DB-BD31-4B8C-83A1-F6EECF244321}">
-                <p14:modId xmlns:p14="http://schemas.microsoft.com/office/powerpoint/2010/main" val="1632043821"/>
+                <p14:modId xmlns:p14="http://schemas.microsoft.com/office/powerpoint/2010/main" val="1722516404"/>
               </p:ext>
             </p:extLst>
           </p:nvPr>
         </p:nvGraphicFramePr>
         <p:xfrm>
-          <a:off x="2174035" y="17558407"/>
-          <a:ext cx="13519176" cy="6143719"/>
+          <a:off x="1981200" y="17558407"/>
+          <a:ext cx="13712011" cy="6143719"/>
         </p:xfrm>
         <a:graphic>
           <a:graphicData uri="http://schemas.openxmlformats.org/drawingml/2006/table">
@@ -15382,31 +15484,32 @@
                 <a:tableStyleId>{5940675A-B579-460E-94D1-54222C63F5DA}</a:tableStyleId>
               </a:tblPr>
               <a:tblGrid>
-                <a:gridCol w="1153365">
+                <a:gridCol w="1002602">
                   <a:extLst>
                     <a:ext uri="{9D8B030D-6E8A-4147-A177-3AD203B41FA5}">
-                      <a16:colId xmlns:a16="http://schemas.microsoft.com/office/drawing/2014/main" val="20000"/>
+                      <a16:colId xmlns:a16="http://schemas.microsoft.com/office/drawing/2014/main" xmlns="" val="20000"/>
                     </a:ext>
                   </a:extLst>
                 </a:gridCol>
-                <a:gridCol w="1016000">
+                <a:gridCol w="737298">
                   <a:extLst>
                     <a:ext uri="{9D8B030D-6E8A-4147-A177-3AD203B41FA5}">
-                      <a16:colId xmlns:a16="http://schemas.microsoft.com/office/drawing/2014/main" val="20001"/>
+                      <a16:colId xmlns:a16="http://schemas.microsoft.com/office/drawing/2014/main" xmlns="" val="20001"/>
                     </a:ext>
                   </a:extLst>
                 </a:gridCol>
-                <a:gridCol w="10193210">
+                <a:gridCol w="5346700">
                   <a:extLst>
                     <a:ext uri="{9D8B030D-6E8A-4147-A177-3AD203B41FA5}">
-                      <a16:colId xmlns:a16="http://schemas.microsoft.com/office/drawing/2014/main" val="20002"/>
+                      <a16:colId xmlns:a16="http://schemas.microsoft.com/office/drawing/2014/main" xmlns="" val="20002"/>
                     </a:ext>
                   </a:extLst>
                 </a:gridCol>
-                <a:gridCol w="1156601">
+                <a:gridCol w="5422900"/>
+                <a:gridCol w="1202511">
                   <a:extLst>
                     <a:ext uri="{9D8B030D-6E8A-4147-A177-3AD203B41FA5}">
-                      <a16:colId xmlns:a16="http://schemas.microsoft.com/office/drawing/2014/main" val="20003"/>
+                      <a16:colId xmlns:a16="http://schemas.microsoft.com/office/drawing/2014/main" xmlns="" val="20003"/>
                     </a:ext>
                   </a:extLst>
                 </a:gridCol>
@@ -15433,31 +15536,61 @@
                     <a:p>
                       <a:pPr algn="ctr"/>
                       <a:r>
+                        <a:rPr lang="en-US" sz="1300" b="1" dirty="0"/>
+                        <a:t>#</a:t>
+                      </a:r>
+                      <a:r>
+                        <a:rPr lang="en-US" sz="1300" b="1" baseline="0" dirty="0"/>
+                        <a:t> Recipes</a:t>
+                      </a:r>
+                      <a:endParaRPr lang="en-US" sz="1300" b="1" dirty="0"/>
+                    </a:p>
+                  </a:txBody>
+                  <a:tcPr/>
+                </a:tc>
+                <a:tc>
+                  <a:txBody>
+                    <a:bodyPr/>
+                    <a:lstStyle/>
+                    <a:p>
+                      <a:pPr algn="ctr"/>
+                      <a:r>
+                        <a:rPr lang="en-US" sz="1500" b="1" dirty="0" smtClean="0"/>
+                        <a:t>Top 5-10 Ingredients based on BOW</a:t>
+                      </a:r>
+                      <a:endParaRPr lang="en-US" sz="1500" b="1" dirty="0"/>
+                    </a:p>
+                  </a:txBody>
+                  <a:tcPr/>
+                </a:tc>
+                <a:tc>
+                  <a:txBody>
+                    <a:bodyPr/>
+                    <a:lstStyle/>
+                    <a:p>
+                      <a:pPr algn="ctr"/>
+                      <a:r>
+                        <a:rPr lang="en-US" sz="1500" b="1" dirty="0" smtClean="0"/>
+                        <a:t>Top 5-10 Signature  </a:t>
+                      </a:r>
+                      <a:r>
                         <a:rPr lang="en-US" sz="1500" b="1" dirty="0"/>
-                        <a:t>#</a:t>
+                        <a:t>Ingredients based on TF-IDF on</a:t>
                       </a:r>
                       <a:r>
                         <a:rPr lang="en-US" sz="1500" b="1" baseline="0" dirty="0"/>
-                        <a:t> Recipes</a:t>
-                      </a:r>
-                      <a:endParaRPr lang="en-US" sz="1500" b="1" dirty="0"/>
-                    </a:p>
-                  </a:txBody>
-                  <a:tcPr/>
-                </a:tc>
-                <a:tc>
-                  <a:txBody>
-                    <a:bodyPr/>
-                    <a:lstStyle/>
-                    <a:p>
-                      <a:pPr algn="ctr"/>
-                      <a:r>
-                        <a:rPr lang="en-US" sz="1500" b="1" dirty="0"/>
-                        <a:t>Top 10 Signature  Ingredients based on TF-IDF on</a:t>
-                      </a:r>
-                      <a:r>
-                        <a:rPr lang="en-US" sz="1500" b="1" baseline="0" dirty="0"/>
-                        <a:t> cuisines (representation D)</a:t>
+                        <a:t> </a:t>
+                      </a:r>
+                      <a:r>
+                        <a:rPr lang="en-US" sz="1500" b="1" baseline="0" dirty="0" smtClean="0"/>
+                        <a:t>cuisines</a:t>
+                      </a:r>
+                      <a:br>
+                        <a:rPr lang="en-US" sz="1500" b="1" baseline="0" dirty="0" smtClean="0"/>
+                      </a:br>
+                      <a:r>
+                        <a:rPr lang="en-US" sz="1500" b="1" baseline="0" dirty="0" smtClean="0"/>
+                        <a:t>(Representation D)</a:t>
                       </a:r>
                       <a:endParaRPr lang="en-US" sz="1500" b="1" dirty="0"/>
                     </a:p>
@@ -15497,7 +15630,7 @@
                 </a:tc>
                 <a:extLst>
                   <a:ext uri="{0D108BD9-81ED-4DB2-BD59-A6C34878D82A}">
-                    <a16:rowId xmlns:a16="http://schemas.microsoft.com/office/drawing/2014/main" val="10000"/>
+                    <a16:rowId xmlns:a16="http://schemas.microsoft.com/office/drawing/2014/main" xmlns="" val="10000"/>
                   </a:ext>
                 </a:extLst>
               </a:tr>
@@ -15537,63 +15670,59 @@
                     <a:p>
                       <a:pPr algn="r"/>
                       <a:r>
+                        <a:rPr lang="en-US" sz="1200" dirty="0" smtClean="0"/>
+                        <a:t>salt, olive oil, garlic cloves, grated parmesan</a:t>
+                      </a:r>
+                      <a:r>
+                        <a:rPr lang="en-US" sz="1200" baseline="0" dirty="0" smtClean="0"/>
+                        <a:t> </a:t>
+                      </a:r>
+                      <a:r>
+                        <a:rPr lang="en-US" sz="1200" dirty="0" smtClean="0"/>
+                        <a:t>cheese, garlic, ground black pepper</a:t>
+                      </a:r>
+                      <a:endParaRPr lang="en-US" sz="1200" dirty="0"/>
+                    </a:p>
+                  </a:txBody>
+                  <a:tcPr/>
+                </a:tc>
+                <a:tc>
+                  <a:txBody>
+                    <a:bodyPr/>
+                    <a:lstStyle/>
+                    <a:p>
+                      <a:pPr algn="r"/>
+                      <a:r>
                         <a:rPr lang="en-US" sz="1200" dirty="0"/>
-                        <a:t>lasagna noodles, ricotta cheese, arborio rice,</a:t>
+                        <a:t>lasagna noodles, ricotta cheese, </a:t>
+                      </a:r>
+                      <a:r>
+                        <a:rPr lang="en-US" sz="1200" dirty="0" smtClean="0"/>
+                        <a:t>prosciutto</a:t>
+                      </a:r>
+                      <a:r>
+                        <a:rPr lang="en-US" sz="1200" dirty="0"/>
+                        <a:t>, marinara sauce, fresh parmesan</a:t>
                       </a:r>
                       <a:r>
                         <a:rPr lang="en-US" sz="1200" baseline="0" dirty="0"/>
                         <a:t> </a:t>
                       </a:r>
                       <a:r>
-                        <a:rPr lang="en-US" sz="1200" dirty="0"/>
-                        <a:t>prosciutto, marinara sauce, fresh parmesan</a:t>
-                      </a:r>
-                      <a:r>
-                        <a:rPr lang="en-US" sz="1200" baseline="0" dirty="0"/>
-                        <a:t> </a:t>
-                      </a:r>
-                      <a:r>
-                        <a:rPr lang="en-US" sz="1200" dirty="0"/>
-                        <a:t>cheese, pasta sauce, </a:t>
-                      </a:r>
-                      <a:r>
-                        <a:rPr lang="en-US" sz="1200" dirty="0" err="1"/>
-                        <a:t>parmigiano</a:t>
-                      </a:r>
-                      <a:r>
-                        <a:rPr lang="en-US" sz="1200" dirty="0"/>
-                        <a:t> </a:t>
-                      </a:r>
-                      <a:r>
-                        <a:rPr lang="en-US" sz="1200" dirty="0" err="1"/>
-                        <a:t>reggiano</a:t>
-                      </a:r>
-                      <a:r>
-                        <a:rPr lang="en-US" sz="1200" baseline="0" dirty="0"/>
-                        <a:t> </a:t>
-                      </a:r>
-                      <a:r>
-                        <a:rPr lang="en-US" sz="1200" dirty="0"/>
-                        <a:t>cheese, </a:t>
-                      </a:r>
-                      <a:r>
-                        <a:rPr lang="en-US" sz="1200" dirty="0" err="1"/>
-                        <a:t>italian</a:t>
-                      </a:r>
-                      <a:r>
-                        <a:rPr lang="en-US" sz="1200" dirty="0"/>
-                        <a:t> sausage, spaghetti</a:t>
-                      </a:r>
-                    </a:p>
-                  </a:txBody>
-                  <a:tcPr/>
-                </a:tc>
-                <a:tc>
-                  <a:txBody>
-                    <a:bodyPr/>
-                    <a:lstStyle/>
-                    <a:p>
-                      <a:pPr algn="r"/>
+                        <a:rPr lang="en-US" sz="1200" dirty="0" smtClean="0"/>
+                        <a:t>cheese</a:t>
+                      </a:r>
+                      <a:endParaRPr lang="en-US" sz="1200" dirty="0"/>
+                    </a:p>
+                  </a:txBody>
+                  <a:tcPr/>
+                </a:tc>
+                <a:tc>
+                  <a:txBody>
+                    <a:bodyPr/>
+                    <a:lstStyle/>
+                    <a:p>
+                      <a:pPr algn="ctr"/>
                       <a:r>
                         <a:rPr lang="en-US" sz="1200" dirty="0"/>
                         <a:t>9.9</a:t>
@@ -15604,7 +15733,7 @@
                 </a:tc>
                 <a:extLst>
                   <a:ext uri="{0D108BD9-81ED-4DB2-BD59-A6C34878D82A}">
-                    <a16:rowId xmlns:a16="http://schemas.microsoft.com/office/drawing/2014/main" val="10001"/>
+                    <a16:rowId xmlns:a16="http://schemas.microsoft.com/office/drawing/2014/main" xmlns="" val="10001"/>
                   </a:ext>
                 </a:extLst>
               </a:tr>
@@ -15644,20 +15773,47 @@
                     <a:p>
                       <a:pPr algn="r"/>
                       <a:r>
+                        <a:rPr lang="en-US" sz="1200" dirty="0" smtClean="0"/>
+                        <a:t>salt, onions, ground cumin, garlic, olive oil,</a:t>
+                      </a:r>
+                      <a:r>
+                        <a:rPr lang="en-US" sz="1200" baseline="0" dirty="0" smtClean="0"/>
+                        <a:t> </a:t>
+                      </a:r>
+                      <a:r>
+                        <a:rPr lang="en-US" sz="1200" dirty="0" smtClean="0"/>
+                        <a:t>chili powder, jalapeno chilies,</a:t>
+                      </a:r>
+                      <a:r>
+                        <a:rPr lang="en-US" sz="1200" baseline="0" dirty="0" smtClean="0"/>
+                        <a:t> avocado</a:t>
+                      </a:r>
+                      <a:endParaRPr lang="en-US" sz="1200" dirty="0"/>
+                    </a:p>
+                  </a:txBody>
+                  <a:tcPr/>
+                </a:tc>
+                <a:tc>
+                  <a:txBody>
+                    <a:bodyPr/>
+                    <a:lstStyle/>
+                    <a:p>
+                      <a:pPr algn="r"/>
+                      <a:r>
                         <a:rPr lang="en-US" sz="1200" dirty="0"/>
-                        <a:t>refried beans, enchilada sauce, taco seasoning mix, taco seasoning, corn tortillas, tomatillos, salsa, tortilla chips, shredded</a:t>
-                      </a:r>
-                      <a:r>
-                        <a:rPr lang="en-US" sz="1200" baseline="0" dirty="0"/>
-                        <a:t> </a:t>
+                        <a:t>refried beans, enchilada </a:t>
+                      </a:r>
+                      <a:r>
+                        <a:rPr lang="en-US" sz="1200" dirty="0" smtClean="0"/>
+                        <a:t>sauce, corn </a:t>
                       </a:r>
                       <a:r>
                         <a:rPr lang="en-US" sz="1200" dirty="0"/>
-                        <a:t>Monterey Jack cheese, </a:t>
-                      </a:r>
-                      <a:r>
-                        <a:rPr lang="en-US" sz="1200" dirty="0" err="1"/>
-                        <a:t>cotija</a:t>
+                        <a:t>tortillas, tomatillos, </a:t>
+                      </a:r>
+                      <a:r>
+                        <a:rPr lang="en-US" sz="1200" dirty="0" smtClean="0"/>
+                        <a:t>salsa</a:t>
                       </a:r>
                       <a:endParaRPr lang="en-US" sz="1200" dirty="0"/>
                     </a:p>
@@ -15669,7 +15825,7 @@
                     <a:bodyPr/>
                     <a:lstStyle/>
                     <a:p>
-                      <a:pPr algn="r"/>
+                      <a:pPr algn="ctr"/>
                       <a:r>
                         <a:rPr lang="en-US" sz="1200" dirty="0"/>
                         <a:t>10.9</a:t>
@@ -15680,7 +15836,7 @@
                 </a:tc>
                 <a:extLst>
                   <a:ext uri="{0D108BD9-81ED-4DB2-BD59-A6C34878D82A}">
-                    <a16:rowId xmlns:a16="http://schemas.microsoft.com/office/drawing/2014/main" val="10002"/>
+                    <a16:rowId xmlns:a16="http://schemas.microsoft.com/office/drawing/2014/main" xmlns="" val="10002"/>
                   </a:ext>
                 </a:extLst>
               </a:tr>
@@ -15720,43 +15876,55 @@
                     <a:p>
                       <a:pPr algn="r"/>
                       <a:r>
+                        <a:rPr lang="en-US" sz="1200" dirty="0" smtClean="0"/>
+                        <a:t>salt, butter, all-purpose flour, sugar, large eggs, baking powder,</a:t>
+                      </a:r>
+                      <a:r>
+                        <a:rPr lang="en-US" sz="1200" baseline="0" dirty="0" smtClean="0"/>
+                        <a:t> </a:t>
+                      </a:r>
+                      <a:r>
+                        <a:rPr lang="en-US" sz="1200" dirty="0" smtClean="0"/>
+                        <a:t>buttermilk</a:t>
+                      </a:r>
+                      <a:endParaRPr lang="en-US" sz="1200" dirty="0"/>
+                    </a:p>
+                  </a:txBody>
+                  <a:tcPr/>
+                </a:tc>
+                <a:tc>
+                  <a:txBody>
+                    <a:bodyPr/>
+                    <a:lstStyle/>
+                    <a:p>
+                      <a:pPr algn="r"/>
+                      <a:r>
                         <a:rPr lang="en-US" sz="1200" dirty="0"/>
                         <a:t>grits, collard greens, buttermilk, bourbon whiskey, </a:t>
                       </a:r>
                       <a:r>
-                        <a:rPr lang="en-US" sz="1200" dirty="0" err="1"/>
-                        <a:t>quickcooking</a:t>
+                        <a:rPr lang="en-US" sz="1200" dirty="0" smtClean="0"/>
+                        <a:t> yellow </a:t>
                       </a:r>
                       <a:r>
                         <a:rPr lang="en-US" sz="1200" dirty="0"/>
-                        <a:t> grits, yellow corn meal, white cornmeal, chopped pecans, black-eyed</a:t>
-                      </a:r>
-                      <a:r>
-                        <a:rPr lang="en-US" sz="1200" baseline="0" dirty="0"/>
-                        <a:t> </a:t>
-                      </a:r>
-                      <a:r>
-                        <a:rPr lang="en-US" sz="1200" dirty="0"/>
-                        <a:t>peas, </a:t>
-                      </a:r>
-                      <a:r>
-                        <a:rPr lang="en-US" sz="1200" dirty="0" err="1"/>
-                        <a:t>cajun</a:t>
-                      </a:r>
-                      <a:r>
-                        <a:rPr lang="en-US" sz="1200" dirty="0"/>
-                        <a:t> seasoning</a:t>
-                      </a:r>
-                    </a:p>
-                  </a:txBody>
-                  <a:tcPr/>
-                </a:tc>
-                <a:tc>
-                  <a:txBody>
-                    <a:bodyPr/>
-                    <a:lstStyle/>
-                    <a:p>
-                      <a:pPr algn="r"/>
+                        <a:t>corn </a:t>
+                      </a:r>
+                      <a:r>
+                        <a:rPr lang="en-US" sz="1200" dirty="0" smtClean="0"/>
+                        <a:t>meal</a:t>
+                      </a:r>
+                      <a:endParaRPr lang="en-US" sz="1200" dirty="0"/>
+                    </a:p>
+                  </a:txBody>
+                  <a:tcPr/>
+                </a:tc>
+                <a:tc>
+                  <a:txBody>
+                    <a:bodyPr/>
+                    <a:lstStyle/>
+                    <a:p>
+                      <a:pPr algn="ctr"/>
                       <a:r>
                         <a:rPr lang="en-US" sz="1200" dirty="0"/>
                         <a:t>9.6</a:t>
@@ -15767,7 +15935,7 @@
                 </a:tc>
                 <a:extLst>
                   <a:ext uri="{0D108BD9-81ED-4DB2-BD59-A6C34878D82A}">
-                    <a16:rowId xmlns:a16="http://schemas.microsoft.com/office/drawing/2014/main" val="10003"/>
+                    <a16:rowId xmlns:a16="http://schemas.microsoft.com/office/drawing/2014/main" xmlns="" val="10003"/>
                   </a:ext>
                 </a:extLst>
               </a:tr>
@@ -15796,6 +15964,36 @@
                         <a:rPr lang="en-US" sz="1200" dirty="0"/>
                         <a:t>3003</a:t>
                       </a:r>
+                    </a:p>
+                  </a:txBody>
+                  <a:tcPr/>
+                </a:tc>
+                <a:tc>
+                  <a:txBody>
+                    <a:bodyPr/>
+                    <a:lstStyle/>
+                    <a:p>
+                      <a:r>
+                        <a:rPr lang="en-US" sz="1200" dirty="0" smtClean="0"/>
+                        <a:t>salt, onions, </a:t>
+                      </a:r>
+                      <a:r>
+                        <a:rPr lang="en-US" sz="1200" dirty="0" err="1" smtClean="0"/>
+                        <a:t>garam</a:t>
+                      </a:r>
+                      <a:r>
+                        <a:rPr lang="en-US" sz="1200" dirty="0" smtClean="0"/>
+                        <a:t> masala, water, ground,</a:t>
+                      </a:r>
+                      <a:r>
+                        <a:rPr lang="en-US" sz="1200" baseline="0" dirty="0" smtClean="0"/>
+                        <a:t> </a:t>
+                      </a:r>
+                      <a:r>
+                        <a:rPr lang="en-US" sz="1200" dirty="0" smtClean="0"/>
+                        <a:t>turmeric, garlic, cumin seed, ground </a:t>
+                      </a:r>
+                      <a:endParaRPr lang="en-US" sz="1200" dirty="0"/>
                     </a:p>
                   </a:txBody>
                   <a:tcPr/>
@@ -15835,10 +16033,10 @@
                           <a:cs typeface="+mn-cs"/>
                           <a:sym typeface="Times New Roman"/>
                         </a:rPr>
-                        <a:t> masala, curry leaves, paneer, ghee, coriander powder, cumin seed, </a:t>
-                      </a:r>
-                      <a:r>
-                        <a:rPr lang="en-US" sz="1200" b="0" i="0" u="none" strike="noStrike" cap="none" spc="0" baseline="0" dirty="0" err="1">
+                        <a:t> masala, curry leaves, paneer, ghee, coriander powder, cumin </a:t>
+                      </a:r>
+                      <a:r>
+                        <a:rPr lang="en-US" sz="1200" b="0" i="0" u="none" strike="noStrike" cap="none" spc="0" baseline="0" dirty="0" smtClean="0">
                           <a:ln>
                             <a:noFill/>
                           </a:ln>
@@ -15851,55 +16049,7 @@
                           <a:cs typeface="+mn-cs"/>
                           <a:sym typeface="Times New Roman"/>
                         </a:rPr>
-                        <a:t>asafoetida</a:t>
-                      </a:r>
-                      <a:r>
-                        <a:rPr lang="en-US" sz="1200" b="0" i="0" u="none" strike="noStrike" cap="none" spc="0" baseline="0" dirty="0">
-                          <a:ln>
-                            <a:noFill/>
-                          </a:ln>
-                          <a:solidFill>
-                            <a:schemeClr val="tx1"/>
-                          </a:solidFill>
-                          <a:uFillTx/>
-                          <a:latin typeface="+mn-lt"/>
-                          <a:ea typeface="+mn-ea"/>
-                          <a:cs typeface="+mn-cs"/>
-                          <a:sym typeface="Times New Roman"/>
-                        </a:rPr>
-                        <a:t>, </a:t>
-                      </a:r>
-                      <a:r>
-                        <a:rPr lang="en-US" sz="1200" b="0" i="0" u="none" strike="noStrike" cap="none" spc="0" baseline="0" dirty="0" err="1">
-                          <a:ln>
-                            <a:noFill/>
-                          </a:ln>
-                          <a:solidFill>
-                            <a:schemeClr val="tx1"/>
-                          </a:solidFill>
-                          <a:uFillTx/>
-                          <a:latin typeface="+mn-lt"/>
-                          <a:ea typeface="+mn-ea"/>
-                          <a:cs typeface="+mn-cs"/>
-                          <a:sym typeface="Times New Roman"/>
-                        </a:rPr>
-                        <a:t>urad</a:t>
-                      </a:r>
-                      <a:r>
-                        <a:rPr lang="en-US" sz="1200" b="0" i="0" u="none" strike="noStrike" cap="none" spc="0" baseline="0" dirty="0">
-                          <a:ln>
-                            <a:noFill/>
-                          </a:ln>
-                          <a:solidFill>
-                            <a:schemeClr val="tx1"/>
-                          </a:solidFill>
-                          <a:uFillTx/>
-                          <a:latin typeface="+mn-lt"/>
-                          <a:ea typeface="+mn-ea"/>
-                          <a:cs typeface="+mn-cs"/>
-                          <a:sym typeface="Times New Roman"/>
-                        </a:rPr>
-                        <a:t> dal, black mustard seeds, green chilies</a:t>
+                        <a:t>seed</a:t>
                       </a:r>
                       <a:endParaRPr lang="en-US" sz="1200" dirty="0"/>
                     </a:p>
@@ -15911,7 +16061,7 @@
                     <a:bodyPr/>
                     <a:lstStyle/>
                     <a:p>
-                      <a:pPr algn="r"/>
+                      <a:pPr algn="ctr"/>
                       <a:r>
                         <a:rPr lang="en-US" sz="1200" dirty="0"/>
                         <a:t>12.7</a:t>
@@ -15922,7 +16072,7 @@
                 </a:tc>
                 <a:extLst>
                   <a:ext uri="{0D108BD9-81ED-4DB2-BD59-A6C34878D82A}">
-                    <a16:rowId xmlns:a16="http://schemas.microsoft.com/office/drawing/2014/main" val="10004"/>
+                    <a16:rowId xmlns:a16="http://schemas.microsoft.com/office/drawing/2014/main" xmlns="" val="10004"/>
                   </a:ext>
                 </a:extLst>
               </a:tr>
@@ -15962,6 +16112,29 @@
                     <a:p>
                       <a:pPr algn="r"/>
                       <a:r>
+                        <a:rPr lang="en-US" sz="1200" dirty="0" smtClean="0"/>
+                        <a:t>soy sauce, sesame oil, salt, corn starch,</a:t>
+                      </a:r>
+                      <a:r>
+                        <a:rPr lang="en-US" sz="1200" baseline="0" dirty="0" smtClean="0"/>
+                        <a:t> </a:t>
+                      </a:r>
+                      <a:r>
+                        <a:rPr lang="en-US" sz="1200" dirty="0" smtClean="0"/>
+                        <a:t>sugar, garlic, water, green onions</a:t>
+                      </a:r>
+                      <a:endParaRPr lang="en-US" sz="1200" dirty="0"/>
+                    </a:p>
+                  </a:txBody>
+                  <a:tcPr/>
+                </a:tc>
+                <a:tc>
+                  <a:txBody>
+                    <a:bodyPr/>
+                    <a:lstStyle/>
+                    <a:p>
+                      <a:pPr algn="r"/>
+                      <a:r>
                         <a:rPr lang="en-US" sz="1200" dirty="0"/>
                         <a:t>Shaoxing wine, oyster sauce, sesame oil,</a:t>
                       </a:r>
@@ -15971,58 +16144,23 @@
                       </a:r>
                       <a:r>
                         <a:rPr lang="en-US" sz="1200" dirty="0"/>
-                        <a:t>hoisin sauce, dark soy sauce, light soy</a:t>
-                      </a:r>
-                      <a:r>
-                        <a:rPr lang="en-US" sz="1200" baseline="0" dirty="0"/>
-                        <a:t> </a:t>
-                      </a:r>
-                      <a:r>
-                        <a:rPr lang="en-US" sz="1200" dirty="0"/>
-                        <a:t>sauce, </a:t>
-                      </a:r>
-                      <a:r>
-                        <a:rPr lang="en-US" sz="1200" dirty="0" err="1"/>
-                        <a:t>chinese</a:t>
-                      </a:r>
-                      <a:r>
-                        <a:rPr lang="en-US" sz="1200" dirty="0"/>
-                        <a:t> rice wine, </a:t>
-                      </a:r>
-                      <a:r>
-                        <a:rPr lang="en-US" sz="1200" dirty="0" err="1"/>
-                        <a:t>chinese</a:t>
-                      </a:r>
-                      <a:r>
-                        <a:rPr lang="en-US" sz="1200" dirty="0"/>
-                        <a:t> five-spice</a:t>
-                      </a:r>
-                      <a:r>
-                        <a:rPr lang="en-US" sz="1200" baseline="0" dirty="0"/>
-                        <a:t> </a:t>
-                      </a:r>
-                      <a:r>
-                        <a:rPr lang="en-US" sz="1200" dirty="0"/>
-                        <a:t>powder, rice</a:t>
-                      </a:r>
-                      <a:r>
-                        <a:rPr lang="en-US" sz="1200" baseline="0" dirty="0"/>
-                        <a:t> </a:t>
-                      </a:r>
-                      <a:r>
-                        <a:rPr lang="en-US" sz="1200" dirty="0"/>
-                        <a:t>vinegar, rice wine</a:t>
-                      </a:r>
-                    </a:p>
-                  </a:txBody>
-                  <a:tcPr/>
-                </a:tc>
-                <a:tc>
-                  <a:txBody>
-                    <a:bodyPr/>
-                    <a:lstStyle/>
-                    <a:p>
-                      <a:pPr algn="r"/>
+                        <a:t>hoisin sauce, dark soy </a:t>
+                      </a:r>
+                      <a:r>
+                        <a:rPr lang="en-US" sz="1200" dirty="0" smtClean="0"/>
+                        <a:t>sauce</a:t>
+                      </a:r>
+                      <a:endParaRPr lang="en-US" sz="1200" dirty="0"/>
+                    </a:p>
+                  </a:txBody>
+                  <a:tcPr/>
+                </a:tc>
+                <a:tc>
+                  <a:txBody>
+                    <a:bodyPr/>
+                    <a:lstStyle/>
+                    <a:p>
+                      <a:pPr algn="ctr"/>
                       <a:r>
                         <a:rPr lang="en-US" sz="1200" dirty="0"/>
                         <a:t>11.9</a:t>
@@ -16033,7 +16171,7 @@
                 </a:tc>
                 <a:extLst>
                   <a:ext uri="{0D108BD9-81ED-4DB2-BD59-A6C34878D82A}">
-                    <a16:rowId xmlns:a16="http://schemas.microsoft.com/office/drawing/2014/main" val="10005"/>
+                    <a16:rowId xmlns:a16="http://schemas.microsoft.com/office/drawing/2014/main" xmlns="" val="10005"/>
                   </a:ext>
                 </a:extLst>
               </a:tr>
@@ -16073,6 +16211,33 @@
                     <a:p>
                       <a:pPr algn="r"/>
                       <a:r>
+                        <a:rPr lang="en-US" sz="1200" dirty="0" smtClean="0"/>
+                        <a:t>salt, sugar, all-purpose flour, unsalted butter,</a:t>
+                      </a:r>
+                      <a:r>
+                        <a:rPr lang="en-US" sz="1200" baseline="0" dirty="0" smtClean="0"/>
+                        <a:t> </a:t>
+                      </a:r>
+                      <a:r>
+                        <a:rPr lang="en-US" sz="1200" dirty="0" smtClean="0"/>
+                        <a:t>olive oil, butter, water, large</a:t>
+                      </a:r>
+                      <a:r>
+                        <a:rPr lang="en-US" sz="1200" baseline="0" dirty="0" smtClean="0"/>
+                        <a:t> eggs</a:t>
+                      </a:r>
+                      <a:endParaRPr lang="en-US" sz="1200" dirty="0"/>
+                    </a:p>
+                  </a:txBody>
+                  <a:tcPr/>
+                </a:tc>
+                <a:tc>
+                  <a:txBody>
+                    <a:bodyPr/>
+                    <a:lstStyle/>
+                    <a:p>
+                      <a:pPr algn="r"/>
+                      <a:r>
                         <a:rPr lang="en-US" sz="1200" dirty="0"/>
                         <a:t>gruyere cheese, grated </a:t>
                       </a:r>
@@ -16090,54 +16255,23 @@
                       </a:r>
                       <a:r>
                         <a:rPr lang="en-US" sz="1200" dirty="0"/>
-                        <a:t>chopped fresh thyme, fresh tarragon, </a:t>
-                      </a:r>
-                      <a:r>
-                        <a:rPr lang="en-US" sz="1200" dirty="0" err="1"/>
-                        <a:t>Nioise</a:t>
-                      </a:r>
-                      <a:r>
-                        <a:rPr lang="en-US" sz="1200" baseline="0" dirty="0"/>
-                        <a:t> </a:t>
-                      </a:r>
-                      <a:r>
-                        <a:rPr lang="en-US" sz="1200" dirty="0"/>
-                        <a:t>olives, </a:t>
-                      </a:r>
-                      <a:r>
-                        <a:rPr lang="en-US" sz="1200" dirty="0" err="1"/>
-                        <a:t>herbes</a:t>
-                      </a:r>
-                      <a:r>
-                        <a:rPr lang="en-US" sz="1200" dirty="0"/>
-                        <a:t> de </a:t>
-                      </a:r>
-                      <a:r>
-                        <a:rPr lang="en-US" sz="1200" dirty="0" err="1"/>
-                        <a:t>provence</a:t>
-                      </a:r>
-                      <a:r>
-                        <a:rPr lang="en-US" sz="1200" dirty="0"/>
-                        <a:t>, calvados,</a:t>
-                      </a:r>
-                      <a:r>
-                        <a:rPr lang="en-US" sz="1200" baseline="0" dirty="0"/>
-                        <a:t> </a:t>
-                      </a:r>
-                      <a:r>
-                        <a:rPr lang="en-US" sz="1200" dirty="0"/>
-                        <a:t>semisweet chocolate, thyme sprigs, capers</a:t>
-                      </a:r>
-                    </a:p>
-                  </a:txBody>
-                  <a:tcPr/>
-                </a:tc>
-                <a:tc>
-                  <a:txBody>
-                    <a:bodyPr/>
-                    <a:lstStyle/>
-                    <a:p>
-                      <a:pPr algn="r"/>
+                        <a:t>chopped fresh thyme, fresh </a:t>
+                      </a:r>
+                      <a:r>
+                        <a:rPr lang="en-US" sz="1200" dirty="0" smtClean="0"/>
+                        <a:t>tarragon</a:t>
+                      </a:r>
+                      <a:endParaRPr lang="en-US" sz="1200" dirty="0"/>
+                    </a:p>
+                  </a:txBody>
+                  <a:tcPr/>
+                </a:tc>
+                <a:tc>
+                  <a:txBody>
+                    <a:bodyPr/>
+                    <a:lstStyle/>
+                    <a:p>
+                      <a:pPr algn="ctr"/>
                       <a:r>
                         <a:rPr lang="en-US" sz="1200" dirty="0"/>
                         <a:t>9.8</a:t>
@@ -16148,7 +16282,7 @@
                 </a:tc>
                 <a:extLst>
                   <a:ext uri="{0D108BD9-81ED-4DB2-BD59-A6C34878D82A}">
-                    <a16:rowId xmlns:a16="http://schemas.microsoft.com/office/drawing/2014/main" val="10006"/>
+                    <a16:rowId xmlns:a16="http://schemas.microsoft.com/office/drawing/2014/main" xmlns="" val="10006"/>
                   </a:ext>
                 </a:extLst>
               </a:tr>
@@ -16188,6 +16322,33 @@
                     <a:p>
                       <a:pPr algn="r"/>
                       <a:r>
+                        <a:rPr lang="en-US" sz="1200" dirty="0" smtClean="0"/>
+                        <a:t>salt, onions, garlic, green bell pepper, butter,</a:t>
+                      </a:r>
+                      <a:r>
+                        <a:rPr lang="en-US" sz="1200" baseline="0" dirty="0" smtClean="0"/>
+                        <a:t> </a:t>
+                      </a:r>
+                      <a:r>
+                        <a:rPr lang="en-US" sz="1200" dirty="0" smtClean="0"/>
+                        <a:t>olive oil, cayenne pepper, </a:t>
+                      </a:r>
+                      <a:r>
+                        <a:rPr lang="en-US" sz="1200" dirty="0" err="1" smtClean="0"/>
+                        <a:t>cajun</a:t>
+                      </a:r>
+                      <a:endParaRPr lang="en-US" sz="1200" dirty="0"/>
+                    </a:p>
+                  </a:txBody>
+                  <a:tcPr/>
+                </a:tc>
+                <a:tc>
+                  <a:txBody>
+                    <a:bodyPr/>
+                    <a:lstStyle/>
+                    <a:p>
+                      <a:pPr algn="r"/>
+                      <a:r>
                         <a:rPr lang="en-US" sz="1200" dirty="0" err="1"/>
                         <a:t>cajun</a:t>
                       </a:r>
@@ -16201,34 +16362,23 @@
                       </a:r>
                       <a:r>
                         <a:rPr lang="en-US" sz="1200" dirty="0"/>
-                        <a:t>seasoning, file powder, crawfish, creole</a:t>
-                      </a:r>
-                      <a:r>
-                        <a:rPr lang="en-US" sz="1200" baseline="0" dirty="0"/>
-                        <a:t> </a:t>
-                      </a:r>
-                      <a:r>
-                        <a:rPr lang="en-US" sz="1200" dirty="0"/>
-                        <a:t>mustard, smoked sausage, okra, red beans,</a:t>
-                      </a:r>
-                      <a:r>
-                        <a:rPr lang="en-US" sz="1200" baseline="0" dirty="0"/>
-                        <a:t> </a:t>
-                      </a:r>
-                      <a:r>
-                        <a:rPr lang="en-US" sz="1200" dirty="0"/>
-                        <a:t>dried oregano</a:t>
-                      </a:r>
-                    </a:p>
-                  </a:txBody>
-                  <a:tcPr/>
-                </a:tc>
-                <a:tc>
-                  <a:txBody>
-                    <a:bodyPr/>
-                    <a:lstStyle/>
-                    <a:p>
-                      <a:pPr algn="r"/>
+                        <a:t>seasoning, file powder, </a:t>
+                      </a:r>
+                      <a:r>
+                        <a:rPr lang="en-US" sz="1200" dirty="0" smtClean="0"/>
+                        <a:t>crawfish</a:t>
+                      </a:r>
+                      <a:endParaRPr lang="en-US" sz="1200" dirty="0"/>
+                    </a:p>
+                  </a:txBody>
+                  <a:tcPr/>
+                </a:tc>
+                <a:tc>
+                  <a:txBody>
+                    <a:bodyPr/>
+                    <a:lstStyle/>
+                    <a:p>
+                      <a:pPr algn="ctr"/>
                       <a:r>
                         <a:rPr lang="en-US" sz="1200" dirty="0"/>
                         <a:t>12.6</a:t>
@@ -16239,7 +16389,7 @@
                 </a:tc>
                 <a:extLst>
                   <a:ext uri="{0D108BD9-81ED-4DB2-BD59-A6C34878D82A}">
-                    <a16:rowId xmlns:a16="http://schemas.microsoft.com/office/drawing/2014/main" val="10007"/>
+                    <a16:rowId xmlns:a16="http://schemas.microsoft.com/office/drawing/2014/main" xmlns="" val="10007"/>
                   </a:ext>
                 </a:extLst>
               </a:tr>
@@ -16279,6 +16429,28 @@
                     <a:p>
                       <a:pPr algn="r"/>
                       <a:r>
+                        <a:rPr lang="en-US" sz="1200" dirty="0" smtClean="0"/>
+                        <a:t>fish sauce, garlic, salt, coconut milk, vegetable</a:t>
+                      </a:r>
+                      <a:r>
+                        <a:rPr lang="en-US" sz="1200" baseline="0" dirty="0" smtClean="0"/>
+                        <a:t> </a:t>
+                      </a:r>
+                      <a:r>
+                        <a:rPr lang="en-US" sz="1200" dirty="0" smtClean="0"/>
+                        <a:t>oil, soy sauce, sugar, water</a:t>
+                      </a:r>
+                    </a:p>
+                  </a:txBody>
+                  <a:tcPr/>
+                </a:tc>
+                <a:tc>
+                  <a:txBody>
+                    <a:bodyPr/>
+                    <a:lstStyle/>
+                    <a:p>
+                      <a:pPr algn="r"/>
+                      <a:r>
                         <a:rPr lang="en-US" sz="1200" dirty="0"/>
                         <a:t>fish sauce, Thai red curry paste, red</a:t>
                       </a:r>
@@ -16288,46 +16460,23 @@
                       </a:r>
                       <a:r>
                         <a:rPr lang="en-US" sz="1200" dirty="0"/>
-                        <a:t>curry paste, kaffir lime leaves, beansprouts,</a:t>
-                      </a:r>
-                      <a:r>
-                        <a:rPr lang="en-US" sz="1200" baseline="0" dirty="0"/>
-                        <a:t> </a:t>
-                      </a:r>
-                      <a:r>
-                        <a:rPr lang="en-US" sz="1200" dirty="0"/>
-                        <a:t>lemongrass, galangal, </a:t>
-                      </a:r>
-                      <a:r>
-                        <a:rPr lang="en-US" sz="1200" dirty="0" err="1"/>
-                        <a:t>thai</a:t>
-                      </a:r>
-                      <a:r>
-                        <a:rPr lang="en-US" sz="1200" dirty="0"/>
-                        <a:t> basil, rice noodles,</a:t>
-                      </a:r>
-                      <a:r>
-                        <a:rPr lang="en-US" sz="1200" baseline="0" dirty="0"/>
-                        <a:t> </a:t>
-                      </a:r>
-                      <a:r>
-                        <a:rPr lang="en-US" sz="1200" dirty="0" err="1"/>
-                        <a:t>thai</a:t>
-                      </a:r>
-                      <a:r>
-                        <a:rPr lang="en-US" sz="1200" dirty="0"/>
-                        <a:t> green curry paste</a:t>
-                      </a:r>
-                    </a:p>
-                  </a:txBody>
-                  <a:tcPr/>
-                </a:tc>
-                <a:tc>
-                  <a:txBody>
-                    <a:bodyPr/>
-                    <a:lstStyle/>
-                    <a:p>
-                      <a:pPr algn="r"/>
+                        <a:t>curry paste, kaffir lime leaves, </a:t>
+                      </a:r>
+                      <a:r>
+                        <a:rPr lang="en-US" sz="1200" dirty="0" smtClean="0"/>
+                        <a:t>beansprouts</a:t>
+                      </a:r>
+                      <a:endParaRPr lang="en-US" sz="1200" dirty="0"/>
+                    </a:p>
+                  </a:txBody>
+                  <a:tcPr/>
+                </a:tc>
+                <a:tc>
+                  <a:txBody>
+                    <a:bodyPr/>
+                    <a:lstStyle/>
+                    <a:p>
+                      <a:pPr algn="ctr"/>
                       <a:r>
                         <a:rPr lang="en-US" sz="1200" dirty="0"/>
                         <a:t>12.5</a:t>
@@ -16338,7 +16487,7 @@
                 </a:tc>
                 <a:extLst>
                   <a:ext uri="{0D108BD9-81ED-4DB2-BD59-A6C34878D82A}">
-                    <a16:rowId xmlns:a16="http://schemas.microsoft.com/office/drawing/2014/main" val="10008"/>
+                    <a16:rowId xmlns:a16="http://schemas.microsoft.com/office/drawing/2014/main" xmlns="" val="10008"/>
                   </a:ext>
                 </a:extLst>
               </a:tr>
@@ -16378,6 +16527,29 @@
                     <a:p>
                       <a:pPr algn="r"/>
                       <a:r>
+                        <a:rPr lang="en-US" sz="1200" dirty="0" smtClean="0"/>
+                        <a:t>soy sauce, salt, mirin, sugar, water, sake,</a:t>
+                      </a:r>
+                      <a:r>
+                        <a:rPr lang="en-US" sz="1200" baseline="0" dirty="0" smtClean="0"/>
+                        <a:t> </a:t>
+                      </a:r>
+                      <a:r>
+                        <a:rPr lang="en-US" sz="1200" dirty="0" smtClean="0"/>
+                        <a:t>rice vinegar, vegetable oil, scallions</a:t>
+                      </a:r>
+                      <a:endParaRPr lang="en-US" sz="1200" dirty="0"/>
+                    </a:p>
+                  </a:txBody>
+                  <a:tcPr/>
+                </a:tc>
+                <a:tc>
+                  <a:txBody>
+                    <a:bodyPr/>
+                    <a:lstStyle/>
+                    <a:p>
+                      <a:pPr algn="r"/>
+                      <a:r>
                         <a:rPr lang="en-US" sz="1200" dirty="0"/>
                         <a:t>mirin, sake, dashi, nori, </a:t>
                       </a:r>
@@ -16395,26 +16567,23 @@
                       </a:r>
                       <a:r>
                         <a:rPr lang="en-US" sz="1200" dirty="0"/>
-                        <a:t>dried bonito flakes, rice vinegar, wasabi</a:t>
-                      </a:r>
-                      <a:r>
-                        <a:rPr lang="en-US" sz="1200" baseline="0" dirty="0"/>
-                        <a:t> </a:t>
-                      </a:r>
-                      <a:r>
-                        <a:rPr lang="en-US" sz="1200" dirty="0"/>
-                        <a:t>paste, bonito flakes</a:t>
-                      </a:r>
-                    </a:p>
-                  </a:txBody>
-                  <a:tcPr/>
-                </a:tc>
-                <a:tc>
-                  <a:txBody>
-                    <a:bodyPr/>
-                    <a:lstStyle/>
-                    <a:p>
-                      <a:pPr algn="r"/>
+                        <a:t>dried bonito </a:t>
+                      </a:r>
+                      <a:r>
+                        <a:rPr lang="en-US" sz="1200" dirty="0" smtClean="0"/>
+                        <a:t>flakes</a:t>
+                      </a:r>
+                      <a:endParaRPr lang="en-US" sz="1200" dirty="0"/>
+                    </a:p>
+                  </a:txBody>
+                  <a:tcPr/>
+                </a:tc>
+                <a:tc>
+                  <a:txBody>
+                    <a:bodyPr/>
+                    <a:lstStyle/>
+                    <a:p>
+                      <a:pPr algn="ctr"/>
                       <a:r>
                         <a:rPr lang="en-US" sz="1200" dirty="0"/>
                         <a:t>9.7</a:t>
@@ -16425,7 +16594,7 @@
                 </a:tc>
                 <a:extLst>
                   <a:ext uri="{0D108BD9-81ED-4DB2-BD59-A6C34878D82A}">
-                    <a16:rowId xmlns:a16="http://schemas.microsoft.com/office/drawing/2014/main" val="10009"/>
+                    <a16:rowId xmlns:a16="http://schemas.microsoft.com/office/drawing/2014/main" xmlns="" val="10009"/>
                   </a:ext>
                 </a:extLst>
               </a:tr>
@@ -16481,8 +16650,51 @@
                         <a:defRPr/>
                       </a:pPr>
                       <a:r>
+                        <a:rPr lang="en-US" sz="1200" dirty="0" smtClean="0"/>
+                        <a:t>Salt, olive oil, dried oregano, garlic cloves,</a:t>
+                      </a:r>
+                      <a:r>
+                        <a:rPr lang="en-US" sz="1200" baseline="0" dirty="0" smtClean="0"/>
+                        <a:t> feta cheese crumbles</a:t>
+                      </a:r>
+                      <a:endParaRPr lang="en-US" sz="1200" dirty="0"/>
+                    </a:p>
+                  </a:txBody>
+                  <a:tcPr/>
+                </a:tc>
+                <a:tc>
+                  <a:txBody>
+                    <a:bodyPr/>
+                    <a:lstStyle/>
+                    <a:p>
+                      <a:pPr marL="0" marR="0" indent="0" algn="r" defTabSz="914400" rtl="0" eaLnBrk="1" fontAlgn="auto" latinLnBrk="0" hangingPunct="1">
+                        <a:lnSpc>
+                          <a:spcPct val="100000"/>
+                        </a:lnSpc>
+                        <a:spcBef>
+                          <a:spcPts val="0"/>
+                        </a:spcBef>
+                        <a:spcAft>
+                          <a:spcPts val="0"/>
+                        </a:spcAft>
+                        <a:buClrTx/>
+                        <a:buSzTx/>
+                        <a:buFontTx/>
+                        <a:buNone/>
+                        <a:tabLst/>
+                        <a:defRPr/>
+                      </a:pPr>
+                      <a:r>
                         <a:rPr lang="en-US" sz="1200" dirty="0"/>
-                        <a:t>feta cheese crumbles, feta cheese, dried oregano, </a:t>
+                        <a:t>feta cheese crumbles, </a:t>
+                      </a:r>
+                      <a:r>
+                        <a:rPr lang="en-US" sz="1200" dirty="0" smtClean="0"/>
+                        <a:t>dried </a:t>
+                      </a:r>
+                      <a:r>
+                        <a:rPr lang="en-US" sz="1200" dirty="0"/>
+                        <a:t>oregano, </a:t>
                       </a:r>
                       <a:r>
                         <a:rPr lang="en-US" sz="1200" dirty="0" err="1"/>
@@ -16498,34 +16710,23 @@
                       </a:r>
                       <a:r>
                         <a:rPr lang="en-US" sz="1200" dirty="0"/>
-                        <a:t> olives, </a:t>
-                      </a:r>
-                      <a:r>
-                        <a:rPr lang="en-US" sz="1200" dirty="0" err="1"/>
-                        <a:t>kalamata</a:t>
-                      </a:r>
-                      <a:r>
-                        <a:rPr lang="en-US" sz="1200" dirty="0"/>
-                        <a:t>, fresh oregano, phyllo dough, ground</a:t>
-                      </a:r>
-                      <a:r>
-                        <a:rPr lang="en-US" sz="1200" baseline="0" dirty="0"/>
                         <a:t> </a:t>
                       </a:r>
                       <a:r>
-                        <a:rPr lang="en-US" sz="1200" dirty="0"/>
-                        <a:t>lamb, grape leaves</a:t>
-                      </a:r>
-                    </a:p>
-                  </a:txBody>
-                  <a:tcPr/>
-                </a:tc>
-                <a:tc>
-                  <a:txBody>
-                    <a:bodyPr/>
-                    <a:lstStyle/>
-                    <a:p>
-                      <a:pPr algn="r"/>
+                        <a:rPr lang="en-US" sz="1200" dirty="0" smtClean="0"/>
+                        <a:t>olives</a:t>
+                      </a:r>
+                      <a:endParaRPr lang="en-US" sz="1200" dirty="0"/>
+                    </a:p>
+                  </a:txBody>
+                  <a:tcPr/>
+                </a:tc>
+                <a:tc>
+                  <a:txBody>
+                    <a:bodyPr/>
+                    <a:lstStyle/>
+                    <a:p>
+                      <a:pPr algn="ctr"/>
                       <a:r>
                         <a:rPr lang="en-US" sz="1200" dirty="0"/>
                         <a:t>10.2</a:t>
@@ -16536,7 +16737,7 @@
                 </a:tc>
                 <a:extLst>
                   <a:ext uri="{0D108BD9-81ED-4DB2-BD59-A6C34878D82A}">
-                    <a16:rowId xmlns:a16="http://schemas.microsoft.com/office/drawing/2014/main" val="10010"/>
+                    <a16:rowId xmlns:a16="http://schemas.microsoft.com/office/drawing/2014/main" xmlns="" val="10010"/>
                   </a:ext>
                 </a:extLst>
               </a:tr>
@@ -16576,6 +16777,28 @@
                     <a:p>
                       <a:pPr algn="r"/>
                       <a:r>
+                        <a:rPr lang="en-US" sz="1200" dirty="0" smtClean="0"/>
+                        <a:t>salt, olive oil, garlic cloves, extra-virgin,</a:t>
+                      </a:r>
+                      <a:r>
+                        <a:rPr lang="en-US" sz="1200" baseline="0" dirty="0" smtClean="0"/>
+                        <a:t> </a:t>
+                      </a:r>
+                      <a:r>
+                        <a:rPr lang="en-US" sz="1200" dirty="0" smtClean="0"/>
+                        <a:t>olive oil, onions, water, tomatoes</a:t>
+                      </a:r>
+                    </a:p>
+                  </a:txBody>
+                  <a:tcPr/>
+                </a:tc>
+                <a:tc>
+                  <a:txBody>
+                    <a:bodyPr/>
+                    <a:lstStyle/>
+                    <a:p>
+                      <a:pPr algn="r"/>
+                      <a:r>
                         <a:rPr lang="en-US" sz="1200" dirty="0"/>
                         <a:t>saffron threads, chorizo sausage, </a:t>
                       </a:r>
@@ -16597,46 +16820,23 @@
                       </a:r>
                       <a:r>
                         <a:rPr lang="en-US" sz="1200" dirty="0"/>
-                        <a:t> cheese,</a:t>
-                      </a:r>
-                      <a:r>
-                        <a:rPr lang="en-US" sz="1200" baseline="0" dirty="0"/>
                         <a:t> </a:t>
                       </a:r>
                       <a:r>
-                        <a:rPr lang="en-US" sz="1200" dirty="0" err="1"/>
-                        <a:t>spanish</a:t>
-                      </a:r>
-                      <a:r>
-                        <a:rPr lang="en-US" sz="1200" dirty="0"/>
-                        <a:t> paprika, sherry vinegar, roasted red</a:t>
-                      </a:r>
-                      <a:r>
-                        <a:rPr lang="en-US" sz="1200" baseline="0" dirty="0"/>
-                        <a:t> </a:t>
-                      </a:r>
-                      <a:r>
-                        <a:rPr lang="en-US" sz="1200" dirty="0"/>
-                        <a:t>peppers, </a:t>
-                      </a:r>
-                      <a:r>
-                        <a:rPr lang="en-US" sz="1200" dirty="0" err="1"/>
-                        <a:t>arborio</a:t>
-                      </a:r>
-                      <a:r>
-                        <a:rPr lang="en-US" sz="1200" dirty="0"/>
-                        <a:t> rice, chorizo</a:t>
-                      </a:r>
-                    </a:p>
-                  </a:txBody>
-                  <a:tcPr/>
-                </a:tc>
-                <a:tc>
-                  <a:txBody>
-                    <a:bodyPr/>
-                    <a:lstStyle/>
-                    <a:p>
-                      <a:pPr algn="r"/>
+                        <a:rPr lang="en-US" sz="1200" dirty="0" smtClean="0"/>
+                        <a:t>cheese</a:t>
+                      </a:r>
+                      <a:endParaRPr lang="en-US" sz="1200" dirty="0"/>
+                    </a:p>
+                  </a:txBody>
+                  <a:tcPr/>
+                </a:tc>
+                <a:tc>
+                  <a:txBody>
+                    <a:bodyPr/>
+                    <a:lstStyle/>
+                    <a:p>
+                      <a:pPr algn="ctr"/>
                       <a:r>
                         <a:rPr lang="en-US" sz="1200" dirty="0"/>
                         <a:t>10.4</a:t>
@@ -16647,7 +16847,7 @@
                 </a:tc>
                 <a:extLst>
                   <a:ext uri="{0D108BD9-81ED-4DB2-BD59-A6C34878D82A}">
-                    <a16:rowId xmlns:a16="http://schemas.microsoft.com/office/drawing/2014/main" val="10011"/>
+                    <a16:rowId xmlns:a16="http://schemas.microsoft.com/office/drawing/2014/main" xmlns="" val="10011"/>
                   </a:ext>
                 </a:extLst>
               </a:tr>
@@ -16687,6 +16887,29 @@
                     <a:p>
                       <a:pPr algn="r"/>
                       <a:r>
+                        <a:rPr lang="en-US" sz="1200" dirty="0" smtClean="0"/>
+                        <a:t>soy sauce, sesame oil, garlic, green onions,</a:t>
+                      </a:r>
+                      <a:r>
+                        <a:rPr lang="en-US" sz="1200" baseline="0" dirty="0" smtClean="0"/>
+                        <a:t> </a:t>
+                      </a:r>
+                      <a:r>
+                        <a:rPr lang="en-US" sz="1200" dirty="0" smtClean="0"/>
+                        <a:t>sugar, salt, water, sesame seeds</a:t>
+                      </a:r>
+                      <a:endParaRPr lang="en-US" sz="1200" dirty="0"/>
+                    </a:p>
+                  </a:txBody>
+                  <a:tcPr/>
+                </a:tc>
+                <a:tc>
+                  <a:txBody>
+                    <a:bodyPr/>
+                    <a:lstStyle/>
+                    <a:p>
+                      <a:pPr algn="r"/>
+                      <a:r>
                         <a:rPr lang="en-US" sz="1200" dirty="0"/>
                         <a:t>Gochujang base, kimchi, sesame oil,</a:t>
                       </a:r>
@@ -16700,38 +16923,23 @@
                       </a:r>
                       <a:r>
                         <a:rPr lang="en-US" sz="1200" dirty="0"/>
-                        <a:t>, toasted sesame seeds, rice wine,</a:t>
-                      </a:r>
-                      <a:r>
-                        <a:rPr lang="en-US" sz="1200" baseline="0" dirty="0"/>
-                        <a:t> </a:t>
-                      </a:r>
-                      <a:r>
-                        <a:rPr lang="en-US" sz="1200" dirty="0" err="1"/>
-                        <a:t>asian</a:t>
-                      </a:r>
-                      <a:r>
-                        <a:rPr lang="en-US" sz="1200" dirty="0"/>
-                        <a:t> pear, mirin, toasted sesame oil, rice</a:t>
-                      </a:r>
-                      <a:r>
-                        <a:rPr lang="en-US" sz="1200" baseline="0" dirty="0"/>
-                        <a:t> c</a:t>
-                      </a:r>
-                      <a:r>
-                        <a:rPr lang="en-US" sz="1200" dirty="0"/>
-                        <a:t>akes</a:t>
-                      </a:r>
-                    </a:p>
-                  </a:txBody>
-                  <a:tcPr/>
-                </a:tc>
-                <a:tc>
-                  <a:txBody>
-                    <a:bodyPr/>
-                    <a:lstStyle/>
-                    <a:p>
-                      <a:pPr algn="r"/>
+                        <a:t>, toasted sesame </a:t>
+                      </a:r>
+                      <a:r>
+                        <a:rPr lang="en-US" sz="1200" dirty="0" smtClean="0"/>
+                        <a:t>seeds</a:t>
+                      </a:r>
+                      <a:endParaRPr lang="en-US" sz="1200" dirty="0"/>
+                    </a:p>
+                  </a:txBody>
+                  <a:tcPr/>
+                </a:tc>
+                <a:tc>
+                  <a:txBody>
+                    <a:bodyPr/>
+                    <a:lstStyle/>
+                    <a:p>
+                      <a:pPr algn="ctr"/>
                       <a:r>
                         <a:rPr lang="en-US" sz="1200" dirty="0"/>
                         <a:t>11.3</a:t>
@@ -16742,7 +16950,7 @@
                 </a:tc>
                 <a:extLst>
                   <a:ext uri="{0D108BD9-81ED-4DB2-BD59-A6C34878D82A}">
-                    <a16:rowId xmlns:a16="http://schemas.microsoft.com/office/drawing/2014/main" val="10012"/>
+                    <a16:rowId xmlns:a16="http://schemas.microsoft.com/office/drawing/2014/main" xmlns="" val="10012"/>
                   </a:ext>
                 </a:extLst>
               </a:tr>
@@ -16782,6 +16990,28 @@
                     <a:p>
                       <a:pPr algn="r"/>
                       <a:r>
+                        <a:rPr lang="en-US" sz="1200" dirty="0" smtClean="0"/>
+                        <a:t>fish sauce, sugar, salt, garlic, water, carrots,</a:t>
+                      </a:r>
+                      <a:r>
+                        <a:rPr lang="en-US" sz="1200" baseline="0" dirty="0" smtClean="0"/>
+                        <a:t> </a:t>
+                      </a:r>
+                      <a:r>
+                        <a:rPr lang="en-US" sz="1200" dirty="0" smtClean="0"/>
+                        <a:t>soy sauce, shallots, garlic cloves</a:t>
+                      </a:r>
+                    </a:p>
+                  </a:txBody>
+                  <a:tcPr/>
+                </a:tc>
+                <a:tc>
+                  <a:txBody>
+                    <a:bodyPr/>
+                    <a:lstStyle/>
+                    <a:p>
+                      <a:pPr algn="r"/>
+                      <a:r>
                         <a:rPr lang="en-US" sz="1200" dirty="0"/>
                         <a:t>fish sauce, beansprouts, rice paper, rice noodles,</a:t>
                       </a:r>
@@ -16795,38 +17025,23 @@
                       </a:r>
                       <a:r>
                         <a:rPr lang="en-US" sz="1200" dirty="0"/>
-                        <a:t> basil, rice vermicelli, lemongrass,</a:t>
-                      </a:r>
-                      <a:r>
-                        <a:rPr lang="en-US" sz="1200" baseline="0" dirty="0"/>
                         <a:t> </a:t>
                       </a:r>
                       <a:r>
-                        <a:rPr lang="en-US" sz="1200" dirty="0" err="1"/>
-                        <a:t>thai</a:t>
-                      </a:r>
-                      <a:r>
-                        <a:rPr lang="en-US" sz="1200" dirty="0"/>
-                        <a:t> </a:t>
-                      </a:r>
-                      <a:r>
-                        <a:rPr lang="en-US" sz="1200" dirty="0" err="1"/>
-                        <a:t>chile</a:t>
-                      </a:r>
-                      <a:r>
-                        <a:rPr lang="en-US" sz="1200" dirty="0"/>
-                        <a:t>, daikon, hoisin sauce</a:t>
-                      </a:r>
-                    </a:p>
-                  </a:txBody>
-                  <a:tcPr/>
-                </a:tc>
-                <a:tc>
-                  <a:txBody>
-                    <a:bodyPr/>
-                    <a:lstStyle/>
-                    <a:p>
-                      <a:pPr algn="r"/>
+                        <a:rPr lang="en-US" sz="1200" dirty="0" smtClean="0"/>
+                        <a:t>basil</a:t>
+                      </a:r>
+                      <a:endParaRPr lang="en-US" sz="1200" dirty="0"/>
+                    </a:p>
+                  </a:txBody>
+                  <a:tcPr/>
+                </a:tc>
+                <a:tc>
+                  <a:txBody>
+                    <a:bodyPr/>
+                    <a:lstStyle/>
+                    <a:p>
+                      <a:pPr algn="ctr"/>
                       <a:r>
                         <a:rPr lang="en-US" sz="1200" dirty="0"/>
                         <a:t>12.7</a:t>
@@ -16837,7 +17052,7 @@
                 </a:tc>
                 <a:extLst>
                   <a:ext uri="{0D108BD9-81ED-4DB2-BD59-A6C34878D82A}">
-                    <a16:rowId xmlns:a16="http://schemas.microsoft.com/office/drawing/2014/main" val="10013"/>
+                    <a16:rowId xmlns:a16="http://schemas.microsoft.com/office/drawing/2014/main" xmlns="" val="10013"/>
                   </a:ext>
                 </a:extLst>
               </a:tr>
@@ -16877,6 +17092,29 @@
                     <a:p>
                       <a:pPr algn="r"/>
                       <a:r>
+                        <a:rPr lang="en-US" sz="1200" dirty="0" smtClean="0"/>
+                        <a:t>salt, olive oil, ground cumin, onions, garlic</a:t>
+                      </a:r>
+                      <a:r>
+                        <a:rPr lang="en-US" sz="1200" baseline="0" dirty="0" smtClean="0"/>
+                        <a:t> </a:t>
+                      </a:r>
+                      <a:r>
+                        <a:rPr lang="en-US" sz="1200" dirty="0" smtClean="0"/>
+                        <a:t>cloves, ground cinnamon, water</a:t>
+                      </a:r>
+                      <a:endParaRPr lang="en-US" sz="1200" dirty="0"/>
+                    </a:p>
+                  </a:txBody>
+                  <a:tcPr/>
+                </a:tc>
+                <a:tc>
+                  <a:txBody>
+                    <a:bodyPr/>
+                    <a:lstStyle/>
+                    <a:p>
+                      <a:pPr algn="r"/>
+                      <a:r>
                         <a:rPr lang="en-US" sz="1200" dirty="0"/>
                         <a:t>couscous, </a:t>
                       </a:r>
@@ -16902,34 +17140,23 @@
                       </a:r>
                       <a:r>
                         <a:rPr lang="en-US" sz="1200" dirty="0"/>
-                        <a:t>saffron threads, harissa, chickpeas, harissa</a:t>
-                      </a:r>
-                      <a:r>
-                        <a:rPr lang="en-US" sz="1200" baseline="0" dirty="0"/>
-                        <a:t> </a:t>
-                      </a:r>
-                      <a:r>
-                        <a:rPr lang="en-US" sz="1200" dirty="0"/>
-                        <a:t>paste, dried apricot, green olives, lamb</a:t>
-                      </a:r>
-                      <a:r>
-                        <a:rPr lang="en-US" sz="1200" baseline="0" dirty="0"/>
-                        <a:t> s</a:t>
-                      </a:r>
-                      <a:r>
-                        <a:rPr lang="en-US" sz="1200" dirty="0"/>
-                        <a:t>houlder</a:t>
-                      </a:r>
-                    </a:p>
-                  </a:txBody>
-                  <a:tcPr/>
-                </a:tc>
-                <a:tc>
-                  <a:txBody>
-                    <a:bodyPr/>
-                    <a:lstStyle/>
-                    <a:p>
-                      <a:pPr algn="r"/>
+                        <a:t>saffron </a:t>
+                      </a:r>
+                      <a:r>
+                        <a:rPr lang="en-US" sz="1200" dirty="0" smtClean="0"/>
+                        <a:t>threads</a:t>
+                      </a:r>
+                      <a:endParaRPr lang="en-US" sz="1200" dirty="0"/>
+                    </a:p>
+                  </a:txBody>
+                  <a:tcPr/>
+                </a:tc>
+                <a:tc>
+                  <a:txBody>
+                    <a:bodyPr/>
+                    <a:lstStyle/>
+                    <a:p>
+                      <a:pPr algn="ctr"/>
                       <a:r>
                         <a:rPr lang="en-US" sz="1200" dirty="0"/>
                         <a:t>12.9</a:t>
@@ -16940,7 +17167,7 @@
                 </a:tc>
                 <a:extLst>
                   <a:ext uri="{0D108BD9-81ED-4DB2-BD59-A6C34878D82A}">
-                    <a16:rowId xmlns:a16="http://schemas.microsoft.com/office/drawing/2014/main" val="10014"/>
+                    <a16:rowId xmlns:a16="http://schemas.microsoft.com/office/drawing/2014/main" xmlns="" val="10014"/>
                   </a:ext>
                 </a:extLst>
               </a:tr>
@@ -16980,6 +17207,29 @@
                     <a:p>
                       <a:pPr algn="r"/>
                       <a:r>
+                        <a:rPr lang="en-US" sz="1200" dirty="0" smtClean="0"/>
+                        <a:t>salt, all-purpose flour, butter, milk, eggs, unsalted</a:t>
+                      </a:r>
+                      <a:r>
+                        <a:rPr lang="en-US" sz="1200" baseline="0" dirty="0" smtClean="0"/>
+                        <a:t> </a:t>
+                      </a:r>
+                      <a:r>
+                        <a:rPr lang="en-US" sz="1200" dirty="0" smtClean="0"/>
+                        <a:t>butter, sugar, onions</a:t>
+                      </a:r>
+                      <a:endParaRPr lang="en-US" sz="1200" dirty="0"/>
+                    </a:p>
+                  </a:txBody>
+                  <a:tcPr/>
+                </a:tc>
+                <a:tc>
+                  <a:txBody>
+                    <a:bodyPr/>
+                    <a:lstStyle/>
+                    <a:p>
+                      <a:pPr algn="r"/>
+                      <a:r>
                         <a:rPr lang="en-US" sz="1200" dirty="0"/>
                         <a:t>stilton cheese, suet, beef drippings, stilton,</a:t>
                       </a:r>
@@ -16989,26 +17239,23 @@
                       </a:r>
                       <a:r>
                         <a:rPr lang="en-US" sz="1200" dirty="0"/>
-                        <a:t>golden syrup, dried currants, marmite,</a:t>
-                      </a:r>
-                      <a:r>
-                        <a:rPr lang="en-US" sz="1200" baseline="0" dirty="0"/>
-                        <a:t> </a:t>
-                      </a:r>
-                      <a:r>
-                        <a:rPr lang="en-US" sz="1200" dirty="0"/>
-                        <a:t>mincemeat, raspberry jam, beef kidney</a:t>
-                      </a:r>
-                    </a:p>
-                  </a:txBody>
-                  <a:tcPr/>
-                </a:tc>
-                <a:tc>
-                  <a:txBody>
-                    <a:bodyPr/>
-                    <a:lstStyle/>
-                    <a:p>
-                      <a:pPr algn="r"/>
+                        <a:t>golden </a:t>
+                      </a:r>
+                      <a:r>
+                        <a:rPr lang="en-US" sz="1200" dirty="0" smtClean="0"/>
+                        <a:t>syrup</a:t>
+                      </a:r>
+                      <a:endParaRPr lang="en-US" sz="1200" dirty="0"/>
+                    </a:p>
+                  </a:txBody>
+                  <a:tcPr/>
+                </a:tc>
+                <a:tc>
+                  <a:txBody>
+                    <a:bodyPr/>
+                    <a:lstStyle/>
+                    <a:p>
+                      <a:pPr algn="ctr"/>
                       <a:r>
                         <a:rPr lang="en-US" sz="1200" dirty="0"/>
                         <a:t>9.7</a:t>
@@ -17019,7 +17266,7 @@
                 </a:tc>
                 <a:extLst>
                   <a:ext uri="{0D108BD9-81ED-4DB2-BD59-A6C34878D82A}">
-                    <a16:rowId xmlns:a16="http://schemas.microsoft.com/office/drawing/2014/main" val="10015"/>
+                    <a16:rowId xmlns:a16="http://schemas.microsoft.com/office/drawing/2014/main" xmlns="" val="10015"/>
                   </a:ext>
                 </a:extLst>
               </a:tr>
@@ -17048,6 +17295,28 @@
                         <a:rPr lang="en-US" sz="1200" dirty="0"/>
                         <a:t>755</a:t>
                       </a:r>
+                    </a:p>
+                  </a:txBody>
+                  <a:tcPr/>
+                </a:tc>
+                <a:tc>
+                  <a:txBody>
+                    <a:bodyPr/>
+                    <a:lstStyle/>
+                    <a:p>
+                      <a:r>
+                        <a:rPr lang="en-US" sz="1200" dirty="0" smtClean="0"/>
+                        <a:t>salt, garlic, onions, water, soy sauce, pepper,</a:t>
+                      </a:r>
+                      <a:r>
+                        <a:rPr lang="en-US" sz="1200" baseline="0" dirty="0" smtClean="0"/>
+                        <a:t> </a:t>
+                      </a:r>
+                      <a:r>
+                        <a:rPr lang="en-US" sz="1200" dirty="0" smtClean="0"/>
+                        <a:t>oil, sugar, carrots, black pepper</a:t>
+                      </a:r>
+                      <a:endParaRPr lang="en-US" sz="1200" dirty="0"/>
                     </a:p>
                   </a:txBody>
                   <a:tcPr/>
@@ -17231,10 +17500,10 @@
                           <a:cs typeface="+mn-cs"/>
                           <a:sym typeface="Times New Roman"/>
                         </a:rPr>
-                        <a:t>calamansi, lumpia skins, oyster sauce, </a:t>
-                      </a:r>
-                      <a:r>
-                        <a:rPr lang="en-US" sz="1200" b="0" i="0" u="none" strike="noStrike" cap="none" spc="0" baseline="0" dirty="0" err="1">
+                        <a:t>calamansi, lumpia </a:t>
+                      </a:r>
+                      <a:r>
+                        <a:rPr lang="fi-FI" sz="1200" b="0" i="0" u="none" strike="noStrike" cap="none" spc="0" baseline="0" dirty="0" smtClean="0">
                           <a:ln>
                             <a:noFill/>
                           </a:ln>
@@ -17247,8 +17516,202 @@
                           <a:cs typeface="+mn-cs"/>
                           <a:sym typeface="Times New Roman"/>
                         </a:rPr>
-                        <a:t>thai</a:t>
-                      </a:r>
+                        <a:t>skins</a:t>
+                      </a:r>
+                      <a:endParaRPr lang="en-US" sz="1200" dirty="0"/>
+                    </a:p>
+                  </a:txBody>
+                  <a:tcPr/>
+                </a:tc>
+                <a:tc>
+                  <a:txBody>
+                    <a:bodyPr/>
+                    <a:lstStyle/>
+                    <a:p>
+                      <a:pPr algn="ctr"/>
+                      <a:r>
+                        <a:rPr lang="en-US" sz="1200" dirty="0"/>
+                        <a:t>10.0</a:t>
+                      </a:r>
+                    </a:p>
+                  </a:txBody>
+                  <a:tcPr/>
+                </a:tc>
+                <a:extLst>
+                  <a:ext uri="{0D108BD9-81ED-4DB2-BD59-A6C34878D82A}">
+                    <a16:rowId xmlns:a16="http://schemas.microsoft.com/office/drawing/2014/main" xmlns="" val="10016"/>
+                  </a:ext>
+                </a:extLst>
+              </a:tr>
+              <a:tr h="271403">
+                <a:tc>
+                  <a:txBody>
+                    <a:bodyPr/>
+                    <a:lstStyle/>
+                    <a:p>
+                      <a:pPr algn="ctr"/>
+                      <a:r>
+                        <a:rPr lang="en-US" sz="1200" dirty="0"/>
+                        <a:t>Irish</a:t>
+                      </a:r>
+                    </a:p>
+                  </a:txBody>
+                  <a:tcPr/>
+                </a:tc>
+                <a:tc>
+                  <a:txBody>
+                    <a:bodyPr/>
+                    <a:lstStyle/>
+                    <a:p>
+                      <a:pPr algn="r"/>
+                      <a:r>
+                        <a:rPr lang="en-US" sz="1200" dirty="0"/>
+                        <a:t>667</a:t>
+                      </a:r>
+                    </a:p>
+                  </a:txBody>
+                  <a:tcPr/>
+                </a:tc>
+                <a:tc>
+                  <a:txBody>
+                    <a:bodyPr/>
+                    <a:lstStyle/>
+                    <a:p>
+                      <a:pPr algn="r"/>
+                      <a:r>
+                        <a:rPr lang="en-US" sz="1200" dirty="0" smtClean="0"/>
+                        <a:t>salt, all-purpose flour, butter, onions, potatoes,</a:t>
+                      </a:r>
+                      <a:r>
+                        <a:rPr lang="en-US" sz="1200" baseline="0" dirty="0" smtClean="0"/>
+                        <a:t> </a:t>
+                      </a:r>
+                      <a:r>
+                        <a:rPr lang="en-US" sz="1200" dirty="0" smtClean="0"/>
+                        <a:t>sugar, baking soda, baking powder</a:t>
+                      </a:r>
+                    </a:p>
+                  </a:txBody>
+                  <a:tcPr/>
+                </a:tc>
+                <a:tc>
+                  <a:txBody>
+                    <a:bodyPr/>
+                    <a:lstStyle/>
+                    <a:p>
+                      <a:pPr algn="r"/>
+                      <a:r>
+                        <a:rPr lang="en-US" sz="1200" dirty="0"/>
+                        <a:t>Irish whiskey, Guinness Beer, </a:t>
+                      </a:r>
+                      <a:r>
+                        <a:rPr lang="en-US" sz="1200" dirty="0" err="1"/>
+                        <a:t>irish</a:t>
+                      </a:r>
+                      <a:r>
+                        <a:rPr lang="en-US" sz="1200" dirty="0"/>
+                        <a:t> cream</a:t>
+                      </a:r>
+                      <a:r>
+                        <a:rPr lang="en-US" sz="1200" baseline="0" dirty="0"/>
+                        <a:t> </a:t>
+                      </a:r>
+                      <a:r>
+                        <a:rPr lang="en-US" sz="1200" dirty="0"/>
+                        <a:t>liqueur, corned beef, </a:t>
+                      </a:r>
+                      <a:r>
+                        <a:rPr lang="en-US" sz="1200" dirty="0" err="1"/>
+                        <a:t>irish</a:t>
+                      </a:r>
+                      <a:r>
+                        <a:rPr lang="en-US" sz="1200" dirty="0"/>
+                        <a:t> </a:t>
+                      </a:r>
+                      <a:r>
+                        <a:rPr lang="en-US" sz="1200" dirty="0" smtClean="0"/>
+                        <a:t>bacon</a:t>
+                      </a:r>
+                      <a:endParaRPr lang="en-US" sz="1200" dirty="0"/>
+                    </a:p>
+                  </a:txBody>
+                  <a:tcPr/>
+                </a:tc>
+                <a:tc>
+                  <a:txBody>
+                    <a:bodyPr/>
+                    <a:lstStyle/>
+                    <a:p>
+                      <a:pPr algn="ctr"/>
+                      <a:r>
+                        <a:rPr lang="en-US" sz="1200" dirty="0"/>
+                        <a:t>9.2</a:t>
+                      </a:r>
+                    </a:p>
+                  </a:txBody>
+                  <a:tcPr/>
+                </a:tc>
+                <a:extLst>
+                  <a:ext uri="{0D108BD9-81ED-4DB2-BD59-A6C34878D82A}">
+                    <a16:rowId xmlns:a16="http://schemas.microsoft.com/office/drawing/2014/main" xmlns="" val="10017"/>
+                  </a:ext>
+                </a:extLst>
+              </a:tr>
+              <a:tr h="271403">
+                <a:tc>
+                  <a:txBody>
+                    <a:bodyPr/>
+                    <a:lstStyle/>
+                    <a:p>
+                      <a:pPr algn="ctr"/>
+                      <a:r>
+                        <a:rPr lang="en-US" sz="1200" dirty="0"/>
+                        <a:t>Jamaican</a:t>
+                      </a:r>
+                    </a:p>
+                  </a:txBody>
+                  <a:tcPr/>
+                </a:tc>
+                <a:tc>
+                  <a:txBody>
+                    <a:bodyPr/>
+                    <a:lstStyle/>
+                    <a:p>
+                      <a:pPr algn="r"/>
+                      <a:r>
+                        <a:rPr lang="en-US" sz="1200" dirty="0"/>
+                        <a:t>526</a:t>
+                      </a:r>
+                    </a:p>
+                  </a:txBody>
+                  <a:tcPr/>
+                </a:tc>
+                <a:tc>
+                  <a:txBody>
+                    <a:bodyPr/>
+                    <a:lstStyle/>
+                    <a:p>
+                      <a:r>
+                        <a:rPr lang="en-US" sz="1200" dirty="0" smtClean="0"/>
+                        <a:t>salt, onions, water, garlic, ground allspice,</a:t>
+                      </a:r>
+                      <a:r>
+                        <a:rPr lang="en-US" sz="1200" baseline="0" dirty="0" smtClean="0"/>
+                        <a:t> </a:t>
+                      </a:r>
+                      <a:r>
+                        <a:rPr lang="en-US" sz="1200" dirty="0" smtClean="0"/>
+                        <a:t>pepper, scallions, dried thyme, black</a:t>
+                      </a:r>
+                    </a:p>
+                  </a:txBody>
+                  <a:tcPr/>
+                </a:tc>
+                <a:tc>
+                  <a:txBody>
+                    <a:bodyPr/>
+                    <a:lstStyle/>
+                    <a:p>
                       <a:r>
                         <a:rPr lang="en-US" sz="1200" b="0" i="0" u="none" strike="noStrike" cap="none" spc="0" baseline="0" dirty="0">
                           <a:ln>
@@ -17263,7 +17726,7 @@
                           <a:cs typeface="+mn-cs"/>
                           <a:sym typeface="Times New Roman"/>
                         </a:rPr>
-                        <a:t> </a:t>
+                        <a:t>scotch bonnet </a:t>
                       </a:r>
                       <a:r>
                         <a:rPr lang="en-US" sz="1200" b="0" i="0" u="none" strike="noStrike" cap="none" spc="0" baseline="0" dirty="0" err="1">
@@ -17295,178 +17758,24 @@
                           <a:cs typeface="+mn-cs"/>
                           <a:sym typeface="Times New Roman"/>
                         </a:rPr>
-                        <a:t>, shrimp paste, pork belly, fried garlic</a:t>
-                      </a:r>
-                      <a:endParaRPr lang="en-US" sz="1200" dirty="0"/>
-                    </a:p>
-                  </a:txBody>
-                  <a:tcPr/>
-                </a:tc>
-                <a:tc>
-                  <a:txBody>
-                    <a:bodyPr/>
-                    <a:lstStyle/>
-                    <a:p>
-                      <a:pPr algn="r"/>
-                      <a:r>
-                        <a:rPr lang="en-US" sz="1200" dirty="0"/>
-                        <a:t>10.0</a:t>
-                      </a:r>
-                    </a:p>
-                  </a:txBody>
-                  <a:tcPr/>
-                </a:tc>
-                <a:extLst>
-                  <a:ext uri="{0D108BD9-81ED-4DB2-BD59-A6C34878D82A}">
-                    <a16:rowId xmlns:a16="http://schemas.microsoft.com/office/drawing/2014/main" val="10016"/>
-                  </a:ext>
-                </a:extLst>
-              </a:tr>
-              <a:tr h="271403">
-                <a:tc>
-                  <a:txBody>
-                    <a:bodyPr/>
-                    <a:lstStyle/>
-                    <a:p>
-                      <a:pPr algn="ctr"/>
-                      <a:r>
-                        <a:rPr lang="en-US" sz="1200" dirty="0"/>
-                        <a:t>Irish</a:t>
-                      </a:r>
-                    </a:p>
-                  </a:txBody>
-                  <a:tcPr/>
-                </a:tc>
-                <a:tc>
-                  <a:txBody>
-                    <a:bodyPr/>
-                    <a:lstStyle/>
-                    <a:p>
-                      <a:pPr algn="r"/>
-                      <a:r>
-                        <a:rPr lang="en-US" sz="1200" dirty="0"/>
-                        <a:t>667</a:t>
-                      </a:r>
-                    </a:p>
-                  </a:txBody>
-                  <a:tcPr/>
-                </a:tc>
-                <a:tc>
-                  <a:txBody>
-                    <a:bodyPr/>
-                    <a:lstStyle/>
-                    <a:p>
-                      <a:pPr algn="r"/>
-                      <a:r>
-                        <a:rPr lang="en-US" sz="1200" dirty="0"/>
-                        <a:t>Irish whiskey, Guinness Beer, </a:t>
-                      </a:r>
-                      <a:r>
-                        <a:rPr lang="en-US" sz="1200" dirty="0" err="1"/>
-                        <a:t>irish</a:t>
-                      </a:r>
-                      <a:r>
-                        <a:rPr lang="en-US" sz="1200" dirty="0"/>
-                        <a:t> cream</a:t>
-                      </a:r>
-                      <a:r>
-                        <a:rPr lang="en-US" sz="1200" baseline="0" dirty="0"/>
-                        <a:t> </a:t>
-                      </a:r>
-                      <a:r>
-                        <a:rPr lang="en-US" sz="1200" dirty="0"/>
-                        <a:t>liqueur, corned beef, </a:t>
-                      </a:r>
-                      <a:r>
-                        <a:rPr lang="en-US" sz="1200" dirty="0" err="1"/>
-                        <a:t>irish</a:t>
-                      </a:r>
-                      <a:r>
-                        <a:rPr lang="en-US" sz="1200" dirty="0"/>
-                        <a:t> bacon, Baileys</a:t>
-                      </a:r>
-                      <a:r>
-                        <a:rPr lang="en-US" sz="1200" baseline="0" dirty="0"/>
-                        <a:t> </a:t>
-                      </a:r>
-                      <a:r>
-                        <a:rPr lang="en-US" sz="1200" dirty="0"/>
-                        <a:t>Irish Cream Liqueur, buttermilk, soda</a:t>
-                      </a:r>
-                      <a:r>
-                        <a:rPr lang="en-US" sz="1200" baseline="0" dirty="0"/>
-                        <a:t> </a:t>
-                      </a:r>
-                      <a:r>
-                        <a:rPr lang="en-US" sz="1200" dirty="0"/>
-                        <a:t>bread, stout,</a:t>
-                      </a:r>
-                      <a:r>
-                        <a:rPr lang="en-US" sz="1200" baseline="0" dirty="0"/>
-                        <a:t> </a:t>
-                      </a:r>
-                      <a:r>
-                        <a:rPr lang="en-US" sz="1200" dirty="0"/>
-                        <a:t>low-fat buttermilk</a:t>
-                      </a:r>
-                    </a:p>
-                  </a:txBody>
-                  <a:tcPr/>
-                </a:tc>
-                <a:tc>
-                  <a:txBody>
-                    <a:bodyPr/>
-                    <a:lstStyle/>
-                    <a:p>
-                      <a:pPr algn="r"/>
-                      <a:r>
-                        <a:rPr lang="en-US" sz="1200" dirty="0"/>
-                        <a:t>9.2</a:t>
-                      </a:r>
-                    </a:p>
-                  </a:txBody>
-                  <a:tcPr/>
-                </a:tc>
-                <a:extLst>
-                  <a:ext uri="{0D108BD9-81ED-4DB2-BD59-A6C34878D82A}">
-                    <a16:rowId xmlns:a16="http://schemas.microsoft.com/office/drawing/2014/main" val="10017"/>
-                  </a:ext>
-                </a:extLst>
-              </a:tr>
-              <a:tr h="271403">
-                <a:tc>
-                  <a:txBody>
-                    <a:bodyPr/>
-                    <a:lstStyle/>
-                    <a:p>
-                      <a:pPr algn="ctr"/>
-                      <a:r>
-                        <a:rPr lang="en-US" sz="1200" dirty="0"/>
-                        <a:t>Jamaican</a:t>
-                      </a:r>
-                    </a:p>
-                  </a:txBody>
-                  <a:tcPr/>
-                </a:tc>
-                <a:tc>
-                  <a:txBody>
-                    <a:bodyPr/>
-                    <a:lstStyle/>
-                    <a:p>
-                      <a:pPr algn="r"/>
-                      <a:r>
-                        <a:rPr lang="en-US" sz="1200" dirty="0"/>
-                        <a:t>526</a:t>
-                      </a:r>
-                    </a:p>
-                  </a:txBody>
-                  <a:tcPr/>
-                </a:tc>
-                <a:tc>
-                  <a:txBody>
-                    <a:bodyPr/>
-                    <a:lstStyle/>
-                    <a:p>
+                        <a:t>, </a:t>
+                      </a:r>
+                      <a:r>
+                        <a:rPr lang="en-US" sz="1200" b="0" i="0" u="none" strike="noStrike" cap="none" spc="0" baseline="0" dirty="0" err="1">
+                          <a:ln>
+                            <a:noFill/>
+                          </a:ln>
+                          <a:solidFill>
+                            <a:schemeClr val="tx1"/>
+                          </a:solidFill>
+                          <a:uFillTx/>
+                          <a:latin typeface="+mn-lt"/>
+                          <a:ea typeface="+mn-ea"/>
+                          <a:cs typeface="+mn-cs"/>
+                          <a:sym typeface="Times New Roman"/>
+                        </a:rPr>
+                        <a:t>jamaican</a:t>
+                      </a:r>
                       <a:r>
                         <a:rPr lang="en-US" sz="1200" b="0" i="0" u="none" strike="noStrike" cap="none" spc="0" baseline="0" dirty="0">
                           <a:ln>
@@ -17481,7 +17790,7 @@
                           <a:cs typeface="+mn-cs"/>
                           <a:sym typeface="Times New Roman"/>
                         </a:rPr>
-                        <a:t>scotch bonnet </a:t>
+                        <a:t> jerk season, </a:t>
                       </a:r>
                       <a:r>
                         <a:rPr lang="en-US" sz="1200" b="0" i="0" u="none" strike="noStrike" cap="none" spc="0" baseline="0" dirty="0" err="1">
@@ -17497,7 +17806,7 @@
                           <a:cs typeface="+mn-cs"/>
                           <a:sym typeface="Times New Roman"/>
                         </a:rPr>
-                        <a:t>chile</a:t>
+                        <a:t>ackee</a:t>
                       </a:r>
                       <a:r>
                         <a:rPr lang="en-US" sz="1200" b="0" i="0" u="none" strike="noStrike" cap="none" spc="0" baseline="0" dirty="0">
@@ -17529,7 +17838,7 @@
                           <a:cs typeface="+mn-cs"/>
                           <a:sym typeface="Times New Roman"/>
                         </a:rPr>
-                        <a:t>jamaican</a:t>
+                        <a:t>callaloo</a:t>
                       </a:r>
                       <a:r>
                         <a:rPr lang="en-US" sz="1200" b="0" i="0" u="none" strike="noStrike" cap="none" spc="0" baseline="0" dirty="0">
@@ -17545,10 +17854,10 @@
                           <a:cs typeface="+mn-cs"/>
                           <a:sym typeface="Times New Roman"/>
                         </a:rPr>
-                        <a:t> jerk season, </a:t>
-                      </a:r>
-                      <a:r>
-                        <a:rPr lang="en-US" sz="1200" b="0" i="0" u="none" strike="noStrike" cap="none" spc="0" baseline="0" dirty="0" err="1">
+                        <a:t>, jerk </a:t>
+                      </a:r>
+                      <a:r>
+                        <a:rPr lang="en-US" sz="1200" b="0" i="0" u="none" strike="noStrike" cap="none" spc="0" baseline="0" dirty="0" smtClean="0">
                           <a:ln>
                             <a:noFill/>
                           </a:ln>
@@ -17561,55 +17870,7 @@
                           <a:cs typeface="+mn-cs"/>
                           <a:sym typeface="Times New Roman"/>
                         </a:rPr>
-                        <a:t>ackee</a:t>
-                      </a:r>
-                      <a:r>
-                        <a:rPr lang="en-US" sz="1200" b="0" i="0" u="none" strike="noStrike" cap="none" spc="0" baseline="0" dirty="0">
-                          <a:ln>
-                            <a:noFill/>
-                          </a:ln>
-                          <a:solidFill>
-                            <a:schemeClr val="tx1"/>
-                          </a:solidFill>
-                          <a:uFillTx/>
-                          <a:latin typeface="+mn-lt"/>
-                          <a:ea typeface="+mn-ea"/>
-                          <a:cs typeface="+mn-cs"/>
-                          <a:sym typeface="Times New Roman"/>
-                        </a:rPr>
-                        <a:t>, </a:t>
-                      </a:r>
-                      <a:r>
-                        <a:rPr lang="en-US" sz="1200" b="0" i="0" u="none" strike="noStrike" cap="none" spc="0" baseline="0" dirty="0" err="1">
-                          <a:ln>
-                            <a:noFill/>
-                          </a:ln>
-                          <a:solidFill>
-                            <a:schemeClr val="tx1"/>
-                          </a:solidFill>
-                          <a:uFillTx/>
-                          <a:latin typeface="+mn-lt"/>
-                          <a:ea typeface="+mn-ea"/>
-                          <a:cs typeface="+mn-cs"/>
-                          <a:sym typeface="Times New Roman"/>
-                        </a:rPr>
-                        <a:t>callaloo</a:t>
-                      </a:r>
-                      <a:r>
-                        <a:rPr lang="en-US" sz="1200" b="0" i="0" u="none" strike="noStrike" cap="none" spc="0" baseline="0" dirty="0">
-                          <a:ln>
-                            <a:noFill/>
-                          </a:ln>
-                          <a:solidFill>
-                            <a:schemeClr val="tx1"/>
-                          </a:solidFill>
-                          <a:uFillTx/>
-                          <a:latin typeface="+mn-lt"/>
-                          <a:ea typeface="+mn-ea"/>
-                          <a:cs typeface="+mn-cs"/>
-                          <a:sym typeface="Times New Roman"/>
-                        </a:rPr>
-                        <a:t>, jerk seasoning, ground allspice, thyme, dark rum, allspice, jerk sauce</a:t>
+                        <a:t>seasoning</a:t>
                       </a:r>
                       <a:endParaRPr lang="en-US" sz="1200" dirty="0"/>
                     </a:p>
@@ -17621,7 +17882,7 @@
                     <a:bodyPr/>
                     <a:lstStyle/>
                     <a:p>
-                      <a:pPr algn="r"/>
+                      <a:pPr algn="ctr"/>
                       <a:r>
                         <a:rPr lang="en-US" sz="1200" dirty="0"/>
                         <a:t>12.2</a:t>
@@ -17632,7 +17893,7 @@
                 </a:tc>
                 <a:extLst>
                   <a:ext uri="{0D108BD9-81ED-4DB2-BD59-A6C34878D82A}">
-                    <a16:rowId xmlns:a16="http://schemas.microsoft.com/office/drawing/2014/main" val="10018"/>
+                    <a16:rowId xmlns:a16="http://schemas.microsoft.com/office/drawing/2014/main" xmlns="" val="10018"/>
                   </a:ext>
                 </a:extLst>
               </a:tr>
@@ -17672,6 +17933,28 @@
                     <a:p>
                       <a:pPr algn="r"/>
                       <a:r>
+                        <a:rPr lang="en-US" sz="1200" dirty="0" smtClean="0"/>
+                        <a:t>salt, sugar, onions, all-purpose flour, sour</a:t>
+                      </a:r>
+                      <a:r>
+                        <a:rPr lang="en-US" sz="1200" baseline="0" dirty="0" smtClean="0"/>
+                        <a:t> </a:t>
+                      </a:r>
+                      <a:r>
+                        <a:rPr lang="en-US" sz="1200" dirty="0" smtClean="0"/>
+                        <a:t>cream, eggs, water, butter</a:t>
+                      </a:r>
+                    </a:p>
+                  </a:txBody>
+                  <a:tcPr/>
+                </a:tc>
+                <a:tc>
+                  <a:txBody>
+                    <a:bodyPr/>
+                    <a:lstStyle/>
+                    <a:p>
+                      <a:pPr algn="r"/>
+                      <a:r>
                         <a:rPr lang="en-US" sz="1200" dirty="0"/>
                         <a:t>sauerkraut, buckwheat flour, pierogi, dill,</a:t>
                       </a:r>
@@ -17681,26 +17964,23 @@
                       </a:r>
                       <a:r>
                         <a:rPr lang="en-US" sz="1200" dirty="0"/>
-                        <a:t>fresh dill, farmer cheese, beets, cottage</a:t>
-                      </a:r>
-                      <a:r>
-                        <a:rPr lang="en-US" sz="1200" baseline="0" dirty="0"/>
-                        <a:t> </a:t>
-                      </a:r>
-                      <a:r>
-                        <a:rPr lang="en-US" sz="1200" dirty="0"/>
-                        <a:t>cheese, sour cream, pickled beets</a:t>
-                      </a:r>
-                    </a:p>
-                  </a:txBody>
-                  <a:tcPr/>
-                </a:tc>
-                <a:tc>
-                  <a:txBody>
-                    <a:bodyPr/>
-                    <a:lstStyle/>
-                    <a:p>
-                      <a:pPr algn="r"/>
+                        <a:t>fresh dill, farmer </a:t>
+                      </a:r>
+                      <a:r>
+                        <a:rPr lang="en-US" sz="1200" dirty="0" smtClean="0"/>
+                        <a:t>cheese</a:t>
+                      </a:r>
+                      <a:endParaRPr lang="en-US" sz="1200" dirty="0"/>
+                    </a:p>
+                  </a:txBody>
+                  <a:tcPr/>
+                </a:tc>
+                <a:tc>
+                  <a:txBody>
+                    <a:bodyPr/>
+                    <a:lstStyle/>
+                    <a:p>
+                      <a:pPr algn="ctr"/>
                       <a:r>
                         <a:rPr lang="en-US" sz="1200" dirty="0"/>
                         <a:t>10.2</a:t>
@@ -17711,7 +17991,7 @@
                 </a:tc>
                 <a:extLst>
                   <a:ext uri="{0D108BD9-81ED-4DB2-BD59-A6C34878D82A}">
-                    <a16:rowId xmlns:a16="http://schemas.microsoft.com/office/drawing/2014/main" val="10019"/>
+                    <a16:rowId xmlns:a16="http://schemas.microsoft.com/office/drawing/2014/main" xmlns="" val="10019"/>
                   </a:ext>
                 </a:extLst>
               </a:tr>
@@ -17751,6 +18031,37 @@
                     <a:p>
                       <a:pPr algn="r"/>
                       <a:r>
+                        <a:rPr lang="en-US" sz="1200" dirty="0" smtClean="0"/>
+                        <a:t>salt, onions, olive oil, lime, water, garlic</a:t>
+                      </a:r>
+                      <a:r>
+                        <a:rPr lang="en-US" sz="1200" baseline="0" dirty="0" smtClean="0"/>
+                        <a:t> </a:t>
+                      </a:r>
+                      <a:r>
+                        <a:rPr lang="en-US" sz="1200" dirty="0" smtClean="0"/>
+                        <a:t>cloves, garlic, </a:t>
+                      </a:r>
+                      <a:r>
+                        <a:rPr lang="en-US" sz="1200" dirty="0" err="1" smtClean="0"/>
+                        <a:t>cachaca</a:t>
+                      </a:r>
+                      <a:r>
+                        <a:rPr lang="en-US" sz="1200" dirty="0" smtClean="0"/>
+                        <a:t>, sugar, tomatoes</a:t>
+                      </a:r>
+                      <a:endParaRPr lang="en-US" sz="1200" dirty="0"/>
+                    </a:p>
+                  </a:txBody>
+                  <a:tcPr/>
+                </a:tc>
+                <a:tc>
+                  <a:txBody>
+                    <a:bodyPr/>
+                    <a:lstStyle/>
+                    <a:p>
+                      <a:pPr algn="r"/>
+                      <a:r>
                         <a:rPr lang="en-US" sz="1200" dirty="0" err="1"/>
                         <a:t>cachaca</a:t>
                       </a:r>
@@ -17771,35 +18082,20 @@
                         <a:t> </a:t>
                       </a:r>
                       <a:r>
-                        <a:rPr lang="en-US" sz="1200" dirty="0"/>
-                        <a:t>sprinkles, dried black beans, frozen banana,</a:t>
-                      </a:r>
-                      <a:r>
-                        <a:rPr lang="en-US" sz="1200" baseline="0" dirty="0"/>
-                        <a:t> </a:t>
-                      </a:r>
-                      <a:r>
-                        <a:rPr lang="en-US" sz="1200" dirty="0"/>
-                        <a:t>granola, </a:t>
-                      </a:r>
-                      <a:r>
-                        <a:rPr lang="en-US" sz="1200" dirty="0" err="1"/>
-                        <a:t>dende</a:t>
-                      </a:r>
-                      <a:r>
-                        <a:rPr lang="en-US" sz="1200" dirty="0"/>
-                        <a:t> oil, chia seeds</a:t>
-                      </a:r>
-                    </a:p>
-                  </a:txBody>
-                  <a:tcPr/>
-                </a:tc>
-                <a:tc>
-                  <a:txBody>
-                    <a:bodyPr/>
-                    <a:lstStyle/>
-                    <a:p>
-                      <a:pPr algn="r"/>
+                        <a:rPr lang="en-US" sz="1200" dirty="0" smtClean="0"/>
+                        <a:t>sprinkles</a:t>
+                      </a:r>
+                      <a:endParaRPr lang="en-US" sz="1200" dirty="0"/>
+                    </a:p>
+                  </a:txBody>
+                  <a:tcPr/>
+                </a:tc>
+                <a:tc>
+                  <a:txBody>
+                    <a:bodyPr/>
+                    <a:lstStyle/>
+                    <a:p>
+                      <a:pPr algn="ctr"/>
                       <a:r>
                         <a:rPr lang="en-US" sz="1200" dirty="0"/>
                         <a:t>9.5</a:t>
@@ -17810,7 +18106,7 @@
                 </a:tc>
                 <a:extLst>
                   <a:ext uri="{0D108BD9-81ED-4DB2-BD59-A6C34878D82A}">
-                    <a16:rowId xmlns:a16="http://schemas.microsoft.com/office/drawing/2014/main" val="10020"/>
+                    <a16:rowId xmlns:a16="http://schemas.microsoft.com/office/drawing/2014/main" xmlns="" val="10020"/>
                   </a:ext>
                 </a:extLst>
               </a:tr>
@@ -17827,7 +18123,7 @@
           <p:nvPr>
             <p:extLst>
               <p:ext uri="{D42A27DB-BD31-4B8C-83A1-F6EECF244321}">
-                <p14:modId xmlns:p14="http://schemas.microsoft.com/office/powerpoint/2010/main" val="1370895299"/>
+                <p14:modId xmlns:p14="http://schemas.microsoft.com/office/powerpoint/2010/main" val="4059218972"/>
               </p:ext>
             </p:extLst>
           </p:nvPr>
@@ -17846,28 +18142,28 @@
                 <a:gridCol w="3033486">
                   <a:extLst>
                     <a:ext uri="{9D8B030D-6E8A-4147-A177-3AD203B41FA5}">
-                      <a16:colId xmlns:a16="http://schemas.microsoft.com/office/drawing/2014/main" val="20000"/>
+                      <a16:colId xmlns:a16="http://schemas.microsoft.com/office/drawing/2014/main" xmlns="" val="20000"/>
                     </a:ext>
                   </a:extLst>
                 </a:gridCol>
                 <a:gridCol w="3904343">
                   <a:extLst>
                     <a:ext uri="{9D8B030D-6E8A-4147-A177-3AD203B41FA5}">
-                      <a16:colId xmlns:a16="http://schemas.microsoft.com/office/drawing/2014/main" val="20001"/>
+                      <a16:colId xmlns:a16="http://schemas.microsoft.com/office/drawing/2014/main" xmlns="" val="20001"/>
                     </a:ext>
                   </a:extLst>
                 </a:gridCol>
                 <a:gridCol w="2293257">
                   <a:extLst>
                     <a:ext uri="{9D8B030D-6E8A-4147-A177-3AD203B41FA5}">
-                      <a16:colId xmlns:a16="http://schemas.microsoft.com/office/drawing/2014/main" val="20002"/>
+                      <a16:colId xmlns:a16="http://schemas.microsoft.com/office/drawing/2014/main" xmlns="" val="20002"/>
                     </a:ext>
                   </a:extLst>
                 </a:gridCol>
                 <a:gridCol w="3653095">
                   <a:extLst>
                     <a:ext uri="{9D8B030D-6E8A-4147-A177-3AD203B41FA5}">
-                      <a16:colId xmlns:a16="http://schemas.microsoft.com/office/drawing/2014/main" val="20003"/>
+                      <a16:colId xmlns:a16="http://schemas.microsoft.com/office/drawing/2014/main" xmlns="" val="20003"/>
                     </a:ext>
                   </a:extLst>
                 </a:gridCol>
@@ -17931,7 +18227,7 @@
                 </a:tc>
                 <a:extLst>
                   <a:ext uri="{0D108BD9-81ED-4DB2-BD59-A6C34878D82A}">
-                    <a16:rowId xmlns:a16="http://schemas.microsoft.com/office/drawing/2014/main" val="10000"/>
+                    <a16:rowId xmlns:a16="http://schemas.microsoft.com/office/drawing/2014/main" xmlns="" val="10000"/>
                   </a:ext>
                 </a:extLst>
               </a:tr>
@@ -17972,7 +18268,23 @@
                       <a:pPr algn="ctr"/>
                       <a:r>
                         <a:rPr lang="en-US" sz="1800" dirty="0"/>
-                        <a:t>A, A’-reduced features</a:t>
+                        <a:t>A, </a:t>
+                      </a:r>
+                      <a:r>
+                        <a:rPr lang="en-US" sz="1800" dirty="0" smtClean="0"/>
+                        <a:t>A’</a:t>
+                      </a:r>
+                      <a:r>
+                        <a:rPr lang="en-US" sz="1800" baseline="0" dirty="0" smtClean="0"/>
+                        <a:t> </a:t>
+                      </a:r>
+                      <a:r>
+                        <a:rPr lang="en-US" sz="1800" dirty="0" smtClean="0"/>
+                        <a:t>reduced </a:t>
+                      </a:r>
+                      <a:r>
+                        <a:rPr lang="en-US" sz="1800" dirty="0"/>
+                        <a:t>features</a:t>
                       </a:r>
                     </a:p>
                   </a:txBody>
@@ -17994,7 +18306,7 @@
                 </a:tc>
                 <a:extLst>
                   <a:ext uri="{0D108BD9-81ED-4DB2-BD59-A6C34878D82A}">
-                    <a16:rowId xmlns:a16="http://schemas.microsoft.com/office/drawing/2014/main" val="10001"/>
+                    <a16:rowId xmlns:a16="http://schemas.microsoft.com/office/drawing/2014/main" xmlns="" val="10001"/>
                   </a:ext>
                 </a:extLst>
               </a:tr>
@@ -18066,7 +18378,7 @@
                 </a:tc>
                 <a:extLst>
                   <a:ext uri="{0D108BD9-81ED-4DB2-BD59-A6C34878D82A}">
-                    <a16:rowId xmlns:a16="http://schemas.microsoft.com/office/drawing/2014/main" val="10002"/>
+                    <a16:rowId xmlns:a16="http://schemas.microsoft.com/office/drawing/2014/main" xmlns="" val="10002"/>
                   </a:ext>
                 </a:extLst>
               </a:tr>
@@ -18154,7 +18466,7 @@
                 </a:tc>
                 <a:extLst>
                   <a:ext uri="{0D108BD9-81ED-4DB2-BD59-A6C34878D82A}">
-                    <a16:rowId xmlns:a16="http://schemas.microsoft.com/office/drawing/2014/main" val="10003"/>
+                    <a16:rowId xmlns:a16="http://schemas.microsoft.com/office/drawing/2014/main" xmlns="" val="10003"/>
                   </a:ext>
                 </a:extLst>
               </a:tr>
@@ -18190,28 +18502,28 @@
                 <a:gridCol w="3050008">
                   <a:extLst>
                     <a:ext uri="{9D8B030D-6E8A-4147-A177-3AD203B41FA5}">
-                      <a16:colId xmlns:a16="http://schemas.microsoft.com/office/drawing/2014/main" val="20000"/>
+                      <a16:colId xmlns:a16="http://schemas.microsoft.com/office/drawing/2014/main" xmlns="" val="20000"/>
                     </a:ext>
                   </a:extLst>
                 </a:gridCol>
                 <a:gridCol w="3927087">
                   <a:extLst>
                     <a:ext uri="{9D8B030D-6E8A-4147-A177-3AD203B41FA5}">
-                      <a16:colId xmlns:a16="http://schemas.microsoft.com/office/drawing/2014/main" val="20001"/>
+                      <a16:colId xmlns:a16="http://schemas.microsoft.com/office/drawing/2014/main" xmlns="" val="20001"/>
                     </a:ext>
                   </a:extLst>
                 </a:gridCol>
                 <a:gridCol w="2216580">
                   <a:extLst>
                     <a:ext uri="{9D8B030D-6E8A-4147-A177-3AD203B41FA5}">
-                      <a16:colId xmlns:a16="http://schemas.microsoft.com/office/drawing/2014/main" val="20002"/>
+                      <a16:colId xmlns:a16="http://schemas.microsoft.com/office/drawing/2014/main" xmlns="" val="20002"/>
                     </a:ext>
                   </a:extLst>
                 </a:gridCol>
                 <a:gridCol w="3693687">
                   <a:extLst>
                     <a:ext uri="{9D8B030D-6E8A-4147-A177-3AD203B41FA5}">
-                      <a16:colId xmlns:a16="http://schemas.microsoft.com/office/drawing/2014/main" val="20003"/>
+                      <a16:colId xmlns:a16="http://schemas.microsoft.com/office/drawing/2014/main" xmlns="" val="20003"/>
                     </a:ext>
                   </a:extLst>
                 </a:gridCol>
@@ -18280,7 +18592,7 @@
                 </a:tc>
                 <a:extLst>
                   <a:ext uri="{0D108BD9-81ED-4DB2-BD59-A6C34878D82A}">
-                    <a16:rowId xmlns:a16="http://schemas.microsoft.com/office/drawing/2014/main" val="10000"/>
+                    <a16:rowId xmlns:a16="http://schemas.microsoft.com/office/drawing/2014/main" xmlns="" val="10000"/>
                   </a:ext>
                 </a:extLst>
               </a:tr>
@@ -18369,7 +18681,7 @@
                 </a:tc>
                 <a:extLst>
                   <a:ext uri="{0D108BD9-81ED-4DB2-BD59-A6C34878D82A}">
-                    <a16:rowId xmlns:a16="http://schemas.microsoft.com/office/drawing/2014/main" val="10001"/>
+                    <a16:rowId xmlns:a16="http://schemas.microsoft.com/office/drawing/2014/main" xmlns="" val="10001"/>
                   </a:ext>
                 </a:extLst>
               </a:tr>
@@ -18478,7 +18790,7 @@
                 </a:tc>
                 <a:extLst>
                   <a:ext uri="{0D108BD9-81ED-4DB2-BD59-A6C34878D82A}">
-                    <a16:rowId xmlns:a16="http://schemas.microsoft.com/office/drawing/2014/main" val="10002"/>
+                    <a16:rowId xmlns:a16="http://schemas.microsoft.com/office/drawing/2014/main" xmlns="" val="10002"/>
                   </a:ext>
                 </a:extLst>
               </a:tr>
@@ -18563,7 +18875,7 @@
                 </a:tc>
                 <a:extLst>
                   <a:ext uri="{0D108BD9-81ED-4DB2-BD59-A6C34878D82A}">
-                    <a16:rowId xmlns:a16="http://schemas.microsoft.com/office/drawing/2014/main" val="10003"/>
+                    <a16:rowId xmlns:a16="http://schemas.microsoft.com/office/drawing/2014/main" xmlns="" val="10003"/>
                   </a:ext>
                 </a:extLst>
               </a:tr>
@@ -18640,7 +18952,7 @@
                 </a:tc>
                 <a:extLst>
                   <a:ext uri="{0D108BD9-81ED-4DB2-BD59-A6C34878D82A}">
-                    <a16:rowId xmlns:a16="http://schemas.microsoft.com/office/drawing/2014/main" val="10004"/>
+                    <a16:rowId xmlns:a16="http://schemas.microsoft.com/office/drawing/2014/main" xmlns="" val="10004"/>
                   </a:ext>
                 </a:extLst>
               </a:tr>
@@ -18728,7 +19040,7 @@
                 </a:tc>
                 <a:extLst>
                   <a:ext uri="{0D108BD9-81ED-4DB2-BD59-A6C34878D82A}">
-                    <a16:rowId xmlns:a16="http://schemas.microsoft.com/office/drawing/2014/main" val="10005"/>
+                    <a16:rowId xmlns:a16="http://schemas.microsoft.com/office/drawing/2014/main" xmlns="" val="10005"/>
                   </a:ext>
                 </a:extLst>
               </a:tr>
@@ -18825,7 +19137,7 @@
                 </a:tc>
                 <a:extLst>
                   <a:ext uri="{0D108BD9-81ED-4DB2-BD59-A6C34878D82A}">
-                    <a16:rowId xmlns:a16="http://schemas.microsoft.com/office/drawing/2014/main" val="10006"/>
+                    <a16:rowId xmlns:a16="http://schemas.microsoft.com/office/drawing/2014/main" xmlns="" val="10006"/>
                   </a:ext>
                 </a:extLst>
               </a:tr>
@@ -18896,7 +19208,7 @@
                 </a:tc>
                 <a:extLst>
                   <a:ext uri="{0D108BD9-81ED-4DB2-BD59-A6C34878D82A}">
-                    <a16:rowId xmlns:a16="http://schemas.microsoft.com/office/drawing/2014/main" val="10007"/>
+                    <a16:rowId xmlns:a16="http://schemas.microsoft.com/office/drawing/2014/main" xmlns="" val="10007"/>
                   </a:ext>
                 </a:extLst>
               </a:tr>
@@ -19006,7 +19318,7 @@
           </a:ln>
           <a:extLst>
             <a:ext uri="{C572A759-6A51-4108-AA02-DFA0A04FC94B}">
-              <ma14:wrappingTextBoxFlag xmlns:ma14="http://schemas.microsoft.com/office/mac/drawingml/2011/main" xmlns="" val="1"/>
+              <ma14:wrappingTextBoxFlag xmlns="" xmlns:ma14="http://schemas.microsoft.com/office/mac/drawingml/2011/main" val="1"/>
             </a:ext>
           </a:extLst>
         </p:spPr>
@@ -19051,7 +19363,7 @@
           </a:ln>
           <a:extLst>
             <a:ext uri="{C572A759-6A51-4108-AA02-DFA0A04FC94B}">
-              <ma14:wrappingTextBoxFlag xmlns:ma14="http://schemas.microsoft.com/office/mac/drawingml/2011/main" xmlns="" val="1"/>
+              <ma14:wrappingTextBoxFlag xmlns="" xmlns:ma14="http://schemas.microsoft.com/office/mac/drawingml/2011/main" val="1"/>
             </a:ext>
           </a:extLst>
         </p:spPr>
@@ -19096,7 +19408,7 @@
           </a:ln>
           <a:extLst>
             <a:ext uri="{C572A759-6A51-4108-AA02-DFA0A04FC94B}">
-              <ma14:wrappingTextBoxFlag xmlns:ma14="http://schemas.microsoft.com/office/mac/drawingml/2011/main" xmlns="" val="1"/>
+              <ma14:wrappingTextBoxFlag xmlns="" xmlns:ma14="http://schemas.microsoft.com/office/mac/drawingml/2011/main" val="1"/>
             </a:ext>
           </a:extLst>
         </p:spPr>
@@ -19282,8 +19594,8 @@
         </p:nvSpPr>
         <p:spPr>
           <a:xfrm>
-            <a:off x="34081623" y="17472281"/>
-            <a:ext cx="3558199" cy="861772"/>
+            <a:off x="33392560" y="17061664"/>
+            <a:ext cx="4898546" cy="1246493"/>
           </a:xfrm>
           <a:prstGeom prst="rect">
             <a:avLst/>
@@ -19345,8 +19657,74 @@
                 <a:cs typeface="+mn-cs"/>
                 <a:sym typeface="Times New Roman"/>
               </a:rPr>
-              <a:t>Hierarchical Clustering on Cuisines TF-IDF</a:t>
+              <a:t>Hierarchical Clustering on </a:t>
             </a:r>
+            <a:r>
+              <a:rPr kumimoji="0" lang="en-US" sz="2500" b="1" i="0" u="none" strike="noStrike" cap="none" spc="0" normalizeH="0" baseline="0" dirty="0" smtClean="0">
+                <a:ln>
+                  <a:noFill/>
+                </a:ln>
+                <a:solidFill>
+                  <a:srgbClr val="000000"/>
+                </a:solidFill>
+                <a:effectLst/>
+                <a:uFillTx/>
+                <a:latin typeface="+mn-lt"/>
+                <a:ea typeface="+mn-ea"/>
+                <a:cs typeface="+mn-cs"/>
+                <a:sym typeface="Times New Roman"/>
+              </a:rPr>
+              <a:t>Cuisine TF-IDF </a:t>
+            </a:r>
+          </a:p>
+          <a:p>
+            <a:pPr marL="0" marR="0" indent="0" algn="ctr" defTabSz="914400" rtl="0" fontAlgn="auto" latinLnBrk="0" hangingPunct="0">
+              <a:lnSpc>
+                <a:spcPct val="100000"/>
+              </a:lnSpc>
+              <a:spcBef>
+                <a:spcPts val="0"/>
+              </a:spcBef>
+              <a:spcAft>
+                <a:spcPts val="0"/>
+              </a:spcAft>
+              <a:buClrTx/>
+              <a:buSzTx/>
+              <a:buFontTx/>
+              <a:buNone/>
+              <a:tabLst/>
+            </a:pPr>
+            <a:r>
+              <a:rPr kumimoji="0" lang="en-US" sz="2500" b="1" i="0" u="none" strike="noStrike" cap="none" spc="0" normalizeH="0" baseline="0" dirty="0" smtClean="0">
+                <a:ln>
+                  <a:noFill/>
+                </a:ln>
+                <a:solidFill>
+                  <a:srgbClr val="000000"/>
+                </a:solidFill>
+                <a:effectLst/>
+                <a:uFillTx/>
+                <a:latin typeface="+mn-lt"/>
+                <a:ea typeface="+mn-ea"/>
+                <a:cs typeface="+mn-cs"/>
+                <a:sym typeface="Times New Roman"/>
+              </a:rPr>
+              <a:t>finds correlated groups of cuisines</a:t>
+            </a:r>
+            <a:endParaRPr kumimoji="0" lang="en-US" sz="2500" b="1" i="0" u="none" strike="noStrike" cap="none" spc="0" normalizeH="0" baseline="0" dirty="0">
+              <a:ln>
+                <a:noFill/>
+              </a:ln>
+              <a:solidFill>
+                <a:srgbClr val="000000"/>
+              </a:solidFill>
+              <a:effectLst/>
+              <a:uFillTx/>
+              <a:latin typeface="+mn-lt"/>
+              <a:ea typeface="+mn-ea"/>
+              <a:cs typeface="+mn-cs"/>
+              <a:sym typeface="Times New Roman"/>
+            </a:endParaRPr>
           </a:p>
         </p:txBody>
       </p:sp>
@@ -19644,8 +20022,8 @@
         </p:nvSpPr>
         <p:spPr>
           <a:xfrm>
-            <a:off x="18215755" y="17289296"/>
-            <a:ext cx="5876472" cy="477052"/>
+            <a:off x="17699198" y="17445127"/>
+            <a:ext cx="3248662" cy="707884"/>
           </a:xfrm>
           <a:prstGeom prst="rect">
             <a:avLst/>
@@ -19693,15 +20071,45 @@
               <a:tabLst/>
             </a:pPr>
             <a:r>
-              <a:rPr lang="en-US" sz="2500" b="1" dirty="0"/>
-              <a:t>SVD on Dataset A (informed by </a:t>
+              <a:rPr lang="en-US" b="1" dirty="0"/>
+              <a:t>SVD </a:t>
             </a:r>
             <a:r>
-              <a:rPr lang="en-US" sz="2500" b="1" dirty="0" err="1"/>
+              <a:rPr lang="en-US" b="1" dirty="0" smtClean="0"/>
+              <a:t>on BOW </a:t>
+            </a:r>
+          </a:p>
+          <a:p>
+            <a:pPr marL="0" marR="0" indent="0" algn="ctr" defTabSz="914400" rtl="0" fontAlgn="auto" latinLnBrk="0" hangingPunct="0">
+              <a:lnSpc>
+                <a:spcPct val="100000"/>
+              </a:lnSpc>
+              <a:spcBef>
+                <a:spcPts val="0"/>
+              </a:spcBef>
+              <a:spcAft>
+                <a:spcPts val="0"/>
+              </a:spcAft>
+              <a:buClrTx/>
+              <a:buSzTx/>
+              <a:buFontTx/>
+              <a:buNone/>
+              <a:tabLst/>
+            </a:pPr>
+            <a:r>
+              <a:rPr lang="en-US" b="1" dirty="0" smtClean="0"/>
+              <a:t>(</a:t>
+            </a:r>
+            <a:r>
+              <a:rPr lang="en-US" b="1" dirty="0"/>
+              <a:t>informed by </a:t>
+            </a:r>
+            <a:r>
+              <a:rPr lang="en-US" b="1" dirty="0" err="1"/>
               <a:t>KMeans</a:t>
             </a:r>
             <a:r>
-              <a:rPr lang="en-US" sz="2500" b="1" dirty="0"/>
+              <a:rPr lang="en-US" b="1" dirty="0"/>
               <a:t>)</a:t>
             </a:r>
           </a:p>
@@ -19765,7 +20173,11 @@
             </a:pPr>
             <a:r>
               <a:rPr lang="en-US" sz="2500" b="1" dirty="0"/>
-              <a:t>Market Basket Analysis</a:t>
+              <a:t>Market Basket </a:t>
+            </a:r>
+            <a:r>
+              <a:rPr lang="en-US" sz="2500" b="1" dirty="0" smtClean="0"/>
+              <a:t>Analysis on BOW</a:t>
             </a:r>
             <a:endParaRPr kumimoji="0" lang="en-US" sz="2500" b="1" i="0" u="none" strike="noStrike" cap="none" spc="0" normalizeH="0" baseline="0" dirty="0">
               <a:ln>
@@ -19812,21 +20224,21 @@
                 <a:gridCol w="2151749">
                   <a:extLst>
                     <a:ext uri="{9D8B030D-6E8A-4147-A177-3AD203B41FA5}">
-                      <a16:colId xmlns:a16="http://schemas.microsoft.com/office/drawing/2014/main" val="20000"/>
+                      <a16:colId xmlns:a16="http://schemas.microsoft.com/office/drawing/2014/main" xmlns="" val="20000"/>
                     </a:ext>
                   </a:extLst>
                 </a:gridCol>
                 <a:gridCol w="1223183">
                   <a:extLst>
                     <a:ext uri="{9D8B030D-6E8A-4147-A177-3AD203B41FA5}">
-                      <a16:colId xmlns:a16="http://schemas.microsoft.com/office/drawing/2014/main" val="20001"/>
+                      <a16:colId xmlns:a16="http://schemas.microsoft.com/office/drawing/2014/main" xmlns="" val="20001"/>
                     </a:ext>
                   </a:extLst>
                 </a:gridCol>
                 <a:gridCol w="1223183">
                   <a:extLst>
                     <a:ext uri="{9D8B030D-6E8A-4147-A177-3AD203B41FA5}">
-                      <a16:colId xmlns:a16="http://schemas.microsoft.com/office/drawing/2014/main" val="20002"/>
+                      <a16:colId xmlns:a16="http://schemas.microsoft.com/office/drawing/2014/main" xmlns="" val="20002"/>
                     </a:ext>
                   </a:extLst>
                 </a:gridCol>
@@ -19876,7 +20288,7 @@
                 </a:tc>
                 <a:extLst>
                   <a:ext uri="{0D108BD9-81ED-4DB2-BD59-A6C34878D82A}">
-                    <a16:rowId xmlns:a16="http://schemas.microsoft.com/office/drawing/2014/main" val="10000"/>
+                    <a16:rowId xmlns:a16="http://schemas.microsoft.com/office/drawing/2014/main" xmlns="" val="10000"/>
                   </a:ext>
                 </a:extLst>
               </a:tr>
@@ -19925,7 +20337,7 @@
                 </a:tc>
                 <a:extLst>
                   <a:ext uri="{0D108BD9-81ED-4DB2-BD59-A6C34878D82A}">
-                    <a16:rowId xmlns:a16="http://schemas.microsoft.com/office/drawing/2014/main" val="10001"/>
+                    <a16:rowId xmlns:a16="http://schemas.microsoft.com/office/drawing/2014/main" xmlns="" val="10001"/>
                   </a:ext>
                 </a:extLst>
               </a:tr>
@@ -19974,7 +20386,7 @@
                 </a:tc>
                 <a:extLst>
                   <a:ext uri="{0D108BD9-81ED-4DB2-BD59-A6C34878D82A}">
-                    <a16:rowId xmlns:a16="http://schemas.microsoft.com/office/drawing/2014/main" val="10002"/>
+                    <a16:rowId xmlns:a16="http://schemas.microsoft.com/office/drawing/2014/main" xmlns="" val="10002"/>
                   </a:ext>
                 </a:extLst>
               </a:tr>
@@ -20028,7 +20440,7 @@
                 </a:tc>
                 <a:extLst>
                   <a:ext uri="{0D108BD9-81ED-4DB2-BD59-A6C34878D82A}">
-                    <a16:rowId xmlns:a16="http://schemas.microsoft.com/office/drawing/2014/main" val="10003"/>
+                    <a16:rowId xmlns:a16="http://schemas.microsoft.com/office/drawing/2014/main" xmlns="" val="10003"/>
                   </a:ext>
                 </a:extLst>
               </a:tr>
@@ -20064,21 +20476,21 @@
                 <a:gridCol w="2151749">
                   <a:extLst>
                     <a:ext uri="{9D8B030D-6E8A-4147-A177-3AD203B41FA5}">
-                      <a16:colId xmlns:a16="http://schemas.microsoft.com/office/drawing/2014/main" val="20000"/>
+                      <a16:colId xmlns:a16="http://schemas.microsoft.com/office/drawing/2014/main" xmlns="" val="20000"/>
                     </a:ext>
                   </a:extLst>
                 </a:gridCol>
                 <a:gridCol w="1223183">
                   <a:extLst>
                     <a:ext uri="{9D8B030D-6E8A-4147-A177-3AD203B41FA5}">
-                      <a16:colId xmlns:a16="http://schemas.microsoft.com/office/drawing/2014/main" val="20001"/>
+                      <a16:colId xmlns:a16="http://schemas.microsoft.com/office/drawing/2014/main" xmlns="" val="20001"/>
                     </a:ext>
                   </a:extLst>
                 </a:gridCol>
                 <a:gridCol w="1223183">
                   <a:extLst>
                     <a:ext uri="{9D8B030D-6E8A-4147-A177-3AD203B41FA5}">
-                      <a16:colId xmlns:a16="http://schemas.microsoft.com/office/drawing/2014/main" val="20002"/>
+                      <a16:colId xmlns:a16="http://schemas.microsoft.com/office/drawing/2014/main" xmlns="" val="20002"/>
                     </a:ext>
                   </a:extLst>
                 </a:gridCol>
@@ -20128,7 +20540,7 @@
                 </a:tc>
                 <a:extLst>
                   <a:ext uri="{0D108BD9-81ED-4DB2-BD59-A6C34878D82A}">
-                    <a16:rowId xmlns:a16="http://schemas.microsoft.com/office/drawing/2014/main" val="10000"/>
+                    <a16:rowId xmlns:a16="http://schemas.microsoft.com/office/drawing/2014/main" xmlns="" val="10000"/>
                   </a:ext>
                 </a:extLst>
               </a:tr>
@@ -20177,7 +20589,7 @@
                 </a:tc>
                 <a:extLst>
                   <a:ext uri="{0D108BD9-81ED-4DB2-BD59-A6C34878D82A}">
-                    <a16:rowId xmlns:a16="http://schemas.microsoft.com/office/drawing/2014/main" val="10001"/>
+                    <a16:rowId xmlns:a16="http://schemas.microsoft.com/office/drawing/2014/main" xmlns="" val="10001"/>
                   </a:ext>
                 </a:extLst>
               </a:tr>
@@ -20226,7 +20638,7 @@
                 </a:tc>
                 <a:extLst>
                   <a:ext uri="{0D108BD9-81ED-4DB2-BD59-A6C34878D82A}">
-                    <a16:rowId xmlns:a16="http://schemas.microsoft.com/office/drawing/2014/main" val="10002"/>
+                    <a16:rowId xmlns:a16="http://schemas.microsoft.com/office/drawing/2014/main" xmlns="" val="10002"/>
                   </a:ext>
                 </a:extLst>
               </a:tr>
@@ -20283,7 +20695,7 @@
                 </a:tc>
                 <a:extLst>
                   <a:ext uri="{0D108BD9-81ED-4DB2-BD59-A6C34878D82A}">
-                    <a16:rowId xmlns:a16="http://schemas.microsoft.com/office/drawing/2014/main" val="10003"/>
+                    <a16:rowId xmlns:a16="http://schemas.microsoft.com/office/drawing/2014/main" xmlns="" val="10003"/>
                   </a:ext>
                 </a:extLst>
               </a:tr>
@@ -20299,8 +20711,8 @@
         </p:nvSpPr>
         <p:spPr>
           <a:xfrm>
-            <a:off x="18761883" y="22286825"/>
-            <a:ext cx="4758270" cy="707884"/>
+            <a:off x="18761883" y="22461340"/>
+            <a:ext cx="4758270" cy="400108"/>
           </a:xfrm>
           <a:prstGeom prst="rect">
             <a:avLst/>
@@ -20348,7 +20760,7 @@
               <a:tabLst/>
             </a:pPr>
             <a:r>
-              <a:rPr kumimoji="0" lang="en-US" b="1" i="0" u="none" strike="noStrike" cap="none" spc="0" normalizeH="0" baseline="0" dirty="0">
+              <a:rPr kumimoji="0" lang="en-US" b="1" i="0" u="none" strike="noStrike" cap="none" spc="0" normalizeH="0" baseline="0" dirty="0" smtClean="0">
                 <a:ln>
                   <a:noFill/>
                 </a:ln>
@@ -20362,7 +20774,7 @@
                 <a:cs typeface="+mn-cs"/>
                 <a:sym typeface="Times New Roman"/>
               </a:rPr>
-              <a:t>Relationship </a:t>
+              <a:t>Finds relationship </a:t>
             </a:r>
             <a:r>
               <a:rPr kumimoji="0" lang="en-US" b="1" i="0" u="none" strike="noStrike" cap="none" spc="0" normalizeH="0" baseline="0" dirty="0" err="1">
@@ -20396,28 +20808,10 @@
                 <a:cs typeface="+mn-cs"/>
                 <a:sym typeface="Times New Roman"/>
               </a:rPr>
-              <a:t> Ingredients</a:t>
+              <a:t> </a:t>
             </a:r>
-          </a:p>
-          <a:p>
-            <a:pPr marL="0" marR="0" indent="0" algn="ctr" defTabSz="914400" rtl="0" fontAlgn="auto" latinLnBrk="0" hangingPunct="0">
-              <a:lnSpc>
-                <a:spcPct val="100000"/>
-              </a:lnSpc>
-              <a:spcBef>
-                <a:spcPts val="0"/>
-              </a:spcBef>
-              <a:spcAft>
-                <a:spcPts val="0"/>
-              </a:spcAft>
-              <a:buClrTx/>
-              <a:buSzTx/>
-              <a:buFontTx/>
-              <a:buNone/>
-              <a:tabLst/>
-            </a:pPr>
             <a:r>
-              <a:rPr kumimoji="0" lang="en-US" b="1" i="0" u="none" strike="noStrike" cap="none" spc="0" normalizeH="0" baseline="0" dirty="0">
+              <a:rPr kumimoji="0" lang="en-US" b="1" i="0" u="none" strike="noStrike" cap="none" spc="0" normalizeH="0" baseline="0" dirty="0" smtClean="0">
                 <a:ln>
                   <a:noFill/>
                 </a:ln>
@@ -20431,15 +20825,7 @@
                 <a:cs typeface="+mn-cs"/>
                 <a:sym typeface="Times New Roman"/>
               </a:rPr>
-              <a:t> (On Dataset </a:t>
-            </a:r>
-            <a:r>
-              <a:rPr lang="en-US" b="1" dirty="0">
-                <a:solidFill>
-                  <a:schemeClr val="tx1"/>
-                </a:solidFill>
-              </a:rPr>
-              <a:t>A)</a:t>
+              <a:t>ingredients</a:t>
             </a:r>
             <a:endParaRPr kumimoji="0" lang="en-US" b="1" i="0" u="none" strike="noStrike" cap="none" spc="0" normalizeH="0" baseline="0" dirty="0">
               <a:ln>
@@ -20466,8 +20852,8 @@
         </p:nvSpPr>
         <p:spPr>
           <a:xfrm>
-            <a:off x="18740555" y="27730378"/>
-            <a:ext cx="4890034" cy="707884"/>
+            <a:off x="18359792" y="27727454"/>
+            <a:ext cx="5578517" cy="707884"/>
           </a:xfrm>
           <a:prstGeom prst="rect">
             <a:avLst/>
@@ -20515,8 +20901,8 @@
               <a:tabLst/>
             </a:pPr>
             <a:r>
-              <a:rPr lang="en-US" b="1" dirty="0"/>
-              <a:t>Relationship </a:t>
+              <a:rPr lang="en-US" b="1" dirty="0" smtClean="0"/>
+              <a:t>Finds relationship </a:t>
             </a:r>
             <a:r>
               <a:rPr lang="en-US" b="1" dirty="0" err="1"/>
@@ -20524,7 +20910,23 @@
             </a:r>
             <a:r>
               <a:rPr lang="en-US" b="1" dirty="0"/>
-              <a:t> Ingredients and Cuisines (</a:t>
+              <a:t> </a:t>
+            </a:r>
+            <a:r>
+              <a:rPr lang="en-US" b="1" dirty="0" smtClean="0"/>
+              <a:t>ingredients </a:t>
+            </a:r>
+            <a:r>
+              <a:rPr lang="en-US" b="1" dirty="0"/>
+              <a:t>and </a:t>
+            </a:r>
+            <a:r>
+              <a:rPr lang="en-US" b="1" dirty="0" smtClean="0"/>
+              <a:t>cuisines </a:t>
+            </a:r>
+            <a:r>
+              <a:rPr lang="en-US" b="1" dirty="0"/>
+              <a:t>(</a:t>
             </a:r>
             <a:r>
               <a:rPr kumimoji="0" lang="en-US" b="1" i="0" u="none" strike="noStrike" cap="none" spc="0" normalizeH="0" baseline="0" dirty="0">
@@ -20541,8 +20943,43 @@
                 <a:cs typeface="+mn-cs"/>
                 <a:sym typeface="Times New Roman"/>
               </a:rPr>
-              <a:t>On Dataset E)</a:t>
+              <a:t>On </a:t>
             </a:r>
+            <a:r>
+              <a:rPr lang="en-US" b="1" dirty="0" smtClean="0"/>
+              <a:t>BOW + Cuisine OHC</a:t>
+            </a:r>
+            <a:r>
+              <a:rPr kumimoji="0" lang="en-US" b="1" i="0" u="none" strike="noStrike" cap="none" spc="0" normalizeH="0" baseline="0" dirty="0" smtClean="0">
+                <a:ln>
+                  <a:noFill/>
+                </a:ln>
+                <a:solidFill>
+                  <a:srgbClr val="000000"/>
+                </a:solidFill>
+                <a:effectLst/>
+                <a:uFillTx/>
+                <a:latin typeface="+mn-lt"/>
+                <a:ea typeface="+mn-ea"/>
+                <a:cs typeface="+mn-cs"/>
+                <a:sym typeface="Times New Roman"/>
+              </a:rPr>
+              <a:t>)</a:t>
+            </a:r>
+            <a:endParaRPr kumimoji="0" lang="en-US" b="1" i="0" u="none" strike="noStrike" cap="none" spc="0" normalizeH="0" baseline="0" dirty="0">
+              <a:ln>
+                <a:noFill/>
+              </a:ln>
+              <a:solidFill>
+                <a:srgbClr val="000000"/>
+              </a:solidFill>
+              <a:effectLst/>
+              <a:uFillTx/>
+              <a:latin typeface="+mn-lt"/>
+              <a:ea typeface="+mn-ea"/>
+              <a:cs typeface="+mn-cs"/>
+              <a:sym typeface="Times New Roman"/>
+            </a:endParaRPr>
           </a:p>
         </p:txBody>
       </p:sp>
@@ -20691,14 +21128,14 @@
                 <a:gridCol w="5446223">
                   <a:extLst>
                     <a:ext uri="{9D8B030D-6E8A-4147-A177-3AD203B41FA5}">
-                      <a16:colId xmlns:a16="http://schemas.microsoft.com/office/drawing/2014/main" val="20001"/>
+                      <a16:colId xmlns:a16="http://schemas.microsoft.com/office/drawing/2014/main" xmlns="" val="20001"/>
                     </a:ext>
                   </a:extLst>
                 </a:gridCol>
                 <a:gridCol w="1972470">
                   <a:extLst>
                     <a:ext uri="{9D8B030D-6E8A-4147-A177-3AD203B41FA5}">
-                      <a16:colId xmlns:a16="http://schemas.microsoft.com/office/drawing/2014/main" val="20002"/>
+                      <a16:colId xmlns:a16="http://schemas.microsoft.com/office/drawing/2014/main" xmlns="" val="20002"/>
                     </a:ext>
                   </a:extLst>
                 </a:gridCol>
@@ -20751,7 +21188,7 @@
                 </a:tc>
                 <a:extLst>
                   <a:ext uri="{0D108BD9-81ED-4DB2-BD59-A6C34878D82A}">
-                    <a16:rowId xmlns:a16="http://schemas.microsoft.com/office/drawing/2014/main" val="10000"/>
+                    <a16:rowId xmlns:a16="http://schemas.microsoft.com/office/drawing/2014/main" xmlns="" val="10000"/>
                   </a:ext>
                 </a:extLst>
               </a:tr>
@@ -20791,7 +21228,7 @@
                 </a:tc>
                 <a:extLst>
                   <a:ext uri="{0D108BD9-81ED-4DB2-BD59-A6C34878D82A}">
-                    <a16:rowId xmlns:a16="http://schemas.microsoft.com/office/drawing/2014/main" val="10001"/>
+                    <a16:rowId xmlns:a16="http://schemas.microsoft.com/office/drawing/2014/main" xmlns="" val="10001"/>
                   </a:ext>
                 </a:extLst>
               </a:tr>
@@ -20831,7 +21268,7 @@
                 </a:tc>
                 <a:extLst>
                   <a:ext uri="{0D108BD9-81ED-4DB2-BD59-A6C34878D82A}">
-                    <a16:rowId xmlns:a16="http://schemas.microsoft.com/office/drawing/2014/main" val="10002"/>
+                    <a16:rowId xmlns:a16="http://schemas.microsoft.com/office/drawing/2014/main" xmlns="" val="10002"/>
                   </a:ext>
                 </a:extLst>
               </a:tr>
@@ -20871,7 +21308,7 @@
                 </a:tc>
                 <a:extLst>
                   <a:ext uri="{0D108BD9-81ED-4DB2-BD59-A6C34878D82A}">
-                    <a16:rowId xmlns:a16="http://schemas.microsoft.com/office/drawing/2014/main" val="10003"/>
+                    <a16:rowId xmlns:a16="http://schemas.microsoft.com/office/drawing/2014/main" xmlns="" val="10003"/>
                   </a:ext>
                 </a:extLst>
               </a:tr>
@@ -20911,7 +21348,7 @@
                 </a:tc>
                 <a:extLst>
                   <a:ext uri="{0D108BD9-81ED-4DB2-BD59-A6C34878D82A}">
-                    <a16:rowId xmlns:a16="http://schemas.microsoft.com/office/drawing/2014/main" val="10004"/>
+                    <a16:rowId xmlns:a16="http://schemas.microsoft.com/office/drawing/2014/main" xmlns="" val="10004"/>
                   </a:ext>
                 </a:extLst>
               </a:tr>
@@ -20946,7 +21383,7 @@
                 </a:tc>
                 <a:extLst>
                   <a:ext uri="{0D108BD9-81ED-4DB2-BD59-A6C34878D82A}">
-                    <a16:rowId xmlns:a16="http://schemas.microsoft.com/office/drawing/2014/main" val="3962209931"/>
+                    <a16:rowId xmlns:a16="http://schemas.microsoft.com/office/drawing/2014/main" xmlns="" val="3962209931"/>
                   </a:ext>
                 </a:extLst>
               </a:tr>
@@ -21264,7 +21701,7 @@
         <p:spPr>
           <a:xfrm>
             <a:off x="18052072" y="31951368"/>
-            <a:ext cx="20422974" cy="3447095"/>
+            <a:ext cx="20422974" cy="3785650"/>
           </a:xfrm>
           <a:prstGeom prst="rect">
             <a:avLst/>
@@ -21372,8 +21809,35 @@
             </a:r>
             <a:r>
               <a:rPr lang="en-US" sz="2200" b="1" dirty="0"/>
-              <a:t> partitions groups based on most common ingredients</a:t>
+              <a:t> partitions groups based on most common </a:t>
             </a:r>
+            <a:r>
+              <a:rPr lang="en-US" sz="2200" b="1" dirty="0" smtClean="0"/>
+              <a:t>ingredients</a:t>
+            </a:r>
+          </a:p>
+          <a:p>
+            <a:pPr marL="457200" marR="0" indent="-457200" algn="l" defTabSz="914400" rtl="0" fontAlgn="auto" latinLnBrk="0" hangingPunct="0">
+              <a:lnSpc>
+                <a:spcPct val="100000"/>
+              </a:lnSpc>
+              <a:spcBef>
+                <a:spcPts val="0"/>
+              </a:spcBef>
+              <a:spcAft>
+                <a:spcPts val="0"/>
+              </a:spcAft>
+              <a:buClrTx/>
+              <a:buSzTx/>
+              <a:buFont typeface="Arial" charset="0"/>
+              <a:buChar char="•"/>
+              <a:tabLst/>
+            </a:pPr>
+            <a:r>
+              <a:rPr lang="en-US" sz="2200" b="1" dirty="0" smtClean="0"/>
+              <a:t>PCA on TF-IDF ingredients yields similar cuisine similarity as Hierarchical Clustering directly on TF-IDF cuisines</a:t>
+            </a:r>
+            <a:endParaRPr lang="en-US" sz="2200" b="1" dirty="0"/>
           </a:p>
           <a:p>
             <a:pPr marL="457200" marR="0" indent="-457200" algn="l" defTabSz="914400" rtl="0" fontAlgn="auto" latinLnBrk="0" hangingPunct="0">
@@ -21538,7 +22002,7 @@
           </a:ln>
           <a:extLst>
             <a:ext uri="{C572A759-6A51-4108-AA02-DFA0A04FC94B}">
-              <ma14:wrappingTextBoxFlag xmlns:ma14="http://schemas.microsoft.com/office/mac/drawingml/2011/main" xmlns="" val="1"/>
+              <ma14:wrappingTextBoxFlag xmlns="" xmlns:ma14="http://schemas.microsoft.com/office/mac/drawingml/2011/main" val="1"/>
             </a:ext>
           </a:extLst>
         </p:spPr>
@@ -21583,7 +22047,7 @@
           </a:ln>
           <a:extLst>
             <a:ext uri="{C572A759-6A51-4108-AA02-DFA0A04FC94B}">
-              <ma14:wrappingTextBoxFlag xmlns:ma14="http://schemas.microsoft.com/office/mac/drawingml/2011/main" xmlns="" val="1"/>
+              <ma14:wrappingTextBoxFlag xmlns="" xmlns:ma14="http://schemas.microsoft.com/office/mac/drawingml/2011/main" val="1"/>
             </a:ext>
           </a:extLst>
         </p:spPr>
@@ -21614,7 +22078,7 @@
           <p:cNvPr id="207" name="Table 206">
             <a:extLst>
               <a:ext uri="{FF2B5EF4-FFF2-40B4-BE49-F238E27FC236}">
-                <a16:creationId xmlns:a16="http://schemas.microsoft.com/office/drawing/2014/main" id="{64AC2F44-2CE7-4A61-B30A-B7C63B2BD87A}"/>
+                <a16:creationId xmlns:a16="http://schemas.microsoft.com/office/drawing/2014/main" xmlns="" id="{64AC2F44-2CE7-4A61-B30A-B7C63B2BD87A}"/>
               </a:ext>
             </a:extLst>
           </p:cNvPr>
@@ -21624,7 +22088,7 @@
           <p:nvPr>
             <p:extLst>
               <p:ext uri="{D42A27DB-BD31-4B8C-83A1-F6EECF244321}">
-                <p14:modId xmlns:p14="http://schemas.microsoft.com/office/powerpoint/2010/main" val="2164928327"/>
+                <p14:modId xmlns:p14="http://schemas.microsoft.com/office/powerpoint/2010/main" val="3413969084"/>
               </p:ext>
             </p:extLst>
           </p:nvPr>
@@ -21643,21 +22107,21 @@
                 <a:gridCol w="1767458">
                   <a:extLst>
                     <a:ext uri="{9D8B030D-6E8A-4147-A177-3AD203B41FA5}">
-                      <a16:colId xmlns:a16="http://schemas.microsoft.com/office/drawing/2014/main" val="20000"/>
+                      <a16:colId xmlns:a16="http://schemas.microsoft.com/office/drawing/2014/main" xmlns="" val="20000"/>
                     </a:ext>
                   </a:extLst>
                 </a:gridCol>
                 <a:gridCol w="1607474">
                   <a:extLst>
                     <a:ext uri="{9D8B030D-6E8A-4147-A177-3AD203B41FA5}">
-                      <a16:colId xmlns:a16="http://schemas.microsoft.com/office/drawing/2014/main" val="20001"/>
+                      <a16:colId xmlns:a16="http://schemas.microsoft.com/office/drawing/2014/main" xmlns="" val="20001"/>
                     </a:ext>
                   </a:extLst>
                 </a:gridCol>
                 <a:gridCol w="1223183">
                   <a:extLst>
                     <a:ext uri="{9D8B030D-6E8A-4147-A177-3AD203B41FA5}">
-                      <a16:colId xmlns:a16="http://schemas.microsoft.com/office/drawing/2014/main" val="20002"/>
+                      <a16:colId xmlns:a16="http://schemas.microsoft.com/office/drawing/2014/main" xmlns="" val="20002"/>
                     </a:ext>
                   </a:extLst>
                 </a:gridCol>
@@ -21707,7 +22171,7 @@
                 </a:tc>
                 <a:extLst>
                   <a:ext uri="{0D108BD9-81ED-4DB2-BD59-A6C34878D82A}">
-                    <a16:rowId xmlns:a16="http://schemas.microsoft.com/office/drawing/2014/main" val="10000"/>
+                    <a16:rowId xmlns:a16="http://schemas.microsoft.com/office/drawing/2014/main" xmlns="" val="10000"/>
                   </a:ext>
                 </a:extLst>
               </a:tr>
@@ -21756,7 +22220,7 @@
                 </a:tc>
                 <a:extLst>
                   <a:ext uri="{0D108BD9-81ED-4DB2-BD59-A6C34878D82A}">
-                    <a16:rowId xmlns:a16="http://schemas.microsoft.com/office/drawing/2014/main" val="10001"/>
+                    <a16:rowId xmlns:a16="http://schemas.microsoft.com/office/drawing/2014/main" xmlns="" val="10001"/>
                   </a:ext>
                 </a:extLst>
               </a:tr>
@@ -21813,7 +22277,7 @@
                 </a:tc>
                 <a:extLst>
                   <a:ext uri="{0D108BD9-81ED-4DB2-BD59-A6C34878D82A}">
-                    <a16:rowId xmlns:a16="http://schemas.microsoft.com/office/drawing/2014/main" val="10002"/>
+                    <a16:rowId xmlns:a16="http://schemas.microsoft.com/office/drawing/2014/main" xmlns="" val="10002"/>
                   </a:ext>
                 </a:extLst>
               </a:tr>
@@ -21862,7 +22326,7 @@
                 </a:tc>
                 <a:extLst>
                   <a:ext uri="{0D108BD9-81ED-4DB2-BD59-A6C34878D82A}">
-                    <a16:rowId xmlns:a16="http://schemas.microsoft.com/office/drawing/2014/main" val="3255443341"/>
+                    <a16:rowId xmlns:a16="http://schemas.microsoft.com/office/drawing/2014/main" xmlns="" val="3255443341"/>
                   </a:ext>
                 </a:extLst>
               </a:tr>
@@ -21911,7 +22375,7 @@
                 </a:tc>
                 <a:extLst>
                   <a:ext uri="{0D108BD9-81ED-4DB2-BD59-A6C34878D82A}">
-                    <a16:rowId xmlns:a16="http://schemas.microsoft.com/office/drawing/2014/main" val="3763551135"/>
+                    <a16:rowId xmlns:a16="http://schemas.microsoft.com/office/drawing/2014/main" xmlns="" val="3763551135"/>
                   </a:ext>
                 </a:extLst>
               </a:tr>
@@ -21960,7 +22424,7 @@
                 </a:tc>
                 <a:extLst>
                   <a:ext uri="{0D108BD9-81ED-4DB2-BD59-A6C34878D82A}">
-                    <a16:rowId xmlns:a16="http://schemas.microsoft.com/office/drawing/2014/main" val="2303088625"/>
+                    <a16:rowId xmlns:a16="http://schemas.microsoft.com/office/drawing/2014/main" xmlns="" val="2303088625"/>
                   </a:ext>
                 </a:extLst>
               </a:tr>
@@ -22000,16 +22464,17 @@
                     <a:p>
                       <a:pPr algn="r"/>
                       <a:r>
-                        <a:rPr lang="en-US" sz="1500" dirty="0"/>
-                        <a:t>1.00? Why?</a:t>
-                      </a:r>
+                        <a:rPr lang="en-US" sz="1500" dirty="0" smtClean="0"/>
+                        <a:t>1.0</a:t>
+                      </a:r>
+                      <a:endParaRPr lang="en-US" sz="1500" dirty="0"/>
                     </a:p>
                   </a:txBody>
                   <a:tcPr/>
                 </a:tc>
                 <a:extLst>
                   <a:ext uri="{0D108BD9-81ED-4DB2-BD59-A6C34878D82A}">
-                    <a16:rowId xmlns:a16="http://schemas.microsoft.com/office/drawing/2014/main" val="3091169220"/>
+                    <a16:rowId xmlns:a16="http://schemas.microsoft.com/office/drawing/2014/main" xmlns="" val="3091169220"/>
                   </a:ext>
                 </a:extLst>
               </a:tr>
@@ -22022,7 +22487,7 @@
           <p:cNvPr id="7" name="Picture 6">
             <a:extLst>
               <a:ext uri="{FF2B5EF4-FFF2-40B4-BE49-F238E27FC236}">
-                <a16:creationId xmlns:a16="http://schemas.microsoft.com/office/drawing/2014/main" id="{5C3F7C89-1A02-499D-80D9-80EE5B78EBF6}"/>
+                <a16:creationId xmlns:a16="http://schemas.microsoft.com/office/drawing/2014/main" xmlns="" id="{5C3F7C89-1A02-499D-80D9-80EE5B78EBF6}"/>
               </a:ext>
             </a:extLst>
           </p:cNvPr>
@@ -22052,7 +22517,7 @@
           <p:cNvPr id="246" name="Table 245">
             <a:extLst>
               <a:ext uri="{FF2B5EF4-FFF2-40B4-BE49-F238E27FC236}">
-                <a16:creationId xmlns:a16="http://schemas.microsoft.com/office/drawing/2014/main" id="{C2ED143C-C1BF-4463-8D6A-60DA83293AAC}"/>
+                <a16:creationId xmlns:a16="http://schemas.microsoft.com/office/drawing/2014/main" xmlns="" id="{C2ED143C-C1BF-4463-8D6A-60DA83293AAC}"/>
               </a:ext>
             </a:extLst>
           </p:cNvPr>
@@ -22062,7 +22527,7 @@
           <p:nvPr>
             <p:extLst>
               <p:ext uri="{D42A27DB-BD31-4B8C-83A1-F6EECF244321}">
-                <p14:modId xmlns:p14="http://schemas.microsoft.com/office/powerpoint/2010/main" val="2155816334"/>
+                <p14:modId xmlns:p14="http://schemas.microsoft.com/office/powerpoint/2010/main" val="691073627"/>
               </p:ext>
             </p:extLst>
           </p:nvPr>
@@ -22081,14 +22546,14 @@
                 <a:gridCol w="2801029">
                   <a:extLst>
                     <a:ext uri="{9D8B030D-6E8A-4147-A177-3AD203B41FA5}">
-                      <a16:colId xmlns:a16="http://schemas.microsoft.com/office/drawing/2014/main" val="20000"/>
+                      <a16:colId xmlns:a16="http://schemas.microsoft.com/office/drawing/2014/main" xmlns="" val="20000"/>
                     </a:ext>
                   </a:extLst>
                 </a:gridCol>
                 <a:gridCol w="1592273">
                   <a:extLst>
                     <a:ext uri="{9D8B030D-6E8A-4147-A177-3AD203B41FA5}">
-                      <a16:colId xmlns:a16="http://schemas.microsoft.com/office/drawing/2014/main" val="20001"/>
+                      <a16:colId xmlns:a16="http://schemas.microsoft.com/office/drawing/2014/main" xmlns="" val="20001"/>
                     </a:ext>
                   </a:extLst>
                 </a:gridCol>
@@ -22124,7 +22589,7 @@
                 </a:tc>
                 <a:extLst>
                   <a:ext uri="{0D108BD9-81ED-4DB2-BD59-A6C34878D82A}">
-                    <a16:rowId xmlns:a16="http://schemas.microsoft.com/office/drawing/2014/main" val="10000"/>
+                    <a16:rowId xmlns:a16="http://schemas.microsoft.com/office/drawing/2014/main" xmlns="" val="10000"/>
                   </a:ext>
                 </a:extLst>
               </a:tr>
@@ -22159,7 +22624,7 @@
                 </a:tc>
                 <a:extLst>
                   <a:ext uri="{0D108BD9-81ED-4DB2-BD59-A6C34878D82A}">
-                    <a16:rowId xmlns:a16="http://schemas.microsoft.com/office/drawing/2014/main" val="10001"/>
+                    <a16:rowId xmlns:a16="http://schemas.microsoft.com/office/drawing/2014/main" xmlns="" val="10001"/>
                   </a:ext>
                 </a:extLst>
               </a:tr>
@@ -22194,7 +22659,7 @@
                 </a:tc>
                 <a:extLst>
                   <a:ext uri="{0D108BD9-81ED-4DB2-BD59-A6C34878D82A}">
-                    <a16:rowId xmlns:a16="http://schemas.microsoft.com/office/drawing/2014/main" val="10002"/>
+                    <a16:rowId xmlns:a16="http://schemas.microsoft.com/office/drawing/2014/main" xmlns="" val="10002"/>
                   </a:ext>
                 </a:extLst>
               </a:tr>
@@ -22230,7 +22695,7 @@
                 </a:tc>
                 <a:extLst>
                   <a:ext uri="{0D108BD9-81ED-4DB2-BD59-A6C34878D82A}">
-                    <a16:rowId xmlns:a16="http://schemas.microsoft.com/office/drawing/2014/main" val="10003"/>
+                    <a16:rowId xmlns:a16="http://schemas.microsoft.com/office/drawing/2014/main" xmlns="" val="10003"/>
                   </a:ext>
                 </a:extLst>
               </a:tr>
@@ -22256,16 +22721,17 @@
                     <a:p>
                       <a:pPr algn="r"/>
                       <a:r>
-                        <a:rPr lang="en-US" sz="1500" dirty="0"/>
-                        <a:t>Indian?</a:t>
-                      </a:r>
+                        <a:rPr lang="en-US" sz="1500" dirty="0" smtClean="0"/>
+                        <a:t>Indian</a:t>
+                      </a:r>
+                      <a:endParaRPr lang="en-US" sz="1500" dirty="0"/>
                     </a:p>
                   </a:txBody>
                   <a:tcPr/>
                 </a:tc>
                 <a:extLst>
                   <a:ext uri="{0D108BD9-81ED-4DB2-BD59-A6C34878D82A}">
-                    <a16:rowId xmlns:a16="http://schemas.microsoft.com/office/drawing/2014/main" val="64982448"/>
+                    <a16:rowId xmlns:a16="http://schemas.microsoft.com/office/drawing/2014/main" xmlns="" val="64982448"/>
                   </a:ext>
                 </a:extLst>
               </a:tr>
@@ -22300,7 +22766,7 @@
                 </a:tc>
                 <a:extLst>
                   <a:ext uri="{0D108BD9-81ED-4DB2-BD59-A6C34878D82A}">
-                    <a16:rowId xmlns:a16="http://schemas.microsoft.com/office/drawing/2014/main" val="4078416341"/>
+                    <a16:rowId xmlns:a16="http://schemas.microsoft.com/office/drawing/2014/main" xmlns="" val="4078416341"/>
                   </a:ext>
                 </a:extLst>
               </a:tr>
@@ -22335,7 +22801,7 @@
                 </a:tc>
                 <a:extLst>
                   <a:ext uri="{0D108BD9-81ED-4DB2-BD59-A6C34878D82A}">
-                    <a16:rowId xmlns:a16="http://schemas.microsoft.com/office/drawing/2014/main" val="2390387957"/>
+                    <a16:rowId xmlns:a16="http://schemas.microsoft.com/office/drawing/2014/main" xmlns="" val="2390387957"/>
                   </a:ext>
                 </a:extLst>
               </a:tr>
@@ -22370,7 +22836,7 @@
                 </a:tc>
                 <a:extLst>
                   <a:ext uri="{0D108BD9-81ED-4DB2-BD59-A6C34878D82A}">
-                    <a16:rowId xmlns:a16="http://schemas.microsoft.com/office/drawing/2014/main" val="1619009781"/>
+                    <a16:rowId xmlns:a16="http://schemas.microsoft.com/office/drawing/2014/main" xmlns="" val="1619009781"/>
                   </a:ext>
                 </a:extLst>
               </a:tr>
@@ -22405,7 +22871,7 @@
                 </a:tc>
                 <a:extLst>
                   <a:ext uri="{0D108BD9-81ED-4DB2-BD59-A6C34878D82A}">
-                    <a16:rowId xmlns:a16="http://schemas.microsoft.com/office/drawing/2014/main" val="955856126"/>
+                    <a16:rowId xmlns:a16="http://schemas.microsoft.com/office/drawing/2014/main" xmlns="" val="955856126"/>
                   </a:ext>
                 </a:extLst>
               </a:tr>
@@ -22440,7 +22906,7 @@
                 </a:tc>
                 <a:extLst>
                   <a:ext uri="{0D108BD9-81ED-4DB2-BD59-A6C34878D82A}">
-                    <a16:rowId xmlns:a16="http://schemas.microsoft.com/office/drawing/2014/main" val="1528535457"/>
+                    <a16:rowId xmlns:a16="http://schemas.microsoft.com/office/drawing/2014/main" xmlns="" val="1528535457"/>
                   </a:ext>
                 </a:extLst>
               </a:tr>
@@ -22475,7 +22941,7 @@
                 </a:tc>
                 <a:extLst>
                   <a:ext uri="{0D108BD9-81ED-4DB2-BD59-A6C34878D82A}">
-                    <a16:rowId xmlns:a16="http://schemas.microsoft.com/office/drawing/2014/main" val="2043756599"/>
+                    <a16:rowId xmlns:a16="http://schemas.microsoft.com/office/drawing/2014/main" xmlns="" val="2043756599"/>
                   </a:ext>
                 </a:extLst>
               </a:tr>
@@ -22510,7 +22976,7 @@
                 </a:tc>
                 <a:extLst>
                   <a:ext uri="{0D108BD9-81ED-4DB2-BD59-A6C34878D82A}">
-                    <a16:rowId xmlns:a16="http://schemas.microsoft.com/office/drawing/2014/main" val="3866600594"/>
+                    <a16:rowId xmlns:a16="http://schemas.microsoft.com/office/drawing/2014/main" xmlns="" val="3866600594"/>
                   </a:ext>
                 </a:extLst>
               </a:tr>
@@ -22545,7 +23011,7 @@
                 </a:tc>
                 <a:extLst>
                   <a:ext uri="{0D108BD9-81ED-4DB2-BD59-A6C34878D82A}">
-                    <a16:rowId xmlns:a16="http://schemas.microsoft.com/office/drawing/2014/main" val="4181553866"/>
+                    <a16:rowId xmlns:a16="http://schemas.microsoft.com/office/drawing/2014/main" xmlns="" val="4181553866"/>
                   </a:ext>
                 </a:extLst>
               </a:tr>
@@ -22558,7 +23024,7 @@
           <p:cNvPr id="9" name="Table 8">
             <a:extLst>
               <a:ext uri="{FF2B5EF4-FFF2-40B4-BE49-F238E27FC236}">
-                <a16:creationId xmlns:a16="http://schemas.microsoft.com/office/drawing/2014/main" id="{EDD4C8F8-FE22-4181-A274-85BEF11F2CD2}"/>
+                <a16:creationId xmlns:a16="http://schemas.microsoft.com/office/drawing/2014/main" xmlns="" id="{EDD4C8F8-FE22-4181-A274-85BEF11F2CD2}"/>
               </a:ext>
             </a:extLst>
           </p:cNvPr>
@@ -22587,14 +23053,14 @@
                 <a:gridCol w="2801029">
                   <a:extLst>
                     <a:ext uri="{9D8B030D-6E8A-4147-A177-3AD203B41FA5}">
-                      <a16:colId xmlns:a16="http://schemas.microsoft.com/office/drawing/2014/main" val="2955638070"/>
+                      <a16:colId xmlns:a16="http://schemas.microsoft.com/office/drawing/2014/main" xmlns="" val="2955638070"/>
                     </a:ext>
                   </a:extLst>
                 </a:gridCol>
                 <a:gridCol w="1592273">
                   <a:extLst>
                     <a:ext uri="{9D8B030D-6E8A-4147-A177-3AD203B41FA5}">
-                      <a16:colId xmlns:a16="http://schemas.microsoft.com/office/drawing/2014/main" val="3908813880"/>
+                      <a16:colId xmlns:a16="http://schemas.microsoft.com/office/drawing/2014/main" xmlns="" val="3908813880"/>
                     </a:ext>
                   </a:extLst>
                 </a:gridCol>
@@ -22627,7 +23093,7 @@
                 </a:tc>
                 <a:extLst>
                   <a:ext uri="{0D108BD9-81ED-4DB2-BD59-A6C34878D82A}">
-                    <a16:rowId xmlns:a16="http://schemas.microsoft.com/office/drawing/2014/main" val="928005051"/>
+                    <a16:rowId xmlns:a16="http://schemas.microsoft.com/office/drawing/2014/main" xmlns="" val="928005051"/>
                   </a:ext>
                 </a:extLst>
               </a:tr>
@@ -22659,7 +23125,7 @@
                 </a:tc>
                 <a:extLst>
                   <a:ext uri="{0D108BD9-81ED-4DB2-BD59-A6C34878D82A}">
-                    <a16:rowId xmlns:a16="http://schemas.microsoft.com/office/drawing/2014/main" val="2919123740"/>
+                    <a16:rowId xmlns:a16="http://schemas.microsoft.com/office/drawing/2014/main" xmlns="" val="2919123740"/>
                   </a:ext>
                 </a:extLst>
               </a:tr>
@@ -22694,7 +23160,7 @@
                 </a:tc>
                 <a:extLst>
                   <a:ext uri="{0D108BD9-81ED-4DB2-BD59-A6C34878D82A}">
-                    <a16:rowId xmlns:a16="http://schemas.microsoft.com/office/drawing/2014/main" val="190779686"/>
+                    <a16:rowId xmlns:a16="http://schemas.microsoft.com/office/drawing/2014/main" xmlns="" val="190779686"/>
                   </a:ext>
                 </a:extLst>
               </a:tr>
@@ -22729,7 +23195,7 @@
                 </a:tc>
                 <a:extLst>
                   <a:ext uri="{0D108BD9-81ED-4DB2-BD59-A6C34878D82A}">
-                    <a16:rowId xmlns:a16="http://schemas.microsoft.com/office/drawing/2014/main" val="350229852"/>
+                    <a16:rowId xmlns:a16="http://schemas.microsoft.com/office/drawing/2014/main" xmlns="" val="350229852"/>
                   </a:ext>
                 </a:extLst>
               </a:tr>
@@ -22764,7 +23230,7 @@
                 </a:tc>
                 <a:extLst>
                   <a:ext uri="{0D108BD9-81ED-4DB2-BD59-A6C34878D82A}">
-                    <a16:rowId xmlns:a16="http://schemas.microsoft.com/office/drawing/2014/main" val="325800825"/>
+                    <a16:rowId xmlns:a16="http://schemas.microsoft.com/office/drawing/2014/main" xmlns="" val="325800825"/>
                   </a:ext>
                 </a:extLst>
               </a:tr>
@@ -22799,7 +23265,7 @@
                 </a:tc>
                 <a:extLst>
                   <a:ext uri="{0D108BD9-81ED-4DB2-BD59-A6C34878D82A}">
-                    <a16:rowId xmlns:a16="http://schemas.microsoft.com/office/drawing/2014/main" val="1554248493"/>
+                    <a16:rowId xmlns:a16="http://schemas.microsoft.com/office/drawing/2014/main" xmlns="" val="1554248493"/>
                   </a:ext>
                 </a:extLst>
               </a:tr>
@@ -22834,7 +23300,7 @@
                 </a:tc>
                 <a:extLst>
                   <a:ext uri="{0D108BD9-81ED-4DB2-BD59-A6C34878D82A}">
-                    <a16:rowId xmlns:a16="http://schemas.microsoft.com/office/drawing/2014/main" val="2686735766"/>
+                    <a16:rowId xmlns:a16="http://schemas.microsoft.com/office/drawing/2014/main" xmlns="" val="2686735766"/>
                   </a:ext>
                 </a:extLst>
               </a:tr>
@@ -22869,7 +23335,7 @@
                 </a:tc>
                 <a:extLst>
                   <a:ext uri="{0D108BD9-81ED-4DB2-BD59-A6C34878D82A}">
-                    <a16:rowId xmlns:a16="http://schemas.microsoft.com/office/drawing/2014/main" val="368493720"/>
+                    <a16:rowId xmlns:a16="http://schemas.microsoft.com/office/drawing/2014/main" xmlns="" val="368493720"/>
                   </a:ext>
                 </a:extLst>
               </a:tr>
@@ -22882,7 +23348,7 @@
           <p:cNvPr id="14" name="TextBox 13">
             <a:extLst>
               <a:ext uri="{FF2B5EF4-FFF2-40B4-BE49-F238E27FC236}">
-                <a16:creationId xmlns:a16="http://schemas.microsoft.com/office/drawing/2014/main" id="{F1F911DE-78A3-40AD-AF6E-CD2BE89BDE22}"/>
+                <a16:creationId xmlns:a16="http://schemas.microsoft.com/office/drawing/2014/main" xmlns="" id="{F1F911DE-78A3-40AD-AF6E-CD2BE89BDE22}"/>
               </a:ext>
             </a:extLst>
           </p:cNvPr>
@@ -22976,7 +23442,15 @@
             </a:pPr>
             <a:r>
               <a:rPr lang="en-US" dirty="0"/>
-              <a:t>On original 6714 features, accuracy: took too long</a:t>
+              <a:t>On original 6714 </a:t>
+            </a:r>
+            <a:r>
+              <a:rPr lang="en-US" dirty="0" smtClean="0"/>
+              <a:t>features, run time took </a:t>
+            </a:r>
+            <a:r>
+              <a:rPr lang="en-US" dirty="0"/>
+              <a:t>too long</a:t>
             </a:r>
           </a:p>
           <a:p>
@@ -23015,7 +23489,15 @@
             </a:r>
             <a:r>
               <a:rPr lang="en-US" dirty="0"/>
-              <a:t>Brazilian, Mexican, British, Indian, Irish</a:t>
+              <a:t>Brazilian, Mexican, </a:t>
+            </a:r>
+            <a:r>
+              <a:rPr lang="en-US" dirty="0" smtClean="0"/>
+              <a:t>followed by British</a:t>
+            </a:r>
+            <a:r>
+              <a:rPr lang="en-US" dirty="0"/>
+              <a:t>, Indian, Irish</a:t>
             </a:r>
           </a:p>
           <a:p>
@@ -23078,7 +23560,7 @@
           <p:cNvPr id="17" name="Picture 16">
             <a:extLst>
               <a:ext uri="{FF2B5EF4-FFF2-40B4-BE49-F238E27FC236}">
-                <a16:creationId xmlns:a16="http://schemas.microsoft.com/office/drawing/2014/main" id="{BEB2A812-4C73-46C0-8577-FA881C6A7C14}"/>
+                <a16:creationId xmlns:a16="http://schemas.microsoft.com/office/drawing/2014/main" xmlns="" id="{BEB2A812-4C73-46C0-8577-FA881C6A7C14}"/>
               </a:ext>
             </a:extLst>
           </p:cNvPr>
@@ -23108,7 +23590,7 @@
           <p:cNvPr id="19" name="Picture 18">
             <a:extLst>
               <a:ext uri="{FF2B5EF4-FFF2-40B4-BE49-F238E27FC236}">
-                <a16:creationId xmlns:a16="http://schemas.microsoft.com/office/drawing/2014/main" id="{502C64D8-E3CC-4D35-98D5-F838B2DF3CD9}"/>
+                <a16:creationId xmlns:a16="http://schemas.microsoft.com/office/drawing/2014/main" xmlns="" id="{502C64D8-E3CC-4D35-98D5-F838B2DF3CD9}"/>
               </a:ext>
             </a:extLst>
           </p:cNvPr>
@@ -23138,7 +23620,7 @@
           <p:cNvPr id="271" name="Table 270">
             <a:extLst>
               <a:ext uri="{FF2B5EF4-FFF2-40B4-BE49-F238E27FC236}">
-                <a16:creationId xmlns:a16="http://schemas.microsoft.com/office/drawing/2014/main" id="{20CE9798-FEEA-4138-91F0-4FC0EFC9989A}"/>
+                <a16:creationId xmlns:a16="http://schemas.microsoft.com/office/drawing/2014/main" xmlns="" id="{20CE9798-FEEA-4138-91F0-4FC0EFC9989A}"/>
               </a:ext>
             </a:extLst>
           </p:cNvPr>
@@ -23167,14 +23649,14 @@
                 <a:gridCol w="481421">
                   <a:extLst>
                     <a:ext uri="{9D8B030D-6E8A-4147-A177-3AD203B41FA5}">
-                      <a16:colId xmlns:a16="http://schemas.microsoft.com/office/drawing/2014/main" val="20000"/>
+                      <a16:colId xmlns:a16="http://schemas.microsoft.com/office/drawing/2014/main" xmlns="" val="20000"/>
                     </a:ext>
                   </a:extLst>
                 </a:gridCol>
                 <a:gridCol w="2508149">
                   <a:extLst>
                     <a:ext uri="{9D8B030D-6E8A-4147-A177-3AD203B41FA5}">
-                      <a16:colId xmlns:a16="http://schemas.microsoft.com/office/drawing/2014/main" val="20001"/>
+                      <a16:colId xmlns:a16="http://schemas.microsoft.com/office/drawing/2014/main" xmlns="" val="20001"/>
                     </a:ext>
                   </a:extLst>
                 </a:gridCol>
@@ -23210,7 +23692,7 @@
                 </a:tc>
                 <a:extLst>
                   <a:ext uri="{0D108BD9-81ED-4DB2-BD59-A6C34878D82A}">
-                    <a16:rowId xmlns:a16="http://schemas.microsoft.com/office/drawing/2014/main" val="10000"/>
+                    <a16:rowId xmlns:a16="http://schemas.microsoft.com/office/drawing/2014/main" xmlns="" val="10000"/>
                   </a:ext>
                 </a:extLst>
               </a:tr>
@@ -23245,7 +23727,7 @@
                 </a:tc>
                 <a:extLst>
                   <a:ext uri="{0D108BD9-81ED-4DB2-BD59-A6C34878D82A}">
-                    <a16:rowId xmlns:a16="http://schemas.microsoft.com/office/drawing/2014/main" val="10001"/>
+                    <a16:rowId xmlns:a16="http://schemas.microsoft.com/office/drawing/2014/main" xmlns="" val="10001"/>
                   </a:ext>
                 </a:extLst>
               </a:tr>
@@ -23280,7 +23762,7 @@
                 </a:tc>
                 <a:extLst>
                   <a:ext uri="{0D108BD9-81ED-4DB2-BD59-A6C34878D82A}">
-                    <a16:rowId xmlns:a16="http://schemas.microsoft.com/office/drawing/2014/main" val="10002"/>
+                    <a16:rowId xmlns:a16="http://schemas.microsoft.com/office/drawing/2014/main" xmlns="" val="10002"/>
                   </a:ext>
                 </a:extLst>
               </a:tr>
@@ -23315,7 +23797,7 @@
                 </a:tc>
                 <a:extLst>
                   <a:ext uri="{0D108BD9-81ED-4DB2-BD59-A6C34878D82A}">
-                    <a16:rowId xmlns:a16="http://schemas.microsoft.com/office/drawing/2014/main" val="10003"/>
+                    <a16:rowId xmlns:a16="http://schemas.microsoft.com/office/drawing/2014/main" xmlns="" val="10003"/>
                   </a:ext>
                 </a:extLst>
               </a:tr>
@@ -23350,7 +23832,7 @@
                 </a:tc>
                 <a:extLst>
                   <a:ext uri="{0D108BD9-81ED-4DB2-BD59-A6C34878D82A}">
-                    <a16:rowId xmlns:a16="http://schemas.microsoft.com/office/drawing/2014/main" val="3571064915"/>
+                    <a16:rowId xmlns:a16="http://schemas.microsoft.com/office/drawing/2014/main" xmlns="" val="3571064915"/>
                   </a:ext>
                 </a:extLst>
               </a:tr>
@@ -23363,7 +23845,7 @@
           <p:cNvPr id="288" name="TextBox 287">
             <a:extLst>
               <a:ext uri="{FF2B5EF4-FFF2-40B4-BE49-F238E27FC236}">
-                <a16:creationId xmlns:a16="http://schemas.microsoft.com/office/drawing/2014/main" id="{8DA1EFED-11AC-47D0-8B67-E160C3BCBA19}"/>
+                <a16:creationId xmlns:a16="http://schemas.microsoft.com/office/drawing/2014/main" xmlns="" id="{8DA1EFED-11AC-47D0-8B67-E160C3BCBA19}"/>
               </a:ext>
             </a:extLst>
           </p:cNvPr>
@@ -23445,7 +23927,7 @@
           <p:cNvPr id="289" name="Table 288">
             <a:extLst>
               <a:ext uri="{FF2B5EF4-FFF2-40B4-BE49-F238E27FC236}">
-                <a16:creationId xmlns:a16="http://schemas.microsoft.com/office/drawing/2014/main" id="{2D7E9671-0D5B-4F91-95B5-65915E74CDBC}"/>
+                <a16:creationId xmlns:a16="http://schemas.microsoft.com/office/drawing/2014/main" xmlns="" id="{2D7E9671-0D5B-4F91-95B5-65915E74CDBC}"/>
               </a:ext>
             </a:extLst>
           </p:cNvPr>
@@ -23474,14 +23956,14 @@
                 <a:gridCol w="5751686">
                   <a:extLst>
                     <a:ext uri="{9D8B030D-6E8A-4147-A177-3AD203B41FA5}">
-                      <a16:colId xmlns:a16="http://schemas.microsoft.com/office/drawing/2014/main" val="20001"/>
+                      <a16:colId xmlns:a16="http://schemas.microsoft.com/office/drawing/2014/main" xmlns="" val="20001"/>
                     </a:ext>
                   </a:extLst>
                 </a:gridCol>
                 <a:gridCol w="1715868">
                   <a:extLst>
                     <a:ext uri="{9D8B030D-6E8A-4147-A177-3AD203B41FA5}">
-                      <a16:colId xmlns:a16="http://schemas.microsoft.com/office/drawing/2014/main" val="20002"/>
+                      <a16:colId xmlns:a16="http://schemas.microsoft.com/office/drawing/2014/main" xmlns="" val="20002"/>
                     </a:ext>
                   </a:extLst>
                 </a:gridCol>
@@ -23517,7 +23999,7 @@
                 </a:tc>
                 <a:extLst>
                   <a:ext uri="{0D108BD9-81ED-4DB2-BD59-A6C34878D82A}">
-                    <a16:rowId xmlns:a16="http://schemas.microsoft.com/office/drawing/2014/main" val="10001"/>
+                    <a16:rowId xmlns:a16="http://schemas.microsoft.com/office/drawing/2014/main" xmlns="" val="10001"/>
                   </a:ext>
                 </a:extLst>
               </a:tr>
@@ -23552,7 +24034,7 @@
                 </a:tc>
                 <a:extLst>
                   <a:ext uri="{0D108BD9-81ED-4DB2-BD59-A6C34878D82A}">
-                    <a16:rowId xmlns:a16="http://schemas.microsoft.com/office/drawing/2014/main" val="10002"/>
+                    <a16:rowId xmlns:a16="http://schemas.microsoft.com/office/drawing/2014/main" xmlns="" val="10002"/>
                   </a:ext>
                 </a:extLst>
               </a:tr>
@@ -23587,7 +24069,7 @@
                 </a:tc>
                 <a:extLst>
                   <a:ext uri="{0D108BD9-81ED-4DB2-BD59-A6C34878D82A}">
-                    <a16:rowId xmlns:a16="http://schemas.microsoft.com/office/drawing/2014/main" val="10003"/>
+                    <a16:rowId xmlns:a16="http://schemas.microsoft.com/office/drawing/2014/main" xmlns="" val="10003"/>
                   </a:ext>
                 </a:extLst>
               </a:tr>
@@ -23622,7 +24104,7 @@
                 </a:tc>
                 <a:extLst>
                   <a:ext uri="{0D108BD9-81ED-4DB2-BD59-A6C34878D82A}">
-                    <a16:rowId xmlns:a16="http://schemas.microsoft.com/office/drawing/2014/main" val="10004"/>
+                    <a16:rowId xmlns:a16="http://schemas.microsoft.com/office/drawing/2014/main" xmlns="" val="10004"/>
                   </a:ext>
                 </a:extLst>
               </a:tr>
@@ -23657,7 +24139,7 @@
                 </a:tc>
                 <a:extLst>
                   <a:ext uri="{0D108BD9-81ED-4DB2-BD59-A6C34878D82A}">
-                    <a16:rowId xmlns:a16="http://schemas.microsoft.com/office/drawing/2014/main" val="3962209931"/>
+                    <a16:rowId xmlns:a16="http://schemas.microsoft.com/office/drawing/2014/main" xmlns="" val="3962209931"/>
                   </a:ext>
                 </a:extLst>
               </a:tr>
@@ -23670,7 +24152,7 @@
           <p:cNvPr id="21" name="TextBox 20">
             <a:extLst>
               <a:ext uri="{FF2B5EF4-FFF2-40B4-BE49-F238E27FC236}">
-                <a16:creationId xmlns:a16="http://schemas.microsoft.com/office/drawing/2014/main" id="{41EA2335-83DD-4D8A-BD80-4CAA03220CB9}"/>
+                <a16:creationId xmlns:a16="http://schemas.microsoft.com/office/drawing/2014/main" xmlns="" id="{41EA2335-83DD-4D8A-BD80-4CAA03220CB9}"/>
               </a:ext>
             </a:extLst>
           </p:cNvPr>
@@ -23753,7 +24235,7 @@
           <p:cNvPr id="290" name="Shape 124" descr="TextBox 131">
             <a:extLst>
               <a:ext uri="{FF2B5EF4-FFF2-40B4-BE49-F238E27FC236}">
-                <a16:creationId xmlns:a16="http://schemas.microsoft.com/office/drawing/2014/main" id="{C54BDF19-7575-4A68-B5EC-12DFC70816F0}"/>
+                <a16:creationId xmlns:a16="http://schemas.microsoft.com/office/drawing/2014/main" xmlns="" id="{C54BDF19-7575-4A68-B5EC-12DFC70816F0}"/>
               </a:ext>
             </a:extLst>
           </p:cNvPr>
@@ -23773,7 +24255,7 @@
           </a:ln>
           <a:extLst>
             <a:ext uri="{C572A759-6A51-4108-AA02-DFA0A04FC94B}">
-              <ma14:wrappingTextBoxFlag xmlns:ma14="http://schemas.microsoft.com/office/mac/drawingml/2011/main" xmlns="" val="1"/>
+              <ma14:wrappingTextBoxFlag xmlns="" xmlns:ma14="http://schemas.microsoft.com/office/mac/drawingml/2011/main" val="1"/>
             </a:ext>
           </a:extLst>
         </p:spPr>
@@ -23871,7 +24353,7 @@
           <p:cNvPr id="22" name="Picture 21">
             <a:extLst>
               <a:ext uri="{FF2B5EF4-FFF2-40B4-BE49-F238E27FC236}">
-                <a16:creationId xmlns:a16="http://schemas.microsoft.com/office/drawing/2014/main" id="{392FE9DE-1A82-4C69-8356-B3C2A9A270C2}"/>
+                <a16:creationId xmlns:a16="http://schemas.microsoft.com/office/drawing/2014/main" xmlns="" id="{392FE9DE-1A82-4C69-8356-B3C2A9A270C2}"/>
               </a:ext>
             </a:extLst>
           </p:cNvPr>
@@ -23888,14 +24370,198 @@
         </p:blipFill>
         <p:spPr>
           <a:xfrm>
-            <a:off x="29521659" y="33529303"/>
-            <a:ext cx="2135553" cy="2090893"/>
+            <a:off x="29521659" y="33844192"/>
+            <a:ext cx="1813937" cy="1776003"/>
           </a:xfrm>
           <a:prstGeom prst="rect">
             <a:avLst/>
           </a:prstGeom>
         </p:spPr>
       </p:pic>
+      <p:sp>
+        <p:nvSpPr>
+          <p:cNvPr id="267" name="TextBox 266"/>
+          <p:cNvSpPr txBox="1"/>
+          <p:nvPr/>
+        </p:nvSpPr>
+        <p:spPr>
+          <a:xfrm>
+            <a:off x="21202177" y="17445127"/>
+            <a:ext cx="3131371" cy="1015661"/>
+          </a:xfrm>
+          <a:prstGeom prst="rect">
+            <a:avLst/>
+          </a:prstGeom>
+          <a:noFill/>
+          <a:ln w="12700" cap="flat">
+            <a:noFill/>
+            <a:miter lim="400000"/>
+          </a:ln>
+          <a:effectLst/>
+          <a:sp3d/>
+        </p:spPr>
+        <p:style>
+          <a:lnRef idx="0">
+            <a:scrgbClr r="0" g="0" b="0"/>
+          </a:lnRef>
+          <a:fillRef idx="0">
+            <a:scrgbClr r="0" g="0" b="0"/>
+          </a:fillRef>
+          <a:effectRef idx="0">
+            <a:scrgbClr r="0" g="0" b="0"/>
+          </a:effectRef>
+          <a:fontRef idx="none"/>
+        </p:style>
+        <p:txBody>
+          <a:bodyPr rot="0" spcFirstLastPara="1" vertOverflow="overflow" horzOverflow="overflow" vert="horz" wrap="square" lIns="45719" tIns="45719" rIns="45719" bIns="45719" numCol="1" spcCol="38100" rtlCol="0" anchor="t">
+            <a:spAutoFit/>
+          </a:bodyPr>
+          <a:lstStyle/>
+          <a:p>
+            <a:pPr marL="0" marR="0" indent="0" algn="ctr" defTabSz="914400" rtl="0" fontAlgn="auto" latinLnBrk="0" hangingPunct="0">
+              <a:lnSpc>
+                <a:spcPct val="100000"/>
+              </a:lnSpc>
+              <a:spcBef>
+                <a:spcPts val="0"/>
+              </a:spcBef>
+              <a:spcAft>
+                <a:spcPts val="0"/>
+              </a:spcAft>
+              <a:buClrTx/>
+              <a:buSzTx/>
+              <a:buFontTx/>
+              <a:buNone/>
+              <a:tabLst/>
+            </a:pPr>
+            <a:r>
+              <a:rPr lang="en-US" b="1" dirty="0" err="1" smtClean="0"/>
+              <a:t>KMeans</a:t>
+            </a:r>
+            <a:r>
+              <a:rPr lang="en-US" b="1" dirty="0" smtClean="0"/>
+              <a:t> on BOW </a:t>
+            </a:r>
+          </a:p>
+          <a:p>
+            <a:pPr marL="0" marR="0" indent="0" algn="ctr" defTabSz="914400" rtl="0" fontAlgn="auto" latinLnBrk="0" hangingPunct="0">
+              <a:lnSpc>
+                <a:spcPct val="100000"/>
+              </a:lnSpc>
+              <a:spcBef>
+                <a:spcPts val="0"/>
+              </a:spcBef>
+              <a:spcAft>
+                <a:spcPts val="0"/>
+              </a:spcAft>
+              <a:buClrTx/>
+              <a:buSzTx/>
+              <a:buFontTx/>
+              <a:buNone/>
+              <a:tabLst/>
+            </a:pPr>
+            <a:r>
+              <a:rPr lang="en-US" b="1" dirty="0"/>
+              <a:t>p</a:t>
+            </a:r>
+            <a:r>
+              <a:rPr lang="en-US" b="1" dirty="0" smtClean="0"/>
+              <a:t>artitions by common ingredients</a:t>
+            </a:r>
+            <a:endParaRPr lang="en-US" b="1" dirty="0"/>
+          </a:p>
+        </p:txBody>
+      </p:sp>
+      <p:sp>
+        <p:nvSpPr>
+          <p:cNvPr id="291" name="TextBox 290"/>
+          <p:cNvSpPr txBox="1"/>
+          <p:nvPr/>
+        </p:nvSpPr>
+        <p:spPr>
+          <a:xfrm>
+            <a:off x="33495501" y="24165190"/>
+            <a:ext cx="4898546" cy="861772"/>
+          </a:xfrm>
+          <a:prstGeom prst="rect">
+            <a:avLst/>
+          </a:prstGeom>
+          <a:noFill/>
+          <a:ln w="12700" cap="flat">
+            <a:noFill/>
+            <a:miter lim="400000"/>
+          </a:ln>
+          <a:effectLst/>
+          <a:sp3d/>
+        </p:spPr>
+        <p:style>
+          <a:lnRef idx="0">
+            <a:scrgbClr r="0" g="0" b="0"/>
+          </a:lnRef>
+          <a:fillRef idx="0">
+            <a:scrgbClr r="0" g="0" b="0"/>
+          </a:fillRef>
+          <a:effectRef idx="0">
+            <a:scrgbClr r="0" g="0" b="0"/>
+          </a:effectRef>
+          <a:fontRef idx="none"/>
+        </p:style>
+        <p:txBody>
+          <a:bodyPr rot="0" spcFirstLastPara="1" vertOverflow="overflow" horzOverflow="overflow" vert="horz" wrap="square" lIns="45719" tIns="45719" rIns="45719" bIns="45719" numCol="1" spcCol="38100" rtlCol="0" anchor="t">
+            <a:spAutoFit/>
+          </a:bodyPr>
+          <a:lstStyle/>
+          <a:p>
+            <a:pPr marL="0" marR="0" indent="0" algn="ctr" defTabSz="914400" rtl="0" fontAlgn="auto" latinLnBrk="0" hangingPunct="0">
+              <a:lnSpc>
+                <a:spcPct val="100000"/>
+              </a:lnSpc>
+              <a:spcBef>
+                <a:spcPts val="0"/>
+              </a:spcBef>
+              <a:spcAft>
+                <a:spcPts val="0"/>
+              </a:spcAft>
+              <a:buClrTx/>
+              <a:buSzTx/>
+              <a:buFontTx/>
+              <a:buNone/>
+              <a:tabLst/>
+            </a:pPr>
+            <a:r>
+              <a:rPr kumimoji="0" lang="en-US" sz="2500" b="1" i="0" u="none" strike="noStrike" cap="none" spc="0" normalizeH="0" baseline="0" dirty="0" smtClean="0">
+                <a:ln>
+                  <a:noFill/>
+                </a:ln>
+                <a:solidFill>
+                  <a:srgbClr val="000000"/>
+                </a:solidFill>
+                <a:effectLst/>
+                <a:uFillTx/>
+                <a:latin typeface="+mn-lt"/>
+                <a:ea typeface="+mn-ea"/>
+                <a:cs typeface="+mn-cs"/>
+                <a:sym typeface="Times New Roman"/>
+              </a:rPr>
+              <a:t>PCA on TF-IDF Ingredients matches HC correlation</a:t>
+            </a:r>
+            <a:endParaRPr kumimoji="0" lang="en-US" sz="2500" b="1" i="0" u="none" strike="noStrike" cap="none" spc="0" normalizeH="0" baseline="0" dirty="0">
+              <a:ln>
+                <a:noFill/>
+              </a:ln>
+              <a:solidFill>
+                <a:srgbClr val="000000"/>
+              </a:solidFill>
+              <a:effectLst/>
+              <a:uFillTx/>
+              <a:latin typeface="+mn-lt"/>
+              <a:ea typeface="+mn-ea"/>
+              <a:cs typeface="+mn-cs"/>
+              <a:sym typeface="Times New Roman"/>
+            </a:endParaRPr>
+          </a:p>
+        </p:txBody>
+      </p:sp>
     </p:spTree>
   </p:cSld>
   <p:clrMapOvr>
